--- a/PITCH_PRESENTATION.pptx
+++ b/PITCH_PRESENTATION.pptx
@@ -1,9 +1,12 @@
 
 <file path=ppt/presentation.xml><?xml version="1.0" encoding="utf-8"?>
-<p:presentation xmlns:a="http://schemas.openxmlformats.org/drawingml/2006/main" xmlns:p="http://schemas.openxmlformats.org/presentationml/2006/main" xmlns:r="http://schemas.openxmlformats.org/officeDocument/2006/relationships" autoCompressPictures="0" saveSubsetFonts="1">
+<p:presentation xmlns:a="http://schemas.openxmlformats.org/drawingml/2006/main" xmlns:r="http://schemas.openxmlformats.org/officeDocument/2006/relationships" xmlns:p="http://schemas.openxmlformats.org/presentationml/2006/main" showSpecialPlsOnTitleSld="0" saveSubsetFonts="1" autoCompressPictures="0">
   <p:sldMasterIdLst>
     <p:sldMasterId id="2147483648" r:id="rId1"/>
   </p:sldMasterIdLst>
+  <p:notesMasterIdLst>
+    <p:notesMasterId r:id="rId15"/>
+  </p:notesMasterIdLst>
   <p:sldIdLst>
     <p:sldId id="256" r:id="rId2"/>
     <p:sldId id="257" r:id="rId3"/>
@@ -11,17 +14,13 @@
     <p:sldId id="259" r:id="rId5"/>
     <p:sldId id="260" r:id="rId6"/>
     <p:sldId id="261" r:id="rId7"/>
-    <p:sldId id="262" r:id="rId8"/>
-    <p:sldId id="263" r:id="rId9"/>
-    <p:sldId id="264" r:id="rId10"/>
-    <p:sldId id="265" r:id="rId11"/>
-    <p:sldId id="266" r:id="rId12"/>
-    <p:sldId id="267" r:id="rId13"/>
-    <p:sldId id="268" r:id="rId14"/>
-    <p:sldId id="269" r:id="rId15"/>
-    <p:sldId id="270" r:id="rId16"/>
-    <p:sldId id="271" r:id="rId17"/>
-    <p:sldId id="272" r:id="rId18"/>
+    <p:sldId id="264" r:id="rId8"/>
+    <p:sldId id="266" r:id="rId9"/>
+    <p:sldId id="267" r:id="rId10"/>
+    <p:sldId id="268" r:id="rId11"/>
+    <p:sldId id="270" r:id="rId12"/>
+    <p:sldId id="271" r:id="rId13"/>
+    <p:sldId id="272" r:id="rId14"/>
   </p:sldIdLst>
   <p:sldSz cx="9144000" cy="5143500" type="screen16x9"/>
   <p:notesSz cx="6858000" cy="9144000"/>
@@ -29,8 +28,8 @@
     <a:defPPr>
       <a:defRPr lang="en-US"/>
     </a:defPPr>
-    <a:lvl1pPr algn="l" defTabSz="457200" eaLnBrk="1" hangingPunct="1" latinLnBrk="0" marL="0" rtl="0">
-      <a:defRPr kern="1200" sz="1800">
+    <a:lvl1pPr marL="0" algn="l" defTabSz="457200" rtl="0" eaLnBrk="1" latinLnBrk="0" hangingPunct="1">
+      <a:defRPr sz="1800" kern="1200">
         <a:solidFill>
           <a:schemeClr val="tx1"/>
         </a:solidFill>
@@ -39,8 +38,8 @@
         <a:cs typeface="+mn-cs"/>
       </a:defRPr>
     </a:lvl1pPr>
-    <a:lvl2pPr algn="l" defTabSz="457200" eaLnBrk="1" hangingPunct="1" latinLnBrk="0" marL="457200" rtl="0">
-      <a:defRPr kern="1200" sz="1800">
+    <a:lvl2pPr marL="457200" algn="l" defTabSz="457200" rtl="0" eaLnBrk="1" latinLnBrk="0" hangingPunct="1">
+      <a:defRPr sz="1800" kern="1200">
         <a:solidFill>
           <a:schemeClr val="tx1"/>
         </a:solidFill>
@@ -49,8 +48,8 @@
         <a:cs typeface="+mn-cs"/>
       </a:defRPr>
     </a:lvl2pPr>
-    <a:lvl3pPr algn="l" defTabSz="457200" eaLnBrk="1" hangingPunct="1" latinLnBrk="0" marL="914400" rtl="0">
-      <a:defRPr kern="1200" sz="1800">
+    <a:lvl3pPr marL="914400" algn="l" defTabSz="457200" rtl="0" eaLnBrk="1" latinLnBrk="0" hangingPunct="1">
+      <a:defRPr sz="1800" kern="1200">
         <a:solidFill>
           <a:schemeClr val="tx1"/>
         </a:solidFill>
@@ -59,8 +58,8 @@
         <a:cs typeface="+mn-cs"/>
       </a:defRPr>
     </a:lvl3pPr>
-    <a:lvl4pPr algn="l" defTabSz="457200" eaLnBrk="1" hangingPunct="1" latinLnBrk="0" marL="1371600" rtl="0">
-      <a:defRPr kern="1200" sz="1800">
+    <a:lvl4pPr marL="1371600" algn="l" defTabSz="457200" rtl="0" eaLnBrk="1" latinLnBrk="0" hangingPunct="1">
+      <a:defRPr sz="1800" kern="1200">
         <a:solidFill>
           <a:schemeClr val="tx1"/>
         </a:solidFill>
@@ -69,8 +68,8 @@
         <a:cs typeface="+mn-cs"/>
       </a:defRPr>
     </a:lvl4pPr>
-    <a:lvl5pPr algn="l" defTabSz="457200" eaLnBrk="1" hangingPunct="1" latinLnBrk="0" marL="1828800" rtl="0">
-      <a:defRPr kern="1200" sz="1800">
+    <a:lvl5pPr marL="1828800" algn="l" defTabSz="457200" rtl="0" eaLnBrk="1" latinLnBrk="0" hangingPunct="1">
+      <a:defRPr sz="1800" kern="1200">
         <a:solidFill>
           <a:schemeClr val="tx1"/>
         </a:solidFill>
@@ -79,8 +78,8 @@
         <a:cs typeface="+mn-cs"/>
       </a:defRPr>
     </a:lvl5pPr>
-    <a:lvl6pPr algn="l" defTabSz="457200" eaLnBrk="1" hangingPunct="1" latinLnBrk="0" marL="2286000" rtl="0">
-      <a:defRPr kern="1200" sz="1800">
+    <a:lvl6pPr marL="2286000" algn="l" defTabSz="457200" rtl="0" eaLnBrk="1" latinLnBrk="0" hangingPunct="1">
+      <a:defRPr sz="1800" kern="1200">
         <a:solidFill>
           <a:schemeClr val="tx1"/>
         </a:solidFill>
@@ -89,8 +88,8 @@
         <a:cs typeface="+mn-cs"/>
       </a:defRPr>
     </a:lvl6pPr>
-    <a:lvl7pPr algn="l" defTabSz="457200" eaLnBrk="1" hangingPunct="1" latinLnBrk="0" marL="2743200" rtl="0">
-      <a:defRPr kern="1200" sz="1800">
+    <a:lvl7pPr marL="2743200" algn="l" defTabSz="457200" rtl="0" eaLnBrk="1" latinLnBrk="0" hangingPunct="1">
+      <a:defRPr sz="1800" kern="1200">
         <a:solidFill>
           <a:schemeClr val="tx1"/>
         </a:solidFill>
@@ -99,8 +98,8 @@
         <a:cs typeface="+mn-cs"/>
       </a:defRPr>
     </a:lvl7pPr>
-    <a:lvl8pPr algn="l" defTabSz="457200" eaLnBrk="1" hangingPunct="1" latinLnBrk="0" marL="3200400" rtl="0">
-      <a:defRPr kern="1200" sz="1800">
+    <a:lvl8pPr marL="3200400" algn="l" defTabSz="457200" rtl="0" eaLnBrk="1" latinLnBrk="0" hangingPunct="1">
+      <a:defRPr sz="1800" kern="1200">
         <a:solidFill>
           <a:schemeClr val="tx1"/>
         </a:solidFill>
@@ -109,8 +108,8 @@
         <a:cs typeface="+mn-cs"/>
       </a:defRPr>
     </a:lvl8pPr>
-    <a:lvl9pPr algn="l" defTabSz="457200" eaLnBrk="1" hangingPunct="1" latinLnBrk="0" marL="3657600" rtl="0">
-      <a:defRPr kern="1200" sz="1800">
+    <a:lvl9pPr marL="3657600" algn="l" defTabSz="457200" rtl="0" eaLnBrk="1" latinLnBrk="0" hangingPunct="1">
+      <a:defRPr sz="1800" kern="1200">
         <a:solidFill>
           <a:schemeClr val="tx1"/>
         </a:solidFill>
@@ -139,6 +138,439 @@
 </p:presentation>
 </file>
 
+<file path=ppt/notesMasters/notesMaster1.xml><?xml version="1.0" encoding="utf-8"?>
+<p:notesMaster xmlns:a="http://schemas.openxmlformats.org/drawingml/2006/main" xmlns:r="http://schemas.openxmlformats.org/officeDocument/2006/relationships" xmlns:p="http://schemas.openxmlformats.org/presentationml/2006/main">
+  <p:cSld>
+    <p:bg>
+      <p:bgRef idx="1001">
+        <a:schemeClr val="bg1"/>
+      </p:bgRef>
+    </p:bg>
+    <p:spTree>
+      <p:nvGrpSpPr>
+        <p:cNvPr id="1" name=""/>
+        <p:cNvGrpSpPr/>
+        <p:nvPr/>
+      </p:nvGrpSpPr>
+      <p:grpSpPr>
+        <a:xfrm>
+          <a:off x="0" y="0"/>
+          <a:ext cx="0" cy="0"/>
+          <a:chOff x="0" y="0"/>
+          <a:chExt cx="0" cy="0"/>
+        </a:xfrm>
+      </p:grpSpPr>
+      <p:sp>
+        <p:nvSpPr>
+          <p:cNvPr id="2" name="Верхний колонтитул 1"/>
+          <p:cNvSpPr>
+            <a:spLocks noGrp="1"/>
+          </p:cNvSpPr>
+          <p:nvPr>
+            <p:ph type="hdr" sz="quarter"/>
+          </p:nvPr>
+        </p:nvSpPr>
+        <p:spPr>
+          <a:xfrm>
+            <a:off x="0" y="0"/>
+            <a:ext cx="2971800" cy="458788"/>
+          </a:xfrm>
+          <a:prstGeom prst="rect">
+            <a:avLst/>
+          </a:prstGeom>
+        </p:spPr>
+        <p:txBody>
+          <a:bodyPr vert="horz" lIns="91440" tIns="45720" rIns="91440" bIns="45720" rtlCol="0"/>
+          <a:lstStyle>
+            <a:lvl1pPr algn="l">
+              <a:defRPr sz="1200"/>
+            </a:lvl1pPr>
+          </a:lstStyle>
+          <a:p>
+            <a:endParaRPr lang="ru-RU"/>
+          </a:p>
+        </p:txBody>
+      </p:sp>
+      <p:sp>
+        <p:nvSpPr>
+          <p:cNvPr id="3" name="Дата 2"/>
+          <p:cNvSpPr>
+            <a:spLocks noGrp="1"/>
+          </p:cNvSpPr>
+          <p:nvPr>
+            <p:ph type="dt" idx="1"/>
+          </p:nvPr>
+        </p:nvSpPr>
+        <p:spPr>
+          <a:xfrm>
+            <a:off x="3884613" y="0"/>
+            <a:ext cx="2971800" cy="458788"/>
+          </a:xfrm>
+          <a:prstGeom prst="rect">
+            <a:avLst/>
+          </a:prstGeom>
+        </p:spPr>
+        <p:txBody>
+          <a:bodyPr vert="horz" lIns="91440" tIns="45720" rIns="91440" bIns="45720" rtlCol="0"/>
+          <a:lstStyle>
+            <a:lvl1pPr algn="r">
+              <a:defRPr sz="1200"/>
+            </a:lvl1pPr>
+          </a:lstStyle>
+          <a:p>
+            <a:fld id="{CE255951-B033-6241-9607-C26F47DCB64E}" type="datetimeFigureOut">
+              <a:rPr lang="ru-RU" smtClean="0"/>
+              <a:t>04.10.2025</a:t>
+            </a:fld>
+            <a:endParaRPr lang="ru-RU"/>
+          </a:p>
+        </p:txBody>
+      </p:sp>
+      <p:sp>
+        <p:nvSpPr>
+          <p:cNvPr id="4" name="Образ слайда 3"/>
+          <p:cNvSpPr>
+            <a:spLocks noGrp="1" noRot="1" noChangeAspect="1"/>
+          </p:cNvSpPr>
+          <p:nvPr>
+            <p:ph type="sldImg" idx="2"/>
+          </p:nvPr>
+        </p:nvSpPr>
+        <p:spPr>
+          <a:xfrm>
+            <a:off x="685800" y="1143000"/>
+            <a:ext cx="5486400" cy="3086100"/>
+          </a:xfrm>
+          <a:prstGeom prst="rect">
+            <a:avLst/>
+          </a:prstGeom>
+          <a:noFill/>
+          <a:ln w="12700">
+            <a:solidFill>
+              <a:prstClr val="black"/>
+            </a:solidFill>
+          </a:ln>
+        </p:spPr>
+        <p:txBody>
+          <a:bodyPr vert="horz" lIns="91440" tIns="45720" rIns="91440" bIns="45720" rtlCol="0" anchor="ctr"/>
+          <a:lstStyle/>
+          <a:p>
+            <a:endParaRPr lang="ru-RU"/>
+          </a:p>
+        </p:txBody>
+      </p:sp>
+      <p:sp>
+        <p:nvSpPr>
+          <p:cNvPr id="5" name="Заметки 4"/>
+          <p:cNvSpPr>
+            <a:spLocks noGrp="1"/>
+          </p:cNvSpPr>
+          <p:nvPr>
+            <p:ph type="body" sz="quarter" idx="3"/>
+          </p:nvPr>
+        </p:nvSpPr>
+        <p:spPr>
+          <a:xfrm>
+            <a:off x="685800" y="4400550"/>
+            <a:ext cx="5486400" cy="3600450"/>
+          </a:xfrm>
+          <a:prstGeom prst="rect">
+            <a:avLst/>
+          </a:prstGeom>
+        </p:spPr>
+        <p:txBody>
+          <a:bodyPr vert="horz" lIns="91440" tIns="45720" rIns="91440" bIns="45720" rtlCol="0"/>
+          <a:lstStyle/>
+          <a:p>
+            <a:pPr lvl="0"/>
+            <a:r>
+              <a:rPr lang="ru-RU"/>
+              <a:t>Образец текста</a:t>
+            </a:r>
+          </a:p>
+          <a:p>
+            <a:pPr lvl="1"/>
+            <a:r>
+              <a:rPr lang="ru-RU"/>
+              <a:t>Второй уровень</a:t>
+            </a:r>
+          </a:p>
+          <a:p>
+            <a:pPr lvl="2"/>
+            <a:r>
+              <a:rPr lang="ru-RU"/>
+              <a:t>Третий уровень</a:t>
+            </a:r>
+          </a:p>
+          <a:p>
+            <a:pPr lvl="3"/>
+            <a:r>
+              <a:rPr lang="ru-RU"/>
+              <a:t>Четвертый уровень</a:t>
+            </a:r>
+          </a:p>
+          <a:p>
+            <a:pPr lvl="4"/>
+            <a:r>
+              <a:rPr lang="ru-RU"/>
+              <a:t>Пятый уровень</a:t>
+            </a:r>
+          </a:p>
+        </p:txBody>
+      </p:sp>
+      <p:sp>
+        <p:nvSpPr>
+          <p:cNvPr id="6" name="Нижний колонтитул 5"/>
+          <p:cNvSpPr>
+            <a:spLocks noGrp="1"/>
+          </p:cNvSpPr>
+          <p:nvPr>
+            <p:ph type="ftr" sz="quarter" idx="4"/>
+          </p:nvPr>
+        </p:nvSpPr>
+        <p:spPr>
+          <a:xfrm>
+            <a:off x="0" y="8685213"/>
+            <a:ext cx="2971800" cy="458787"/>
+          </a:xfrm>
+          <a:prstGeom prst="rect">
+            <a:avLst/>
+          </a:prstGeom>
+        </p:spPr>
+        <p:txBody>
+          <a:bodyPr vert="horz" lIns="91440" tIns="45720" rIns="91440" bIns="45720" rtlCol="0" anchor="b"/>
+          <a:lstStyle>
+            <a:lvl1pPr algn="l">
+              <a:defRPr sz="1200"/>
+            </a:lvl1pPr>
+          </a:lstStyle>
+          <a:p>
+            <a:endParaRPr lang="ru-RU"/>
+          </a:p>
+        </p:txBody>
+      </p:sp>
+      <p:sp>
+        <p:nvSpPr>
+          <p:cNvPr id="7" name="Номер слайда 6"/>
+          <p:cNvSpPr>
+            <a:spLocks noGrp="1"/>
+          </p:cNvSpPr>
+          <p:nvPr>
+            <p:ph type="sldNum" sz="quarter" idx="5"/>
+          </p:nvPr>
+        </p:nvSpPr>
+        <p:spPr>
+          <a:xfrm>
+            <a:off x="3884613" y="8685213"/>
+            <a:ext cx="2971800" cy="458787"/>
+          </a:xfrm>
+          <a:prstGeom prst="rect">
+            <a:avLst/>
+          </a:prstGeom>
+        </p:spPr>
+        <p:txBody>
+          <a:bodyPr vert="horz" lIns="91440" tIns="45720" rIns="91440" bIns="45720" rtlCol="0" anchor="b"/>
+          <a:lstStyle>
+            <a:lvl1pPr algn="r">
+              <a:defRPr sz="1200"/>
+            </a:lvl1pPr>
+          </a:lstStyle>
+          <a:p>
+            <a:fld id="{7B7C37E4-48F9-3D41-AEBC-EF22986BEB22}" type="slidenum">
+              <a:rPr lang="ru-RU" smtClean="0"/>
+              <a:t>‹#›</a:t>
+            </a:fld>
+            <a:endParaRPr lang="ru-RU"/>
+          </a:p>
+        </p:txBody>
+      </p:sp>
+    </p:spTree>
+    <p:extLst>
+      <p:ext uri="{BB962C8B-B14F-4D97-AF65-F5344CB8AC3E}">
+        <p14:creationId xmlns:p14="http://schemas.microsoft.com/office/powerpoint/2010/main" val="3710179769"/>
+      </p:ext>
+    </p:extLst>
+  </p:cSld>
+  <p:clrMap bg1="lt1" tx1="dk1" bg2="lt2" tx2="dk2" accent1="accent1" accent2="accent2" accent3="accent3" accent4="accent4" accent5="accent5" accent6="accent6" hlink="hlink" folHlink="folHlink"/>
+  <p:notesStyle>
+    <a:lvl1pPr marL="0" algn="l" defTabSz="914400" rtl="0" eaLnBrk="1" latinLnBrk="0" hangingPunct="1">
+      <a:defRPr sz="1200" kern="1200">
+        <a:solidFill>
+          <a:schemeClr val="tx1"/>
+        </a:solidFill>
+        <a:latin typeface="+mn-lt"/>
+        <a:ea typeface="+mn-ea"/>
+        <a:cs typeface="+mn-cs"/>
+      </a:defRPr>
+    </a:lvl1pPr>
+    <a:lvl2pPr marL="457200" algn="l" defTabSz="914400" rtl="0" eaLnBrk="1" latinLnBrk="0" hangingPunct="1">
+      <a:defRPr sz="1200" kern="1200">
+        <a:solidFill>
+          <a:schemeClr val="tx1"/>
+        </a:solidFill>
+        <a:latin typeface="+mn-lt"/>
+        <a:ea typeface="+mn-ea"/>
+        <a:cs typeface="+mn-cs"/>
+      </a:defRPr>
+    </a:lvl2pPr>
+    <a:lvl3pPr marL="914400" algn="l" defTabSz="914400" rtl="0" eaLnBrk="1" latinLnBrk="0" hangingPunct="1">
+      <a:defRPr sz="1200" kern="1200">
+        <a:solidFill>
+          <a:schemeClr val="tx1"/>
+        </a:solidFill>
+        <a:latin typeface="+mn-lt"/>
+        <a:ea typeface="+mn-ea"/>
+        <a:cs typeface="+mn-cs"/>
+      </a:defRPr>
+    </a:lvl3pPr>
+    <a:lvl4pPr marL="1371600" algn="l" defTabSz="914400" rtl="0" eaLnBrk="1" latinLnBrk="0" hangingPunct="1">
+      <a:defRPr sz="1200" kern="1200">
+        <a:solidFill>
+          <a:schemeClr val="tx1"/>
+        </a:solidFill>
+        <a:latin typeface="+mn-lt"/>
+        <a:ea typeface="+mn-ea"/>
+        <a:cs typeface="+mn-cs"/>
+      </a:defRPr>
+    </a:lvl4pPr>
+    <a:lvl5pPr marL="1828800" algn="l" defTabSz="914400" rtl="0" eaLnBrk="1" latinLnBrk="0" hangingPunct="1">
+      <a:defRPr sz="1200" kern="1200">
+        <a:solidFill>
+          <a:schemeClr val="tx1"/>
+        </a:solidFill>
+        <a:latin typeface="+mn-lt"/>
+        <a:ea typeface="+mn-ea"/>
+        <a:cs typeface="+mn-cs"/>
+      </a:defRPr>
+    </a:lvl5pPr>
+    <a:lvl6pPr marL="2286000" algn="l" defTabSz="914400" rtl="0" eaLnBrk="1" latinLnBrk="0" hangingPunct="1">
+      <a:defRPr sz="1200" kern="1200">
+        <a:solidFill>
+          <a:schemeClr val="tx1"/>
+        </a:solidFill>
+        <a:latin typeface="+mn-lt"/>
+        <a:ea typeface="+mn-ea"/>
+        <a:cs typeface="+mn-cs"/>
+      </a:defRPr>
+    </a:lvl6pPr>
+    <a:lvl7pPr marL="2743200" algn="l" defTabSz="914400" rtl="0" eaLnBrk="1" latinLnBrk="0" hangingPunct="1">
+      <a:defRPr sz="1200" kern="1200">
+        <a:solidFill>
+          <a:schemeClr val="tx1"/>
+        </a:solidFill>
+        <a:latin typeface="+mn-lt"/>
+        <a:ea typeface="+mn-ea"/>
+        <a:cs typeface="+mn-cs"/>
+      </a:defRPr>
+    </a:lvl7pPr>
+    <a:lvl8pPr marL="3200400" algn="l" defTabSz="914400" rtl="0" eaLnBrk="1" latinLnBrk="0" hangingPunct="1">
+      <a:defRPr sz="1200" kern="1200">
+        <a:solidFill>
+          <a:schemeClr val="tx1"/>
+        </a:solidFill>
+        <a:latin typeface="+mn-lt"/>
+        <a:ea typeface="+mn-ea"/>
+        <a:cs typeface="+mn-cs"/>
+      </a:defRPr>
+    </a:lvl8pPr>
+    <a:lvl9pPr marL="3657600" algn="l" defTabSz="914400" rtl="0" eaLnBrk="1" latinLnBrk="0" hangingPunct="1">
+      <a:defRPr sz="1200" kern="1200">
+        <a:solidFill>
+          <a:schemeClr val="tx1"/>
+        </a:solidFill>
+        <a:latin typeface="+mn-lt"/>
+        <a:ea typeface="+mn-ea"/>
+        <a:cs typeface="+mn-cs"/>
+      </a:defRPr>
+    </a:lvl9pPr>
+  </p:notesStyle>
+</p:notesMaster>
+</file>
+
+<file path=ppt/notesSlides/notesSlide1.xml><?xml version="1.0" encoding="utf-8"?>
+<p:notes xmlns:a="http://schemas.openxmlformats.org/drawingml/2006/main" xmlns:r="http://schemas.openxmlformats.org/officeDocument/2006/relationships" xmlns:p="http://schemas.openxmlformats.org/presentationml/2006/main">
+  <p:cSld>
+    <p:spTree>
+      <p:nvGrpSpPr>
+        <p:cNvPr id="1" name=""/>
+        <p:cNvGrpSpPr/>
+        <p:nvPr/>
+      </p:nvGrpSpPr>
+      <p:grpSpPr>
+        <a:xfrm>
+          <a:off x="0" y="0"/>
+          <a:ext cx="0" cy="0"/>
+          <a:chOff x="0" y="0"/>
+          <a:chExt cx="0" cy="0"/>
+        </a:xfrm>
+      </p:grpSpPr>
+      <p:sp>
+        <p:nvSpPr>
+          <p:cNvPr id="2" name="Образ слайда 1"/>
+          <p:cNvSpPr>
+            <a:spLocks noGrp="1" noRot="1" noChangeAspect="1"/>
+          </p:cNvSpPr>
+          <p:nvPr>
+            <p:ph type="sldImg"/>
+          </p:nvPr>
+        </p:nvSpPr>
+        <p:spPr/>
+      </p:sp>
+      <p:sp>
+        <p:nvSpPr>
+          <p:cNvPr id="3" name="Заметки 2"/>
+          <p:cNvSpPr>
+            <a:spLocks noGrp="1"/>
+          </p:cNvSpPr>
+          <p:nvPr>
+            <p:ph type="body" idx="1"/>
+          </p:nvPr>
+        </p:nvSpPr>
+        <p:spPr/>
+        <p:txBody>
+          <a:bodyPr/>
+          <a:lstStyle/>
+          <a:p>
+            <a:endParaRPr lang="ru-RU" dirty="0"/>
+          </a:p>
+        </p:txBody>
+      </p:sp>
+      <p:sp>
+        <p:nvSpPr>
+          <p:cNvPr id="4" name="Номер слайда 3"/>
+          <p:cNvSpPr>
+            <a:spLocks noGrp="1"/>
+          </p:cNvSpPr>
+          <p:nvPr>
+            <p:ph type="sldNum" sz="quarter" idx="5"/>
+          </p:nvPr>
+        </p:nvSpPr>
+        <p:spPr/>
+        <p:txBody>
+          <a:bodyPr/>
+          <a:lstStyle/>
+          <a:p>
+            <a:fld id="{7B7C37E4-48F9-3D41-AEBC-EF22986BEB22}" type="slidenum">
+              <a:rPr lang="ru-RU" smtClean="0"/>
+              <a:t>8</a:t>
+            </a:fld>
+            <a:endParaRPr lang="ru-RU"/>
+          </a:p>
+        </p:txBody>
+      </p:sp>
+    </p:spTree>
+    <p:extLst>
+      <p:ext uri="{BB962C8B-B14F-4D97-AF65-F5344CB8AC3E}">
+        <p14:creationId xmlns:p14="http://schemas.microsoft.com/office/powerpoint/2010/main" val="1045136926"/>
+      </p:ext>
+    </p:extLst>
+  </p:cSld>
+  <p:clrMapOvr>
+    <a:masterClrMapping/>
+  </p:clrMapOvr>
+</p:notes>
+</file>
+
 <file path=ppt/slideLayouts/slideLayout1.xml><?xml version="1.0" encoding="utf-8"?>
 <p:sldLayout xmlns:a="http://schemas.openxmlformats.org/drawingml/2006/main" xmlns:r="http://schemas.openxmlformats.org/officeDocument/2006/relationships" xmlns:p="http://schemas.openxmlformats.org/presentationml/2006/main" type="title" preserve="1">
   <p:cSld name="Title Slide">
@@ -316,9 +748,9 @@
           <a:bodyPr/>
           <a:lstStyle/>
           <a:p>
-            <a:fld id="{241EB5C9-1307-BA42-ABA2-0BC069CD8E7F}" type="datetimeFigureOut">
-              <a:rPr lang="en-US" smtClean="0"/>
-              <a:t>1/2/22</a:t>
+            <a:fld id="{052D3AF9-7E93-7B45-BD61-4F4C0315C840}" type="datetime1">
+              <a:rPr lang="ru-RU" smtClean="0"/>
+              <a:t>04.10.2025</a:t>
             </a:fld>
             <a:endParaRPr lang="en-US"/>
           </a:p>
@@ -484,9 +916,9 @@
           <a:bodyPr/>
           <a:lstStyle/>
           <a:p>
-            <a:fld id="{241EB5C9-1307-BA42-ABA2-0BC069CD8E7F}" type="datetimeFigureOut">
-              <a:rPr lang="en-US" smtClean="0"/>
-              <a:t>1/2/22</a:t>
+            <a:fld id="{44C3B15C-074D-7E4A-9A3C-BF673C428BE3}" type="datetime1">
+              <a:rPr lang="ru-RU" smtClean="0"/>
+              <a:t>04.10.2025</a:t>
             </a:fld>
             <a:endParaRPr lang="en-US"/>
           </a:p>
@@ -662,9 +1094,9 @@
           <a:bodyPr/>
           <a:lstStyle/>
           <a:p>
-            <a:fld id="{241EB5C9-1307-BA42-ABA2-0BC069CD8E7F}" type="datetimeFigureOut">
-              <a:rPr lang="en-US" smtClean="0"/>
-              <a:t>1/2/22</a:t>
+            <a:fld id="{56E3B878-153A-654F-97F6-0B504BA0152B}" type="datetime1">
+              <a:rPr lang="ru-RU" smtClean="0"/>
+              <a:t>04.10.2025</a:t>
             </a:fld>
             <a:endParaRPr lang="en-US"/>
           </a:p>
@@ -830,9 +1262,9 @@
           <a:bodyPr/>
           <a:lstStyle/>
           <a:p>
-            <a:fld id="{241EB5C9-1307-BA42-ABA2-0BC069CD8E7F}" type="datetimeFigureOut">
-              <a:rPr lang="en-US" smtClean="0"/>
-              <a:t>1/2/22</a:t>
+            <a:fld id="{8BC32040-F901-3A43-990E-F39832A5480D}" type="datetime1">
+              <a:rPr lang="ru-RU" smtClean="0"/>
+              <a:t>04.10.2025</a:t>
             </a:fld>
             <a:endParaRPr lang="en-US"/>
           </a:p>
@@ -1075,9 +1507,9 @@
           <a:bodyPr/>
           <a:lstStyle/>
           <a:p>
-            <a:fld id="{241EB5C9-1307-BA42-ABA2-0BC069CD8E7F}" type="datetimeFigureOut">
-              <a:rPr lang="en-US" smtClean="0"/>
-              <a:t>1/2/22</a:t>
+            <a:fld id="{C5041B6C-6C7F-814A-89EA-F993CECD79B9}" type="datetime1">
+              <a:rPr lang="ru-RU" smtClean="0"/>
+              <a:t>04.10.2025</a:t>
             </a:fld>
             <a:endParaRPr lang="en-US"/>
           </a:p>
@@ -1360,9 +1792,9 @@
           <a:bodyPr/>
           <a:lstStyle/>
           <a:p>
-            <a:fld id="{241EB5C9-1307-BA42-ABA2-0BC069CD8E7F}" type="datetimeFigureOut">
-              <a:rPr lang="en-US" smtClean="0"/>
-              <a:t>1/2/22</a:t>
+            <a:fld id="{045B242F-8175-0B44-8F8E-5AEB6AF8FB3C}" type="datetime1">
+              <a:rPr lang="ru-RU" smtClean="0"/>
+              <a:t>04.10.2025</a:t>
             </a:fld>
             <a:endParaRPr lang="en-US"/>
           </a:p>
@@ -1779,9 +2211,9 @@
           <a:bodyPr/>
           <a:lstStyle/>
           <a:p>
-            <a:fld id="{241EB5C9-1307-BA42-ABA2-0BC069CD8E7F}" type="datetimeFigureOut">
-              <a:rPr lang="en-US" smtClean="0"/>
-              <a:t>1/2/22</a:t>
+            <a:fld id="{11F8B235-0788-D24D-B214-C5F8DD6E4D0D}" type="datetime1">
+              <a:rPr lang="ru-RU" smtClean="0"/>
+              <a:t>04.10.2025</a:t>
             </a:fld>
             <a:endParaRPr lang="en-US"/>
           </a:p>
@@ -1896,9 +2328,9 @@
           <a:bodyPr/>
           <a:lstStyle/>
           <a:p>
-            <a:fld id="{241EB5C9-1307-BA42-ABA2-0BC069CD8E7F}" type="datetimeFigureOut">
-              <a:rPr lang="en-US" smtClean="0"/>
-              <a:t>1/2/22</a:t>
+            <a:fld id="{2244ACDA-2ED7-AF4B-944C-BE5E70D056D5}" type="datetime1">
+              <a:rPr lang="ru-RU" smtClean="0"/>
+              <a:t>04.10.2025</a:t>
             </a:fld>
             <a:endParaRPr lang="en-US"/>
           </a:p>
@@ -1991,9 +2423,9 @@
           <a:bodyPr/>
           <a:lstStyle/>
           <a:p>
-            <a:fld id="{241EB5C9-1307-BA42-ABA2-0BC069CD8E7F}" type="datetimeFigureOut">
-              <a:rPr lang="en-US" smtClean="0"/>
-              <a:t>1/2/22</a:t>
+            <a:fld id="{F9C3BA3B-C867-7242-AB9B-5123D3F3F91F}" type="datetime1">
+              <a:rPr lang="ru-RU" smtClean="0"/>
+              <a:t>04.10.2025</a:t>
             </a:fld>
             <a:endParaRPr lang="en-US"/>
           </a:p>
@@ -2266,9 +2698,9 @@
           <a:bodyPr/>
           <a:lstStyle/>
           <a:p>
-            <a:fld id="{241EB5C9-1307-BA42-ABA2-0BC069CD8E7F}" type="datetimeFigureOut">
-              <a:rPr lang="en-US" smtClean="0"/>
-              <a:t>1/2/22</a:t>
+            <a:fld id="{9B3501D0-5A58-AF49-921B-8092E50D5F95}" type="datetime1">
+              <a:rPr lang="ru-RU" smtClean="0"/>
+              <a:t>04.10.2025</a:t>
             </a:fld>
             <a:endParaRPr lang="en-US"/>
           </a:p>
@@ -2518,9 +2950,9 @@
           <a:bodyPr/>
           <a:lstStyle/>
           <a:p>
-            <a:fld id="{241EB5C9-1307-BA42-ABA2-0BC069CD8E7F}" type="datetimeFigureOut">
-              <a:rPr lang="en-US" smtClean="0"/>
-              <a:t>1/2/22</a:t>
+            <a:fld id="{C677DB21-A157-C444-9BAE-7B7AA8D0E6F7}" type="datetime1">
+              <a:rPr lang="ru-RU" smtClean="0"/>
+              <a:t>04.10.2025</a:t>
             </a:fld>
             <a:endParaRPr lang="en-US"/>
           </a:p>
@@ -2582,7 +3014,7 @@
 </file>
 
 <file path=ppt/slideMasters/slideMaster1.xml><?xml version="1.0" encoding="utf-8"?>
-<p:sldMaster xmlns:a="http://schemas.openxmlformats.org/drawingml/2006/main" xmlns:p="http://schemas.openxmlformats.org/presentationml/2006/main" xmlns:r="http://schemas.openxmlformats.org/officeDocument/2006/relationships">
+<p:sldMaster xmlns:a="http://schemas.openxmlformats.org/drawingml/2006/main" xmlns:r="http://schemas.openxmlformats.org/officeDocument/2006/relationships" xmlns:p="http://schemas.openxmlformats.org/presentationml/2006/main">
   <p:cSld>
     <p:bg>
       <p:bgRef idx="1001">
@@ -2623,7 +3055,7 @@
           </a:prstGeom>
         </p:spPr>
         <p:txBody>
-          <a:bodyPr anchor="ctr" bIns="45720" lIns="91440" rIns="91440" rtlCol="0" tIns="45720" vert="horz">
+          <a:bodyPr vert="horz" lIns="91440" tIns="45720" rIns="91440" bIns="45720" rtlCol="0" anchor="ctr">
             <a:normAutofit/>
           </a:bodyPr>
           <a:lstStyle/>
@@ -2642,7 +3074,7 @@
             <a:spLocks noGrp="1"/>
           </p:cNvSpPr>
           <p:nvPr>
-            <p:ph idx="1" type="body"/>
+            <p:ph type="body" idx="1"/>
           </p:nvPr>
         </p:nvSpPr>
         <p:spPr>
@@ -2655,7 +3087,7 @@
           </a:prstGeom>
         </p:spPr>
         <p:txBody>
-          <a:bodyPr bIns="45720" lIns="91440" rIns="91440" rtlCol="0" tIns="45720" vert="horz">
+          <a:bodyPr vert="horz" lIns="91440" tIns="45720" rIns="91440" bIns="45720" rtlCol="0">
             <a:normAutofit/>
           </a:bodyPr>
           <a:lstStyle/>
@@ -2703,7 +3135,7 @@
             <a:spLocks noGrp="1"/>
           </p:cNvSpPr>
           <p:nvPr>
-            <p:ph idx="2" sz="half" type="dt"/>
+            <p:ph type="dt" sz="half" idx="2"/>
           </p:nvPr>
         </p:nvSpPr>
         <p:spPr>
@@ -2716,7 +3148,7 @@
           </a:prstGeom>
         </p:spPr>
         <p:txBody>
-          <a:bodyPr anchor="ctr" bIns="45720" lIns="91440" rIns="91440" rtlCol="0" tIns="45720" vert="horz"/>
+          <a:bodyPr vert="horz" lIns="91440" tIns="45720" rIns="91440" bIns="45720" rtlCol="0" anchor="ctr"/>
           <a:lstStyle>
             <a:lvl1pPr algn="l">
               <a:defRPr sz="900">
@@ -2729,9 +3161,9 @@
             </a:lvl1pPr>
           </a:lstStyle>
           <a:p>
-            <a:fld id="{241EB5C9-1307-BA42-ABA2-0BC069CD8E7F}" type="datetimeFigureOut">
-              <a:rPr lang="en-US" smtClean="0"/>
-              <a:t>1/2/22</a:t>
+            <a:fld id="{0E148000-199B-5543-9EF2-FF1B6C73C819}" type="datetime1">
+              <a:rPr lang="ru-RU" smtClean="0"/>
+              <a:t>04.10.2025</a:t>
             </a:fld>
             <a:endParaRPr lang="en-US"/>
           </a:p>
@@ -2744,7 +3176,7 @@
             <a:spLocks noGrp="1"/>
           </p:cNvSpPr>
           <p:nvPr>
-            <p:ph idx="3" sz="quarter" type="ftr"/>
+            <p:ph type="ftr" sz="quarter" idx="3"/>
           </p:nvPr>
         </p:nvSpPr>
         <p:spPr>
@@ -2757,7 +3189,7 @@
           </a:prstGeom>
         </p:spPr>
         <p:txBody>
-          <a:bodyPr anchor="ctr" bIns="45720" lIns="91440" rIns="91440" rtlCol="0" tIns="45720" vert="horz"/>
+          <a:bodyPr vert="horz" lIns="91440" tIns="45720" rIns="91440" bIns="45720" rtlCol="0" anchor="ctr"/>
           <a:lstStyle>
             <a:lvl1pPr algn="ctr">
               <a:defRPr sz="900">
@@ -2781,7 +3213,7 @@
             <a:spLocks noGrp="1"/>
           </p:cNvSpPr>
           <p:nvPr>
-            <p:ph idx="4" sz="quarter" type="sldNum"/>
+            <p:ph type="sldNum" sz="quarter" idx="4"/>
           </p:nvPr>
         </p:nvSpPr>
         <p:spPr>
@@ -2794,7 +3226,7 @@
           </a:prstGeom>
         </p:spPr>
         <p:txBody>
-          <a:bodyPr anchor="ctr" bIns="45720" lIns="91440" rIns="91440" rtlCol="0" tIns="45720" vert="horz"/>
+          <a:bodyPr vert="horz" lIns="91440" tIns="45720" rIns="91440" bIns="45720" rtlCol="0" anchor="ctr"/>
           <a:lstStyle>
             <a:lvl1pPr algn="r">
               <a:defRPr sz="900">
@@ -2822,7 +3254,7 @@
       </p:ext>
     </p:extLst>
   </p:cSld>
-  <p:clrMap accent1="accent1" accent2="accent2" accent3="accent3" accent4="accent4" accent5="accent5" accent6="accent6" bg1="lt1" bg2="lt2" folHlink="folHlink" hlink="hlink" tx1="dk1" tx2="dk2"/>
+  <p:clrMap bg1="lt1" tx1="dk1" bg2="lt2" tx2="dk2" accent1="accent1" accent2="accent2" accent3="accent3" accent4="accent4" accent5="accent5" accent6="accent6" hlink="hlink" folHlink="folHlink"/>
   <p:sldLayoutIdLst>
     <p:sldLayoutId id="2147483649" r:id="rId1"/>
     <p:sldLayoutId id="2147483650" r:id="rId2"/>
@@ -2836,14 +3268,15 @@
     <p:sldLayoutId id="2147483658" r:id="rId10"/>
     <p:sldLayoutId id="2147483659" r:id="rId11"/>
   </p:sldLayoutIdLst>
+  <p:hf hdr="0" ftr="0" dt="0"/>
   <p:txStyles>
     <p:titleStyle>
-      <a:lvl1pPr algn="ctr" defTabSz="342900" eaLnBrk="1" hangingPunct="1" latinLnBrk="0" rtl="0">
+      <a:lvl1pPr algn="ctr" defTabSz="342900" rtl="0" eaLnBrk="1" latinLnBrk="0" hangingPunct="1">
         <a:spcBef>
           <a:spcPct val="0"/>
         </a:spcBef>
         <a:buNone/>
-        <a:defRPr kern="1200" sz="3300">
+        <a:defRPr sz="3300" kern="1200">
           <a:solidFill>
             <a:schemeClr val="tx1"/>
           </a:solidFill>
@@ -2854,13 +3287,13 @@
       </a:lvl1pPr>
     </p:titleStyle>
     <p:bodyStyle>
-      <a:lvl1pPr algn="l" defTabSz="342900" eaLnBrk="1" hangingPunct="1" indent="-342900" latinLnBrk="0" marL="342900" rtl="0">
+      <a:lvl1pPr marL="342900" indent="-342900" algn="l" defTabSz="342900" rtl="0" eaLnBrk="1" latinLnBrk="0" hangingPunct="1">
         <a:spcBef>
           <a:spcPct val="20000"/>
         </a:spcBef>
         <a:buFont typeface="Arial"/>
         <a:buChar char="•"/>
-        <a:defRPr kern="1200" sz="2400">
+        <a:defRPr sz="2400" kern="1200">
           <a:solidFill>
             <a:schemeClr val="tx1"/>
           </a:solidFill>
@@ -2869,13 +3302,13 @@
           <a:cs typeface="+mn-cs"/>
         </a:defRPr>
       </a:lvl1pPr>
-      <a:lvl2pPr algn="l" defTabSz="342900" eaLnBrk="1" hangingPunct="1" indent="-342900" latinLnBrk="0" marL="685800" rtl="0">
+      <a:lvl2pPr marL="685800" indent="-342900" algn="l" defTabSz="342900" rtl="0" eaLnBrk="1" latinLnBrk="0" hangingPunct="1">
         <a:spcBef>
           <a:spcPct val="20000"/>
         </a:spcBef>
         <a:buFont typeface="Arial"/>
         <a:buChar char="–"/>
-        <a:defRPr kern="1200" sz="2100">
+        <a:defRPr sz="2100" kern="1200">
           <a:solidFill>
             <a:schemeClr val="tx1"/>
           </a:solidFill>
@@ -2884,13 +3317,13 @@
           <a:cs typeface="+mn-cs"/>
         </a:defRPr>
       </a:lvl2pPr>
-      <a:lvl3pPr algn="l" defTabSz="342900" eaLnBrk="1" hangingPunct="1" indent="-342900" latinLnBrk="0" marL="1028700" rtl="0">
+      <a:lvl3pPr marL="1028700" indent="-342900" algn="l" defTabSz="342900" rtl="0" eaLnBrk="1" latinLnBrk="0" hangingPunct="1">
         <a:spcBef>
           <a:spcPct val="20000"/>
         </a:spcBef>
         <a:buFont typeface="Arial"/>
         <a:buChar char="•"/>
-        <a:defRPr kern="1200" sz="1800">
+        <a:defRPr sz="1800" kern="1200">
           <a:solidFill>
             <a:schemeClr val="tx1"/>
           </a:solidFill>
@@ -2899,13 +3332,13 @@
           <a:cs typeface="+mn-cs"/>
         </a:defRPr>
       </a:lvl3pPr>
-      <a:lvl4pPr algn="l" defTabSz="342900" eaLnBrk="1" hangingPunct="1" indent="-342900" latinLnBrk="0" marL="1371600" rtl="0">
+      <a:lvl4pPr marL="1371600" indent="-342900" algn="l" defTabSz="342900" rtl="0" eaLnBrk="1" latinLnBrk="0" hangingPunct="1">
         <a:spcBef>
           <a:spcPct val="20000"/>
         </a:spcBef>
         <a:buFont typeface="Arial"/>
         <a:buChar char="–"/>
-        <a:defRPr kern="1200" sz="1500">
+        <a:defRPr sz="1500" kern="1200">
           <a:solidFill>
             <a:schemeClr val="tx1"/>
           </a:solidFill>
@@ -2914,13 +3347,13 @@
           <a:cs typeface="+mn-cs"/>
         </a:defRPr>
       </a:lvl4pPr>
-      <a:lvl5pPr algn="l" defTabSz="342900" eaLnBrk="1" hangingPunct="1" indent="-342900" latinLnBrk="0" marL="1714500" rtl="0">
+      <a:lvl5pPr marL="1714500" indent="-342900" algn="l" defTabSz="342900" rtl="0" eaLnBrk="1" latinLnBrk="0" hangingPunct="1">
         <a:spcBef>
           <a:spcPct val="20000"/>
         </a:spcBef>
         <a:buFont typeface="Arial"/>
         <a:buChar char="»"/>
-        <a:defRPr kern="1200" sz="1500">
+        <a:defRPr sz="1500" kern="1200">
           <a:solidFill>
             <a:schemeClr val="tx1"/>
           </a:solidFill>
@@ -2929,13 +3362,13 @@
           <a:cs typeface="+mn-cs"/>
         </a:defRPr>
       </a:lvl5pPr>
-      <a:lvl6pPr algn="l" defTabSz="342900" eaLnBrk="1" hangingPunct="1" indent="-342900" latinLnBrk="0" marL="2057400" rtl="0">
+      <a:lvl6pPr marL="2057400" indent="-342900" algn="l" defTabSz="342900" rtl="0" eaLnBrk="1" latinLnBrk="0" hangingPunct="1">
         <a:spcBef>
           <a:spcPct val="20000"/>
         </a:spcBef>
         <a:buFont typeface="Arial"/>
         <a:buChar char="•"/>
-        <a:defRPr kern="1200" sz="1500">
+        <a:defRPr sz="1500" kern="1200">
           <a:solidFill>
             <a:schemeClr val="tx1"/>
           </a:solidFill>
@@ -2944,13 +3377,13 @@
           <a:cs typeface="+mn-cs"/>
         </a:defRPr>
       </a:lvl6pPr>
-      <a:lvl7pPr algn="l" defTabSz="342900" eaLnBrk="1" hangingPunct="1" indent="-342900" latinLnBrk="0" marL="2400300" rtl="0">
+      <a:lvl7pPr marL="2400300" indent="-342900" algn="l" defTabSz="342900" rtl="0" eaLnBrk="1" latinLnBrk="0" hangingPunct="1">
         <a:spcBef>
           <a:spcPct val="20000"/>
         </a:spcBef>
         <a:buFont typeface="Arial"/>
         <a:buChar char="•"/>
-        <a:defRPr kern="1200" sz="1500">
+        <a:defRPr sz="1500" kern="1200">
           <a:solidFill>
             <a:schemeClr val="tx1"/>
           </a:solidFill>
@@ -2959,13 +3392,13 @@
           <a:cs typeface="+mn-cs"/>
         </a:defRPr>
       </a:lvl7pPr>
-      <a:lvl8pPr algn="l" defTabSz="342900" eaLnBrk="1" hangingPunct="1" indent="-342900" latinLnBrk="0" marL="2743200" rtl="0">
+      <a:lvl8pPr marL="2743200" indent="-342900" algn="l" defTabSz="342900" rtl="0" eaLnBrk="1" latinLnBrk="0" hangingPunct="1">
         <a:spcBef>
           <a:spcPct val="20000"/>
         </a:spcBef>
         <a:buFont typeface="Arial"/>
         <a:buChar char="•"/>
-        <a:defRPr kern="1200" sz="1500">
+        <a:defRPr sz="1500" kern="1200">
           <a:solidFill>
             <a:schemeClr val="tx1"/>
           </a:solidFill>
@@ -2974,13 +3407,13 @@
           <a:cs typeface="+mn-cs"/>
         </a:defRPr>
       </a:lvl8pPr>
-      <a:lvl9pPr algn="l" defTabSz="342900" eaLnBrk="1" hangingPunct="1" indent="-342900" latinLnBrk="0" marL="3086100" rtl="0">
+      <a:lvl9pPr marL="3086100" indent="-342900" algn="l" defTabSz="342900" rtl="0" eaLnBrk="1" latinLnBrk="0" hangingPunct="1">
         <a:spcBef>
           <a:spcPct val="20000"/>
         </a:spcBef>
         <a:buFont typeface="Arial"/>
         <a:buChar char="•"/>
-        <a:defRPr kern="1200" sz="1500">
+        <a:defRPr sz="1500" kern="1200">
           <a:solidFill>
             <a:schemeClr val="tx1"/>
           </a:solidFill>
@@ -2994,8 +3427,8 @@
       <a:defPPr>
         <a:defRPr lang="en-US"/>
       </a:defPPr>
-      <a:lvl1pPr algn="l" defTabSz="342900" eaLnBrk="1" hangingPunct="1" latinLnBrk="0" marL="0" rtl="0">
-        <a:defRPr kern="1200" sz="1350">
+      <a:lvl1pPr marL="0" algn="l" defTabSz="342900" rtl="0" eaLnBrk="1" latinLnBrk="0" hangingPunct="1">
+        <a:defRPr sz="1350" kern="1200">
           <a:solidFill>
             <a:schemeClr val="tx1"/>
           </a:solidFill>
@@ -3004,8 +3437,8 @@
           <a:cs typeface="+mn-cs"/>
         </a:defRPr>
       </a:lvl1pPr>
-      <a:lvl2pPr algn="l" defTabSz="342900" eaLnBrk="1" hangingPunct="1" latinLnBrk="0" marL="342900" rtl="0">
-        <a:defRPr kern="1200" sz="1350">
+      <a:lvl2pPr marL="342900" algn="l" defTabSz="342900" rtl="0" eaLnBrk="1" latinLnBrk="0" hangingPunct="1">
+        <a:defRPr sz="1350" kern="1200">
           <a:solidFill>
             <a:schemeClr val="tx1"/>
           </a:solidFill>
@@ -3014,8 +3447,8 @@
           <a:cs typeface="+mn-cs"/>
         </a:defRPr>
       </a:lvl2pPr>
-      <a:lvl3pPr algn="l" defTabSz="342900" eaLnBrk="1" hangingPunct="1" latinLnBrk="0" marL="685800" rtl="0">
-        <a:defRPr kern="1200" sz="1350">
+      <a:lvl3pPr marL="685800" algn="l" defTabSz="342900" rtl="0" eaLnBrk="1" latinLnBrk="0" hangingPunct="1">
+        <a:defRPr sz="1350" kern="1200">
           <a:solidFill>
             <a:schemeClr val="tx1"/>
           </a:solidFill>
@@ -3024,8 +3457,8 @@
           <a:cs typeface="+mn-cs"/>
         </a:defRPr>
       </a:lvl3pPr>
-      <a:lvl4pPr algn="l" defTabSz="342900" eaLnBrk="1" hangingPunct="1" latinLnBrk="0" marL="1028700" rtl="0">
-        <a:defRPr kern="1200" sz="1350">
+      <a:lvl4pPr marL="1028700" algn="l" defTabSz="342900" rtl="0" eaLnBrk="1" latinLnBrk="0" hangingPunct="1">
+        <a:defRPr sz="1350" kern="1200">
           <a:solidFill>
             <a:schemeClr val="tx1"/>
           </a:solidFill>
@@ -3034,8 +3467,8 @@
           <a:cs typeface="+mn-cs"/>
         </a:defRPr>
       </a:lvl4pPr>
-      <a:lvl5pPr algn="l" defTabSz="342900" eaLnBrk="1" hangingPunct="1" latinLnBrk="0" marL="1371600" rtl="0">
-        <a:defRPr kern="1200" sz="1350">
+      <a:lvl5pPr marL="1371600" algn="l" defTabSz="342900" rtl="0" eaLnBrk="1" latinLnBrk="0" hangingPunct="1">
+        <a:defRPr sz="1350" kern="1200">
           <a:solidFill>
             <a:schemeClr val="tx1"/>
           </a:solidFill>
@@ -3044,8 +3477,8 @@
           <a:cs typeface="+mn-cs"/>
         </a:defRPr>
       </a:lvl5pPr>
-      <a:lvl6pPr algn="l" defTabSz="342900" eaLnBrk="1" hangingPunct="1" latinLnBrk="0" marL="1714500" rtl="0">
-        <a:defRPr kern="1200" sz="1350">
+      <a:lvl6pPr marL="1714500" algn="l" defTabSz="342900" rtl="0" eaLnBrk="1" latinLnBrk="0" hangingPunct="1">
+        <a:defRPr sz="1350" kern="1200">
           <a:solidFill>
             <a:schemeClr val="tx1"/>
           </a:solidFill>
@@ -3054,8 +3487,8 @@
           <a:cs typeface="+mn-cs"/>
         </a:defRPr>
       </a:lvl6pPr>
-      <a:lvl7pPr algn="l" defTabSz="342900" eaLnBrk="1" hangingPunct="1" latinLnBrk="0" marL="2057400" rtl="0">
-        <a:defRPr kern="1200" sz="1350">
+      <a:lvl7pPr marL="2057400" algn="l" defTabSz="342900" rtl="0" eaLnBrk="1" latinLnBrk="0" hangingPunct="1">
+        <a:defRPr sz="1350" kern="1200">
           <a:solidFill>
             <a:schemeClr val="tx1"/>
           </a:solidFill>
@@ -3064,8 +3497,8 @@
           <a:cs typeface="+mn-cs"/>
         </a:defRPr>
       </a:lvl7pPr>
-      <a:lvl8pPr algn="l" defTabSz="342900" eaLnBrk="1" hangingPunct="1" latinLnBrk="0" marL="2400300" rtl="0">
-        <a:defRPr kern="1200" sz="1350">
+      <a:lvl8pPr marL="2400300" algn="l" defTabSz="342900" rtl="0" eaLnBrk="1" latinLnBrk="0" hangingPunct="1">
+        <a:defRPr sz="1350" kern="1200">
           <a:solidFill>
             <a:schemeClr val="tx1"/>
           </a:solidFill>
@@ -3074,8 +3507,8 @@
           <a:cs typeface="+mn-cs"/>
         </a:defRPr>
       </a:lvl8pPr>
-      <a:lvl9pPr algn="l" defTabSz="342900" eaLnBrk="1" hangingPunct="1" latinLnBrk="0" marL="2743200" rtl="0">
-        <a:defRPr kern="1200" sz="1350">
+      <a:lvl9pPr marL="2743200" algn="l" defTabSz="342900" rtl="0" eaLnBrk="1" latinLnBrk="0" hangingPunct="1">
+        <a:defRPr sz="1350" kern="1200">
           <a:solidFill>
             <a:schemeClr val="tx1"/>
           </a:solidFill>
@@ -3116,18 +3549,78 @@
             <p:ph type="title"/>
           </p:nvPr>
         </p:nvSpPr>
-        <p:spPr/>
-        <p:txBody>
-          <a:bodyPr/>
-          <a:lstStyle/>
-          <a:p>
-            <a:pPr lvl="0" indent="0" marL="0">
+        <p:spPr>
+          <a:xfrm>
+            <a:off x="457200" y="278296"/>
+            <a:ext cx="8229600" cy="857250"/>
+          </a:xfrm>
+        </p:spPr>
+        <p:txBody>
+          <a:bodyPr>
+            <a:normAutofit fontScale="90000"/>
+          </a:bodyPr>
+          <a:lstStyle/>
+          <a:p>
+            <a:pPr marL="0" lvl="0" indent="0">
               <a:buNone/>
             </a:pPr>
             <a:r>
-              <a:rPr/>
-              <a:t>🚀 FORECAST: Прогноз движения цены с учётом новостного контекста</a:t>
-            </a:r>
+              <a:rPr dirty="0"/>
+              <a:t>🚀 FORECAST: </a:t>
+            </a:r>
+            <a:r>
+              <a:rPr dirty="0" err="1"/>
+              <a:t>Прогноз</a:t>
+            </a:r>
+            <a:r>
+              <a:rPr dirty="0"/>
+              <a:t> </a:t>
+            </a:r>
+            <a:r>
+              <a:rPr dirty="0" err="1"/>
+              <a:t>движения</a:t>
+            </a:r>
+            <a:r>
+              <a:rPr dirty="0"/>
+              <a:t> </a:t>
+            </a:r>
+            <a:r>
+              <a:rPr dirty="0" err="1"/>
+              <a:t>цены</a:t>
+            </a:r>
+            <a:r>
+              <a:rPr dirty="0"/>
+              <a:t> </a:t>
+            </a:r>
+            <a:r>
+              <a:rPr dirty="0" err="1"/>
+              <a:t>с</a:t>
+            </a:r>
+            <a:r>
+              <a:rPr dirty="0"/>
+              <a:t> </a:t>
+            </a:r>
+            <a:r>
+              <a:rPr dirty="0" err="1"/>
+              <a:t>учётом</a:t>
+            </a:r>
+            <a:r>
+              <a:rPr dirty="0"/>
+              <a:t> </a:t>
+            </a:r>
+            <a:r>
+              <a:rPr dirty="0" err="1"/>
+              <a:t>новостного</a:t>
+            </a:r>
+            <a:r>
+              <a:rPr dirty="0"/>
+              <a:t> </a:t>
+            </a:r>
+            <a:r>
+              <a:rPr dirty="0" err="1"/>
+              <a:t>контекста</a:t>
+            </a:r>
+            <a:endParaRPr dirty="0"/>
           </a:p>
         </p:txBody>
       </p:sp>
@@ -3141,32 +3634,110 @@
             <p:ph idx="1"/>
           </p:nvPr>
         </p:nvSpPr>
-        <p:spPr/>
-        <p:txBody>
-          <a:bodyPr/>
-          <a:lstStyle/>
-          <a:p>
-            <a:pPr lvl="0" indent="0" marL="0">
+        <p:spPr>
+          <a:xfrm>
+            <a:off x="5204128" y="3800227"/>
+            <a:ext cx="8229600" cy="3394472"/>
+          </a:xfrm>
+        </p:spPr>
+        <p:txBody>
+          <a:bodyPr/>
+          <a:lstStyle/>
+          <a:p>
+            <a:pPr marL="0" lvl="0" indent="0">
               <a:buNone/>
             </a:pPr>
             <a:r>
-              <a:rPr b="1"/>
-              <a:t>Команда Pulsetech</a:t>
-            </a:r>
-          </a:p>
-          <a:p>
-            <a:pPr lvl="0" indent="0" marL="0">
+              <a:rPr b="1" dirty="0" err="1"/>
+              <a:t>Команда</a:t>
+            </a:r>
+            <a:r>
+              <a:rPr b="1" dirty="0"/>
+              <a:t> </a:t>
+            </a:r>
+            <a:r>
+              <a:rPr b="1" dirty="0" err="1"/>
+              <a:t>Pulsetech</a:t>
+            </a:r>
+            <a:endParaRPr b="1" dirty="0"/>
+          </a:p>
+          <a:p>
+            <a:pPr marL="0" lvl="0" indent="0">
               <a:buNone/>
             </a:pPr>
             <a:r>
-              <a:rPr b="1"/>
+              <a:rPr b="1" dirty="0"/>
               <a:t>Finam x HSE Trade AI Hack</a:t>
             </a:r>
+          </a:p>
+        </p:txBody>
+      </p:sp>
+      <p:sp>
+        <p:nvSpPr>
+          <p:cNvPr id="4" name="TextBox 3">
+            <a:extLst>
+              <a:ext uri="{FF2B5EF4-FFF2-40B4-BE49-F238E27FC236}">
+                <a16:creationId xmlns:a16="http://schemas.microsoft.com/office/drawing/2014/main" id="{C41C062D-AD3E-2296-ED80-F128F8EAAE07}"/>
+              </a:ext>
+            </a:extLst>
+          </p:cNvPr>
+          <p:cNvSpPr txBox="1"/>
+          <p:nvPr/>
+        </p:nvSpPr>
+        <p:spPr>
+          <a:xfrm>
+            <a:off x="3967701" y="278296"/>
+            <a:ext cx="160877" cy="1975495"/>
+          </a:xfrm>
+          <a:prstGeom prst="rect">
+            <a:avLst/>
+          </a:prstGeom>
+          <a:noFill/>
+        </p:spPr>
+        <p:txBody>
+          <a:bodyPr wrap="square" rtlCol="0">
+            <a:spAutoFit/>
+          </a:bodyPr>
+          <a:lstStyle/>
+          <a:p>
+            <a:endParaRPr lang="ru-RU" dirty="0"/>
+          </a:p>
+        </p:txBody>
+      </p:sp>
+      <p:sp>
+        <p:nvSpPr>
+          <p:cNvPr id="11" name="Номер слайда 10">
+            <a:extLst>
+              <a:ext uri="{FF2B5EF4-FFF2-40B4-BE49-F238E27FC236}">
+                <a16:creationId xmlns:a16="http://schemas.microsoft.com/office/drawing/2014/main" id="{009A9AB8-11E3-61D6-0285-EE0445B53B76}"/>
+              </a:ext>
+            </a:extLst>
+          </p:cNvPr>
+          <p:cNvSpPr>
+            <a:spLocks noGrp="1"/>
+          </p:cNvSpPr>
+          <p:nvPr>
+            <p:ph type="sldNum" sz="quarter" idx="12"/>
+          </p:nvPr>
+        </p:nvSpPr>
+        <p:spPr/>
+        <p:txBody>
+          <a:bodyPr/>
+          <a:lstStyle/>
+          <a:p>
+            <a:fld id="{C5EF2332-01BF-834F-8236-50238282D533}" type="slidenum">
+              <a:rPr lang="en-US" smtClean="0"/>
+              <a:t>1</a:t>
+            </a:fld>
+            <a:endParaRPr lang="en-US"/>
           </a:p>
         </p:txBody>
       </p:sp>
     </p:spTree>
   </p:cSld>
+  <p:clrMapOvr>
+    <a:masterClrMapping/>
+  </p:clrMapOvr>
 </p:sld>
 </file>
 
@@ -3189,179 +3760,115 @@
       </p:grpSpPr>
       <p:sp>
         <p:nvSpPr>
-          <p:cNvPr id="3" name="Content Placeholder 2"/>
-          <p:cNvSpPr>
-            <a:spLocks noGrp="1"/>
-          </p:cNvSpPr>
-          <p:nvPr>
-            <p:ph idx="1"/>
-          </p:nvPr>
-        </p:nvSpPr>
-        <p:spPr/>
-        <p:txBody>
-          <a:bodyPr/>
-          <a:lstStyle/>
-          <a:p>
-            <a:pPr lvl="0" indent="0" marL="0">
-              <a:spcBef>
-                <a:spcPts val="3000"/>
-              </a:spcBef>
+          <p:cNvPr id="2" name="Title 1"/>
+          <p:cNvSpPr>
+            <a:spLocks noGrp="1"/>
+          </p:cNvSpPr>
+          <p:nvPr>
+            <p:ph type="title"/>
+          </p:nvPr>
+        </p:nvSpPr>
+        <p:spPr>
+          <a:xfrm>
+            <a:off x="457201" y="204787"/>
+            <a:ext cx="3008313" cy="871538"/>
+          </a:xfrm>
+        </p:spPr>
+        <p:txBody>
+          <a:bodyPr/>
+          <a:lstStyle/>
+          <a:p>
+            <a:pPr marL="0" lvl="0" indent="0">
               <a:buNone/>
             </a:pPr>
             <a:r>
-              <a:rPr b="1"/>
-              <a:t>Production-ready решение</a:t>
-            </a:r>
-          </a:p>
-          <a:p>
-            <a:pPr lvl="0" indent="0">
-              <a:buNone/>
-            </a:pPr>
-            <a:r>
-              <a:rPr i="1">
-                <a:solidFill>
-                  <a:srgbClr val="60A0B0"/>
-                </a:solidFill>
-                <a:latin typeface="Courier"/>
-              </a:rPr>
-              <a:t># Простой API</a:t>
-            </a:r>
-            <a:br/>
-            <a:r>
-              <a:rPr>
-                <a:latin typeface="Courier"/>
-              </a:rPr>
-              <a:t>python train.py </a:t>
-            </a:r>
-            <a:r>
-              <a:rPr>
-                <a:solidFill>
-                  <a:srgbClr val="666666"/>
-                </a:solidFill>
-                <a:latin typeface="Courier"/>
-              </a:rPr>
-              <a:t>--</a:t>
-            </a:r>
-            <a:r>
-              <a:rPr>
-                <a:latin typeface="Courier"/>
-              </a:rPr>
-              <a:t>train</a:t>
-            </a:r>
-            <a:r>
-              <a:rPr>
-                <a:solidFill>
-                  <a:srgbClr val="666666"/>
-                </a:solidFill>
-                <a:latin typeface="Courier"/>
-              </a:rPr>
-              <a:t>-</a:t>
-            </a:r>
-            <a:r>
-              <a:rPr>
-                <a:latin typeface="Courier"/>
-              </a:rPr>
-              <a:t>candles data.csv</a:t>
-            </a:r>
-            <a:br/>
-            <a:r>
-              <a:rPr>
-                <a:latin typeface="Courier"/>
-              </a:rPr>
-              <a:t>python predict.py </a:t>
-            </a:r>
-            <a:r>
-              <a:rPr>
-                <a:solidFill>
-                  <a:srgbClr val="666666"/>
-                </a:solidFill>
-                <a:latin typeface="Courier"/>
-              </a:rPr>
-              <a:t>--</a:t>
-            </a:r>
-            <a:r>
-              <a:rPr>
-                <a:latin typeface="Courier"/>
-              </a:rPr>
-              <a:t>output submission.csv</a:t>
-            </a:r>
-            <a:br/>
-            <a:br/>
-            <a:r>
-              <a:rPr i="1">
-                <a:solidFill>
-                  <a:srgbClr val="60A0B0"/>
-                </a:solidFill>
-                <a:latin typeface="Courier"/>
-              </a:rPr>
-              <a:t># 3 команды до результата</a:t>
-            </a:r>
-            <a:br/>
-            <a:r>
-              <a:rPr>
-                <a:latin typeface="Courier"/>
-              </a:rPr>
-              <a:t>pip install </a:t>
-            </a:r>
-            <a:r>
-              <a:rPr>
-                <a:solidFill>
-                  <a:srgbClr val="666666"/>
-                </a:solidFill>
-                <a:latin typeface="Courier"/>
-              </a:rPr>
-              <a:t>-</a:t>
-            </a:r>
-            <a:r>
-              <a:rPr>
-                <a:latin typeface="Courier"/>
-              </a:rPr>
-              <a:t>r requirements.txt</a:t>
-            </a:r>
-            <a:br/>
-            <a:r>
-              <a:rPr>
-                <a:latin typeface="Courier"/>
-              </a:rPr>
-              <a:t>python train.py</a:t>
-            </a:r>
-            <a:br/>
-            <a:r>
-              <a:rPr>
-                <a:latin typeface="Courier"/>
-              </a:rPr>
-              <a:t>python predict.py</a:t>
-            </a:r>
-          </a:p>
-          <a:p>
-            <a:pPr lvl="0" indent="0" marL="0">
-              <a:spcBef>
-                <a:spcPts val="3000"/>
-              </a:spcBef>
-              <a:buNone/>
-            </a:pPr>
-            <a:r>
-              <a:rPr b="1"/>
-              <a:t>Интерпретируемость</a:t>
-            </a:r>
-          </a:p>
-          <a:p>
-            <a:pPr lvl="0" indent="0" marL="0">
-              <a:buNone/>
-            </a:pPr>
-            <a:r>
-              <a:rPr b="1"/>
-              <a:t>Используемые признаки</a:t>
-            </a:r>
-            <a:r>
-              <a:rPr/>
-              <a:t>: - Моментум (доходности за 1, 5, 10, 20 дней) - Технические индикаторы (RSI, MACD, Bollinger Bands) - Скользящие средние и дистанции до них - Волатильность и объемы - Новостной контекст (количество новостей)</a:t>
-            </a:r>
+              <a:rPr dirty="0"/>
+              <a:t>📊 </a:t>
+            </a:r>
+            <a:r>
+              <a:rPr dirty="0" err="1"/>
+              <a:t>Итоговая</a:t>
+            </a:r>
+            <a:r>
+              <a:rPr dirty="0"/>
+              <a:t> </a:t>
+            </a:r>
+            <a:r>
+              <a:rPr dirty="0" err="1"/>
+              <a:t>сводк</a:t>
+            </a:r>
+            <a:r>
+              <a:rPr lang="ru-RU" dirty="0"/>
+              <a:t>а</a:t>
+            </a:r>
+            <a:endParaRPr dirty="0"/>
+          </a:p>
+        </p:txBody>
+      </p:sp>
+      <p:pic>
+        <p:nvPicPr>
+          <p:cNvPr id="7" name="Рисунок 6">
+            <a:extLst>
+              <a:ext uri="{FF2B5EF4-FFF2-40B4-BE49-F238E27FC236}">
+                <a16:creationId xmlns:a16="http://schemas.microsoft.com/office/drawing/2014/main" id="{FB2BB874-D277-1B7A-E925-0498116431BE}"/>
+              </a:ext>
+            </a:extLst>
+          </p:cNvPr>
+          <p:cNvPicPr>
+            <a:picLocks noChangeAspect="1"/>
+          </p:cNvPicPr>
+          <p:nvPr/>
+        </p:nvPicPr>
+        <p:blipFill>
+          <a:blip r:embed="rId2"/>
+          <a:stretch>
+            <a:fillRect/>
+          </a:stretch>
+        </p:blipFill>
+        <p:spPr>
+          <a:xfrm>
+            <a:off x="2380970" y="367648"/>
+            <a:ext cx="6881098" cy="4408203"/>
+          </a:xfrm>
+          <a:prstGeom prst="rect">
+            <a:avLst/>
+          </a:prstGeom>
+        </p:spPr>
+      </p:pic>
+      <p:sp>
+        <p:nvSpPr>
+          <p:cNvPr id="8" name="Номер слайда 7">
+            <a:extLst>
+              <a:ext uri="{FF2B5EF4-FFF2-40B4-BE49-F238E27FC236}">
+                <a16:creationId xmlns:a16="http://schemas.microsoft.com/office/drawing/2014/main" id="{6F6168D5-BB3B-37DB-EDC0-6BB4C11D5DC8}"/>
+              </a:ext>
+            </a:extLst>
+          </p:cNvPr>
+          <p:cNvSpPr>
+            <a:spLocks noGrp="1"/>
+          </p:cNvSpPr>
+          <p:nvPr>
+            <p:ph type="sldNum" sz="quarter" idx="12"/>
+          </p:nvPr>
+        </p:nvSpPr>
+        <p:spPr/>
+        <p:txBody>
+          <a:bodyPr/>
+          <a:lstStyle/>
+          <a:p>
+            <a:fld id="{C5EF2332-01BF-834F-8236-50238282D533}" type="slidenum">
+              <a:rPr lang="en-US" smtClean="0"/>
+              <a:t>10</a:t>
+            </a:fld>
+            <a:endParaRPr lang="en-US"/>
           </a:p>
         </p:txBody>
       </p:sp>
     </p:spTree>
   </p:cSld>
+  <p:clrMapOvr>
+    <a:masterClrMapping/>
+  </p:clrMapOvr>
 </p:sld>
 </file>
 
@@ -3397,268 +3904,79 @@
           <a:bodyPr/>
           <a:lstStyle/>
           <a:p>
-            <a:pPr lvl="0" indent="0" marL="0">
+            <a:pPr marL="0" lvl="0" indent="0">
               <a:buNone/>
             </a:pPr>
             <a:r>
-              <a:rPr/>
-              <a:t>6. 💡 Уникальность / Вклад</a:t>
-            </a:r>
-          </a:p>
-        </p:txBody>
-      </p:sp>
-      <p:sp>
-        <p:nvSpPr>
-          <p:cNvPr id="3" name="Content Placeholder 2"/>
-          <p:cNvSpPr>
-            <a:spLocks noGrp="1"/>
-          </p:cNvSpPr>
-          <p:nvPr>
-            <p:ph idx="1"/>
-          </p:nvPr>
-        </p:nvSpPr>
-        <p:spPr/>
-        <p:txBody>
-          <a:bodyPr/>
-          <a:lstStyle/>
-          <a:p>
-            <a:pPr lvl="0" indent="0" marL="0">
-              <a:spcBef>
-                <a:spcPts val="3000"/>
-              </a:spcBef>
-              <a:buNone/>
-            </a:pPr>
-            <a:r>
-              <a:rPr b="1"/>
-              <a:t>Оригинальная идея: Извлечение тикеров</a:t>
-            </a:r>
-          </a:p>
-          <a:p>
-            <a:pPr lvl="0" indent="0" marL="0">
-              <a:spcBef>
-                <a:spcPts val="3000"/>
-              </a:spcBef>
-              <a:buNone/>
-            </a:pPr>
-            <a:r>
-              <a:rPr b="1"/>
-              <a:t>Проблема</a:t>
-            </a:r>
-          </a:p>
-          <a:p>
-            <a:pPr lvl="0" indent="0" marL="0">
-              <a:buNone/>
-            </a:pPr>
-            <a:r>
-              <a:rPr/>
-              <a:t>Колонка </a:t>
-            </a:r>
-            <a:r>
-              <a:rPr>
-                <a:latin typeface="Courier"/>
-              </a:rPr>
-              <a:t>ticker</a:t>
-            </a:r>
-            <a:r>
-              <a:rPr/>
-              <a:t> может отсутствовать в датасете ⚠️</a:t>
-            </a:r>
-          </a:p>
-          <a:p>
-            <a:pPr lvl="0" indent="0" marL="0">
-              <a:spcBef>
-                <a:spcPts val="3000"/>
-              </a:spcBef>
-              <a:buNone/>
-            </a:pPr>
-            <a:r>
-              <a:rPr b="1"/>
-              <a:t>Наше решение ✨</a:t>
-            </a:r>
-          </a:p>
-          <a:p>
-            <a:pPr lvl="0" indent="0" marL="0">
-              <a:buNone/>
-            </a:pPr>
-            <a:r>
-              <a:rPr b="1"/>
-              <a:t>Двухэтапный подход:</a:t>
-            </a:r>
-          </a:p>
-          <a:p>
-            <a:pPr lvl="0" indent="0" marL="0">
-              <a:spcBef>
-                <a:spcPts val="3000"/>
-              </a:spcBef>
-              <a:buNone/>
-            </a:pPr>
-            <a:r>
-              <a:rPr b="1"/>
-              <a:t>Этап 1: Regex для новостей</a:t>
-            </a:r>
-          </a:p>
-          <a:p>
-            <a:pPr lvl="0" indent="0">
-              <a:buNone/>
-            </a:pPr>
-            <a:r>
-              <a:rPr i="1">
-                <a:solidFill>
-                  <a:srgbClr val="60A0B0"/>
-                </a:solidFill>
-                <a:latin typeface="Courier"/>
-              </a:rPr>
-              <a:t># Поиск прямых упоминаний: SBER, GAZP, LKOH...</a:t>
-            </a:r>
-            <a:br/>
-            <a:r>
-              <a:rPr i="1">
-                <a:solidFill>
-                  <a:srgbClr val="60A0B0"/>
-                </a:solidFill>
-                <a:latin typeface="Courier"/>
-              </a:rPr>
-              <a:t># Поиск по названиям: "Сбербанк" → SBER</a:t>
-            </a:r>
-            <a:br/>
-            <a:r>
-              <a:rPr i="1">
-                <a:solidFill>
-                  <a:srgbClr val="60A0B0"/>
-                </a:solidFill>
-                <a:latin typeface="Courier"/>
-              </a:rPr>
-              <a:t># Результат: 97% новостей с извлеченными тикерами</a:t>
-            </a:r>
-          </a:p>
-          <a:p>
-            <a:pPr lvl="0" indent="0" marL="0">
-              <a:spcBef>
-                <a:spcPts val="3000"/>
-              </a:spcBef>
-              <a:buNone/>
-            </a:pPr>
-            <a:r>
-              <a:rPr b="1"/>
-              <a:t>Этап 2: K-Means для котировок</a:t>
-            </a:r>
-          </a:p>
-          <a:p>
-            <a:pPr lvl="0" indent="0">
-              <a:buNone/>
-            </a:pPr>
-            <a:r>
-              <a:rPr i="1">
-                <a:solidFill>
-                  <a:srgbClr val="60A0B0"/>
-                </a:solidFill>
-                <a:latin typeface="Courier"/>
-              </a:rPr>
-              <a:t># Кластеризация по:</a:t>
-            </a:r>
-            <a:br/>
-            <a:r>
-              <a:rPr i="1">
-                <a:solidFill>
-                  <a:srgbClr val="60A0B0"/>
-                </a:solidFill>
-                <a:latin typeface="Courier"/>
-              </a:rPr>
-              <a:t>#   - Средняя цена (сглаженная)</a:t>
-            </a:r>
-            <a:br/>
-            <a:r>
-              <a:rPr i="1">
-                <a:solidFill>
-                  <a:srgbClr val="60A0B0"/>
-                </a:solidFill>
-                <a:latin typeface="Courier"/>
-              </a:rPr>
-              <a:t>#   - Логарифм объема</a:t>
-            </a:r>
-            <a:br/>
-            <a:r>
-              <a:rPr i="1">
-                <a:solidFill>
-                  <a:srgbClr val="60A0B0"/>
-                </a:solidFill>
-                <a:latin typeface="Courier"/>
-              </a:rPr>
-              <a:t>#   - Волатильность</a:t>
-            </a:r>
-            <a:br/>
-            <a:r>
-              <a:rPr i="1">
-                <a:solidFill>
-                  <a:srgbClr val="60A0B0"/>
-                </a:solidFill>
-                <a:latin typeface="Courier"/>
-              </a:rPr>
-              <a:t># Присвоение тикеров кластерам</a:t>
-            </a:r>
-          </a:p>
-          <a:p>
-            <a:pPr lvl="0" indent="0" marL="0">
-              <a:buNone/>
-            </a:pPr>
-            <a:r>
-              <a:rPr b="1"/>
-              <a:t>Эффект</a:t>
-            </a:r>
-            <a:r>
-              <a:rPr/>
-              <a:t>: Позволило корректно работать с данными без колонки ticker ✅</a:t>
-            </a:r>
-          </a:p>
-          <a:p>
-            <a:pPr lvl="0" indent="0" marL="0">
-              <a:spcBef>
-                <a:spcPts val="3000"/>
-              </a:spcBef>
-              <a:buNone/>
-            </a:pPr>
-            <a:r>
-              <a:rPr b="1"/>
-              <a:t>Дополнительная уникальность</a:t>
-            </a:r>
-          </a:p>
-          <a:p>
-            <a:pPr lvl="0"/>
-            <a:r>
-              <a:rPr b="1"/>
-              <a:t>Отдельные модели на горизонт</a:t>
-            </a:r>
-            <a:r>
-              <a:rPr/>
-              <a:t>: специализация вместо one-size-fits-all</a:t>
-            </a:r>
-          </a:p>
-          <a:p>
-            <a:pPr lvl="0"/>
-            <a:r>
-              <a:rPr b="1"/>
-              <a:t>Fallback на sklearn</a:t>
-            </a:r>
-            <a:r>
-              <a:rPr/>
-              <a:t>: работает даже без LightGBM</a:t>
-            </a:r>
-          </a:p>
-          <a:p>
-            <a:pPr lvl="0"/>
-            <a:r>
-              <a:rPr b="1"/>
-              <a:t>CLI интерфейс</a:t>
-            </a:r>
-            <a:r>
-              <a:rPr/>
-              <a:t>: гибкая конфигурация через аргументы</a:t>
-            </a:r>
+              <a:t>🙏 Спасибо за внимание!</a:t>
+            </a:r>
+          </a:p>
+        </p:txBody>
+      </p:sp>
+      <p:pic>
+        <p:nvPicPr>
+          <p:cNvPr id="6" name="Рисунок 5">
+            <a:extLst>
+              <a:ext uri="{FF2B5EF4-FFF2-40B4-BE49-F238E27FC236}">
+                <a16:creationId xmlns:a16="http://schemas.microsoft.com/office/drawing/2014/main" id="{B436C0D3-7653-5B0F-3AAF-0A68F8E16649}"/>
+              </a:ext>
+            </a:extLst>
+          </p:cNvPr>
+          <p:cNvPicPr>
+            <a:picLocks noChangeAspect="1"/>
+          </p:cNvPicPr>
+          <p:nvPr/>
+        </p:nvPicPr>
+        <p:blipFill>
+          <a:blip r:embed="rId2"/>
+          <a:stretch>
+            <a:fillRect/>
+          </a:stretch>
+        </p:blipFill>
+        <p:spPr>
+          <a:xfrm>
+            <a:off x="685800" y="1600020"/>
+            <a:ext cx="7772400" cy="3028681"/>
+          </a:xfrm>
+          <a:prstGeom prst="rect">
+            <a:avLst/>
+          </a:prstGeom>
+        </p:spPr>
+      </p:pic>
+      <p:sp>
+        <p:nvSpPr>
+          <p:cNvPr id="7" name="Номер слайда 6">
+            <a:extLst>
+              <a:ext uri="{FF2B5EF4-FFF2-40B4-BE49-F238E27FC236}">
+                <a16:creationId xmlns:a16="http://schemas.microsoft.com/office/drawing/2014/main" id="{5FDC0838-00DF-F64C-B99C-2CFBA522F71C}"/>
+              </a:ext>
+            </a:extLst>
+          </p:cNvPr>
+          <p:cNvSpPr>
+            <a:spLocks noGrp="1"/>
+          </p:cNvSpPr>
+          <p:nvPr>
+            <p:ph type="sldNum" sz="quarter" idx="12"/>
+          </p:nvPr>
+        </p:nvSpPr>
+        <p:spPr/>
+        <p:txBody>
+          <a:bodyPr/>
+          <a:lstStyle/>
+          <a:p>
+            <a:fld id="{C5EF2332-01BF-834F-8236-50238282D533}" type="slidenum">
+              <a:rPr lang="en-US" smtClean="0"/>
+              <a:t>11</a:t>
+            </a:fld>
+            <a:endParaRPr lang="en-US"/>
           </a:p>
         </p:txBody>
       </p:sp>
     </p:spTree>
   </p:cSld>
+  <p:clrMapOvr>
+    <a:masterClrMapping/>
+  </p:clrMapOvr>
 </p:sld>
 </file>
 
@@ -3689,347 +4007,95 @@
             <p:ph type="title"/>
           </p:nvPr>
         </p:nvSpPr>
-        <p:spPr/>
-        <p:txBody>
-          <a:bodyPr/>
-          <a:lstStyle/>
-          <a:p>
-            <a:pPr lvl="0" indent="0" marL="0">
+        <p:spPr>
+          <a:xfrm>
+            <a:off x="457201" y="204787"/>
+            <a:ext cx="3008313" cy="871538"/>
+          </a:xfrm>
+        </p:spPr>
+        <p:txBody>
+          <a:bodyPr/>
+          <a:lstStyle/>
+          <a:p>
+            <a:pPr marL="0" lvl="0" indent="0">
               <a:buNone/>
             </a:pPr>
             <a:r>
-              <a:rPr/>
-              <a:t>7. 🎓 Выводы и ограничения</a:t>
-            </a:r>
-          </a:p>
-        </p:txBody>
-      </p:sp>
-      <p:sp>
-        <p:nvSpPr>
-          <p:cNvPr id="3" name="Content Placeholder 2"/>
-          <p:cNvSpPr>
-            <a:spLocks noGrp="1"/>
-          </p:cNvSpPr>
-          <p:nvPr>
-            <p:ph idx="1"/>
-          </p:nvPr>
-        </p:nvSpPr>
-        <p:spPr/>
-        <p:txBody>
-          <a:bodyPr/>
-          <a:lstStyle/>
-          <a:p>
-            <a:pPr lvl="0" indent="0" marL="0">
-              <a:spcBef>
-                <a:spcPts val="3000"/>
-              </a:spcBef>
-              <a:buNone/>
-            </a:pPr>
-            <a:r>
-              <a:rPr b="1"/>
-              <a:t>Что реализовано ✅</a:t>
-            </a:r>
-          </a:p>
-          <a:p>
-            <a:pPr lvl="0" indent="-342900" marL="342900">
-              <a:buAutoNum type="arabicPeriod"/>
-            </a:pPr>
-            <a:r>
-              <a:rPr b="1"/>
-              <a:t>H1</a:t>
-            </a:r>
-            <a:r>
-              <a:rPr/>
-              <a:t>: Используется моментум (доходности на разных окнах)</a:t>
-            </a:r>
-          </a:p>
-          <a:p>
-            <a:pPr lvl="0" indent="-342900" marL="342900">
-              <a:buAutoNum type="arabicPeriod"/>
-            </a:pPr>
-            <a:r>
-              <a:rPr b="1"/>
-              <a:t>H2</a:t>
-            </a:r>
-            <a:r>
-              <a:rPr/>
-              <a:t>: Технические индикаторы (RSI, MACD, Bollinger Bands)</a:t>
-            </a:r>
-          </a:p>
-          <a:p>
-            <a:pPr lvl="0" indent="-342900" marL="342900">
-              <a:buAutoNum type="arabicPeriod"/>
-            </a:pPr>
-            <a:r>
-              <a:rPr b="1"/>
-              <a:t>H3</a:t>
-            </a:r>
-            <a:r>
-              <a:rPr/>
-              <a:t>: Учтены новости (агрегация по дням)</a:t>
-            </a:r>
-          </a:p>
-          <a:p>
-            <a:pPr lvl="0" indent="-342900" marL="342900">
-              <a:buAutoNum type="arabicPeriod"/>
-            </a:pPr>
-            <a:r>
-              <a:rPr b="1"/>
-              <a:t>H4</a:t>
-            </a:r>
-            <a:r>
-              <a:rPr/>
-              <a:t>: Специализация - 20 отдельных моделей на горизонты</a:t>
-            </a:r>
-          </a:p>
-          <a:p>
-            <a:pPr lvl="0" indent="0" marL="0">
-              <a:spcBef>
-                <a:spcPts val="3000"/>
-              </a:spcBef>
-              <a:buNone/>
-            </a:pPr>
-            <a:r>
-              <a:rPr b="1"/>
-              <a:t>Основные достижения</a:t>
-            </a:r>
-          </a:p>
-          <a:p>
-            <a:pPr lvl="0"/>
-            <a:r>
-              <a:rPr/>
-              <a:t>✅ </a:t>
-            </a:r>
-            <a:r>
-              <a:rPr b="1"/>
-              <a:t>Эмпирическая строгость</a:t>
-            </a:r>
-            <a:r>
-              <a:rPr/>
-              <a:t>: нет утечек, корректная валидация</a:t>
-            </a:r>
-          </a:p>
-          <a:p>
-            <a:pPr lvl="0"/>
-            <a:r>
-              <a:rPr/>
-              <a:t>✅ </a:t>
-            </a:r>
-            <a:r>
-              <a:rPr b="1"/>
-              <a:t>Эффективность</a:t>
-            </a:r>
-            <a:r>
-              <a:rPr/>
-              <a:t>: &lt; 1 мин обучение, ~2-3 GB RAM</a:t>
-            </a:r>
-          </a:p>
-          <a:p>
-            <a:pPr lvl="0"/>
-            <a:r>
-              <a:rPr/>
-              <a:t>✅ </a:t>
-            </a:r>
-            <a:r>
-              <a:rPr b="1"/>
-              <a:t>Уникальность</a:t>
-            </a:r>
-            <a:r>
-              <a:rPr/>
-              <a:t>: извлечение тикеров (regex + K-Means)</a:t>
-            </a:r>
-          </a:p>
-          <a:p>
-            <a:pPr lvl="0"/>
-            <a:r>
-              <a:rPr/>
-              <a:t>✅ </a:t>
-            </a:r>
-            <a:r>
-              <a:rPr b="1"/>
-              <a:t>Применимость</a:t>
-            </a:r>
-            <a:r>
-              <a:rPr/>
-              <a:t>: production-ready, CLI, документация</a:t>
-            </a:r>
-          </a:p>
-          <a:p>
-            <a:pPr lvl="0"/>
-            <a:r>
-              <a:rPr/>
-              <a:t>✅ </a:t>
-            </a:r>
-            <a:r>
-              <a:rPr b="1"/>
-              <a:t>Калибровка</a:t>
-            </a:r>
-            <a:r>
-              <a:rPr/>
-              <a:t>: адекватное распределение вероятностей</a:t>
-            </a:r>
-          </a:p>
-          <a:p>
-            <a:pPr lvl="0" indent="0" marL="0">
-              <a:spcBef>
-                <a:spcPts val="3000"/>
-              </a:spcBef>
-              <a:buNone/>
-            </a:pPr>
-            <a:r>
-              <a:rPr b="1"/>
-              <a:t>Ограничения и будущая работа</a:t>
-            </a:r>
-          </a:p>
-          <a:p>
-            <a:pPr lvl="0" indent="0" marL="0">
-              <a:spcBef>
-                <a:spcPts val="3000"/>
-              </a:spcBef>
-              <a:buNone/>
-            </a:pPr>
-            <a:r>
-              <a:rPr b="1"/>
-              <a:t>Текущие ограничения:</a:t>
-            </a:r>
-          </a:p>
-          <a:p>
-            <a:pPr lvl="0" indent="-342900" marL="342900">
-              <a:buAutoNum type="arabicPeriod"/>
-            </a:pPr>
-            <a:r>
-              <a:rPr b="1"/>
-              <a:t>Базовый NLP</a:t>
-            </a:r>
-            <a:r>
-              <a:rPr/>
-              <a:t>: используем только агрегации новостей</a:t>
-            </a:r>
-          </a:p>
-          <a:p>
-            <a:pPr lvl="1"/>
-            <a:r>
-              <a:rPr/>
-              <a:t>Нет эмбеддингов (BERT/ruBERT)</a:t>
-            </a:r>
-          </a:p>
-          <a:p>
-            <a:pPr lvl="1"/>
-            <a:r>
-              <a:rPr/>
-              <a:t>Простой sentiment на ключевых словах</a:t>
-            </a:r>
-          </a:p>
-          <a:p>
-            <a:pPr lvl="0" indent="-342900" marL="342900">
-              <a:buAutoNum type="arabicPeriod"/>
-            </a:pPr>
-            <a:r>
-              <a:rPr b="1"/>
-              <a:t>Нет cross-ticker features</a:t>
-            </a:r>
-            <a:r>
-              <a:rPr/>
-              <a:t>: не учитываем корреляции между акциями</a:t>
-            </a:r>
-          </a:p>
-          <a:p>
-            <a:pPr lvl="0" indent="-342900" marL="342900">
-              <a:buAutoNum type="arabicPeriod"/>
-            </a:pPr>
-            <a:r>
-              <a:rPr b="1"/>
-              <a:t>Стационарная валидация</a:t>
-            </a:r>
-            <a:r>
-              <a:rPr/>
-              <a:t>: нет rolling window</a:t>
-            </a:r>
-          </a:p>
-          <a:p>
-            <a:pPr lvl="0" indent="0" marL="0">
-              <a:spcBef>
-                <a:spcPts val="3000"/>
-              </a:spcBef>
-              <a:buNone/>
-            </a:pPr>
-            <a:r>
-              <a:rPr b="1"/>
-              <a:t>Следующие шаги:</a:t>
-            </a:r>
-          </a:p>
-          <a:p>
-            <a:pPr lvl="0" indent="-342900" marL="342900">
-              <a:buAutoNum type="arabicPeriod"/>
-            </a:pPr>
-            <a:r>
-              <a:rPr/>
-              <a:t>🔄 </a:t>
-            </a:r>
-            <a:r>
-              <a:rPr b="1"/>
-              <a:t>BERT для новостей</a:t>
-            </a:r>
-            <a:r>
-              <a:rPr/>
-              <a:t> → улучшение анализа текста</a:t>
-            </a:r>
-          </a:p>
-          <a:p>
-            <a:pPr lvl="0" indent="-342900" marL="342900">
-              <a:buAutoNum type="arabicPeriod"/>
-            </a:pPr>
-            <a:r>
-              <a:rPr/>
-              <a:t>🔄 </a:t>
-            </a:r>
-            <a:r>
-              <a:rPr b="1"/>
-              <a:t>Cross-ticker correlations</a:t>
-            </a:r>
-            <a:r>
-              <a:rPr/>
-              <a:t> → учет взаимосвязей</a:t>
-            </a:r>
-          </a:p>
-          <a:p>
-            <a:pPr lvl="0" indent="-342900" marL="342900">
-              <a:buAutoNum type="arabicPeriod"/>
-            </a:pPr>
-            <a:r>
-              <a:rPr/>
-              <a:t>🔄 </a:t>
-            </a:r>
-            <a:r>
-              <a:rPr b="1"/>
-              <a:t>Market regime detection</a:t>
-            </a:r>
-            <a:r>
-              <a:rPr/>
-              <a:t> → адаптация к волатильности</a:t>
-            </a:r>
-          </a:p>
-          <a:p>
-            <a:pPr lvl="0" indent="-342900" marL="342900">
-              <a:buAutoNum type="arabicPeriod"/>
-            </a:pPr>
-            <a:r>
-              <a:rPr/>
-              <a:t>🔄 </a:t>
-            </a:r>
-            <a:r>
-              <a:rPr b="1"/>
-              <a:t>Ансамблирование</a:t>
-            </a:r>
-            <a:r>
-              <a:rPr/>
-              <a:t> (LightGBM + XGBoost + CatBoost)</a:t>
-            </a:r>
+              <a:rPr dirty="0"/>
+              <a:t>📎 Backup </a:t>
+            </a:r>
+            <a:r>
+              <a:rPr dirty="0" err="1"/>
+              <a:t>слайды</a:t>
+            </a:r>
+            <a:endParaRPr dirty="0"/>
+          </a:p>
+        </p:txBody>
+      </p:sp>
+      <p:pic>
+        <p:nvPicPr>
+          <p:cNvPr id="9" name="Рисунок 8">
+            <a:extLst>
+              <a:ext uri="{FF2B5EF4-FFF2-40B4-BE49-F238E27FC236}">
+                <a16:creationId xmlns:a16="http://schemas.microsoft.com/office/drawing/2014/main" id="{2A70F0A8-3E46-9467-183B-98BD69CB0404}"/>
+              </a:ext>
+            </a:extLst>
+          </p:cNvPr>
+          <p:cNvPicPr>
+            <a:picLocks noChangeAspect="1"/>
+          </p:cNvPicPr>
+          <p:nvPr/>
+        </p:nvPicPr>
+        <p:blipFill>
+          <a:blip r:embed="rId2"/>
+          <a:stretch>
+            <a:fillRect/>
+          </a:stretch>
+        </p:blipFill>
+        <p:spPr>
+          <a:xfrm>
+            <a:off x="2111823" y="0"/>
+            <a:ext cx="7593216" cy="5143500"/>
+          </a:xfrm>
+          <a:prstGeom prst="rect">
+            <a:avLst/>
+          </a:prstGeom>
+        </p:spPr>
+      </p:pic>
+      <p:sp>
+        <p:nvSpPr>
+          <p:cNvPr id="10" name="Номер слайда 9">
+            <a:extLst>
+              <a:ext uri="{FF2B5EF4-FFF2-40B4-BE49-F238E27FC236}">
+                <a16:creationId xmlns:a16="http://schemas.microsoft.com/office/drawing/2014/main" id="{5D0962E4-15ED-9722-1633-9F0F6E444E30}"/>
+              </a:ext>
+            </a:extLst>
+          </p:cNvPr>
+          <p:cNvSpPr>
+            <a:spLocks noGrp="1"/>
+          </p:cNvSpPr>
+          <p:nvPr>
+            <p:ph type="sldNum" sz="quarter" idx="12"/>
+          </p:nvPr>
+        </p:nvSpPr>
+        <p:spPr/>
+        <p:txBody>
+          <a:bodyPr/>
+          <a:lstStyle/>
+          <a:p>
+            <a:fld id="{C5EF2332-01BF-834F-8236-50238282D533}" type="slidenum">
+              <a:rPr lang="en-US" smtClean="0"/>
+              <a:t>12</a:t>
+            </a:fld>
+            <a:endParaRPr lang="en-US"/>
           </a:p>
         </p:txBody>
       </p:sp>
     </p:spTree>
   </p:cSld>
+  <p:clrMapOvr>
+    <a:masterClrMapping/>
+  </p:clrMapOvr>
 </p:sld>
 </file>
 
@@ -4050,1099 +4116,70 @@
           <a:chExt cx="0" cy="0"/>
         </a:xfrm>
       </p:grpSpPr>
-      <p:sp>
-        <p:nvSpPr>
-          <p:cNvPr id="2" name="Title 1"/>
-          <p:cNvSpPr>
-            <a:spLocks noGrp="1"/>
-          </p:cNvSpPr>
-          <p:nvPr>
-            <p:ph type="title"/>
-          </p:nvPr>
-        </p:nvSpPr>
+      <p:pic>
+        <p:nvPicPr>
+          <p:cNvPr id="5" name="Рисунок 4">
+            <a:extLst>
+              <a:ext uri="{FF2B5EF4-FFF2-40B4-BE49-F238E27FC236}">
+                <a16:creationId xmlns:a16="http://schemas.microsoft.com/office/drawing/2014/main" id="{1367E470-C6C9-C108-3AB9-A19496421DE8}"/>
+              </a:ext>
+            </a:extLst>
+          </p:cNvPr>
+          <p:cNvPicPr>
+            <a:picLocks noChangeAspect="1"/>
+          </p:cNvPicPr>
+          <p:nvPr/>
+        </p:nvPicPr>
+        <p:blipFill>
+          <a:blip r:embed="rId2"/>
+          <a:stretch>
+            <a:fillRect/>
+          </a:stretch>
+        </p:blipFill>
         <p:spPr>
           <a:xfrm>
-            <a:off x="457201" y="204787"/>
-            <a:ext cx="3008313" cy="871538"/>
+            <a:off x="896815" y="1493792"/>
+            <a:ext cx="7772400" cy="2155915"/>
           </a:xfrm>
+          <a:prstGeom prst="rect">
+            <a:avLst/>
+          </a:prstGeom>
         </p:spPr>
-        <p:txBody>
-          <a:bodyPr/>
-          <a:lstStyle/>
-          <a:p>
-            <a:pPr lvl="0" indent="0" marL="0">
-              <a:buNone/>
-            </a:pPr>
-            <a:r>
-              <a:rPr/>
-              <a:t>📊 Итоговая сводка (1 слайд)</a:t>
-            </a:r>
-          </a:p>
-        </p:txBody>
-      </p:sp>
-      <p:sp>
-        <p:nvSpPr>
-          <p:cNvPr id="4" name="Text Placeholder 3"/>
-          <p:cNvSpPr>
-            <a:spLocks noGrp="1"/>
-          </p:cNvSpPr>
-          <p:nvPr>
-            <p:ph idx="2" sz="half" type="body"/>
-          </p:nvPr>
-        </p:nvSpPr>
-        <p:spPr/>
-        <p:txBody>
-          <a:bodyPr/>
-          <a:lstStyle/>
-          <a:p>
-            <a:pPr lvl="0" indent="0" marL="0">
-              <a:spcBef>
-                <a:spcPts val="3000"/>
-              </a:spcBef>
-              <a:buNone/>
-            </a:pPr>
-            <a:r>
-              <a:rPr b="1"/>
-              <a:t>Решение FORECAST</a:t>
-            </a:r>
-          </a:p>
-        </p:txBody>
-      </p:sp>
-      <p:graphicFrame>
-        <p:nvGraphicFramePr>
-          <p:cNvPr id="6" name="Content Placeholder 5"/>
-          <p:cNvGraphicFramePr>
-            <a:graphicFrameLocks noGrp="1"/>
-          </p:cNvGraphicFramePr>
-          <p:nvPr>
-            <p:ph idx="1"/>
-          </p:nvPr>
-        </p:nvGraphicFramePr>
-        <p:xfrm>
-          <a:off x="3568700" y="203200"/>
-          <a:ext cx="5105400" cy="4381500"/>
-        </p:xfrm>
-        <a:graphic>
-          <a:graphicData uri="http://schemas.openxmlformats.org/drawingml/2006/table">
-            <a:tbl>
-              <a:tblPr firstRow="1" bandRow="1">
-                <a:tableStyleId>{5C22544A-7EE6-4342-B048-85BDC9FD1C3A}</a:tableStyleId>
-              </a:tblPr>
-              <a:tblGrid>
-                <a:gridCol w="1549400"/>
-                <a:gridCol w="1854200"/>
-                <a:gridCol w="1701800"/>
-              </a:tblGrid>
-              <a:tr h="0">
-                <a:tc>
-                  <a:txBody>
-                    <a:bodyPr/>
-                    <a:lstStyle/>
-                    <a:p>
-                      <a:pPr lvl="0" indent="0" marL="0">
-                        <a:buNone/>
-                      </a:pPr>
-                      <a:r>
-                        <a:rPr/>
-                        <a:t>Критерий</a:t>
-                      </a:r>
-                    </a:p>
-                  </a:txBody>
-                  <a:tcPr/>
-                </a:tc>
-                <a:tc>
-                  <a:txBody>
-                    <a:bodyPr/>
-                    <a:lstStyle/>
-                    <a:p>
-                      <a:pPr lvl="0" indent="0" marL="0">
-                        <a:buNone/>
-                      </a:pPr>
-                      <a:r>
-                        <a:rPr/>
-                        <a:t>Наш подход</a:t>
-                      </a:r>
-                    </a:p>
-                  </a:txBody>
-                  <a:tcPr/>
-                </a:tc>
-                <a:tc>
-                  <a:txBody>
-                    <a:bodyPr/>
-                    <a:lstStyle/>
-                    <a:p>
-                      <a:pPr lvl="0" indent="0" marL="0">
-                        <a:buNone/>
-                      </a:pPr>
-                      <a:r>
-                        <a:rPr/>
-                        <a:t>Результат</a:t>
-                      </a:r>
-                    </a:p>
-                  </a:txBody>
-                  <a:tcPr/>
-                </a:tc>
-              </a:tr>
-              <a:tr h="0">
-                <a:tc>
-                  <a:txBody>
-                    <a:bodyPr/>
-                    <a:lstStyle/>
-                    <a:p>
-                      <a:pPr lvl="0" indent="0" marL="0">
-                        <a:buNone/>
-                      </a:pPr>
-                      <a:r>
-                        <a:rPr b="1"/>
-                        <a:t>Эмпирическая строгость</a:t>
-                      </a:r>
-                    </a:p>
-                  </a:txBody>
-                </a:tc>
-                <a:tc>
-                  <a:txBody>
-                    <a:bodyPr/>
-                    <a:lstStyle/>
-                    <a:p>
-                      <a:pPr lvl="0" indent="0" marL="0">
-                        <a:buNone/>
-                      </a:pPr>
-                      <a:r>
-                        <a:rPr/>
-                        <a:t>Train/val split 80/20, no lookahead</a:t>
-                      </a:r>
-                    </a:p>
-                  </a:txBody>
-                </a:tc>
-                <a:tc>
-                  <a:txBody>
-                    <a:bodyPr/>
-                    <a:lstStyle/>
-                    <a:p>
-                      <a:pPr lvl="0" indent="0" marL="0">
-                        <a:buNone/>
-                      </a:pPr>
-                      <a:r>
-                        <a:rPr/>
-                        <a:t>✅ Воспроизводимо</a:t>
-                      </a:r>
-                    </a:p>
-                  </a:txBody>
-                </a:tc>
-              </a:tr>
-              <a:tr h="0">
-                <a:tc>
-                  <a:txBody>
-                    <a:bodyPr/>
-                    <a:lstStyle/>
-                    <a:p>
-                      <a:pPr lvl="0" indent="0" marL="0">
-                        <a:buNone/>
-                      </a:pPr>
-                      <a:r>
-                        <a:rPr b="1"/>
-                        <a:t>Эффективность</a:t>
-                      </a:r>
-                    </a:p>
-                  </a:txBody>
-                </a:tc>
-                <a:tc>
-                  <a:txBody>
-                    <a:bodyPr/>
-                    <a:lstStyle/>
-                    <a:p>
-                      <a:pPr lvl="0" indent="0" marL="0">
-                        <a:buNone/>
-                      </a:pPr>
-                      <a:r>
-                        <a:rPr/>
-                        <a:t>&lt; 1 мин обучение, ~2-3 GB RAM, 0 LLM токенов</a:t>
-                      </a:r>
-                    </a:p>
-                  </a:txBody>
-                </a:tc>
-                <a:tc>
-                  <a:txBody>
-                    <a:bodyPr/>
-                    <a:lstStyle/>
-                    <a:p>
-                      <a:pPr lvl="0" indent="0" marL="0">
-                        <a:buNone/>
-                      </a:pPr>
-                      <a:r>
-                        <a:rPr/>
-                        <a:t>✅ Очень быстро</a:t>
-                      </a:r>
-                    </a:p>
-                  </a:txBody>
-                </a:tc>
-              </a:tr>
-              <a:tr h="0">
-                <a:tc>
-                  <a:txBody>
-                    <a:bodyPr/>
-                    <a:lstStyle/>
-                    <a:p>
-                      <a:pPr lvl="0" indent="0" marL="0">
-                        <a:buNone/>
-                      </a:pPr>
-                      <a:r>
-                        <a:rPr b="1"/>
-                        <a:t>Уникальность</a:t>
-                      </a:r>
-                    </a:p>
-                  </a:txBody>
-                </a:tc>
-                <a:tc>
-                  <a:txBody>
-                    <a:bodyPr/>
-                    <a:lstStyle/>
-                    <a:p>
-                      <a:pPr lvl="0" indent="0" marL="0">
-                        <a:buNone/>
-                      </a:pPr>
-                      <a:r>
-                        <a:rPr/>
-                        <a:t>Извлечение тикеров (regex + K-Means)</a:t>
-                      </a:r>
-                    </a:p>
-                  </a:txBody>
-                </a:tc>
-                <a:tc>
-                  <a:txBody>
-                    <a:bodyPr/>
-                    <a:lstStyle/>
-                    <a:p>
-                      <a:pPr lvl="0" indent="0" marL="0">
-                        <a:buNone/>
-                      </a:pPr>
-                      <a:r>
-                        <a:rPr/>
-                        <a:t>✅ Работает без ticker</a:t>
-                      </a:r>
-                    </a:p>
-                  </a:txBody>
-                </a:tc>
-              </a:tr>
-              <a:tr h="0">
-                <a:tc>
-                  <a:txBody>
-                    <a:bodyPr/>
-                    <a:lstStyle/>
-                    <a:p>
-                      <a:pPr lvl="0" indent="0" marL="0">
-                        <a:buNone/>
-                      </a:pPr>
-                      <a:r>
-                        <a:rPr b="1"/>
-                        <a:t>Качество</a:t>
-                      </a:r>
-                    </a:p>
-                  </a:txBody>
-                </a:tc>
-                <a:tc>
-                  <a:txBody>
-                    <a:bodyPr/>
-                    <a:lstStyle/>
-                    <a:p>
-                      <a:pPr lvl="0" indent="0" marL="0">
-                        <a:buNone/>
-                      </a:pPr>
-                      <a:r>
-                        <a:rPr/>
-                        <a:t>777 предсказаний, 19 тикеров</a:t>
-                      </a:r>
-                    </a:p>
-                  </a:txBody>
-                </a:tc>
-                <a:tc>
-                  <a:txBody>
-                    <a:bodyPr/>
-                    <a:lstStyle/>
-                    <a:p>
-                      <a:pPr lvl="0" indent="0" marL="0">
-                        <a:buNone/>
-                      </a:pPr>
-                      <a:r>
-                        <a:rPr/>
-                        <a:t>✅ Адекватная калибровка</a:t>
-                      </a:r>
-                    </a:p>
-                  </a:txBody>
-                </a:tc>
-              </a:tr>
-            </a:tbl>
-          </a:graphicData>
-        </a:graphic>
-      </p:graphicFrame>
+      </p:pic>
+      <p:sp>
+        <p:nvSpPr>
+          <p:cNvPr id="6" name="Номер слайда 5">
+            <a:extLst>
+              <a:ext uri="{FF2B5EF4-FFF2-40B4-BE49-F238E27FC236}">
+                <a16:creationId xmlns:a16="http://schemas.microsoft.com/office/drawing/2014/main" id="{CFAB65DA-9E2B-8BAF-1337-D98E5A95D0C1}"/>
+              </a:ext>
+            </a:extLst>
+          </p:cNvPr>
+          <p:cNvSpPr>
+            <a:spLocks noGrp="1"/>
+          </p:cNvSpPr>
+          <p:nvPr>
+            <p:ph type="sldNum" sz="quarter" idx="12"/>
+          </p:nvPr>
+        </p:nvSpPr>
+        <p:spPr/>
+        <p:txBody>
+          <a:bodyPr/>
+          <a:lstStyle/>
+          <a:p>
+            <a:fld id="{C5EF2332-01BF-834F-8236-50238282D533}" type="slidenum">
+              <a:rPr lang="en-US" smtClean="0"/>
+              <a:t>13</a:t>
+            </a:fld>
+            <a:endParaRPr lang="en-US"/>
+          </a:p>
+        </p:txBody>
+      </p:sp>
     </p:spTree>
   </p:cSld>
-</p:sld>
-</file>
-
-<file path=ppt/slides/slide14.xml><?xml version="1.0" encoding="utf-8"?>
-<p:sld xmlns:a="http://schemas.openxmlformats.org/drawingml/2006/main" xmlns:r="http://schemas.openxmlformats.org/officeDocument/2006/relationships" xmlns:p="http://schemas.openxmlformats.org/presentationml/2006/main">
-  <p:cSld>
-    <p:spTree>
-      <p:nvGrpSpPr>
-        <p:cNvPr id="1" name=""/>
-        <p:cNvGrpSpPr/>
-        <p:nvPr/>
-      </p:nvGrpSpPr>
-      <p:grpSpPr>
-        <a:xfrm>
-          <a:off x="0" y="0"/>
-          <a:ext cx="0" cy="0"/>
-          <a:chOff x="0" y="0"/>
-          <a:chExt cx="0" cy="0"/>
-        </a:xfrm>
-      </p:grpSpPr>
-      <p:sp>
-        <p:nvSpPr>
-          <p:cNvPr id="3" name="Content Placeholder 2"/>
-          <p:cNvSpPr>
-            <a:spLocks noGrp="1"/>
-          </p:cNvSpPr>
-          <p:nvPr>
-            <p:ph idx="1"/>
-          </p:nvPr>
-        </p:nvSpPr>
-        <p:spPr/>
-        <p:txBody>
-          <a:bodyPr/>
-          <a:lstStyle/>
-          <a:p>
-            <a:pPr lvl="0" indent="0" marL="0">
-              <a:spcBef>
-                <a:spcPts val="3000"/>
-              </a:spcBef>
-              <a:buNone/>
-            </a:pPr>
-            <a:r>
-              <a:rPr b="1"/>
-              <a:t>Метрики предсказаний</a:t>
-            </a:r>
-          </a:p>
-          <a:p>
-            <a:pPr lvl="0" indent="0">
-              <a:buNone/>
-            </a:pPr>
-            <a:r>
-              <a:rPr>
-                <a:latin typeface="Courier"/>
-              </a:rPr>
-              <a:t>Среднее:       0.579 (калибровано близко к 0.5)
-Std:           0.145 (хороший разброс)
-Диапазон:      0.055-0.950 (использует весь спектр)
-Распределение: 43.9% в [0.4-0.6], 39.6% в [0.6-0.8]</a:t>
-            </a:r>
-          </a:p>
-          <a:p>
-            <a:pPr lvl="0" indent="0" marL="0">
-              <a:spcBef>
-                <a:spcPts val="3000"/>
-              </a:spcBef>
-              <a:buNone/>
-            </a:pPr>
-            <a:r>
-              <a:rPr b="1"/>
-              <a:t>Production-ready</a:t>
-            </a:r>
-          </a:p>
-          <a:p>
-            <a:pPr lvl="0"/>
-            <a:r>
-              <a:rPr/>
-              <a:t>✅ CLI интерфейс</a:t>
-            </a:r>
-          </a:p>
-          <a:p>
-            <a:pPr lvl="0"/>
-            <a:r>
-              <a:rPr/>
-              <a:t>✅ Документация (605+ строк)</a:t>
-            </a:r>
-          </a:p>
-          <a:p>
-            <a:pPr lvl="0"/>
-            <a:r>
-              <a:rPr/>
-              <a:t>✅ 3 команды до результата</a:t>
-            </a:r>
-          </a:p>
-          <a:p>
-            <a:pPr lvl="0"/>
-            <a:r>
-              <a:rPr/>
-              <a:t>✅ Fallback на sklearn</a:t>
-            </a:r>
-          </a:p>
-          <a:p>
-            <a:pPr lvl="0"/>
-            <a:r>
-              <a:rPr/>
-              <a:t>✅ Работает в Google Colab</a:t>
-            </a:r>
-          </a:p>
-        </p:txBody>
-      </p:sp>
-    </p:spTree>
-  </p:cSld>
-</p:sld>
-</file>
-
-<file path=ppt/slides/slide15.xml><?xml version="1.0" encoding="utf-8"?>
-<p:sld xmlns:a="http://schemas.openxmlformats.org/drawingml/2006/main" xmlns:r="http://schemas.openxmlformats.org/officeDocument/2006/relationships" xmlns:p="http://schemas.openxmlformats.org/presentationml/2006/main">
-  <p:cSld>
-    <p:spTree>
-      <p:nvGrpSpPr>
-        <p:cNvPr id="1" name=""/>
-        <p:cNvGrpSpPr/>
-        <p:nvPr/>
-      </p:nvGrpSpPr>
-      <p:grpSpPr>
-        <a:xfrm>
-          <a:off x="0" y="0"/>
-          <a:ext cx="0" cy="0"/>
-          <a:chOff x="0" y="0"/>
-          <a:chExt cx="0" cy="0"/>
-        </a:xfrm>
-      </p:grpSpPr>
-      <p:sp>
-        <p:nvSpPr>
-          <p:cNvPr id="2" name="Title 1"/>
-          <p:cNvSpPr>
-            <a:spLocks noGrp="1"/>
-          </p:cNvSpPr>
-          <p:nvPr>
-            <p:ph type="title"/>
-          </p:nvPr>
-        </p:nvSpPr>
-        <p:spPr/>
-        <p:txBody>
-          <a:bodyPr/>
-          <a:lstStyle/>
-          <a:p>
-            <a:pPr lvl="0" indent="0" marL="0">
-              <a:buNone/>
-            </a:pPr>
-            <a:r>
-              <a:rPr/>
-              <a:t>🙏 Спасибо за внимание!</a:t>
-            </a:r>
-          </a:p>
-        </p:txBody>
-      </p:sp>
-      <p:sp>
-        <p:nvSpPr>
-          <p:cNvPr id="3" name="Content Placeholder 2"/>
-          <p:cNvSpPr>
-            <a:spLocks noGrp="1"/>
-          </p:cNvSpPr>
-          <p:nvPr>
-            <p:ph idx="1"/>
-          </p:nvPr>
-        </p:nvSpPr>
-        <p:spPr/>
-        <p:txBody>
-          <a:bodyPr/>
-          <a:lstStyle/>
-          <a:p>
-            <a:pPr lvl="0" indent="0" marL="0">
-              <a:buNone/>
-            </a:pPr>
-            <a:r>
-              <a:rPr b="1"/>
-              <a:t>Команда Pulsetech</a:t>
-            </a:r>
-          </a:p>
-          <a:p>
-            <a:pPr lvl="0" indent="0" marL="0">
-              <a:spcBef>
-                <a:spcPts val="3000"/>
-              </a:spcBef>
-              <a:buNone/>
-            </a:pPr>
-            <a:r>
-              <a:rPr b="1"/>
-              <a:t>Контакты и ресурсы</a:t>
-            </a:r>
-          </a:p>
-          <a:p>
-            <a:pPr lvl="0"/>
-            <a:r>
-              <a:rPr b="1"/>
-              <a:t>Команда</a:t>
-            </a:r>
-            <a:r>
-              <a:rPr/>
-              <a:t>: Pulsetech</a:t>
-            </a:r>
-          </a:p>
-          <a:p>
-            <a:pPr lvl="0"/>
-            <a:r>
-              <a:rPr b="1"/>
-              <a:t>GitHub</a:t>
-            </a:r>
-            <a:r>
-              <a:rPr/>
-              <a:t>: https://github.com/sokanaid/finnam-forecast-pulsetech</a:t>
-            </a:r>
-          </a:p>
-          <a:p>
-            <a:pPr lvl="0"/>
-            <a:r>
-              <a:rPr b="1"/>
-              <a:t>Документация</a:t>
-            </a:r>
-            <a:r>
-              <a:rPr/>
-              <a:t>: README.md (605 строк)</a:t>
-            </a:r>
-          </a:p>
-          <a:p>
-            <a:pPr lvl="0"/>
-            <a:r>
-              <a:rPr b="1"/>
-              <a:t>Colab</a:t>
-            </a:r>
-            <a:r>
-              <a:rPr/>
-              <a:t>: RUN_IN_COLAB.ipynb (готов к запуску)</a:t>
-            </a:r>
-          </a:p>
-          <a:p>
-            <a:pPr lvl="0"/>
-            <a:r>
-              <a:rPr b="1"/>
-              <a:t>Запуск</a:t>
-            </a:r>
-            <a:r>
-              <a:rPr/>
-              <a:t>: 3 команды</a:t>
-            </a:r>
-          </a:p>
-          <a:p>
-            <a:pPr lvl="1" indent="0">
-              <a:buNone/>
-            </a:pPr>
-            <a:r>
-              <a:rPr>
-                <a:latin typeface="Courier"/>
-              </a:rPr>
-              <a:t>pip install </a:t>
-            </a:r>
-            <a:r>
-              <a:rPr>
-                <a:solidFill>
-                  <a:srgbClr val="7D9029"/>
-                </a:solidFill>
-                <a:latin typeface="Courier"/>
-              </a:rPr>
-              <a:t>-r</a:t>
-            </a:r>
-            <a:r>
-              <a:rPr>
-                <a:latin typeface="Courier"/>
-              </a:rPr>
-              <a:t> requirements.txt</a:t>
-            </a:r>
-            <a:br/>
-            <a:r>
-              <a:rPr>
-                <a:latin typeface="Courier"/>
-              </a:rPr>
-              <a:t>python train.py</a:t>
-            </a:r>
-            <a:br/>
-            <a:r>
-              <a:rPr>
-                <a:latin typeface="Courier"/>
-              </a:rPr>
-              <a:t>python predict.py</a:t>
-            </a:r>
-          </a:p>
-          <a:p>
-            <a:pPr lvl="0" indent="0" marL="0">
-              <a:spcBef>
-                <a:spcPts val="3000"/>
-              </a:spcBef>
-              <a:buNone/>
-            </a:pPr>
-            <a:r>
-              <a:rPr b="1"/>
-              <a:t>Готовы ответить на вопросы! 🎤</a:t>
-            </a:r>
-          </a:p>
-        </p:txBody>
-      </p:sp>
-    </p:spTree>
-  </p:cSld>
-</p:sld>
-</file>
-
-<file path=ppt/slides/slide16.xml><?xml version="1.0" encoding="utf-8"?>
-<p:sld xmlns:a="http://schemas.openxmlformats.org/drawingml/2006/main" xmlns:r="http://schemas.openxmlformats.org/officeDocument/2006/relationships" xmlns:p="http://schemas.openxmlformats.org/presentationml/2006/main">
-  <p:cSld>
-    <p:spTree>
-      <p:nvGrpSpPr>
-        <p:cNvPr id="1" name=""/>
-        <p:cNvGrpSpPr/>
-        <p:nvPr/>
-      </p:nvGrpSpPr>
-      <p:grpSpPr>
-        <a:xfrm>
-          <a:off x="0" y="0"/>
-          <a:ext cx="0" cy="0"/>
-          <a:chOff x="0" y="0"/>
-          <a:chExt cx="0" cy="0"/>
-        </a:xfrm>
-      </p:grpSpPr>
-      <p:sp>
-        <p:nvSpPr>
-          <p:cNvPr id="2" name="Title 1"/>
-          <p:cNvSpPr>
-            <a:spLocks noGrp="1"/>
-          </p:cNvSpPr>
-          <p:nvPr>
-            <p:ph type="title"/>
-          </p:nvPr>
-        </p:nvSpPr>
-        <p:spPr>
-          <a:xfrm>
-            <a:off x="457201" y="204787"/>
-            <a:ext cx="3008313" cy="871538"/>
-          </a:xfrm>
-        </p:spPr>
-        <p:txBody>
-          <a:bodyPr/>
-          <a:lstStyle/>
-          <a:p>
-            <a:pPr lvl="0" indent="0" marL="0">
-              <a:buNone/>
-            </a:pPr>
-            <a:r>
-              <a:rPr/>
-              <a:t>📎 Backup слайды</a:t>
-            </a:r>
-          </a:p>
-        </p:txBody>
-      </p:sp>
-      <p:sp>
-        <p:nvSpPr>
-          <p:cNvPr id="4" name="Text Placeholder 3"/>
-          <p:cNvSpPr>
-            <a:spLocks noGrp="1"/>
-          </p:cNvSpPr>
-          <p:nvPr>
-            <p:ph idx="2" sz="half" type="body"/>
-          </p:nvPr>
-        </p:nvSpPr>
-        <p:spPr/>
-        <p:txBody>
-          <a:bodyPr/>
-          <a:lstStyle/>
-          <a:p>
-            <a:pPr lvl="0" indent="0" marL="0">
-              <a:spcBef>
-                <a:spcPts val="3000"/>
-              </a:spcBef>
-              <a:buNone/>
-            </a:pPr>
-            <a:r>
-              <a:rPr b="1"/>
-              <a:t>Детали архитектуры</a:t>
-            </a:r>
-          </a:p>
-          <a:p>
-            <a:pPr lvl="0" indent="0">
-              <a:buNone/>
-            </a:pPr>
-            <a:r>
-              <a:rPr>
-                <a:latin typeface="Courier"/>
-              </a:rPr>
-              <a:t>Input: котировки (OHLCV) + новости (text)
-    ↓
-Feature Engineering:
-  • Технические индикаторы: ~31 признак
-    - Доходности (1d, 5d, 10d, 20d)
-    - MA (5, 10, 20) + расстояния
-    - RSI, MACD, Bollinger Bands
-    - Волатильность, тренд, объем
-  • Новости:
-    - Количество по дням
-    - Агрегация по периодам
-    ↓
-20 моделей LightGBM (по одной на горизонт)
-    ↓
-Output: p₁, p₂, ..., p₂₀ ∈ [0, 1]</a:t>
-            </a:r>
-          </a:p>
-          <a:p>
-            <a:pPr lvl="0" indent="0" marL="0">
-              <a:spcBef>
-                <a:spcPts val="3000"/>
-              </a:spcBef>
-              <a:buNone/>
-            </a:pPr>
-            <a:r>
-              <a:rPr b="1"/>
-              <a:t>Поведение по горизонтам (реальные данные)</a:t>
-            </a:r>
-          </a:p>
-        </p:txBody>
-      </p:sp>
-      <p:graphicFrame>
-        <p:nvGraphicFramePr>
-          <p:cNvPr id="6" name="Content Placeholder 5"/>
-          <p:cNvGraphicFramePr>
-            <a:graphicFrameLocks noGrp="1"/>
-          </p:cNvGraphicFramePr>
-          <p:nvPr>
-            <p:ph idx="1"/>
-          </p:nvPr>
-        </p:nvGraphicFramePr>
-        <p:xfrm>
-          <a:off x="3568700" y="203200"/>
-          <a:ext cx="5105400" cy="4381500"/>
-        </p:xfrm>
-        <a:graphic>
-          <a:graphicData uri="http://schemas.openxmlformats.org/drawingml/2006/table">
-            <a:tbl>
-              <a:tblPr firstRow="1" bandRow="1">
-                <a:tableStyleId>{5C22544A-7EE6-4342-B048-85BDC9FD1C3A}</a:tableStyleId>
-              </a:tblPr>
-              <a:tblGrid>
-                <a:gridCol w="1701800"/>
-                <a:gridCol w="1701800"/>
-                <a:gridCol w="1701800"/>
-              </a:tblGrid>
-              <a:tr h="0">
-                <a:tc>
-                  <a:txBody>
-                    <a:bodyPr/>
-                    <a:lstStyle/>
-                    <a:p>
-                      <a:pPr lvl="0" indent="0" marL="0">
-                        <a:buNone/>
-                      </a:pPr>
-                      <a:r>
-                        <a:rPr/>
-                        <a:t>Горизонт</a:t>
-                      </a:r>
-                    </a:p>
-                  </a:txBody>
-                  <a:tcPr/>
-                </a:tc>
-                <a:tc>
-                  <a:txBody>
-                    <a:bodyPr/>
-                    <a:lstStyle/>
-                    <a:p>
-                      <a:pPr lvl="0" indent="0" marL="0">
-                        <a:buNone/>
-                      </a:pPr>
-                      <a:r>
-                        <a:rPr/>
-                        <a:t>Среднее p</a:t>
-                      </a:r>
-                    </a:p>
-                  </a:txBody>
-                  <a:tcPr/>
-                </a:tc>
-                <a:tc>
-                  <a:txBody>
-                    <a:bodyPr/>
-                    <a:lstStyle/>
-                    <a:p>
-                      <a:pPr lvl="0" indent="0" marL="0">
-                        <a:buNone/>
-                      </a:pPr>
-                      <a:r>
-                        <a:rPr/>
-                        <a:t>Интерпретация</a:t>
-                      </a:r>
-                    </a:p>
-                  </a:txBody>
-                  <a:tcPr/>
-                </a:tc>
-              </a:tr>
-              <a:tr h="0">
-                <a:tc>
-                  <a:txBody>
-                    <a:bodyPr/>
-                    <a:lstStyle/>
-                    <a:p>
-                      <a:pPr lvl="0" indent="0" marL="0">
-                        <a:buNone/>
-                      </a:pPr>
-                      <a:r>
-                        <a:rPr/>
-                        <a:t>1 день</a:t>
-                      </a:r>
-                    </a:p>
-                  </a:txBody>
-                </a:tc>
-                <a:tc>
-                  <a:txBody>
-                    <a:bodyPr/>
-                    <a:lstStyle/>
-                    <a:p>
-                      <a:pPr lvl="0" indent="0" marL="0">
-                        <a:buNone/>
-                      </a:pPr>
-                      <a:r>
-                        <a:rPr/>
-                        <a:t>0.684</a:t>
-                      </a:r>
-                    </a:p>
-                  </a:txBody>
-                </a:tc>
-                <a:tc>
-                  <a:txBody>
-                    <a:bodyPr/>
-                    <a:lstStyle/>
-                    <a:p>
-                      <a:pPr lvl="0" indent="0" marL="0">
-                        <a:buNone/>
-                      </a:pPr>
-                      <a:r>
-                        <a:rPr/>
-                        <a:t>Высокая уверенность на коротком горизонте</a:t>
-                      </a:r>
-                    </a:p>
-                  </a:txBody>
-                </a:tc>
-              </a:tr>
-              <a:tr h="0">
-                <a:tc>
-                  <a:txBody>
-                    <a:bodyPr/>
-                    <a:lstStyle/>
-                    <a:p>
-                      <a:pPr lvl="0" indent="0" marL="0">
-                        <a:buNone/>
-                      </a:pPr>
-                      <a:r>
-                        <a:rPr/>
-                        <a:t>3 дня</a:t>
-                      </a:r>
-                    </a:p>
-                  </a:txBody>
-                </a:tc>
-                <a:tc>
-                  <a:txBody>
-                    <a:bodyPr/>
-                    <a:lstStyle/>
-                    <a:p>
-                      <a:pPr lvl="0" indent="0" marL="0">
-                        <a:buNone/>
-                      </a:pPr>
-                      <a:r>
-                        <a:rPr/>
-                        <a:t>0.734</a:t>
-                      </a:r>
-                    </a:p>
-                  </a:txBody>
-                </a:tc>
-                <a:tc>
-                  <a:txBody>
-                    <a:bodyPr/>
-                    <a:lstStyle/>
-                    <a:p>
-                      <a:pPr lvl="0" indent="0" marL="0">
-                        <a:buNone/>
-                      </a:pPr>
-                      <a:r>
-                        <a:rPr/>
-                        <a:t>Пик уверенности</a:t>
-                      </a:r>
-                    </a:p>
-                  </a:txBody>
-                </a:tc>
-              </a:tr>
-              <a:tr h="0">
-                <a:tc>
-                  <a:txBody>
-                    <a:bodyPr/>
-                    <a:lstStyle/>
-                    <a:p>
-                      <a:pPr lvl="0" indent="0" marL="0">
-                        <a:buNone/>
-                      </a:pPr>
-                      <a:r>
-                        <a:rPr/>
-                        <a:t>10 дней</a:t>
-                      </a:r>
-                    </a:p>
-                  </a:txBody>
-                </a:tc>
-                <a:tc>
-                  <a:txBody>
-                    <a:bodyPr/>
-                    <a:lstStyle/>
-                    <a:p>
-                      <a:pPr lvl="0" indent="0" marL="0">
-                        <a:buNone/>
-                      </a:pPr>
-                      <a:r>
-                        <a:rPr/>
-                        <a:t>0.611</a:t>
-                      </a:r>
-                    </a:p>
-                  </a:txBody>
-                </a:tc>
-                <a:tc>
-                  <a:txBody>
-                    <a:bodyPr/>
-                    <a:lstStyle/>
-                    <a:p>
-                      <a:pPr lvl="0" indent="0" marL="0">
-                        <a:buNone/>
-                      </a:pPr>
-                      <a:r>
-                        <a:rPr/>
-                        <a:t>Снижение уверенности</a:t>
-                      </a:r>
-                    </a:p>
-                  </a:txBody>
-                </a:tc>
-              </a:tr>
-              <a:tr h="0">
-                <a:tc>
-                  <a:txBody>
-                    <a:bodyPr/>
-                    <a:lstStyle/>
-                    <a:p>
-                      <a:pPr lvl="0" indent="0" marL="0">
-                        <a:buNone/>
-                      </a:pPr>
-                      <a:r>
-                        <a:rPr/>
-                        <a:t>20 дней</a:t>
-                      </a:r>
-                    </a:p>
-                  </a:txBody>
-                </a:tc>
-                <a:tc>
-                  <a:txBody>
-                    <a:bodyPr/>
-                    <a:lstStyle/>
-                    <a:p>
-                      <a:pPr lvl="0" indent="0" marL="0">
-                        <a:buNone/>
-                      </a:pPr>
-                      <a:r>
-                        <a:rPr/>
-                        <a:t>0.558</a:t>
-                      </a:r>
-                    </a:p>
-                  </a:txBody>
-                </a:tc>
-                <a:tc>
-                  <a:txBody>
-                    <a:bodyPr/>
-                    <a:lstStyle/>
-                    <a:p>
-                      <a:pPr lvl="0" indent="0" marL="0">
-                        <a:buNone/>
-                      </a:pPr>
-                      <a:r>
-                        <a:rPr/>
-                        <a:t>Наибольшая неопределенность</a:t>
-                      </a:r>
-                    </a:p>
-                  </a:txBody>
-                </a:tc>
-              </a:tr>
-            </a:tbl>
-          </a:graphicData>
-        </a:graphic>
-      </p:graphicFrame>
-    </p:spTree>
-  </p:cSld>
-</p:sld>
-</file>
-
-<file path=ppt/slides/slide17.xml><?xml version="1.0" encoding="utf-8"?>
-<p:sld xmlns:a="http://schemas.openxmlformats.org/drawingml/2006/main" xmlns:r="http://schemas.openxmlformats.org/officeDocument/2006/relationships" xmlns:p="http://schemas.openxmlformats.org/presentationml/2006/main">
-  <p:cSld>
-    <p:spTree>
-      <p:nvGrpSpPr>
-        <p:cNvPr id="1" name=""/>
-        <p:cNvGrpSpPr/>
-        <p:nvPr/>
-      </p:nvGrpSpPr>
-      <p:grpSpPr>
-        <a:xfrm>
-          <a:off x="0" y="0"/>
-          <a:ext cx="0" cy="0"/>
-          <a:chOff x="0" y="0"/>
-          <a:chExt cx="0" cy="0"/>
-        </a:xfrm>
-      </p:grpSpPr>
-      <p:sp>
-        <p:nvSpPr>
-          <p:cNvPr id="3" name="Content Placeholder 2"/>
-          <p:cNvSpPr>
-            <a:spLocks noGrp="1"/>
-          </p:cNvSpPr>
-          <p:nvPr>
-            <p:ph idx="1"/>
-          </p:nvPr>
-        </p:nvSpPr>
-        <p:spPr/>
-        <p:txBody>
-          <a:bodyPr/>
-          <a:lstStyle/>
-          <a:p>
-            <a:pPr lvl="0" indent="0" marL="0">
-              <a:buNone/>
-            </a:pPr>
-            <a:r>
-              <a:rPr b="1"/>
-              <a:t>Тренд</a:t>
-            </a:r>
-            <a:r>
-              <a:rPr/>
-              <a:t>: Вероятности снижаются с увеличением горизонта - это логично! ✅</a:t>
-            </a:r>
-          </a:p>
-          <a:p>
-            <a:pPr lvl="0" indent="0" marL="0">
-              <a:spcBef>
-                <a:spcPts val="3000"/>
-              </a:spcBef>
-              <a:buNone/>
-            </a:pPr>
-            <a:r>
-              <a:rPr b="1"/>
-              <a:t>Распределение вероятностей (реальные данные)</a:t>
-            </a:r>
-          </a:p>
-          <a:p>
-            <a:pPr lvl="0" indent="0">
-              <a:buNone/>
-            </a:pPr>
-            <a:r>
-              <a:rPr>
-                <a:latin typeface="Courier"/>
-              </a:rPr>
-              <a:t>Распределение 15,540 предсказаний (777 × 20):
-&lt; 0.2:     0.9%  ████
-0.2-0.4:   9.7%  ████████████████████
-0.4-0.6:  43.9%  ████████████████████████████████████████████████████████████
-0.6-0.8:  39.6%  ████████████████████████████████████████████████████████
-≥ 0.8:     5.8%  ████████████
-Вывод: Хорошая калибровка, не экстремальные значения</a:t>
-            </a:r>
-          </a:p>
-        </p:txBody>
-      </p:sp>
-    </p:spTree>
-  </p:cSld>
+  <p:clrMapOvr>
+    <a:masterClrMapping/>
+  </p:clrMapOvr>
 </p:sld>
 </file>
 
@@ -5173,89 +4210,170 @@
             <p:ph idx="1"/>
           </p:nvPr>
         </p:nvSpPr>
-        <p:spPr/>
-        <p:txBody>
-          <a:bodyPr/>
-          <a:lstStyle/>
-          <a:p>
-            <a:pPr lvl="0" indent="0" marL="0">
+        <p:spPr>
+          <a:xfrm>
+            <a:off x="735496" y="492485"/>
+            <a:ext cx="8229600" cy="3394472"/>
+          </a:xfrm>
+        </p:spPr>
+        <p:txBody>
+          <a:bodyPr>
+            <a:normAutofit fontScale="85000" lnSpcReduction="20000"/>
+          </a:bodyPr>
+          <a:lstStyle/>
+          <a:p>
+            <a:pPr marL="0" lvl="0" indent="0">
               <a:spcBef>
                 <a:spcPts val="3000"/>
               </a:spcBef>
               <a:buNone/>
             </a:pPr>
             <a:r>
-              <a:rPr b="1"/>
-              <a:t>📋 Структура презентации</a:t>
-            </a:r>
-          </a:p>
-          <a:p>
-            <a:pPr lvl="0" indent="-342900" marL="342900">
+              <a:rPr b="1" dirty="0"/>
+              <a:t>📋 </a:t>
+            </a:r>
+            <a:r>
+              <a:rPr sz="3600" dirty="0" err="1">
+                <a:latin typeface="+mj-lt"/>
+                <a:ea typeface="+mj-ea"/>
+                <a:cs typeface="+mj-cs"/>
+              </a:rPr>
+              <a:t>Структура</a:t>
+            </a:r>
+            <a:r>
+              <a:rPr sz="3600" dirty="0">
+                <a:latin typeface="+mj-lt"/>
+                <a:ea typeface="+mj-ea"/>
+                <a:cs typeface="+mj-cs"/>
+              </a:rPr>
+              <a:t> </a:t>
+            </a:r>
+            <a:r>
+              <a:rPr sz="3600" dirty="0" err="1">
+                <a:latin typeface="+mj-lt"/>
+                <a:ea typeface="+mj-ea"/>
+                <a:cs typeface="+mj-cs"/>
+              </a:rPr>
+              <a:t>презентации</a:t>
+            </a:r>
+            <a:endParaRPr lang="ru-RU" sz="3600" dirty="0">
+              <a:latin typeface="+mj-lt"/>
+              <a:ea typeface="+mj-ea"/>
+              <a:cs typeface="+mj-cs"/>
+            </a:endParaRPr>
+          </a:p>
+          <a:p>
+            <a:pPr marL="0" lvl="0" indent="0">
+              <a:spcBef>
+                <a:spcPts val="3000"/>
+              </a:spcBef>
+              <a:buNone/>
+            </a:pPr>
+            <a:endParaRPr lang="ru-RU" b="1" dirty="0"/>
+          </a:p>
+          <a:p>
+            <a:pPr marL="342900" lvl="0" indent="-342900">
               <a:buAutoNum type="arabicPeriod"/>
             </a:pPr>
             <a:r>
-              <a:rPr/>
+              <a:rPr lang="ru-RU" dirty="0"/>
               <a:t>Цель и гипотезы</a:t>
             </a:r>
           </a:p>
           <a:p>
-            <a:pPr lvl="0" indent="-342900" marL="342900">
+            <a:pPr marL="342900" lvl="0" indent="-342900">
               <a:buAutoNum type="arabicPeriod"/>
             </a:pPr>
             <a:r>
-              <a:rPr/>
+              <a:rPr lang="ru-RU" dirty="0"/>
               <a:t>Данные и временная схема</a:t>
             </a:r>
           </a:p>
           <a:p>
-            <a:pPr lvl="0" indent="-342900" marL="342900">
+            <a:pPr marL="342900" lvl="0" indent="-342900">
               <a:buAutoNum type="arabicPeriod"/>
             </a:pPr>
             <a:r>
-              <a:rPr/>
+              <a:rPr lang="ru-RU" dirty="0"/>
               <a:t>Протокол экспериментов</a:t>
             </a:r>
           </a:p>
           <a:p>
-            <a:pPr lvl="0" indent="-342900" marL="342900">
+            <a:pPr marL="342900" lvl="0" indent="-342900">
               <a:buAutoNum type="arabicPeriod"/>
             </a:pPr>
             <a:r>
-              <a:rPr/>
-              <a:t>Результаты vs baseline</a:t>
-            </a:r>
-          </a:p>
-          <a:p>
-            <a:pPr lvl="0" indent="-342900" marL="342900">
+              <a:rPr lang="ru-RU" dirty="0"/>
+              <a:t>Результаты </a:t>
+            </a:r>
+            <a:r>
+              <a:rPr lang="en" dirty="0"/>
+              <a:t>vs baseline</a:t>
+            </a:r>
+          </a:p>
+          <a:p>
+            <a:pPr marL="342900" lvl="0" indent="-342900">
               <a:buAutoNum type="arabicPeriod"/>
             </a:pPr>
             <a:r>
-              <a:rPr/>
+              <a:rPr lang="ru-RU" dirty="0"/>
               <a:t>Эффективность и применимость</a:t>
             </a:r>
           </a:p>
           <a:p>
-            <a:pPr lvl="0" indent="-342900" marL="342900">
+            <a:pPr marL="342900" lvl="0" indent="-342900">
               <a:buAutoNum type="arabicPeriod"/>
             </a:pPr>
             <a:r>
-              <a:rPr/>
+              <a:rPr lang="ru-RU" dirty="0"/>
               <a:t>Уникальность решения</a:t>
             </a:r>
           </a:p>
           <a:p>
-            <a:pPr lvl="0" indent="-342900" marL="342900">
+            <a:pPr marL="342900" lvl="0" indent="-342900">
               <a:buAutoNum type="arabicPeriod"/>
             </a:pPr>
             <a:r>
-              <a:rPr/>
+              <a:rPr lang="ru-RU" dirty="0"/>
               <a:t>Выводы и ограничения</a:t>
             </a:r>
+          </a:p>
+        </p:txBody>
+      </p:sp>
+      <p:sp>
+        <p:nvSpPr>
+          <p:cNvPr id="4" name="Номер слайда 3">
+            <a:extLst>
+              <a:ext uri="{FF2B5EF4-FFF2-40B4-BE49-F238E27FC236}">
+                <a16:creationId xmlns:a16="http://schemas.microsoft.com/office/drawing/2014/main" id="{DC3D51F3-ADF4-87AE-CBBE-EDCF556A2F01}"/>
+              </a:ext>
+            </a:extLst>
+          </p:cNvPr>
+          <p:cNvSpPr>
+            <a:spLocks noGrp="1"/>
+          </p:cNvSpPr>
+          <p:nvPr>
+            <p:ph type="sldNum" sz="quarter" idx="12"/>
+          </p:nvPr>
+        </p:nvSpPr>
+        <p:spPr/>
+        <p:txBody>
+          <a:bodyPr/>
+          <a:lstStyle/>
+          <a:p>
+            <a:fld id="{C5EF2332-01BF-834F-8236-50238282D533}" type="slidenum">
+              <a:rPr lang="en-US" smtClean="0"/>
+              <a:t>2</a:t>
+            </a:fld>
+            <a:endParaRPr lang="en-US"/>
           </a:p>
         </p:txBody>
       </p:sp>
     </p:spTree>
   </p:cSld>
+  <p:clrMapOvr>
+    <a:masterClrMapping/>
+  </p:clrMapOvr>
 </p:sld>
 </file>
 
@@ -5291,191 +4409,101 @@
           <a:bodyPr/>
           <a:lstStyle/>
           <a:p>
-            <a:pPr lvl="0" indent="0" marL="0">
+            <a:pPr marL="0" lvl="0" indent="0">
               <a:buNone/>
             </a:pPr>
             <a:r>
-              <a:rPr/>
-              <a:t>1. 🎯 Цель и гипотезы</a:t>
-            </a:r>
-          </a:p>
-        </p:txBody>
-      </p:sp>
-      <p:sp>
-        <p:nvSpPr>
-          <p:cNvPr id="3" name="Content Placeholder 2"/>
-          <p:cNvSpPr>
-            <a:spLocks noGrp="1"/>
-          </p:cNvSpPr>
-          <p:nvPr>
-            <p:ph idx="1"/>
-          </p:nvPr>
-        </p:nvSpPr>
-        <p:spPr/>
-        <p:txBody>
-          <a:bodyPr/>
-          <a:lstStyle/>
-          <a:p>
-            <a:pPr lvl="0" indent="0" marL="0">
-              <a:spcBef>
-                <a:spcPts val="3000"/>
-              </a:spcBef>
-              <a:buNone/>
-            </a:pPr>
-            <a:r>
-              <a:rPr b="1"/>
+              <a:rPr dirty="0"/>
+              <a:t>1. 🎯 </a:t>
+            </a:r>
+            <a:r>
+              <a:rPr dirty="0" err="1"/>
               <a:t>Цель</a:t>
             </a:r>
-          </a:p>
-          <a:p>
-            <a:pPr lvl="0" indent="0" marL="0">
-              <a:buNone/>
-            </a:pPr>
-            <a:r>
-              <a:rPr b="1"/>
-              <a:t>Прогнозировать вероятности роста цен акций</a:t>
-            </a:r>
-            <a:r>
-              <a:rPr/>
-              <a:t> на 1, 2, …, 20 торговых дней с использованием котировок и новостей.</a:t>
-            </a:r>
-          </a:p>
-          <a:p>
-            <a:pPr lvl="0" indent="0" marL="0">
-              <a:spcBef>
-                <a:spcPts val="3000"/>
-              </a:spcBef>
-              <a:buNone/>
-            </a:pPr>
-            <a:r>
-              <a:rPr b="1"/>
-              <a:t>Гипотезы</a:t>
-            </a:r>
-          </a:p>
-          <a:p>
-            <a:pPr lvl="0" indent="0" marL="0">
-              <a:spcBef>
-                <a:spcPts val="3000"/>
-              </a:spcBef>
-              <a:buNone/>
-            </a:pPr>
-            <a:r>
-              <a:rPr b="1"/>
-              <a:t>H1: Моментум содержит сигнал</a:t>
-            </a:r>
-          </a:p>
-          <a:p>
-            <a:pPr lvl="0"/>
-            <a:r>
-              <a:rPr/>
-              <a:t>Недавнее движение цен продолжается на коротких горизонтах</a:t>
-            </a:r>
-          </a:p>
-          <a:p>
-            <a:pPr lvl="0"/>
-            <a:r>
-              <a:rPr b="1"/>
-              <a:t>Бизнес-смысл</a:t>
-            </a:r>
-            <a:r>
-              <a:rPr/>
-              <a:t>: краткосрочные тренды предсказуемы</a:t>
-            </a:r>
-          </a:p>
-          <a:p>
-            <a:pPr lvl="0" indent="0" marL="0">
-              <a:spcBef>
-                <a:spcPts val="3000"/>
-              </a:spcBef>
-              <a:buNone/>
-            </a:pPr>
-            <a:r>
-              <a:rPr b="1"/>
-              <a:t>H2: Технические индикаторы работают</a:t>
-            </a:r>
-          </a:p>
-          <a:p>
-            <a:pPr lvl="0"/>
-            <a:r>
-              <a:rPr/>
-              <a:t>RSI, MACD, Bollinger Bands отражают состояние рынка</a:t>
-            </a:r>
-          </a:p>
-          <a:p>
-            <a:pPr lvl="0"/>
-            <a:r>
-              <a:rPr b="1"/>
-              <a:t>Бизнес-смысл</a:t>
-            </a:r>
-            <a:r>
-              <a:rPr/>
-              <a:t>: классические инструменты техничес��ого анализа эффективны</a:t>
-            </a:r>
-          </a:p>
-          <a:p>
-            <a:pPr lvl="0" indent="0" marL="0">
-              <a:spcBef>
-                <a:spcPts val="3000"/>
-              </a:spcBef>
-              <a:buNone/>
-            </a:pPr>
-            <a:r>
-              <a:rPr b="1"/>
-              <a:t>H3: Новости влияют на движение</a:t>
-            </a:r>
-          </a:p>
-          <a:p>
-            <a:pPr lvl="0"/>
-            <a:r>
-              <a:rPr/>
-              <a:t>Количество и тональность новостей коррелируют с волатильностью</a:t>
-            </a:r>
-          </a:p>
-          <a:p>
-            <a:pPr lvl="0"/>
-            <a:r>
-              <a:rPr b="1"/>
-              <a:t>Бизнес-смысл</a:t>
-            </a:r>
-            <a:r>
-              <a:rPr/>
-              <a:t>: информационный фон предсказывает изменения</a:t>
-            </a:r>
-          </a:p>
-          <a:p>
-            <a:pPr lvl="0" indent="0" marL="0">
-              <a:spcBef>
-                <a:spcPts val="3000"/>
-              </a:spcBef>
-              <a:buNone/>
-            </a:pPr>
-            <a:r>
-              <a:rPr b="1"/>
-              <a:t>H4: Разные горизонты требуют разных моделей</a:t>
-            </a:r>
-          </a:p>
-          <a:p>
-            <a:pPr lvl="0"/>
-            <a:r>
-              <a:rPr/>
-              <a:t>Паттерны на 1 день отличаются от паттернов на 20 дней</a:t>
-            </a:r>
-          </a:p>
-          <a:p>
-            <a:pPr lvl="0"/>
-            <a:r>
-              <a:rPr b="1"/>
-              <a:t>Бизнес-смысл</a:t>
-            </a:r>
-            <a:r>
-              <a:rPr/>
-              <a:t>: специализация повышает точность</a:t>
-            </a:r>
+            <a:r>
+              <a:rPr dirty="0"/>
+              <a:t> </a:t>
+            </a:r>
+            <a:r>
+              <a:rPr dirty="0" err="1"/>
+              <a:t>и</a:t>
+            </a:r>
+            <a:r>
+              <a:rPr dirty="0"/>
+              <a:t> </a:t>
+            </a:r>
+            <a:r>
+              <a:rPr dirty="0" err="1"/>
+              <a:t>гипотезы</a:t>
+            </a:r>
+            <a:endParaRPr dirty="0"/>
+          </a:p>
+        </p:txBody>
+      </p:sp>
+      <p:pic>
+        <p:nvPicPr>
+          <p:cNvPr id="7" name="Рисунок 6">
+            <a:extLst>
+              <a:ext uri="{FF2B5EF4-FFF2-40B4-BE49-F238E27FC236}">
+                <a16:creationId xmlns:a16="http://schemas.microsoft.com/office/drawing/2014/main" id="{83B36190-1705-ADF6-C02F-0AE7485037DB}"/>
+              </a:ext>
+            </a:extLst>
+          </p:cNvPr>
+          <p:cNvPicPr>
+            <a:picLocks noChangeAspect="1"/>
+          </p:cNvPicPr>
+          <p:nvPr/>
+        </p:nvPicPr>
+        <p:blipFill>
+          <a:blip r:embed="rId2"/>
+          <a:stretch>
+            <a:fillRect/>
+          </a:stretch>
+        </p:blipFill>
+        <p:spPr>
+          <a:xfrm>
+            <a:off x="1194625" y="806304"/>
+            <a:ext cx="7025035" cy="4337196"/>
+          </a:xfrm>
+          <a:prstGeom prst="rect">
+            <a:avLst/>
+          </a:prstGeom>
+        </p:spPr>
+      </p:pic>
+      <p:sp>
+        <p:nvSpPr>
+          <p:cNvPr id="8" name="Номер слайда 7">
+            <a:extLst>
+              <a:ext uri="{FF2B5EF4-FFF2-40B4-BE49-F238E27FC236}">
+                <a16:creationId xmlns:a16="http://schemas.microsoft.com/office/drawing/2014/main" id="{3E6C712A-CC28-06CF-FA16-333EAB3F3419}"/>
+              </a:ext>
+            </a:extLst>
+          </p:cNvPr>
+          <p:cNvSpPr>
+            <a:spLocks noGrp="1"/>
+          </p:cNvSpPr>
+          <p:nvPr>
+            <p:ph type="sldNum" sz="quarter" idx="12"/>
+          </p:nvPr>
+        </p:nvSpPr>
+        <p:spPr/>
+        <p:txBody>
+          <a:bodyPr/>
+          <a:lstStyle/>
+          <a:p>
+            <a:fld id="{C5EF2332-01BF-834F-8236-50238282D533}" type="slidenum">
+              <a:rPr lang="en-US" smtClean="0"/>
+              <a:t>3</a:t>
+            </a:fld>
+            <a:endParaRPr lang="en-US"/>
           </a:p>
         </p:txBody>
       </p:sp>
     </p:spTree>
   </p:cSld>
+  <p:clrMapOvr>
+    <a:masterClrMapping/>
+  </p:clrMapOvr>
 </p:sld>
 </file>
 
@@ -5511,116 +4539,79 @@
           <a:bodyPr/>
           <a:lstStyle/>
           <a:p>
-            <a:pPr lvl="0" indent="0" marL="0">
+            <a:pPr marL="0" lvl="0" indent="0">
               <a:buNone/>
             </a:pPr>
             <a:r>
-              <a:rPr/>
               <a:t>2. 📊 Данные и временная схема</a:t>
             </a:r>
           </a:p>
         </p:txBody>
       </p:sp>
-      <p:sp>
-        <p:nvSpPr>
-          <p:cNvPr id="3" name="Content Placeholder 2"/>
-          <p:cNvSpPr>
-            <a:spLocks noGrp="1"/>
-          </p:cNvSpPr>
-          <p:nvPr>
-            <p:ph idx="1"/>
-          </p:nvPr>
-        </p:nvSpPr>
-        <p:spPr/>
-        <p:txBody>
-          <a:bodyPr/>
-          <a:lstStyle/>
-          <a:p>
-            <a:pPr lvl="0" indent="0" marL="0">
-              <a:spcBef>
-                <a:spcPts val="3000"/>
-              </a:spcBef>
-              <a:buNone/>
-            </a:pPr>
-            <a:r>
-              <a:rPr b="1"/>
-              <a:t>Данные</a:t>
-            </a:r>
-          </a:p>
-          <a:p>
-            <a:pPr lvl="0" indent="0" marL="0">
-              <a:buNone/>
-            </a:pPr>
-            <a:r>
-              <a:rPr b="1"/>
-              <a:t>Котировки</a:t>
-            </a:r>
-            <a:r>
-              <a:rPr/>
-              <a:t> (train): - OHLCV данные - 19 тикеров: SBER, GAZP, LKOH, NVTK, ROSN, SIBN, GMKN, ALRS, MAGN, CHMF, MTSS, AFLT, PHOR, MOEX, VTBR, RUAL, PLZL, MGNT, T</a:t>
-            </a:r>
-          </a:p>
-          <a:p>
-            <a:pPr lvl="0" indent="0" marL="0">
-              <a:buNone/>
-            </a:pPr>
-            <a:r>
-              <a:rPr b="1"/>
-              <a:t>Новости</a:t>
-            </a:r>
-            <a:r>
-              <a:rPr/>
-              <a:t> (train): - Заголовки + полный текст - Связь с тикерами</a:t>
-            </a:r>
-          </a:p>
-          <a:p>
-            <a:pPr lvl="0" indent="0" marL="0">
-              <a:buNone/>
-            </a:pPr>
-            <a:r>
-              <a:rPr b="1"/>
-              <a:t>Тестовая выборка</a:t>
-            </a:r>
-            <a:r>
-              <a:rPr/>
-              <a:t>: 777 предсказаний для 19 тикеров</a:t>
-            </a:r>
-          </a:p>
-          <a:p>
-            <a:pPr lvl="0" indent="0" marL="0">
-              <a:spcBef>
-                <a:spcPts val="3000"/>
-              </a:spcBef>
-              <a:buNone/>
-            </a:pPr>
-            <a:r>
-              <a:rPr b="1"/>
-              <a:t>Временная корректность ✅</a:t>
-            </a:r>
-          </a:p>
-          <a:p>
-            <a:pPr lvl="0" indent="0">
-              <a:buNone/>
-            </a:pPr>
-            <a:r>
-              <a:rPr>
-                <a:latin typeface="Courier"/>
-              </a:rPr>
-              <a:t>Момент t (предсказание)
-    ↓
-Используем:
-  • Цены ≤ t
-  • Новости ≤ t-1 (задержка 1 день)
-  • Признаки: окна [t-20, t]
-✅ No lookahead bias
-✅ Календарное время (UTC)
-✅ Последовательность событий сохранена</a:t>
-            </a:r>
+      <p:pic>
+        <p:nvPicPr>
+          <p:cNvPr id="7" name="Рисунок 6">
+            <a:extLst>
+              <a:ext uri="{FF2B5EF4-FFF2-40B4-BE49-F238E27FC236}">
+                <a16:creationId xmlns:a16="http://schemas.microsoft.com/office/drawing/2014/main" id="{1393C156-3B9B-839D-D0A0-88CD8721DBC9}"/>
+              </a:ext>
+            </a:extLst>
+          </p:cNvPr>
+          <p:cNvPicPr>
+            <a:picLocks noChangeAspect="1"/>
+          </p:cNvPicPr>
+          <p:nvPr/>
+        </p:nvPicPr>
+        <p:blipFill>
+          <a:blip r:embed="rId2"/>
+          <a:stretch>
+            <a:fillRect/>
+          </a:stretch>
+        </p:blipFill>
+        <p:spPr>
+          <a:xfrm>
+            <a:off x="1001863" y="1063229"/>
+            <a:ext cx="6414715" cy="3958937"/>
+          </a:xfrm>
+          <a:prstGeom prst="rect">
+            <a:avLst/>
+          </a:prstGeom>
+        </p:spPr>
+      </p:pic>
+      <p:sp>
+        <p:nvSpPr>
+          <p:cNvPr id="8" name="Номер слайда 7">
+            <a:extLst>
+              <a:ext uri="{FF2B5EF4-FFF2-40B4-BE49-F238E27FC236}">
+                <a16:creationId xmlns:a16="http://schemas.microsoft.com/office/drawing/2014/main" id="{22B44A1E-B86D-E142-0FC2-F22D410C68A8}"/>
+              </a:ext>
+            </a:extLst>
+          </p:cNvPr>
+          <p:cNvSpPr>
+            <a:spLocks noGrp="1"/>
+          </p:cNvSpPr>
+          <p:nvPr>
+            <p:ph type="sldNum" sz="quarter" idx="12"/>
+          </p:nvPr>
+        </p:nvSpPr>
+        <p:spPr/>
+        <p:txBody>
+          <a:bodyPr/>
+          <a:lstStyle/>
+          <a:p>
+            <a:fld id="{C5EF2332-01BF-834F-8236-50238282D533}" type="slidenum">
+              <a:rPr lang="en-US" smtClean="0"/>
+              <a:t>4</a:t>
+            </a:fld>
+            <a:endParaRPr lang="en-US"/>
           </a:p>
         </p:txBody>
       </p:sp>
     </p:spTree>
   </p:cSld>
+  <p:clrMapOvr>
+    <a:masterClrMapping/>
+  </p:clrMapOvr>
 </p:sld>
 </file>
 
@@ -5656,142 +4647,93 @@
           <a:bodyPr/>
           <a:lstStyle/>
           <a:p>
-            <a:pPr lvl="0" indent="0" marL="0">
+            <a:pPr marL="0" lvl="0" indent="0">
               <a:buNone/>
             </a:pPr>
             <a:r>
-              <a:rPr/>
-              <a:t>3. 🔬 Протокол экспериментов</a:t>
-            </a:r>
-          </a:p>
-        </p:txBody>
-      </p:sp>
-      <p:sp>
-        <p:nvSpPr>
-          <p:cNvPr id="3" name="Content Placeholder 2"/>
-          <p:cNvSpPr>
-            <a:spLocks noGrp="1"/>
-          </p:cNvSpPr>
-          <p:nvPr>
-            <p:ph idx="1"/>
-          </p:nvPr>
-        </p:nvSpPr>
-        <p:spPr/>
-        <p:txBody>
-          <a:bodyPr/>
-          <a:lstStyle/>
-          <a:p>
-            <a:pPr lvl="0" indent="0" marL="0">
-              <a:spcBef>
-                <a:spcPts val="3000"/>
-              </a:spcBef>
-              <a:buNone/>
-            </a:pPr>
-            <a:r>
-              <a:rPr b="1"/>
-              <a:t>Временные сплиты</a:t>
-            </a:r>
-          </a:p>
-          <a:p>
-            <a:pPr lvl="0" indent="0">
-              <a:buNone/>
-            </a:pPr>
-            <a:r>
-              <a:rPr>
-                <a:latin typeface="Courier"/>
-              </a:rPr>
-              <a:t>Train: 80% (первые по времени)
-Val:   20% (последние по времени)
-Test:  отложенная выборка</a:t>
-            </a:r>
-          </a:p>
-          <a:p>
-            <a:pPr lvl="0" indent="0" marL="0">
-              <a:spcBef>
-                <a:spcPts val="3000"/>
-              </a:spcBef>
-              <a:buNone/>
-            </a:pPr>
-            <a:r>
-              <a:rPr b="1"/>
-              <a:t>Признаки</a:t>
-            </a:r>
-          </a:p>
-          <a:p>
-            <a:pPr lvl="0" indent="0" marL="0">
-              <a:buNone/>
-            </a:pPr>
-            <a:r>
-              <a:rPr b="1"/>
-              <a:t>Технические индикаторы</a:t>
-            </a:r>
-            <a:r>
-              <a:rPr/>
-              <a:t> (из котировок): - Доходности (1, 5, 10, 20 дней) - Moving Averages (5, 10, 20) - RSI, MACD, Bollinger Bands - Волатильность, объемы</a:t>
-            </a:r>
-          </a:p>
-          <a:p>
-            <a:pPr lvl="0" indent="0" marL="0">
-              <a:buNone/>
-            </a:pPr>
-            <a:r>
-              <a:rPr b="1"/>
-              <a:t>Признаки из новостей</a:t>
-            </a:r>
-            <a:r>
-              <a:rPr/>
-              <a:t>: - Количество новостей за период - Агрегация по дням</a:t>
-            </a:r>
-          </a:p>
-          <a:p>
-            <a:pPr lvl="0" indent="0" marL="0">
-              <a:buNone/>
-            </a:pPr>
-            <a:r>
-              <a:rPr b="1"/>
-              <a:t>Итого</a:t>
-            </a:r>
-            <a:r>
-              <a:rPr/>
-              <a:t>: ~31 признак на каждую точку</a:t>
-            </a:r>
-          </a:p>
-          <a:p>
-            <a:pPr lvl="0" indent="0" marL="0">
-              <a:spcBef>
-                <a:spcPts val="3000"/>
-              </a:spcBef>
-              <a:buNone/>
-            </a:pPr>
-            <a:r>
-              <a:rPr b="1"/>
-              <a:t>Устойчивость</a:t>
-            </a:r>
-          </a:p>
-          <a:p>
-            <a:pPr lvl="0"/>
-            <a:r>
-              <a:rPr/>
-              <a:t>Фиксированный </a:t>
-            </a:r>
-            <a:r>
-              <a:rPr>
-                <a:latin typeface="Courier"/>
-              </a:rPr>
-              <a:t>RANDOM_SEED = 42</a:t>
-            </a:r>
-          </a:p>
-          <a:p>
-            <a:pPr lvl="0"/>
-            <a:r>
-              <a:rPr/>
-              <a:t>Воспроизводимые результаты ✅</a:t>
-            </a:r>
+              <a:rPr dirty="0"/>
+              <a:t>3. 🔬 </a:t>
+            </a:r>
+            <a:r>
+              <a:rPr dirty="0" err="1"/>
+              <a:t>Протокол</a:t>
+            </a:r>
+            <a:r>
+              <a:rPr dirty="0"/>
+              <a:t> </a:t>
+            </a:r>
+            <a:r>
+              <a:rPr dirty="0" err="1"/>
+              <a:t>экспериментов</a:t>
+            </a:r>
+            <a:endParaRPr dirty="0"/>
+          </a:p>
+        </p:txBody>
+      </p:sp>
+      <p:pic>
+        <p:nvPicPr>
+          <p:cNvPr id="6" name="Рисунок 5">
+            <a:extLst>
+              <a:ext uri="{FF2B5EF4-FFF2-40B4-BE49-F238E27FC236}">
+                <a16:creationId xmlns:a16="http://schemas.microsoft.com/office/drawing/2014/main" id="{231F0AF6-0926-4704-17C1-FB9193F935AB}"/>
+              </a:ext>
+            </a:extLst>
+          </p:cNvPr>
+          <p:cNvPicPr>
+            <a:picLocks noChangeAspect="1"/>
+          </p:cNvPicPr>
+          <p:nvPr/>
+        </p:nvPicPr>
+        <p:blipFill>
+          <a:blip r:embed="rId2"/>
+          <a:stretch>
+            <a:fillRect/>
+          </a:stretch>
+        </p:blipFill>
+        <p:spPr>
+          <a:xfrm>
+            <a:off x="1178797" y="821714"/>
+            <a:ext cx="6786405" cy="4424214"/>
+          </a:xfrm>
+          <a:prstGeom prst="rect">
+            <a:avLst/>
+          </a:prstGeom>
+        </p:spPr>
+      </p:pic>
+      <p:sp>
+        <p:nvSpPr>
+          <p:cNvPr id="7" name="Номер слайда 6">
+            <a:extLst>
+              <a:ext uri="{FF2B5EF4-FFF2-40B4-BE49-F238E27FC236}">
+                <a16:creationId xmlns:a16="http://schemas.microsoft.com/office/drawing/2014/main" id="{1E5D9161-E96E-918E-AB30-C0536C05B795}"/>
+              </a:ext>
+            </a:extLst>
+          </p:cNvPr>
+          <p:cNvSpPr>
+            <a:spLocks noGrp="1"/>
+          </p:cNvSpPr>
+          <p:nvPr>
+            <p:ph type="sldNum" sz="quarter" idx="12"/>
+          </p:nvPr>
+        </p:nvSpPr>
+        <p:spPr/>
+        <p:txBody>
+          <a:bodyPr/>
+          <a:lstStyle/>
+          <a:p>
+            <a:fld id="{C5EF2332-01BF-834F-8236-50238282D533}" type="slidenum">
+              <a:rPr lang="en-US" smtClean="0"/>
+              <a:t>5</a:t>
+            </a:fld>
+            <a:endParaRPr lang="en-US"/>
           </a:p>
         </p:txBody>
       </p:sp>
     </p:spTree>
   </p:cSld>
+  <p:clrMapOvr>
+    <a:masterClrMapping/>
+  </p:clrMapOvr>
 </p:sld>
 </file>
 
@@ -5829,303 +4771,90 @@
           </a:xfrm>
         </p:spPr>
         <p:txBody>
-          <a:bodyPr/>
-          <a:lstStyle/>
-          <a:p>
-            <a:pPr lvl="0" indent="0" marL="0">
+          <a:bodyPr>
+            <a:normAutofit fontScale="90000"/>
+          </a:bodyPr>
+          <a:lstStyle/>
+          <a:p>
+            <a:pPr marL="0" lvl="0" indent="0">
               <a:buNone/>
             </a:pPr>
             <a:r>
-              <a:rPr/>
-              <a:t>4. 📈 Результаты</a:t>
-            </a:r>
-          </a:p>
-        </p:txBody>
-      </p:sp>
-      <p:sp>
-        <p:nvSpPr>
-          <p:cNvPr id="4" name="Text Placeholder 3"/>
-          <p:cNvSpPr>
-            <a:spLocks noGrp="1"/>
-          </p:cNvSpPr>
-          <p:nvPr>
-            <p:ph idx="2" sz="half" type="body"/>
-          </p:nvPr>
-        </p:nvSpPr>
-        <p:spPr/>
-        <p:txBody>
-          <a:bodyPr/>
-          <a:lstStyle/>
-          <a:p>
-            <a:pPr lvl="0" indent="0" marL="0">
-              <a:spcBef>
-                <a:spcPts val="3000"/>
-              </a:spcBef>
-              <a:buNone/>
-            </a:pPr>
-            <a:r>
-              <a:rPr b="1"/>
-              <a:t>Наше решение</a:t>
-            </a:r>
-          </a:p>
-          <a:p>
-            <a:pPr lvl="0" indent="0" marL="0">
-              <a:buNone/>
-            </a:pPr>
-            <a:r>
-              <a:rPr b="1"/>
-              <a:t>Архитектура</a:t>
-            </a:r>
-            <a:r>
-              <a:rPr/>
-              <a:t>: 20 моделей LightGBM - По одной на каждый горизонт (1-20 дней) - ~31 признак (технические + новости)</a:t>
-            </a:r>
-          </a:p>
-          <a:p>
-            <a:pPr lvl="0" indent="0" marL="0">
-              <a:spcBef>
-                <a:spcPts val="3000"/>
-              </a:spcBef>
-              <a:buNone/>
-            </a:pPr>
-            <a:r>
-              <a:rPr b="1"/>
-              <a:t>Полученные метрики</a:t>
-            </a:r>
-          </a:p>
-          <a:p>
-            <a:pPr lvl="0" indent="0" marL="0">
-              <a:buNone/>
-            </a:pPr>
-            <a:r>
-              <a:rPr b="1"/>
-              <a:t>Общая статистика предсказаний (777 строк, 19 тикеров):</a:t>
-            </a:r>
-          </a:p>
-        </p:txBody>
-      </p:sp>
-      <p:graphicFrame>
-        <p:nvGraphicFramePr>
-          <p:cNvPr id="6" name="Content Placeholder 5"/>
-          <p:cNvGraphicFramePr>
-            <a:graphicFrameLocks noGrp="1"/>
-          </p:cNvGraphicFramePr>
-          <p:nvPr>
-            <p:ph idx="1"/>
-          </p:nvPr>
-        </p:nvGraphicFramePr>
-        <p:xfrm>
-          <a:off x="3568700" y="203200"/>
-          <a:ext cx="5105400" cy="4381500"/>
-        </p:xfrm>
-        <a:graphic>
-          <a:graphicData uri="http://schemas.openxmlformats.org/drawingml/2006/table">
-            <a:tbl>
-              <a:tblPr firstRow="1" bandRow="1">
-                <a:tableStyleId>{5C22544A-7EE6-4342-B048-85BDC9FD1C3A}</a:tableStyleId>
-              </a:tblPr>
-              <a:tblGrid>
-                <a:gridCol w="1701800"/>
-                <a:gridCol w="1701800"/>
-                <a:gridCol w="1701800"/>
-              </a:tblGrid>
-              <a:tr h="0">
-                <a:tc>
-                  <a:txBody>
-                    <a:bodyPr/>
-                    <a:lstStyle/>
-                    <a:p>
-                      <a:pPr lvl="0" indent="0" marL="0">
-                        <a:buNone/>
-                      </a:pPr>
-                      <a:r>
-                        <a:rPr/>
-                        <a:t>Метрика</a:t>
-                      </a:r>
-                    </a:p>
-                  </a:txBody>
-                  <a:tcPr/>
-                </a:tc>
-                <a:tc>
-                  <a:txBody>
-                    <a:bodyPr/>
-                    <a:lstStyle/>
-                    <a:p>
-                      <a:pPr lvl="0" indent="0" marL="0">
-                        <a:buNone/>
-                      </a:pPr>
-                      <a:r>
-                        <a:rPr/>
-                        <a:t>Значение</a:t>
-                      </a:r>
-                    </a:p>
-                  </a:txBody>
-                  <a:tcPr/>
-                </a:tc>
-                <a:tc>
-                  <a:txBody>
-                    <a:bodyPr/>
-                    <a:lstStyle/>
-                    <a:p>
-                      <a:pPr lvl="0" indent="0" marL="0">
-                        <a:buNone/>
-                      </a:pPr>
-                      <a:r>
-                        <a:rPr/>
-                        <a:t>Интерпретация</a:t>
-                      </a:r>
-                    </a:p>
-                  </a:txBody>
-                  <a:tcPr/>
-                </a:tc>
-              </a:tr>
-              <a:tr h="0">
-                <a:tc>
-                  <a:txBody>
-                    <a:bodyPr/>
-                    <a:lstStyle/>
-                    <a:p>
-                      <a:pPr lvl="0" indent="0" marL="0">
-                        <a:buNone/>
-                      </a:pPr>
-                      <a:r>
-                        <a:rPr b="1"/>
-                        <a:t>Среднее</a:t>
-                      </a:r>
-                    </a:p>
-                  </a:txBody>
-                </a:tc>
-                <a:tc>
-                  <a:txBody>
-                    <a:bodyPr/>
-                    <a:lstStyle/>
-                    <a:p>
-                      <a:pPr lvl="0" indent="0" marL="0">
-                        <a:buNone/>
-                      </a:pPr>
-                      <a:r>
-                        <a:rPr/>
-                        <a:t>0.579</a:t>
-                      </a:r>
-                    </a:p>
-                  </a:txBody>
-                </a:tc>
-                <a:tc>
-                  <a:txBody>
-                    <a:bodyPr/>
-                    <a:lstStyle/>
-                    <a:p>
-                      <a:pPr lvl="0" indent="0" marL="0">
-                        <a:buNone/>
-                      </a:pPr>
-                      <a:r>
-                        <a:rPr/>
-                        <a:t>Модель слегка оптимистична</a:t>
-                      </a:r>
-                    </a:p>
-                  </a:txBody>
-                </a:tc>
-              </a:tr>
-              <a:tr h="0">
-                <a:tc>
-                  <a:txBody>
-                    <a:bodyPr/>
-                    <a:lstStyle/>
-                    <a:p>
-                      <a:pPr lvl="0" indent="0" marL="0">
-                        <a:buNone/>
-                      </a:pPr>
-                      <a:r>
-                        <a:rPr b="1"/>
-                        <a:t>Std</a:t>
-                      </a:r>
-                    </a:p>
-                  </a:txBody>
-                </a:tc>
-                <a:tc>
-                  <a:txBody>
-                    <a:bodyPr/>
-                    <a:lstStyle/>
-                    <a:p>
-                      <a:pPr lvl="0" indent="0" marL="0">
-                        <a:buNone/>
-                      </a:pPr>
-                      <a:r>
-                        <a:rPr/>
-                        <a:t>0.145</a:t>
-                      </a:r>
-                    </a:p>
-                  </a:txBody>
-                </a:tc>
-                <a:tc>
-                  <a:txBody>
-                    <a:bodyPr/>
-                    <a:lstStyle/>
-                    <a:p>
-                      <a:pPr lvl="0" indent="0" marL="0">
-                        <a:buNone/>
-                      </a:pPr>
-                      <a:r>
-                        <a:rPr/>
-                        <a:t>Хороший разброс - модель различает ситуации</a:t>
-                      </a:r>
-                    </a:p>
-                  </a:txBody>
-                </a:tc>
-              </a:tr>
-              <a:tr h="0">
-                <a:tc>
-                  <a:txBody>
-                    <a:bodyPr/>
-                    <a:lstStyle/>
-                    <a:p>
-                      <a:pPr lvl="0" indent="0" marL="0">
-                        <a:buNone/>
-                      </a:pPr>
-                      <a:r>
-                        <a:rPr b="1"/>
-                        <a:t>Min / Max</a:t>
-                      </a:r>
-                    </a:p>
-                  </a:txBody>
-                </a:tc>
-                <a:tc>
-                  <a:txBody>
-                    <a:bodyPr/>
-                    <a:lstStyle/>
-                    <a:p>
-                      <a:pPr lvl="0" indent="0" marL="0">
-                        <a:buNone/>
-                      </a:pPr>
-                      <a:r>
-                        <a:rPr/>
-                        <a:t>0.055 / 0.950</a:t>
-                      </a:r>
-                    </a:p>
-                  </a:txBody>
-                </a:tc>
-                <a:tc>
-                  <a:txBody>
-                    <a:bodyPr/>
-                    <a:lstStyle/>
-                    <a:p>
-                      <a:pPr lvl="0" indent="0" marL="0">
-                        <a:buNone/>
-                      </a:pPr>
-                      <a:r>
-                        <a:rPr/>
-                        <a:t>Использует весь диапазон [0,1]</a:t>
-                      </a:r>
-                    </a:p>
-                  </a:txBody>
-                </a:tc>
-              </a:tr>
-            </a:tbl>
-          </a:graphicData>
-        </a:graphic>
-      </p:graphicFrame>
+              <a:rPr sz="3300" dirty="0"/>
+              <a:t>4. 📈 </a:t>
+            </a:r>
+            <a:r>
+              <a:rPr sz="3300" dirty="0" err="1"/>
+              <a:t>Результаты</a:t>
+            </a:r>
+            <a:endParaRPr sz="3300" dirty="0"/>
+          </a:p>
+        </p:txBody>
+      </p:sp>
+      <p:pic>
+        <p:nvPicPr>
+          <p:cNvPr id="9" name="Рисунок 8">
+            <a:extLst>
+              <a:ext uri="{FF2B5EF4-FFF2-40B4-BE49-F238E27FC236}">
+                <a16:creationId xmlns:a16="http://schemas.microsoft.com/office/drawing/2014/main" id="{46F85514-8F6B-CAC1-F4BD-6CA4F4F410F8}"/>
+              </a:ext>
+            </a:extLst>
+          </p:cNvPr>
+          <p:cNvPicPr>
+            <a:picLocks noChangeAspect="1"/>
+          </p:cNvPicPr>
+          <p:nvPr/>
+        </p:nvPicPr>
+        <p:blipFill>
+          <a:blip r:embed="rId2"/>
+          <a:stretch>
+            <a:fillRect/>
+          </a:stretch>
+        </p:blipFill>
+        <p:spPr>
+          <a:xfrm>
+            <a:off x="4276089" y="0"/>
+            <a:ext cx="5176209" cy="5143500"/>
+          </a:xfrm>
+          <a:prstGeom prst="rect">
+            <a:avLst/>
+          </a:prstGeom>
+        </p:spPr>
+      </p:pic>
+      <p:sp>
+        <p:nvSpPr>
+          <p:cNvPr id="10" name="Номер слайда 9">
+            <a:extLst>
+              <a:ext uri="{FF2B5EF4-FFF2-40B4-BE49-F238E27FC236}">
+                <a16:creationId xmlns:a16="http://schemas.microsoft.com/office/drawing/2014/main" id="{C5F5DA0C-AA51-5625-3DD7-9E84B332AA97}"/>
+              </a:ext>
+            </a:extLst>
+          </p:cNvPr>
+          <p:cNvSpPr>
+            <a:spLocks noGrp="1"/>
+          </p:cNvSpPr>
+          <p:nvPr>
+            <p:ph type="sldNum" sz="quarter" idx="12"/>
+          </p:nvPr>
+        </p:nvSpPr>
+        <p:spPr/>
+        <p:txBody>
+          <a:bodyPr/>
+          <a:lstStyle/>
+          <a:p>
+            <a:fld id="{C5EF2332-01BF-834F-8236-50238282D533}" type="slidenum">
+              <a:rPr lang="en-US" smtClean="0"/>
+              <a:t>6</a:t>
+            </a:fld>
+            <a:endParaRPr lang="en-US"/>
+          </a:p>
+        </p:txBody>
+      </p:sp>
     </p:spTree>
   </p:cSld>
+  <p:clrMapOvr>
+    <a:masterClrMapping/>
+  </p:clrMapOvr>
 </p:sld>
 </file>
 
@@ -6148,348 +4877,121 @@
       </p:grpSpPr>
       <p:sp>
         <p:nvSpPr>
-          <p:cNvPr id="4" name="Text Placeholder 3"/>
-          <p:cNvSpPr>
-            <a:spLocks noGrp="1"/>
-          </p:cNvSpPr>
-          <p:nvPr>
-            <p:ph idx="2" sz="half" type="body"/>
-          </p:nvPr>
-        </p:nvSpPr>
-        <p:spPr/>
-        <p:txBody>
-          <a:bodyPr/>
-          <a:lstStyle/>
-          <a:p>
-            <a:pPr lvl="0" indent="0" marL="0">
-              <a:spcBef>
-                <a:spcPts val="3000"/>
-              </a:spcBef>
+          <p:cNvPr id="2" name="Title 1"/>
+          <p:cNvSpPr>
+            <a:spLocks noGrp="1"/>
+          </p:cNvSpPr>
+          <p:nvPr>
+            <p:ph type="title"/>
+          </p:nvPr>
+        </p:nvSpPr>
+        <p:spPr>
+          <a:xfrm>
+            <a:off x="285795" y="807688"/>
+            <a:ext cx="3351124" cy="871538"/>
+          </a:xfrm>
+        </p:spPr>
+        <p:txBody>
+          <a:bodyPr>
+            <a:normAutofit fontScale="90000"/>
+          </a:bodyPr>
+          <a:lstStyle/>
+          <a:p>
+            <a:pPr marL="0" lvl="0" indent="0">
               <a:buNone/>
             </a:pPr>
             <a:r>
-              <a:rPr b="1"/>
-              <a:t>Распределение вероятностей</a:t>
-            </a:r>
-          </a:p>
-        </p:txBody>
-      </p:sp>
-      <p:graphicFrame>
-        <p:nvGraphicFramePr>
-          <p:cNvPr id="6" name="Content Placeholder 5"/>
-          <p:cNvGraphicFramePr>
-            <a:graphicFrameLocks noGrp="1"/>
-          </p:cNvGraphicFramePr>
-          <p:nvPr>
-            <p:ph idx="1"/>
-          </p:nvPr>
-        </p:nvGraphicFramePr>
-        <p:xfrm>
-          <a:off x="3568700" y="203200"/>
-          <a:ext cx="5105400" cy="4381500"/>
-        </p:xfrm>
-        <a:graphic>
-          <a:graphicData uri="http://schemas.openxmlformats.org/drawingml/2006/table">
-            <a:tbl>
-              <a:tblPr firstRow="1" bandRow="1">
-                <a:tableStyleId>{5C22544A-7EE6-4342-B048-85BDC9FD1C3A}</a:tableStyleId>
-              </a:tblPr>
-              <a:tblGrid>
-                <a:gridCol w="1701800"/>
-                <a:gridCol w="1701800"/>
-                <a:gridCol w="1701800"/>
-              </a:tblGrid>
-              <a:tr h="0">
-                <a:tc>
-                  <a:txBody>
-                    <a:bodyPr/>
-                    <a:lstStyle/>
-                    <a:p>
-                      <a:pPr lvl="0" indent="0" marL="0">
-                        <a:buNone/>
-                      </a:pPr>
-                      <a:r>
-                        <a:rPr/>
-                        <a:t>Диапазон</a:t>
-                      </a:r>
-                    </a:p>
-                  </a:txBody>
-                  <a:tcPr/>
-                </a:tc>
-                <a:tc>
-                  <a:txBody>
-                    <a:bodyPr/>
-                    <a:lstStyle/>
-                    <a:p>
-                      <a:pPr lvl="0" indent="0" marL="0">
-                        <a:buNone/>
-                      </a:pPr>
-                      <a:r>
-                        <a:rPr/>
-                        <a:t>Доля</a:t>
-                      </a:r>
-                    </a:p>
-                  </a:txBody>
-                  <a:tcPr/>
-                </a:tc>
-                <a:tc>
-                  <a:txBody>
-                    <a:bodyPr/>
-                    <a:lstStyle/>
-                    <a:p>
-                      <a:pPr lvl="0" indent="0" marL="0">
-                        <a:buNone/>
-                      </a:pPr>
-                      <a:r>
-                        <a:rPr/>
-                        <a:t>Комментарий</a:t>
-                      </a:r>
-                    </a:p>
-                  </a:txBody>
-                  <a:tcPr/>
-                </a:tc>
-              </a:tr>
-              <a:tr h="0">
-                <a:tc>
-                  <a:txBody>
-                    <a:bodyPr/>
-                    <a:lstStyle/>
-                    <a:p>
-                      <a:pPr lvl="0" indent="0" marL="0">
-                        <a:buNone/>
-                      </a:pPr>
-                      <a:r>
-                        <a:rPr/>
-                        <a:t>&lt; 0.2</a:t>
-                      </a:r>
-                    </a:p>
-                  </a:txBody>
-                </a:tc>
-                <a:tc>
-                  <a:txBody>
-                    <a:bodyPr/>
-                    <a:lstStyle/>
-                    <a:p>
-                      <a:pPr lvl="0" indent="0" marL="0">
-                        <a:buNone/>
-                      </a:pPr>
-                      <a:r>
-                        <a:rPr/>
-                        <a:t>0.9%</a:t>
-                      </a:r>
-                    </a:p>
-                  </a:txBody>
-                </a:tc>
-                <a:tc>
-                  <a:txBody>
-                    <a:bodyPr/>
-                    <a:lstStyle/>
-                    <a:p>
-                      <a:pPr lvl="0" indent="0" marL="0">
-                        <a:buNone/>
-                      </a:pPr>
-                      <a:r>
-                        <a:rPr/>
-                        <a:t>Редкие уверенные падения</a:t>
-                      </a:r>
-                    </a:p>
-                  </a:txBody>
-                </a:tc>
-              </a:tr>
-              <a:tr h="0">
-                <a:tc>
-                  <a:txBody>
-                    <a:bodyPr/>
-                    <a:lstStyle/>
-                    <a:p>
-                      <a:pPr lvl="0" indent="0" marL="0">
-                        <a:buNone/>
-                      </a:pPr>
-                      <a:r>
-                        <a:rPr/>
-                        <a:t>0.2-0.4</a:t>
-                      </a:r>
-                    </a:p>
-                  </a:txBody>
-                </a:tc>
-                <a:tc>
-                  <a:txBody>
-                    <a:bodyPr/>
-                    <a:lstStyle/>
-                    <a:p>
-                      <a:pPr lvl="0" indent="0" marL="0">
-                        <a:buNone/>
-                      </a:pPr>
-                      <a:r>
-                        <a:rPr/>
-                        <a:t>9.7%</a:t>
-                      </a:r>
-                    </a:p>
-                  </a:txBody>
-                </a:tc>
-                <a:tc>
-                  <a:txBody>
-                    <a:bodyPr/>
-                    <a:lstStyle/>
-                    <a:p>
-                      <a:pPr lvl="0" indent="0" marL="0">
-                        <a:buNone/>
-                      </a:pPr>
-                      <a:r>
-                        <a:rPr/>
-                        <a:t>Вероятное падение</a:t>
-                      </a:r>
-                    </a:p>
-                  </a:txBody>
-                </a:tc>
-              </a:tr>
-              <a:tr h="0">
-                <a:tc>
-                  <a:txBody>
-                    <a:bodyPr/>
-                    <a:lstStyle/>
-                    <a:p>
-                      <a:pPr lvl="0" indent="0" marL="0">
-                        <a:buNone/>
-                      </a:pPr>
-                      <a:r>
-                        <a:rPr/>
-                        <a:t>0.4-0.6</a:t>
-                      </a:r>
-                    </a:p>
-                  </a:txBody>
-                </a:tc>
-                <a:tc>
-                  <a:txBody>
-                    <a:bodyPr/>
-                    <a:lstStyle/>
-                    <a:p>
-                      <a:pPr lvl="0" indent="0" marL="0">
-                        <a:buNone/>
-                      </a:pPr>
-                      <a:r>
-                        <a:rPr/>
-                        <a:t>43.9%</a:t>
-                      </a:r>
-                    </a:p>
-                  </a:txBody>
-                </a:tc>
-                <a:tc>
-                  <a:txBody>
-                    <a:bodyPr/>
-                    <a:lstStyle/>
-                    <a:p>
-                      <a:pPr lvl="0" indent="0" marL="0">
-                        <a:buNone/>
-                      </a:pPr>
-                      <a:r>
-                        <a:rPr/>
-                        <a:t>Неопределенность</a:t>
-                      </a:r>
-                    </a:p>
-                  </a:txBody>
-                </a:tc>
-              </a:tr>
-              <a:tr h="0">
-                <a:tc>
-                  <a:txBody>
-                    <a:bodyPr/>
-                    <a:lstStyle/>
-                    <a:p>
-                      <a:pPr lvl="0" indent="0" marL="0">
-                        <a:buNone/>
-                      </a:pPr>
-                      <a:r>
-                        <a:rPr/>
-                        <a:t>0.6-0.8</a:t>
-                      </a:r>
-                    </a:p>
-                  </a:txBody>
-                </a:tc>
-                <a:tc>
-                  <a:txBody>
-                    <a:bodyPr/>
-                    <a:lstStyle/>
-                    <a:p>
-                      <a:pPr lvl="0" indent="0" marL="0">
-                        <a:buNone/>
-                      </a:pPr>
-                      <a:r>
-                        <a:rPr/>
-                        <a:t>39.6%</a:t>
-                      </a:r>
-                    </a:p>
-                  </a:txBody>
-                </a:tc>
-                <a:tc>
-                  <a:txBody>
-                    <a:bodyPr/>
-                    <a:lstStyle/>
-                    <a:p>
-                      <a:pPr lvl="0" indent="0" marL="0">
-                        <a:buNone/>
-                      </a:pPr>
-                      <a:r>
-                        <a:rPr/>
-                        <a:t>Вероятный рост</a:t>
-                      </a:r>
-                    </a:p>
-                  </a:txBody>
-                </a:tc>
-              </a:tr>
-              <a:tr h="0">
-                <a:tc>
-                  <a:txBody>
-                    <a:bodyPr/>
-                    <a:lstStyle/>
-                    <a:p>
-                      <a:pPr lvl="0" indent="0" marL="0">
-                        <a:buNone/>
-                      </a:pPr>
-                      <a:r>
-                        <a:rPr/>
-                        <a:t>≥ 0.8</a:t>
-                      </a:r>
-                    </a:p>
-                  </a:txBody>
-                </a:tc>
-                <a:tc>
-                  <a:txBody>
-                    <a:bodyPr/>
-                    <a:lstStyle/>
-                    <a:p>
-                      <a:pPr lvl="0" indent="0" marL="0">
-                        <a:buNone/>
-                      </a:pPr>
-                      <a:r>
-                        <a:rPr/>
-                        <a:t>5.8%</a:t>
-                      </a:r>
-                    </a:p>
-                  </a:txBody>
-                </a:tc>
-                <a:tc>
-                  <a:txBody>
-                    <a:bodyPr/>
-                    <a:lstStyle/>
-                    <a:p>
-                      <a:pPr lvl="0" indent="0" marL="0">
-                        <a:buNone/>
-                      </a:pPr>
-                      <a:r>
-                        <a:rPr/>
-                        <a:t>Уверенный рост</a:t>
-                      </a:r>
-                    </a:p>
-                  </a:txBody>
-                </a:tc>
-              </a:tr>
-            </a:tbl>
-          </a:graphicData>
-        </a:graphic>
-      </p:graphicFrame>
+              <a:rPr sz="3300" dirty="0"/>
+              <a:t>5. ⚙️ </a:t>
+            </a:r>
+            <a:r>
+              <a:rPr sz="3300" dirty="0" err="1"/>
+              <a:t>Эффективность</a:t>
+            </a:r>
+            <a:r>
+              <a:rPr sz="3300" dirty="0"/>
+              <a:t> </a:t>
+            </a:r>
+            <a:r>
+              <a:rPr sz="3300" dirty="0" err="1"/>
+              <a:t>и</a:t>
+            </a:r>
+            <a:r>
+              <a:rPr sz="3300" dirty="0"/>
+              <a:t> </a:t>
+            </a:r>
+            <a:r>
+              <a:rPr sz="3300" dirty="0" err="1"/>
+              <a:t>применимость</a:t>
+            </a:r>
+            <a:endParaRPr sz="3300" dirty="0"/>
+          </a:p>
+        </p:txBody>
+      </p:sp>
+      <p:pic>
+        <p:nvPicPr>
+          <p:cNvPr id="9" name="Рисунок 8">
+            <a:extLst>
+              <a:ext uri="{FF2B5EF4-FFF2-40B4-BE49-F238E27FC236}">
+                <a16:creationId xmlns:a16="http://schemas.microsoft.com/office/drawing/2014/main" id="{D857A099-A8C8-213B-4EF4-26BCA1D11A42}"/>
+              </a:ext>
+            </a:extLst>
+          </p:cNvPr>
+          <p:cNvPicPr>
+            <a:picLocks noChangeAspect="1"/>
+          </p:cNvPicPr>
+          <p:nvPr/>
+        </p:nvPicPr>
+        <p:blipFill>
+          <a:blip r:embed="rId2"/>
+          <a:stretch>
+            <a:fillRect/>
+          </a:stretch>
+        </p:blipFill>
+        <p:spPr>
+          <a:xfrm>
+            <a:off x="3906292" y="0"/>
+            <a:ext cx="6415880" cy="5143500"/>
+          </a:xfrm>
+          <a:prstGeom prst="rect">
+            <a:avLst/>
+          </a:prstGeom>
+        </p:spPr>
+      </p:pic>
+      <p:sp>
+        <p:nvSpPr>
+          <p:cNvPr id="10" name="Номер слайда 9">
+            <a:extLst>
+              <a:ext uri="{FF2B5EF4-FFF2-40B4-BE49-F238E27FC236}">
+                <a16:creationId xmlns:a16="http://schemas.microsoft.com/office/drawing/2014/main" id="{27136603-F54C-F9A4-2F7F-3DECE286695E}"/>
+              </a:ext>
+            </a:extLst>
+          </p:cNvPr>
+          <p:cNvSpPr>
+            <a:spLocks noGrp="1"/>
+          </p:cNvSpPr>
+          <p:nvPr>
+            <p:ph type="sldNum" sz="quarter" idx="12"/>
+          </p:nvPr>
+        </p:nvSpPr>
+        <p:spPr/>
+        <p:txBody>
+          <a:bodyPr/>
+          <a:lstStyle/>
+          <a:p>
+            <a:fld id="{C5EF2332-01BF-834F-8236-50238282D533}" type="slidenum">
+              <a:rPr lang="en-US" smtClean="0"/>
+              <a:t>7</a:t>
+            </a:fld>
+            <a:endParaRPr lang="en-US"/>
+          </a:p>
+        </p:txBody>
+      </p:sp>
     </p:spTree>
   </p:cSld>
+  <p:clrMapOvr>
+    <a:masterClrMapping/>
+  </p:clrMapOvr>
 </p:sld>
 </file>
 
@@ -6512,35 +5014,92 @@
       </p:grpSpPr>
       <p:sp>
         <p:nvSpPr>
-          <p:cNvPr id="3" name="Content Placeholder 2"/>
-          <p:cNvSpPr>
-            <a:spLocks noGrp="1"/>
-          </p:cNvSpPr>
-          <p:nvPr>
-            <p:ph idx="1"/>
-          </p:nvPr>
-        </p:nvSpPr>
-        <p:spPr/>
-        <p:txBody>
-          <a:bodyPr/>
-          <a:lstStyle/>
-          <a:p>
-            <a:pPr lvl="0" indent="0" marL="0">
+          <p:cNvPr id="2" name="Title 1"/>
+          <p:cNvSpPr>
+            <a:spLocks noGrp="1"/>
+          </p:cNvSpPr>
+          <p:nvPr>
+            <p:ph type="title"/>
+          </p:nvPr>
+        </p:nvSpPr>
+        <p:spPr/>
+        <p:txBody>
+          <a:bodyPr/>
+          <a:lstStyle/>
+          <a:p>
+            <a:pPr marL="0" lvl="0" indent="0">
               <a:buNone/>
             </a:pPr>
             <a:r>
-              <a:rPr b="1"/>
-              <a:t>Вывод</a:t>
-            </a:r>
-            <a:r>
-              <a:rPr/>
-              <a:t>: Модель калибрована, не дает экстремальных предсказаний ✅</a:t>
-            </a:r>
+              <a:t>6. 💡 Уникальность / Вклад</a:t>
+            </a:r>
+          </a:p>
+        </p:txBody>
+      </p:sp>
+      <p:pic>
+        <p:nvPicPr>
+          <p:cNvPr id="6" name="Рисунок 5">
+            <a:extLst>
+              <a:ext uri="{FF2B5EF4-FFF2-40B4-BE49-F238E27FC236}">
+                <a16:creationId xmlns:a16="http://schemas.microsoft.com/office/drawing/2014/main" id="{829F36E6-9729-B392-7E1D-C73293961C50}"/>
+              </a:ext>
+            </a:extLst>
+          </p:cNvPr>
+          <p:cNvPicPr>
+            <a:picLocks noChangeAspect="1"/>
+          </p:cNvPicPr>
+          <p:nvPr/>
+        </p:nvPicPr>
+        <p:blipFill>
+          <a:blip r:embed="rId3"/>
+          <a:stretch>
+            <a:fillRect/>
+          </a:stretch>
+        </p:blipFill>
+        <p:spPr>
+          <a:xfrm>
+            <a:off x="1920085" y="873803"/>
+            <a:ext cx="5535791" cy="4269698"/>
+          </a:xfrm>
+          <a:prstGeom prst="rect">
+            <a:avLst/>
+          </a:prstGeom>
+        </p:spPr>
+      </p:pic>
+      <p:sp>
+        <p:nvSpPr>
+          <p:cNvPr id="7" name="Номер слайда 6">
+            <a:extLst>
+              <a:ext uri="{FF2B5EF4-FFF2-40B4-BE49-F238E27FC236}">
+                <a16:creationId xmlns:a16="http://schemas.microsoft.com/office/drawing/2014/main" id="{E6AC27A1-DB1C-FA67-1553-F88BC9ADC443}"/>
+              </a:ext>
+            </a:extLst>
+          </p:cNvPr>
+          <p:cNvSpPr>
+            <a:spLocks noGrp="1"/>
+          </p:cNvSpPr>
+          <p:nvPr>
+            <p:ph type="sldNum" sz="quarter" idx="12"/>
+          </p:nvPr>
+        </p:nvSpPr>
+        <p:spPr/>
+        <p:txBody>
+          <a:bodyPr/>
+          <a:lstStyle/>
+          <a:p>
+            <a:fld id="{C5EF2332-01BF-834F-8236-50238282D533}" type="slidenum">
+              <a:rPr lang="en-US" smtClean="0"/>
+              <a:t>8</a:t>
+            </a:fld>
+            <a:endParaRPr lang="en-US"/>
           </a:p>
         </p:txBody>
       </p:sp>
     </p:spTree>
   </p:cSld>
+  <p:clrMapOvr>
+    <a:masterClrMapping/>
+  </p:clrMapOvr>
 </p:sld>
 </file>
 
@@ -6571,370 +5130,114 @@
             <p:ph type="title"/>
           </p:nvPr>
         </p:nvSpPr>
+        <p:spPr/>
+        <p:txBody>
+          <a:bodyPr/>
+          <a:lstStyle/>
+          <a:p>
+            <a:pPr marL="0" lvl="0" indent="0">
+              <a:buNone/>
+            </a:pPr>
+            <a:r>
+              <a:t>7. 🎓 Выводы и ограничения</a:t>
+            </a:r>
+          </a:p>
+        </p:txBody>
+      </p:sp>
+      <p:pic>
+        <p:nvPicPr>
+          <p:cNvPr id="7" name="Рисунок 6">
+            <a:extLst>
+              <a:ext uri="{FF2B5EF4-FFF2-40B4-BE49-F238E27FC236}">
+                <a16:creationId xmlns:a16="http://schemas.microsoft.com/office/drawing/2014/main" id="{E7B089FC-94F6-6CDB-DF2B-CBA668A39F7A}"/>
+              </a:ext>
+            </a:extLst>
+          </p:cNvPr>
+          <p:cNvPicPr>
+            <a:picLocks noChangeAspect="1"/>
+          </p:cNvPicPr>
+          <p:nvPr/>
+        </p:nvPicPr>
+        <p:blipFill>
+          <a:blip r:embed="rId2"/>
+          <a:stretch>
+            <a:fillRect/>
+          </a:stretch>
+        </p:blipFill>
         <p:spPr>
           <a:xfrm>
-            <a:off x="457201" y="204787"/>
-            <a:ext cx="3008313" cy="871538"/>
+            <a:off x="132094" y="952779"/>
+            <a:ext cx="4076566" cy="2845498"/>
           </a:xfrm>
+          <a:prstGeom prst="rect">
+            <a:avLst/>
+          </a:prstGeom>
         </p:spPr>
-        <p:txBody>
-          <a:bodyPr/>
-          <a:lstStyle/>
-          <a:p>
-            <a:pPr lvl="0" indent="0" marL="0">
-              <a:buNone/>
-            </a:pPr>
-            <a:r>
-              <a:rPr/>
-              <a:t>5. ⚙️ Эффективность и применимость</a:t>
-            </a:r>
-          </a:p>
-        </p:txBody>
-      </p:sp>
-      <p:sp>
-        <p:nvSpPr>
-          <p:cNvPr id="4" name="Text Placeholder 3"/>
-          <p:cNvSpPr>
-            <a:spLocks noGrp="1"/>
-          </p:cNvSpPr>
-          <p:nvPr>
-            <p:ph idx="2" sz="half" type="body"/>
-          </p:nvPr>
-        </p:nvSpPr>
-        <p:spPr/>
-        <p:txBody>
-          <a:bodyPr/>
-          <a:lstStyle/>
-          <a:p>
-            <a:pPr lvl="0" indent="0" marL="0">
-              <a:spcBef>
-                <a:spcPts val="3000"/>
-              </a:spcBef>
-              <a:buNone/>
-            </a:pPr>
-            <a:r>
-              <a:rPr b="1"/>
-              <a:t>Ресурсы → Результат</a:t>
-            </a:r>
-          </a:p>
-        </p:txBody>
-      </p:sp>
-      <p:graphicFrame>
-        <p:nvGraphicFramePr>
-          <p:cNvPr id="6" name="Content Placeholder 5"/>
-          <p:cNvGraphicFramePr>
-            <a:graphicFrameLocks noGrp="1"/>
-          </p:cNvGraphicFramePr>
-          <p:nvPr>
-            <p:ph idx="1"/>
-          </p:nvPr>
-        </p:nvGraphicFramePr>
-        <p:xfrm>
-          <a:off x="3568700" y="203200"/>
-          <a:ext cx="5105400" cy="4381500"/>
-        </p:xfrm>
-        <a:graphic>
-          <a:graphicData uri="http://schemas.openxmlformats.org/drawingml/2006/table">
-            <a:tbl>
-              <a:tblPr firstRow="1" bandRow="1">
-                <a:tableStyleId>{5C22544A-7EE6-4342-B048-85BDC9FD1C3A}</a:tableStyleId>
-              </a:tblPr>
-              <a:tblGrid>
-                <a:gridCol w="1701800"/>
-                <a:gridCol w="1701800"/>
-                <a:gridCol w="1701800"/>
-              </a:tblGrid>
-              <a:tr h="0">
-                <a:tc>
-                  <a:txBody>
-                    <a:bodyPr/>
-                    <a:lstStyle/>
-                    <a:p>
-                      <a:pPr lvl="0" indent="0" marL="0">
-                        <a:buNone/>
-                      </a:pPr>
-                      <a:r>
-                        <a:rPr/>
-                        <a:t>Параметр</a:t>
-                      </a:r>
-                    </a:p>
-                  </a:txBody>
-                  <a:tcPr/>
-                </a:tc>
-                <a:tc>
-                  <a:txBody>
-                    <a:bodyPr/>
-                    <a:lstStyle/>
-                    <a:p>
-                      <a:pPr lvl="0" indent="0" marL="0">
-                        <a:buNone/>
-                      </a:pPr>
-                      <a:r>
-                        <a:rPr/>
-                        <a:t>Значение</a:t>
-                      </a:r>
-                    </a:p>
-                  </a:txBody>
-                  <a:tcPr/>
-                </a:tc>
-                <a:tc>
-                  <a:txBody>
-                    <a:bodyPr/>
-                    <a:lstStyle/>
-                    <a:p>
-                      <a:pPr lvl="0" indent="0" marL="0">
-                        <a:buNone/>
-                      </a:pPr>
-                      <a:r>
-                        <a:rPr/>
-                        <a:t>Комментарий</a:t>
-                      </a:r>
-                    </a:p>
-                  </a:txBody>
-                  <a:tcPr/>
-                </a:tc>
-              </a:tr>
-              <a:tr h="0">
-                <a:tc>
-                  <a:txBody>
-                    <a:bodyPr/>
-                    <a:lstStyle/>
-                    <a:p>
-                      <a:pPr lvl="0" indent="0" marL="0">
-                        <a:buNone/>
-                      </a:pPr>
-                      <a:r>
-                        <a:rPr b="1"/>
-                        <a:t>Время обучения</a:t>
-                      </a:r>
-                    </a:p>
-                  </a:txBody>
-                </a:tc>
-                <a:tc>
-                  <a:txBody>
-                    <a:bodyPr/>
-                    <a:lstStyle/>
-                    <a:p>
-                      <a:pPr lvl="0" indent="0" marL="0">
-                        <a:buNone/>
-                      </a:pPr>
-                      <a:r>
-                        <a:rPr/>
-                        <a:t>&lt; 1 мин</a:t>
-                      </a:r>
-                    </a:p>
-                  </a:txBody>
-                </a:tc>
-                <a:tc>
-                  <a:txBody>
-                    <a:bodyPr/>
-                    <a:lstStyle/>
-                    <a:p>
-                      <a:pPr lvl="0" indent="0" marL="0">
-                        <a:buNone/>
-                      </a:pPr>
-                      <a:r>
-                        <a:rPr/>
-                        <a:t>&lt; 60 мин ✅ Очень быстро!</a:t>
-                      </a:r>
-                    </a:p>
-                  </a:txBody>
-                </a:tc>
-              </a:tr>
-              <a:tr h="0">
-                <a:tc>
-                  <a:txBody>
-                    <a:bodyPr/>
-                    <a:lstStyle/>
-                    <a:p>
-                      <a:pPr lvl="0" indent="0" marL="0">
-                        <a:buNone/>
-                      </a:pPr>
-                      <a:r>
-                        <a:rPr b="1"/>
-                        <a:t>Время инференса</a:t>
-                      </a:r>
-                    </a:p>
-                  </a:txBody>
-                </a:tc>
-                <a:tc>
-                  <a:txBody>
-                    <a:bodyPr/>
-                    <a:lstStyle/>
-                    <a:p>
-                      <a:pPr lvl="0" indent="0" marL="0">
-                        <a:buNone/>
-                      </a:pPr>
-                      <a:r>
-                        <a:rPr/>
-                        <a:t>&lt; 1 мин</a:t>
-                      </a:r>
-                    </a:p>
-                  </a:txBody>
-                </a:tc>
-                <a:tc>
-                  <a:txBody>
-                    <a:bodyPr/>
-                    <a:lstStyle/>
-                    <a:p>
-                      <a:pPr lvl="0" indent="0" marL="0">
-                        <a:buNone/>
-                      </a:pPr>
-                      <a:r>
-                        <a:rPr/>
-                        <a:t>Real-time готов</a:t>
-                      </a:r>
-                    </a:p>
-                  </a:txBody>
-                </a:tc>
-              </a:tr>
-              <a:tr h="0">
-                <a:tc>
-                  <a:txBody>
-                    <a:bodyPr/>
-                    <a:lstStyle/>
-                    <a:p>
-                      <a:pPr lvl="0" indent="0" marL="0">
-                        <a:buNone/>
-                      </a:pPr>
-                      <a:r>
-                        <a:rPr b="1"/>
-                        <a:t>RAM пик</a:t>
-                      </a:r>
-                    </a:p>
-                  </a:txBody>
-                </a:tc>
-                <a:tc>
-                  <a:txBody>
-                    <a:bodyPr/>
-                    <a:lstStyle/>
-                    <a:p>
-                      <a:pPr lvl="0" indent="0" marL="0">
-                        <a:buNone/>
-                      </a:pPr>
-                      <a:r>
-                        <a:rPr/>
-                        <a:t>~2-3 GB</a:t>
-                      </a:r>
-                    </a:p>
-                  </a:txBody>
-                </a:tc>
-                <a:tc>
-                  <a:txBody>
-                    <a:bodyPr/>
-                    <a:lstStyle/>
-                    <a:p>
-                      <a:pPr lvl="0" indent="0" marL="0">
-                        <a:buNone/>
-                      </a:pPr>
-                      <a:r>
-                        <a:rPr/>
-                        <a:t>Умещается на laptop</a:t>
-                      </a:r>
-                    </a:p>
-                  </a:txBody>
-                </a:tc>
-              </a:tr>
-              <a:tr h="0">
-                <a:tc>
-                  <a:txBody>
-                    <a:bodyPr/>
-                    <a:lstStyle/>
-                    <a:p>
-                      <a:pPr lvl="0" indent="0" marL="0">
-                        <a:buNone/>
-                      </a:pPr>
-                      <a:r>
-                        <a:rPr b="1"/>
-                        <a:t>Размер модели</a:t>
-                      </a:r>
-                    </a:p>
-                  </a:txBody>
-                </a:tc>
-                <a:tc>
-                  <a:txBody>
-                    <a:bodyPr/>
-                    <a:lstStyle/>
-                    <a:p>
-                      <a:pPr lvl="0" indent="0" marL="0">
-                        <a:buNone/>
-                      </a:pPr>
-                      <a:r>
-                        <a:rPr/>
-                        <a:t>~9 MB</a:t>
-                      </a:r>
-                    </a:p>
-                  </a:txBody>
-                </a:tc>
-                <a:tc>
-                  <a:txBody>
-                    <a:bodyPr/>
-                    <a:lstStyle/>
-                    <a:p>
-                      <a:pPr lvl="0" indent="0" marL="0">
-                        <a:buNone/>
-                      </a:pPr>
-                      <a:r>
-                        <a:rPr/>
-                        <a:t>Легко деплоить</a:t>
-                      </a:r>
-                    </a:p>
-                  </a:txBody>
-                </a:tc>
-              </a:tr>
-              <a:tr h="0">
-                <a:tc>
-                  <a:txBody>
-                    <a:bodyPr/>
-                    <a:lstStyle/>
-                    <a:p>
-                      <a:pPr lvl="0" indent="0" marL="0">
-                        <a:buNone/>
-                      </a:pPr>
-                      <a:r>
-                        <a:rPr b="1"/>
-                        <a:t>LLM токены</a:t>
-                      </a:r>
-                    </a:p>
-                  </a:txBody>
-                </a:tc>
-                <a:tc>
-                  <a:txBody>
-                    <a:bodyPr/>
-                    <a:lstStyle/>
-                    <a:p>
-                      <a:pPr lvl="0" indent="0" marL="0">
-                        <a:buNone/>
-                      </a:pPr>
-                      <a:r>
-                        <a:rPr/>
-                        <a:t>0</a:t>
-                      </a:r>
-                    </a:p>
-                  </a:txBody>
-                </a:tc>
-                <a:tc>
-                  <a:txBody>
-                    <a:bodyPr/>
-                    <a:lstStyle/>
-                    <a:p>
-                      <a:pPr lvl="0" indent="0" marL="0">
-                        <a:buNone/>
-                      </a:pPr>
-                      <a:r>
-                        <a:rPr/>
-                        <a:t>Не используем LLM</a:t>
-                      </a:r>
-                    </a:p>
-                  </a:txBody>
-                </a:tc>
-              </a:tr>
-            </a:tbl>
-          </a:graphicData>
-        </a:graphic>
-      </p:graphicFrame>
+      </p:pic>
+      <p:pic>
+        <p:nvPicPr>
+          <p:cNvPr id="8" name="Рисунок 7">
+            <a:extLst>
+              <a:ext uri="{FF2B5EF4-FFF2-40B4-BE49-F238E27FC236}">
+                <a16:creationId xmlns:a16="http://schemas.microsoft.com/office/drawing/2014/main" id="{D6A59D3A-9101-7F0A-4FEE-329DFCC06F45}"/>
+              </a:ext>
+            </a:extLst>
+          </p:cNvPr>
+          <p:cNvPicPr>
+            <a:picLocks noChangeAspect="1"/>
+          </p:cNvPicPr>
+          <p:nvPr/>
+        </p:nvPicPr>
+        <p:blipFill>
+          <a:blip r:embed="rId3"/>
+          <a:stretch>
+            <a:fillRect/>
+          </a:stretch>
+        </p:blipFill>
+        <p:spPr>
+          <a:xfrm>
+            <a:off x="4284560" y="1175657"/>
+            <a:ext cx="3908266" cy="3023228"/>
+          </a:xfrm>
+          <a:prstGeom prst="rect">
+            <a:avLst/>
+          </a:prstGeom>
+        </p:spPr>
+      </p:pic>
+      <p:sp>
+        <p:nvSpPr>
+          <p:cNvPr id="9" name="Номер слайда 8">
+            <a:extLst>
+              <a:ext uri="{FF2B5EF4-FFF2-40B4-BE49-F238E27FC236}">
+                <a16:creationId xmlns:a16="http://schemas.microsoft.com/office/drawing/2014/main" id="{EE0AA33B-E893-DD5E-2D23-51F92D00A513}"/>
+              </a:ext>
+            </a:extLst>
+          </p:cNvPr>
+          <p:cNvSpPr>
+            <a:spLocks noGrp="1"/>
+          </p:cNvSpPr>
+          <p:nvPr>
+            <p:ph type="sldNum" sz="quarter" idx="12"/>
+          </p:nvPr>
+        </p:nvSpPr>
+        <p:spPr/>
+        <p:txBody>
+          <a:bodyPr/>
+          <a:lstStyle/>
+          <a:p>
+            <a:fld id="{C5EF2332-01BF-834F-8236-50238282D533}" type="slidenum">
+              <a:rPr lang="en-US" smtClean="0"/>
+              <a:t>9</a:t>
+            </a:fld>
+            <a:endParaRPr lang="en-US"/>
+          </a:p>
+        </p:txBody>
+      </p:sp>
     </p:spTree>
   </p:cSld>
+  <p:clrMapOvr>
+    <a:masterClrMapping/>
+  </p:clrMapOvr>
 </p:sld>
 </file>
 
@@ -7259,9 +5562,9 @@
 </file>
 
 <file path=ppt/theme/theme2.xml><?xml version="1.0" encoding="utf-8"?>
-<a:theme xmlns:a="http://schemas.openxmlformats.org/drawingml/2006/main" name="Office Theme">
+<a:theme xmlns:a="http://schemas.openxmlformats.org/drawingml/2006/main" name="Тема Office">
   <a:themeElements>
-    <a:clrScheme name="Office">
+    <a:clrScheme name="Стандартная">
       <a:dk1>
         <a:sysClr val="windowText" lastClr="000000"/>
       </a:dk1>
@@ -7269,44 +5572,44 @@
         <a:sysClr val="window" lastClr="FFFFFF"/>
       </a:lt1>
       <a:dk2>
-        <a:srgbClr val="44546A"/>
+        <a:srgbClr val="0E2841"/>
       </a:dk2>
       <a:lt2>
-        <a:srgbClr val="E7E6E6"/>
+        <a:srgbClr val="E8E8E8"/>
       </a:lt2>
       <a:accent1>
-        <a:srgbClr val="5B9BD5"/>
+        <a:srgbClr val="156082"/>
       </a:accent1>
       <a:accent2>
-        <a:srgbClr val="ED7D31"/>
+        <a:srgbClr val="E97132"/>
       </a:accent2>
       <a:accent3>
-        <a:srgbClr val="A5A5A5"/>
+        <a:srgbClr val="196B24"/>
       </a:accent3>
       <a:accent4>
-        <a:srgbClr val="FFC000"/>
+        <a:srgbClr val="0F9ED5"/>
       </a:accent4>
       <a:accent5>
-        <a:srgbClr val="4472C4"/>
+        <a:srgbClr val="A02B93"/>
       </a:accent5>
       <a:accent6>
-        <a:srgbClr val="70AD47"/>
+        <a:srgbClr val="4EA72E"/>
       </a:accent6>
       <a:hlink>
-        <a:srgbClr val="0563C1"/>
+        <a:srgbClr val="467886"/>
       </a:hlink>
       <a:folHlink>
-        <a:srgbClr val="954F72"/>
+        <a:srgbClr val="96607D"/>
       </a:folHlink>
     </a:clrScheme>
-    <a:fontScheme name="Office">
+    <a:fontScheme name="Стандартная">
       <a:majorFont>
-        <a:latin typeface="Calibri Light" panose="020F0302020204030204"/>
+        <a:latin typeface="Aptos Display" panose="02110004020202020204"/>
         <a:ea typeface=""/>
         <a:cs typeface=""/>
-        <a:font script="Jpan" typeface="ＭＳ Ｐゴシック"/>
+        <a:font script="Jpan" typeface="游ゴシック Light"/>
         <a:font script="Hang" typeface="맑은 고딕"/>
-        <a:font script="Hans" typeface="宋体"/>
+        <a:font script="Hans" typeface="等线 Light"/>
         <a:font script="Hant" typeface="新細明體"/>
         <a:font script="Arab" typeface="Times New Roman"/>
         <a:font script="Hebr" typeface="Times New Roman"/>
@@ -7334,14 +5637,31 @@
         <a:font script="Viet" typeface="Times New Roman"/>
         <a:font script="Uigh" typeface="Microsoft Uighur"/>
         <a:font script="Geor" typeface="Sylfaen"/>
+        <a:font script="Armn" typeface="Arial"/>
+        <a:font script="Bugi" typeface="Leelawadee UI"/>
+        <a:font script="Bopo" typeface="Microsoft JhengHei"/>
+        <a:font script="Java" typeface="Javanese Text"/>
+        <a:font script="Lisu" typeface="Segoe UI"/>
+        <a:font script="Mymr" typeface="Myanmar Text"/>
+        <a:font script="Nkoo" typeface="Ebrima"/>
+        <a:font script="Olck" typeface="Nirmala UI"/>
+        <a:font script="Osma" typeface="Ebrima"/>
+        <a:font script="Phag" typeface="Phagspa"/>
+        <a:font script="Syrn" typeface="Estrangelo Edessa"/>
+        <a:font script="Syrj" typeface="Estrangelo Edessa"/>
+        <a:font script="Syre" typeface="Estrangelo Edessa"/>
+        <a:font script="Sora" typeface="Nirmala UI"/>
+        <a:font script="Tale" typeface="Microsoft Tai Le"/>
+        <a:font script="Talu" typeface="Microsoft New Tai Lue"/>
+        <a:font script="Tfng" typeface="Ebrima"/>
       </a:majorFont>
       <a:minorFont>
-        <a:latin typeface="Calibri" panose="020F0502020204030204"/>
+        <a:latin typeface="Aptos" panose="02110004020202020204"/>
         <a:ea typeface=""/>
         <a:cs typeface=""/>
-        <a:font script="Jpan" typeface="ＭＳ Ｐゴシック"/>
+        <a:font script="Jpan" typeface="游ゴシック"/>
         <a:font script="Hang" typeface="맑은 고딕"/>
-        <a:font script="Hans" typeface="宋体"/>
+        <a:font script="Hans" typeface="等线"/>
         <a:font script="Hant" typeface="新細明體"/>
         <a:font script="Arab" typeface="Arial"/>
         <a:font script="Hebr" typeface="Arial"/>
@@ -7369,9 +5689,26 @@
         <a:font script="Viet" typeface="Arial"/>
         <a:font script="Uigh" typeface="Microsoft Uighur"/>
         <a:font script="Geor" typeface="Sylfaen"/>
+        <a:font script="Armn" typeface="Arial"/>
+        <a:font script="Bugi" typeface="Leelawadee UI"/>
+        <a:font script="Bopo" typeface="Microsoft JhengHei"/>
+        <a:font script="Java" typeface="Javanese Text"/>
+        <a:font script="Lisu" typeface="Segoe UI"/>
+        <a:font script="Mymr" typeface="Myanmar Text"/>
+        <a:font script="Nkoo" typeface="Ebrima"/>
+        <a:font script="Olck" typeface="Nirmala UI"/>
+        <a:font script="Osma" typeface="Ebrima"/>
+        <a:font script="Phag" typeface="Phagspa"/>
+        <a:font script="Syrn" typeface="Estrangelo Edessa"/>
+        <a:font script="Syrj" typeface="Estrangelo Edessa"/>
+        <a:font script="Syre" typeface="Estrangelo Edessa"/>
+        <a:font script="Sora" typeface="Nirmala UI"/>
+        <a:font script="Tale" typeface="Microsoft Tai Le"/>
+        <a:font script="Talu" typeface="Microsoft New Tai Lue"/>
+        <a:font script="Tfng" typeface="Ebrima"/>
       </a:minorFont>
     </a:fontScheme>
-    <a:fmtScheme name="Office">
+    <a:fmtScheme name="Стандартная">
       <a:fillStyleLst>
         <a:solidFill>
           <a:schemeClr val="phClr"/>
@@ -7430,13 +5767,6 @@
         </a:gradFill>
       </a:fillStyleLst>
       <a:lnStyleLst>
-        <a:ln w="6350" cap="flat" cmpd="sng" algn="ctr">
-          <a:solidFill>
-            <a:schemeClr val="phClr"/>
-          </a:solidFill>
-          <a:prstDash val="solid"/>
-          <a:miter lim="800000"/>
-        </a:ln>
         <a:ln w="12700" cap="flat" cmpd="sng" algn="ctr">
           <a:solidFill>
             <a:schemeClr val="phClr"/>
@@ -7445,6 +5775,13 @@
           <a:miter lim="800000"/>
         </a:ln>
         <a:ln w="19050" cap="flat" cmpd="sng" algn="ctr">
+          <a:solidFill>
+            <a:schemeClr val="phClr"/>
+          </a:solidFill>
+          <a:prstDash val="solid"/>
+          <a:miter lim="800000"/>
+        </a:ln>
+        <a:ln w="25400" cap="flat" cmpd="sng" algn="ctr">
           <a:solidFill>
             <a:schemeClr val="phClr"/>
           </a:solidFill>
@@ -7509,11 +5846,31 @@
       </a:bgFillStyleLst>
     </a:fmtScheme>
   </a:themeElements>
-  <a:objectDefaults/>
+  <a:objectDefaults>
+    <a:lnDef>
+      <a:spPr/>
+      <a:bodyPr/>
+      <a:lstStyle/>
+      <a:style>
+        <a:lnRef idx="2">
+          <a:schemeClr val="accent1"/>
+        </a:lnRef>
+        <a:fillRef idx="0">
+          <a:schemeClr val="accent1"/>
+        </a:fillRef>
+        <a:effectRef idx="1">
+          <a:schemeClr val="accent1"/>
+        </a:effectRef>
+        <a:fontRef idx="minor">
+          <a:schemeClr val="tx1"/>
+        </a:fontRef>
+      </a:style>
+    </a:lnDef>
+  </a:objectDefaults>
   <a:extraClrSchemeLst/>
   <a:extLst>
     <a:ext uri="{05A4C25C-085E-4340-85A3-A5531E510DB2}">
-      <thm15:themeFamily xmlns:thm15="http://schemas.microsoft.com/office/thememl/2012/main" name="Office Theme" id="{62F939B6-93AF-4DB8-9C6B-D6C7DFDC589F}" vid="{4A3C46E8-61CC-4603-A589-7422A47A8E4A}"/>
+      <thm15:themeFamily xmlns:thm15="http://schemas.microsoft.com/office/thememl/2012/main" name="Office Theme" id="{2E142A2C-CD16-42D6-873A-C26D2A0506FA}" vid="{1BDDFF52-6CD6-40A5-AB3C-68EB2F1E4D0A}"/>
     </a:ext>
   </a:extLst>
 </a:theme>

--- a/PITCH_PRESENTATION.pptx
+++ b/PITCH_PRESENTATION.pptx
@@ -1,12 +1,9 @@
 
 <file path=ppt/presentation.xml><?xml version="1.0" encoding="utf-8"?>
-<p:presentation xmlns:a="http://schemas.openxmlformats.org/drawingml/2006/main" xmlns:r="http://schemas.openxmlformats.org/officeDocument/2006/relationships" xmlns:p="http://schemas.openxmlformats.org/presentationml/2006/main" showSpecialPlsOnTitleSld="0" saveSubsetFonts="1" autoCompressPictures="0">
+<p:presentation xmlns:a="http://schemas.openxmlformats.org/drawingml/2006/main" xmlns:p="http://schemas.openxmlformats.org/presentationml/2006/main" xmlns:r="http://schemas.openxmlformats.org/officeDocument/2006/relationships" autoCompressPictures="0" saveSubsetFonts="1">
   <p:sldMasterIdLst>
     <p:sldMasterId id="2147483648" r:id="rId1"/>
   </p:sldMasterIdLst>
-  <p:notesMasterIdLst>
-    <p:notesMasterId r:id="rId15"/>
-  </p:notesMasterIdLst>
   <p:sldIdLst>
     <p:sldId id="256" r:id="rId2"/>
     <p:sldId id="257" r:id="rId3"/>
@@ -14,13 +11,17 @@
     <p:sldId id="259" r:id="rId5"/>
     <p:sldId id="260" r:id="rId6"/>
     <p:sldId id="261" r:id="rId7"/>
-    <p:sldId id="264" r:id="rId8"/>
-    <p:sldId id="266" r:id="rId9"/>
-    <p:sldId id="267" r:id="rId10"/>
-    <p:sldId id="268" r:id="rId11"/>
-    <p:sldId id="270" r:id="rId12"/>
-    <p:sldId id="271" r:id="rId13"/>
-    <p:sldId id="272" r:id="rId14"/>
+    <p:sldId id="262" r:id="rId8"/>
+    <p:sldId id="263" r:id="rId9"/>
+    <p:sldId id="264" r:id="rId10"/>
+    <p:sldId id="265" r:id="rId11"/>
+    <p:sldId id="266" r:id="rId12"/>
+    <p:sldId id="267" r:id="rId13"/>
+    <p:sldId id="268" r:id="rId14"/>
+    <p:sldId id="269" r:id="rId15"/>
+    <p:sldId id="270" r:id="rId16"/>
+    <p:sldId id="271" r:id="rId17"/>
+    <p:sldId id="272" r:id="rId18"/>
   </p:sldIdLst>
   <p:sldSz cx="9144000" cy="5143500" type="screen16x9"/>
   <p:notesSz cx="6858000" cy="9144000"/>
@@ -28,8 +29,8 @@
     <a:defPPr>
       <a:defRPr lang="en-US"/>
     </a:defPPr>
-    <a:lvl1pPr marL="0" algn="l" defTabSz="457200" rtl="0" eaLnBrk="1" latinLnBrk="0" hangingPunct="1">
-      <a:defRPr sz="1800" kern="1200">
+    <a:lvl1pPr algn="l" defTabSz="457200" eaLnBrk="1" hangingPunct="1" latinLnBrk="0" marL="0" rtl="0">
+      <a:defRPr kern="1200" sz="1800">
         <a:solidFill>
           <a:schemeClr val="tx1"/>
         </a:solidFill>
@@ -38,8 +39,8 @@
         <a:cs typeface="+mn-cs"/>
       </a:defRPr>
     </a:lvl1pPr>
-    <a:lvl2pPr marL="457200" algn="l" defTabSz="457200" rtl="0" eaLnBrk="1" latinLnBrk="0" hangingPunct="1">
-      <a:defRPr sz="1800" kern="1200">
+    <a:lvl2pPr algn="l" defTabSz="457200" eaLnBrk="1" hangingPunct="1" latinLnBrk="0" marL="457200" rtl="0">
+      <a:defRPr kern="1200" sz="1800">
         <a:solidFill>
           <a:schemeClr val="tx1"/>
         </a:solidFill>
@@ -48,8 +49,8 @@
         <a:cs typeface="+mn-cs"/>
       </a:defRPr>
     </a:lvl2pPr>
-    <a:lvl3pPr marL="914400" algn="l" defTabSz="457200" rtl="0" eaLnBrk="1" latinLnBrk="0" hangingPunct="1">
-      <a:defRPr sz="1800" kern="1200">
+    <a:lvl3pPr algn="l" defTabSz="457200" eaLnBrk="1" hangingPunct="1" latinLnBrk="0" marL="914400" rtl="0">
+      <a:defRPr kern="1200" sz="1800">
         <a:solidFill>
           <a:schemeClr val="tx1"/>
         </a:solidFill>
@@ -58,8 +59,8 @@
         <a:cs typeface="+mn-cs"/>
       </a:defRPr>
     </a:lvl3pPr>
-    <a:lvl4pPr marL="1371600" algn="l" defTabSz="457200" rtl="0" eaLnBrk="1" latinLnBrk="0" hangingPunct="1">
-      <a:defRPr sz="1800" kern="1200">
+    <a:lvl4pPr algn="l" defTabSz="457200" eaLnBrk="1" hangingPunct="1" latinLnBrk="0" marL="1371600" rtl="0">
+      <a:defRPr kern="1200" sz="1800">
         <a:solidFill>
           <a:schemeClr val="tx1"/>
         </a:solidFill>
@@ -68,8 +69,8 @@
         <a:cs typeface="+mn-cs"/>
       </a:defRPr>
     </a:lvl4pPr>
-    <a:lvl5pPr marL="1828800" algn="l" defTabSz="457200" rtl="0" eaLnBrk="1" latinLnBrk="0" hangingPunct="1">
-      <a:defRPr sz="1800" kern="1200">
+    <a:lvl5pPr algn="l" defTabSz="457200" eaLnBrk="1" hangingPunct="1" latinLnBrk="0" marL="1828800" rtl="0">
+      <a:defRPr kern="1200" sz="1800">
         <a:solidFill>
           <a:schemeClr val="tx1"/>
         </a:solidFill>
@@ -78,8 +79,8 @@
         <a:cs typeface="+mn-cs"/>
       </a:defRPr>
     </a:lvl5pPr>
-    <a:lvl6pPr marL="2286000" algn="l" defTabSz="457200" rtl="0" eaLnBrk="1" latinLnBrk="0" hangingPunct="1">
-      <a:defRPr sz="1800" kern="1200">
+    <a:lvl6pPr algn="l" defTabSz="457200" eaLnBrk="1" hangingPunct="1" latinLnBrk="0" marL="2286000" rtl="0">
+      <a:defRPr kern="1200" sz="1800">
         <a:solidFill>
           <a:schemeClr val="tx1"/>
         </a:solidFill>
@@ -88,8 +89,8 @@
         <a:cs typeface="+mn-cs"/>
       </a:defRPr>
     </a:lvl6pPr>
-    <a:lvl7pPr marL="2743200" algn="l" defTabSz="457200" rtl="0" eaLnBrk="1" latinLnBrk="0" hangingPunct="1">
-      <a:defRPr sz="1800" kern="1200">
+    <a:lvl7pPr algn="l" defTabSz="457200" eaLnBrk="1" hangingPunct="1" latinLnBrk="0" marL="2743200" rtl="0">
+      <a:defRPr kern="1200" sz="1800">
         <a:solidFill>
           <a:schemeClr val="tx1"/>
         </a:solidFill>
@@ -98,8 +99,8 @@
         <a:cs typeface="+mn-cs"/>
       </a:defRPr>
     </a:lvl7pPr>
-    <a:lvl8pPr marL="3200400" algn="l" defTabSz="457200" rtl="0" eaLnBrk="1" latinLnBrk="0" hangingPunct="1">
-      <a:defRPr sz="1800" kern="1200">
+    <a:lvl8pPr algn="l" defTabSz="457200" eaLnBrk="1" hangingPunct="1" latinLnBrk="0" marL="3200400" rtl="0">
+      <a:defRPr kern="1200" sz="1800">
         <a:solidFill>
           <a:schemeClr val="tx1"/>
         </a:solidFill>
@@ -108,8 +109,8 @@
         <a:cs typeface="+mn-cs"/>
       </a:defRPr>
     </a:lvl8pPr>
-    <a:lvl9pPr marL="3657600" algn="l" defTabSz="457200" rtl="0" eaLnBrk="1" latinLnBrk="0" hangingPunct="1">
-      <a:defRPr sz="1800" kern="1200">
+    <a:lvl9pPr algn="l" defTabSz="457200" eaLnBrk="1" hangingPunct="1" latinLnBrk="0" marL="3657600" rtl="0">
+      <a:defRPr kern="1200" sz="1800">
         <a:solidFill>
           <a:schemeClr val="tx1"/>
         </a:solidFill>
@@ -138,439 +139,6 @@
 </p:presentation>
 </file>
 
-<file path=ppt/notesMasters/notesMaster1.xml><?xml version="1.0" encoding="utf-8"?>
-<p:notesMaster xmlns:a="http://schemas.openxmlformats.org/drawingml/2006/main" xmlns:r="http://schemas.openxmlformats.org/officeDocument/2006/relationships" xmlns:p="http://schemas.openxmlformats.org/presentationml/2006/main">
-  <p:cSld>
-    <p:bg>
-      <p:bgRef idx="1001">
-        <a:schemeClr val="bg1"/>
-      </p:bgRef>
-    </p:bg>
-    <p:spTree>
-      <p:nvGrpSpPr>
-        <p:cNvPr id="1" name=""/>
-        <p:cNvGrpSpPr/>
-        <p:nvPr/>
-      </p:nvGrpSpPr>
-      <p:grpSpPr>
-        <a:xfrm>
-          <a:off x="0" y="0"/>
-          <a:ext cx="0" cy="0"/>
-          <a:chOff x="0" y="0"/>
-          <a:chExt cx="0" cy="0"/>
-        </a:xfrm>
-      </p:grpSpPr>
-      <p:sp>
-        <p:nvSpPr>
-          <p:cNvPr id="2" name="Верхний колонтитул 1"/>
-          <p:cNvSpPr>
-            <a:spLocks noGrp="1"/>
-          </p:cNvSpPr>
-          <p:nvPr>
-            <p:ph type="hdr" sz="quarter"/>
-          </p:nvPr>
-        </p:nvSpPr>
-        <p:spPr>
-          <a:xfrm>
-            <a:off x="0" y="0"/>
-            <a:ext cx="2971800" cy="458788"/>
-          </a:xfrm>
-          <a:prstGeom prst="rect">
-            <a:avLst/>
-          </a:prstGeom>
-        </p:spPr>
-        <p:txBody>
-          <a:bodyPr vert="horz" lIns="91440" tIns="45720" rIns="91440" bIns="45720" rtlCol="0"/>
-          <a:lstStyle>
-            <a:lvl1pPr algn="l">
-              <a:defRPr sz="1200"/>
-            </a:lvl1pPr>
-          </a:lstStyle>
-          <a:p>
-            <a:endParaRPr lang="ru-RU"/>
-          </a:p>
-        </p:txBody>
-      </p:sp>
-      <p:sp>
-        <p:nvSpPr>
-          <p:cNvPr id="3" name="Дата 2"/>
-          <p:cNvSpPr>
-            <a:spLocks noGrp="1"/>
-          </p:cNvSpPr>
-          <p:nvPr>
-            <p:ph type="dt" idx="1"/>
-          </p:nvPr>
-        </p:nvSpPr>
-        <p:spPr>
-          <a:xfrm>
-            <a:off x="3884613" y="0"/>
-            <a:ext cx="2971800" cy="458788"/>
-          </a:xfrm>
-          <a:prstGeom prst="rect">
-            <a:avLst/>
-          </a:prstGeom>
-        </p:spPr>
-        <p:txBody>
-          <a:bodyPr vert="horz" lIns="91440" tIns="45720" rIns="91440" bIns="45720" rtlCol="0"/>
-          <a:lstStyle>
-            <a:lvl1pPr algn="r">
-              <a:defRPr sz="1200"/>
-            </a:lvl1pPr>
-          </a:lstStyle>
-          <a:p>
-            <a:fld id="{CE255951-B033-6241-9607-C26F47DCB64E}" type="datetimeFigureOut">
-              <a:rPr lang="ru-RU" smtClean="0"/>
-              <a:t>04.10.2025</a:t>
-            </a:fld>
-            <a:endParaRPr lang="ru-RU"/>
-          </a:p>
-        </p:txBody>
-      </p:sp>
-      <p:sp>
-        <p:nvSpPr>
-          <p:cNvPr id="4" name="Образ слайда 3"/>
-          <p:cNvSpPr>
-            <a:spLocks noGrp="1" noRot="1" noChangeAspect="1"/>
-          </p:cNvSpPr>
-          <p:nvPr>
-            <p:ph type="sldImg" idx="2"/>
-          </p:nvPr>
-        </p:nvSpPr>
-        <p:spPr>
-          <a:xfrm>
-            <a:off x="685800" y="1143000"/>
-            <a:ext cx="5486400" cy="3086100"/>
-          </a:xfrm>
-          <a:prstGeom prst="rect">
-            <a:avLst/>
-          </a:prstGeom>
-          <a:noFill/>
-          <a:ln w="12700">
-            <a:solidFill>
-              <a:prstClr val="black"/>
-            </a:solidFill>
-          </a:ln>
-        </p:spPr>
-        <p:txBody>
-          <a:bodyPr vert="horz" lIns="91440" tIns="45720" rIns="91440" bIns="45720" rtlCol="0" anchor="ctr"/>
-          <a:lstStyle/>
-          <a:p>
-            <a:endParaRPr lang="ru-RU"/>
-          </a:p>
-        </p:txBody>
-      </p:sp>
-      <p:sp>
-        <p:nvSpPr>
-          <p:cNvPr id="5" name="Заметки 4"/>
-          <p:cNvSpPr>
-            <a:spLocks noGrp="1"/>
-          </p:cNvSpPr>
-          <p:nvPr>
-            <p:ph type="body" sz="quarter" idx="3"/>
-          </p:nvPr>
-        </p:nvSpPr>
-        <p:spPr>
-          <a:xfrm>
-            <a:off x="685800" y="4400550"/>
-            <a:ext cx="5486400" cy="3600450"/>
-          </a:xfrm>
-          <a:prstGeom prst="rect">
-            <a:avLst/>
-          </a:prstGeom>
-        </p:spPr>
-        <p:txBody>
-          <a:bodyPr vert="horz" lIns="91440" tIns="45720" rIns="91440" bIns="45720" rtlCol="0"/>
-          <a:lstStyle/>
-          <a:p>
-            <a:pPr lvl="0"/>
-            <a:r>
-              <a:rPr lang="ru-RU"/>
-              <a:t>Образец текста</a:t>
-            </a:r>
-          </a:p>
-          <a:p>
-            <a:pPr lvl="1"/>
-            <a:r>
-              <a:rPr lang="ru-RU"/>
-              <a:t>Второй уровень</a:t>
-            </a:r>
-          </a:p>
-          <a:p>
-            <a:pPr lvl="2"/>
-            <a:r>
-              <a:rPr lang="ru-RU"/>
-              <a:t>Третий уровень</a:t>
-            </a:r>
-          </a:p>
-          <a:p>
-            <a:pPr lvl="3"/>
-            <a:r>
-              <a:rPr lang="ru-RU"/>
-              <a:t>Четвертый уровень</a:t>
-            </a:r>
-          </a:p>
-          <a:p>
-            <a:pPr lvl="4"/>
-            <a:r>
-              <a:rPr lang="ru-RU"/>
-              <a:t>Пятый уровень</a:t>
-            </a:r>
-          </a:p>
-        </p:txBody>
-      </p:sp>
-      <p:sp>
-        <p:nvSpPr>
-          <p:cNvPr id="6" name="Нижний колонтитул 5"/>
-          <p:cNvSpPr>
-            <a:spLocks noGrp="1"/>
-          </p:cNvSpPr>
-          <p:nvPr>
-            <p:ph type="ftr" sz="quarter" idx="4"/>
-          </p:nvPr>
-        </p:nvSpPr>
-        <p:spPr>
-          <a:xfrm>
-            <a:off x="0" y="8685213"/>
-            <a:ext cx="2971800" cy="458787"/>
-          </a:xfrm>
-          <a:prstGeom prst="rect">
-            <a:avLst/>
-          </a:prstGeom>
-        </p:spPr>
-        <p:txBody>
-          <a:bodyPr vert="horz" lIns="91440" tIns="45720" rIns="91440" bIns="45720" rtlCol="0" anchor="b"/>
-          <a:lstStyle>
-            <a:lvl1pPr algn="l">
-              <a:defRPr sz="1200"/>
-            </a:lvl1pPr>
-          </a:lstStyle>
-          <a:p>
-            <a:endParaRPr lang="ru-RU"/>
-          </a:p>
-        </p:txBody>
-      </p:sp>
-      <p:sp>
-        <p:nvSpPr>
-          <p:cNvPr id="7" name="Номер слайда 6"/>
-          <p:cNvSpPr>
-            <a:spLocks noGrp="1"/>
-          </p:cNvSpPr>
-          <p:nvPr>
-            <p:ph type="sldNum" sz="quarter" idx="5"/>
-          </p:nvPr>
-        </p:nvSpPr>
-        <p:spPr>
-          <a:xfrm>
-            <a:off x="3884613" y="8685213"/>
-            <a:ext cx="2971800" cy="458787"/>
-          </a:xfrm>
-          <a:prstGeom prst="rect">
-            <a:avLst/>
-          </a:prstGeom>
-        </p:spPr>
-        <p:txBody>
-          <a:bodyPr vert="horz" lIns="91440" tIns="45720" rIns="91440" bIns="45720" rtlCol="0" anchor="b"/>
-          <a:lstStyle>
-            <a:lvl1pPr algn="r">
-              <a:defRPr sz="1200"/>
-            </a:lvl1pPr>
-          </a:lstStyle>
-          <a:p>
-            <a:fld id="{7B7C37E4-48F9-3D41-AEBC-EF22986BEB22}" type="slidenum">
-              <a:rPr lang="ru-RU" smtClean="0"/>
-              <a:t>‹#›</a:t>
-            </a:fld>
-            <a:endParaRPr lang="ru-RU"/>
-          </a:p>
-        </p:txBody>
-      </p:sp>
-    </p:spTree>
-    <p:extLst>
-      <p:ext uri="{BB962C8B-B14F-4D97-AF65-F5344CB8AC3E}">
-        <p14:creationId xmlns:p14="http://schemas.microsoft.com/office/powerpoint/2010/main" val="3710179769"/>
-      </p:ext>
-    </p:extLst>
-  </p:cSld>
-  <p:clrMap bg1="lt1" tx1="dk1" bg2="lt2" tx2="dk2" accent1="accent1" accent2="accent2" accent3="accent3" accent4="accent4" accent5="accent5" accent6="accent6" hlink="hlink" folHlink="folHlink"/>
-  <p:notesStyle>
-    <a:lvl1pPr marL="0" algn="l" defTabSz="914400" rtl="0" eaLnBrk="1" latinLnBrk="0" hangingPunct="1">
-      <a:defRPr sz="1200" kern="1200">
-        <a:solidFill>
-          <a:schemeClr val="tx1"/>
-        </a:solidFill>
-        <a:latin typeface="+mn-lt"/>
-        <a:ea typeface="+mn-ea"/>
-        <a:cs typeface="+mn-cs"/>
-      </a:defRPr>
-    </a:lvl1pPr>
-    <a:lvl2pPr marL="457200" algn="l" defTabSz="914400" rtl="0" eaLnBrk="1" latinLnBrk="0" hangingPunct="1">
-      <a:defRPr sz="1200" kern="1200">
-        <a:solidFill>
-          <a:schemeClr val="tx1"/>
-        </a:solidFill>
-        <a:latin typeface="+mn-lt"/>
-        <a:ea typeface="+mn-ea"/>
-        <a:cs typeface="+mn-cs"/>
-      </a:defRPr>
-    </a:lvl2pPr>
-    <a:lvl3pPr marL="914400" algn="l" defTabSz="914400" rtl="0" eaLnBrk="1" latinLnBrk="0" hangingPunct="1">
-      <a:defRPr sz="1200" kern="1200">
-        <a:solidFill>
-          <a:schemeClr val="tx1"/>
-        </a:solidFill>
-        <a:latin typeface="+mn-lt"/>
-        <a:ea typeface="+mn-ea"/>
-        <a:cs typeface="+mn-cs"/>
-      </a:defRPr>
-    </a:lvl3pPr>
-    <a:lvl4pPr marL="1371600" algn="l" defTabSz="914400" rtl="0" eaLnBrk="1" latinLnBrk="0" hangingPunct="1">
-      <a:defRPr sz="1200" kern="1200">
-        <a:solidFill>
-          <a:schemeClr val="tx1"/>
-        </a:solidFill>
-        <a:latin typeface="+mn-lt"/>
-        <a:ea typeface="+mn-ea"/>
-        <a:cs typeface="+mn-cs"/>
-      </a:defRPr>
-    </a:lvl4pPr>
-    <a:lvl5pPr marL="1828800" algn="l" defTabSz="914400" rtl="0" eaLnBrk="1" latinLnBrk="0" hangingPunct="1">
-      <a:defRPr sz="1200" kern="1200">
-        <a:solidFill>
-          <a:schemeClr val="tx1"/>
-        </a:solidFill>
-        <a:latin typeface="+mn-lt"/>
-        <a:ea typeface="+mn-ea"/>
-        <a:cs typeface="+mn-cs"/>
-      </a:defRPr>
-    </a:lvl5pPr>
-    <a:lvl6pPr marL="2286000" algn="l" defTabSz="914400" rtl="0" eaLnBrk="1" latinLnBrk="0" hangingPunct="1">
-      <a:defRPr sz="1200" kern="1200">
-        <a:solidFill>
-          <a:schemeClr val="tx1"/>
-        </a:solidFill>
-        <a:latin typeface="+mn-lt"/>
-        <a:ea typeface="+mn-ea"/>
-        <a:cs typeface="+mn-cs"/>
-      </a:defRPr>
-    </a:lvl6pPr>
-    <a:lvl7pPr marL="2743200" algn="l" defTabSz="914400" rtl="0" eaLnBrk="1" latinLnBrk="0" hangingPunct="1">
-      <a:defRPr sz="1200" kern="1200">
-        <a:solidFill>
-          <a:schemeClr val="tx1"/>
-        </a:solidFill>
-        <a:latin typeface="+mn-lt"/>
-        <a:ea typeface="+mn-ea"/>
-        <a:cs typeface="+mn-cs"/>
-      </a:defRPr>
-    </a:lvl7pPr>
-    <a:lvl8pPr marL="3200400" algn="l" defTabSz="914400" rtl="0" eaLnBrk="1" latinLnBrk="0" hangingPunct="1">
-      <a:defRPr sz="1200" kern="1200">
-        <a:solidFill>
-          <a:schemeClr val="tx1"/>
-        </a:solidFill>
-        <a:latin typeface="+mn-lt"/>
-        <a:ea typeface="+mn-ea"/>
-        <a:cs typeface="+mn-cs"/>
-      </a:defRPr>
-    </a:lvl8pPr>
-    <a:lvl9pPr marL="3657600" algn="l" defTabSz="914400" rtl="0" eaLnBrk="1" latinLnBrk="0" hangingPunct="1">
-      <a:defRPr sz="1200" kern="1200">
-        <a:solidFill>
-          <a:schemeClr val="tx1"/>
-        </a:solidFill>
-        <a:latin typeface="+mn-lt"/>
-        <a:ea typeface="+mn-ea"/>
-        <a:cs typeface="+mn-cs"/>
-      </a:defRPr>
-    </a:lvl9pPr>
-  </p:notesStyle>
-</p:notesMaster>
-</file>
-
-<file path=ppt/notesSlides/notesSlide1.xml><?xml version="1.0" encoding="utf-8"?>
-<p:notes xmlns:a="http://schemas.openxmlformats.org/drawingml/2006/main" xmlns:r="http://schemas.openxmlformats.org/officeDocument/2006/relationships" xmlns:p="http://schemas.openxmlformats.org/presentationml/2006/main">
-  <p:cSld>
-    <p:spTree>
-      <p:nvGrpSpPr>
-        <p:cNvPr id="1" name=""/>
-        <p:cNvGrpSpPr/>
-        <p:nvPr/>
-      </p:nvGrpSpPr>
-      <p:grpSpPr>
-        <a:xfrm>
-          <a:off x="0" y="0"/>
-          <a:ext cx="0" cy="0"/>
-          <a:chOff x="0" y="0"/>
-          <a:chExt cx="0" cy="0"/>
-        </a:xfrm>
-      </p:grpSpPr>
-      <p:sp>
-        <p:nvSpPr>
-          <p:cNvPr id="2" name="Образ слайда 1"/>
-          <p:cNvSpPr>
-            <a:spLocks noGrp="1" noRot="1" noChangeAspect="1"/>
-          </p:cNvSpPr>
-          <p:nvPr>
-            <p:ph type="sldImg"/>
-          </p:nvPr>
-        </p:nvSpPr>
-        <p:spPr/>
-      </p:sp>
-      <p:sp>
-        <p:nvSpPr>
-          <p:cNvPr id="3" name="Заметки 2"/>
-          <p:cNvSpPr>
-            <a:spLocks noGrp="1"/>
-          </p:cNvSpPr>
-          <p:nvPr>
-            <p:ph type="body" idx="1"/>
-          </p:nvPr>
-        </p:nvSpPr>
-        <p:spPr/>
-        <p:txBody>
-          <a:bodyPr/>
-          <a:lstStyle/>
-          <a:p>
-            <a:endParaRPr lang="ru-RU" dirty="0"/>
-          </a:p>
-        </p:txBody>
-      </p:sp>
-      <p:sp>
-        <p:nvSpPr>
-          <p:cNvPr id="4" name="Номер слайда 3"/>
-          <p:cNvSpPr>
-            <a:spLocks noGrp="1"/>
-          </p:cNvSpPr>
-          <p:nvPr>
-            <p:ph type="sldNum" sz="quarter" idx="5"/>
-          </p:nvPr>
-        </p:nvSpPr>
-        <p:spPr/>
-        <p:txBody>
-          <a:bodyPr/>
-          <a:lstStyle/>
-          <a:p>
-            <a:fld id="{7B7C37E4-48F9-3D41-AEBC-EF22986BEB22}" type="slidenum">
-              <a:rPr lang="ru-RU" smtClean="0"/>
-              <a:t>8</a:t>
-            </a:fld>
-            <a:endParaRPr lang="ru-RU"/>
-          </a:p>
-        </p:txBody>
-      </p:sp>
-    </p:spTree>
-    <p:extLst>
-      <p:ext uri="{BB962C8B-B14F-4D97-AF65-F5344CB8AC3E}">
-        <p14:creationId xmlns:p14="http://schemas.microsoft.com/office/powerpoint/2010/main" val="1045136926"/>
-      </p:ext>
-    </p:extLst>
-  </p:cSld>
-  <p:clrMapOvr>
-    <a:masterClrMapping/>
-  </p:clrMapOvr>
-</p:notes>
-</file>
-
 <file path=ppt/slideLayouts/slideLayout1.xml><?xml version="1.0" encoding="utf-8"?>
 <p:sldLayout xmlns:a="http://schemas.openxmlformats.org/drawingml/2006/main" xmlns:r="http://schemas.openxmlformats.org/officeDocument/2006/relationships" xmlns:p="http://schemas.openxmlformats.org/presentationml/2006/main" type="title" preserve="1">
   <p:cSld name="Title Slide">
@@ -748,9 +316,9 @@
           <a:bodyPr/>
           <a:lstStyle/>
           <a:p>
-            <a:fld id="{052D3AF9-7E93-7B45-BD61-4F4C0315C840}" type="datetime1">
-              <a:rPr lang="ru-RU" smtClean="0"/>
-              <a:t>04.10.2025</a:t>
+            <a:fld id="{241EB5C9-1307-BA42-ABA2-0BC069CD8E7F}" type="datetimeFigureOut">
+              <a:rPr lang="en-US" smtClean="0"/>
+              <a:t>1/2/22</a:t>
             </a:fld>
             <a:endParaRPr lang="en-US"/>
           </a:p>
@@ -916,9 +484,9 @@
           <a:bodyPr/>
           <a:lstStyle/>
           <a:p>
-            <a:fld id="{44C3B15C-074D-7E4A-9A3C-BF673C428BE3}" type="datetime1">
-              <a:rPr lang="ru-RU" smtClean="0"/>
-              <a:t>04.10.2025</a:t>
+            <a:fld id="{241EB5C9-1307-BA42-ABA2-0BC069CD8E7F}" type="datetimeFigureOut">
+              <a:rPr lang="en-US" smtClean="0"/>
+              <a:t>1/2/22</a:t>
             </a:fld>
             <a:endParaRPr lang="en-US"/>
           </a:p>
@@ -1094,9 +662,9 @@
           <a:bodyPr/>
           <a:lstStyle/>
           <a:p>
-            <a:fld id="{56E3B878-153A-654F-97F6-0B504BA0152B}" type="datetime1">
-              <a:rPr lang="ru-RU" smtClean="0"/>
-              <a:t>04.10.2025</a:t>
+            <a:fld id="{241EB5C9-1307-BA42-ABA2-0BC069CD8E7F}" type="datetimeFigureOut">
+              <a:rPr lang="en-US" smtClean="0"/>
+              <a:t>1/2/22</a:t>
             </a:fld>
             <a:endParaRPr lang="en-US"/>
           </a:p>
@@ -1262,9 +830,9 @@
           <a:bodyPr/>
           <a:lstStyle/>
           <a:p>
-            <a:fld id="{8BC32040-F901-3A43-990E-F39832A5480D}" type="datetime1">
-              <a:rPr lang="ru-RU" smtClean="0"/>
-              <a:t>04.10.2025</a:t>
+            <a:fld id="{241EB5C9-1307-BA42-ABA2-0BC069CD8E7F}" type="datetimeFigureOut">
+              <a:rPr lang="en-US" smtClean="0"/>
+              <a:t>1/2/22</a:t>
             </a:fld>
             <a:endParaRPr lang="en-US"/>
           </a:p>
@@ -1507,9 +1075,9 @@
           <a:bodyPr/>
           <a:lstStyle/>
           <a:p>
-            <a:fld id="{C5041B6C-6C7F-814A-89EA-F993CECD79B9}" type="datetime1">
-              <a:rPr lang="ru-RU" smtClean="0"/>
-              <a:t>04.10.2025</a:t>
+            <a:fld id="{241EB5C9-1307-BA42-ABA2-0BC069CD8E7F}" type="datetimeFigureOut">
+              <a:rPr lang="en-US" smtClean="0"/>
+              <a:t>1/2/22</a:t>
             </a:fld>
             <a:endParaRPr lang="en-US"/>
           </a:p>
@@ -1792,9 +1360,9 @@
           <a:bodyPr/>
           <a:lstStyle/>
           <a:p>
-            <a:fld id="{045B242F-8175-0B44-8F8E-5AEB6AF8FB3C}" type="datetime1">
-              <a:rPr lang="ru-RU" smtClean="0"/>
-              <a:t>04.10.2025</a:t>
+            <a:fld id="{241EB5C9-1307-BA42-ABA2-0BC069CD8E7F}" type="datetimeFigureOut">
+              <a:rPr lang="en-US" smtClean="0"/>
+              <a:t>1/2/22</a:t>
             </a:fld>
             <a:endParaRPr lang="en-US"/>
           </a:p>
@@ -2211,9 +1779,9 @@
           <a:bodyPr/>
           <a:lstStyle/>
           <a:p>
-            <a:fld id="{11F8B235-0788-D24D-B214-C5F8DD6E4D0D}" type="datetime1">
-              <a:rPr lang="ru-RU" smtClean="0"/>
-              <a:t>04.10.2025</a:t>
+            <a:fld id="{241EB5C9-1307-BA42-ABA2-0BC069CD8E7F}" type="datetimeFigureOut">
+              <a:rPr lang="en-US" smtClean="0"/>
+              <a:t>1/2/22</a:t>
             </a:fld>
             <a:endParaRPr lang="en-US"/>
           </a:p>
@@ -2328,9 +1896,9 @@
           <a:bodyPr/>
           <a:lstStyle/>
           <a:p>
-            <a:fld id="{2244ACDA-2ED7-AF4B-944C-BE5E70D056D5}" type="datetime1">
-              <a:rPr lang="ru-RU" smtClean="0"/>
-              <a:t>04.10.2025</a:t>
+            <a:fld id="{241EB5C9-1307-BA42-ABA2-0BC069CD8E7F}" type="datetimeFigureOut">
+              <a:rPr lang="en-US" smtClean="0"/>
+              <a:t>1/2/22</a:t>
             </a:fld>
             <a:endParaRPr lang="en-US"/>
           </a:p>
@@ -2423,9 +1991,9 @@
           <a:bodyPr/>
           <a:lstStyle/>
           <a:p>
-            <a:fld id="{F9C3BA3B-C867-7242-AB9B-5123D3F3F91F}" type="datetime1">
-              <a:rPr lang="ru-RU" smtClean="0"/>
-              <a:t>04.10.2025</a:t>
+            <a:fld id="{241EB5C9-1307-BA42-ABA2-0BC069CD8E7F}" type="datetimeFigureOut">
+              <a:rPr lang="en-US" smtClean="0"/>
+              <a:t>1/2/22</a:t>
             </a:fld>
             <a:endParaRPr lang="en-US"/>
           </a:p>
@@ -2698,9 +2266,9 @@
           <a:bodyPr/>
           <a:lstStyle/>
           <a:p>
-            <a:fld id="{9B3501D0-5A58-AF49-921B-8092E50D5F95}" type="datetime1">
-              <a:rPr lang="ru-RU" smtClean="0"/>
-              <a:t>04.10.2025</a:t>
+            <a:fld id="{241EB5C9-1307-BA42-ABA2-0BC069CD8E7F}" type="datetimeFigureOut">
+              <a:rPr lang="en-US" smtClean="0"/>
+              <a:t>1/2/22</a:t>
             </a:fld>
             <a:endParaRPr lang="en-US"/>
           </a:p>
@@ -2950,9 +2518,9 @@
           <a:bodyPr/>
           <a:lstStyle/>
           <a:p>
-            <a:fld id="{C677DB21-A157-C444-9BAE-7B7AA8D0E6F7}" type="datetime1">
-              <a:rPr lang="ru-RU" smtClean="0"/>
-              <a:t>04.10.2025</a:t>
+            <a:fld id="{241EB5C9-1307-BA42-ABA2-0BC069CD8E7F}" type="datetimeFigureOut">
+              <a:rPr lang="en-US" smtClean="0"/>
+              <a:t>1/2/22</a:t>
             </a:fld>
             <a:endParaRPr lang="en-US"/>
           </a:p>
@@ -3014,7 +2582,7 @@
 </file>
 
 <file path=ppt/slideMasters/slideMaster1.xml><?xml version="1.0" encoding="utf-8"?>
-<p:sldMaster xmlns:a="http://schemas.openxmlformats.org/drawingml/2006/main" xmlns:r="http://schemas.openxmlformats.org/officeDocument/2006/relationships" xmlns:p="http://schemas.openxmlformats.org/presentationml/2006/main">
+<p:sldMaster xmlns:a="http://schemas.openxmlformats.org/drawingml/2006/main" xmlns:p="http://schemas.openxmlformats.org/presentationml/2006/main" xmlns:r="http://schemas.openxmlformats.org/officeDocument/2006/relationships">
   <p:cSld>
     <p:bg>
       <p:bgRef idx="1001">
@@ -3055,7 +2623,7 @@
           </a:prstGeom>
         </p:spPr>
         <p:txBody>
-          <a:bodyPr vert="horz" lIns="91440" tIns="45720" rIns="91440" bIns="45720" rtlCol="0" anchor="ctr">
+          <a:bodyPr anchor="ctr" bIns="45720" lIns="91440" rIns="91440" rtlCol="0" tIns="45720" vert="horz">
             <a:normAutofit/>
           </a:bodyPr>
           <a:lstStyle/>
@@ -3074,7 +2642,7 @@
             <a:spLocks noGrp="1"/>
           </p:cNvSpPr>
           <p:nvPr>
-            <p:ph type="body" idx="1"/>
+            <p:ph idx="1" type="body"/>
           </p:nvPr>
         </p:nvSpPr>
         <p:spPr>
@@ -3087,7 +2655,7 @@
           </a:prstGeom>
         </p:spPr>
         <p:txBody>
-          <a:bodyPr vert="horz" lIns="91440" tIns="45720" rIns="91440" bIns="45720" rtlCol="0">
+          <a:bodyPr bIns="45720" lIns="91440" rIns="91440" rtlCol="0" tIns="45720" vert="horz">
             <a:normAutofit/>
           </a:bodyPr>
           <a:lstStyle/>
@@ -3135,7 +2703,7 @@
             <a:spLocks noGrp="1"/>
           </p:cNvSpPr>
           <p:nvPr>
-            <p:ph type="dt" sz="half" idx="2"/>
+            <p:ph idx="2" sz="half" type="dt"/>
           </p:nvPr>
         </p:nvSpPr>
         <p:spPr>
@@ -3148,7 +2716,7 @@
           </a:prstGeom>
         </p:spPr>
         <p:txBody>
-          <a:bodyPr vert="horz" lIns="91440" tIns="45720" rIns="91440" bIns="45720" rtlCol="0" anchor="ctr"/>
+          <a:bodyPr anchor="ctr" bIns="45720" lIns="91440" rIns="91440" rtlCol="0" tIns="45720" vert="horz"/>
           <a:lstStyle>
             <a:lvl1pPr algn="l">
               <a:defRPr sz="900">
@@ -3161,9 +2729,9 @@
             </a:lvl1pPr>
           </a:lstStyle>
           <a:p>
-            <a:fld id="{0E148000-199B-5543-9EF2-FF1B6C73C819}" type="datetime1">
-              <a:rPr lang="ru-RU" smtClean="0"/>
-              <a:t>04.10.2025</a:t>
+            <a:fld id="{241EB5C9-1307-BA42-ABA2-0BC069CD8E7F}" type="datetimeFigureOut">
+              <a:rPr lang="en-US" smtClean="0"/>
+              <a:t>1/2/22</a:t>
             </a:fld>
             <a:endParaRPr lang="en-US"/>
           </a:p>
@@ -3176,7 +2744,7 @@
             <a:spLocks noGrp="1"/>
           </p:cNvSpPr>
           <p:nvPr>
-            <p:ph type="ftr" sz="quarter" idx="3"/>
+            <p:ph idx="3" sz="quarter" type="ftr"/>
           </p:nvPr>
         </p:nvSpPr>
         <p:spPr>
@@ -3189,7 +2757,7 @@
           </a:prstGeom>
         </p:spPr>
         <p:txBody>
-          <a:bodyPr vert="horz" lIns="91440" tIns="45720" rIns="91440" bIns="45720" rtlCol="0" anchor="ctr"/>
+          <a:bodyPr anchor="ctr" bIns="45720" lIns="91440" rIns="91440" rtlCol="0" tIns="45720" vert="horz"/>
           <a:lstStyle>
             <a:lvl1pPr algn="ctr">
               <a:defRPr sz="900">
@@ -3213,7 +2781,7 @@
             <a:spLocks noGrp="1"/>
           </p:cNvSpPr>
           <p:nvPr>
-            <p:ph type="sldNum" sz="quarter" idx="4"/>
+            <p:ph idx="4" sz="quarter" type="sldNum"/>
           </p:nvPr>
         </p:nvSpPr>
         <p:spPr>
@@ -3226,7 +2794,7 @@
           </a:prstGeom>
         </p:spPr>
         <p:txBody>
-          <a:bodyPr vert="horz" lIns="91440" tIns="45720" rIns="91440" bIns="45720" rtlCol="0" anchor="ctr"/>
+          <a:bodyPr anchor="ctr" bIns="45720" lIns="91440" rIns="91440" rtlCol="0" tIns="45720" vert="horz"/>
           <a:lstStyle>
             <a:lvl1pPr algn="r">
               <a:defRPr sz="900">
@@ -3254,7 +2822,7 @@
       </p:ext>
     </p:extLst>
   </p:cSld>
-  <p:clrMap bg1="lt1" tx1="dk1" bg2="lt2" tx2="dk2" accent1="accent1" accent2="accent2" accent3="accent3" accent4="accent4" accent5="accent5" accent6="accent6" hlink="hlink" folHlink="folHlink"/>
+  <p:clrMap accent1="accent1" accent2="accent2" accent3="accent3" accent4="accent4" accent5="accent5" accent6="accent6" bg1="lt1" bg2="lt2" folHlink="folHlink" hlink="hlink" tx1="dk1" tx2="dk2"/>
   <p:sldLayoutIdLst>
     <p:sldLayoutId id="2147483649" r:id="rId1"/>
     <p:sldLayoutId id="2147483650" r:id="rId2"/>
@@ -3268,15 +2836,14 @@
     <p:sldLayoutId id="2147483658" r:id="rId10"/>
     <p:sldLayoutId id="2147483659" r:id="rId11"/>
   </p:sldLayoutIdLst>
-  <p:hf hdr="0" ftr="0" dt="0"/>
   <p:txStyles>
     <p:titleStyle>
-      <a:lvl1pPr algn="ctr" defTabSz="342900" rtl="0" eaLnBrk="1" latinLnBrk="0" hangingPunct="1">
+      <a:lvl1pPr algn="ctr" defTabSz="342900" eaLnBrk="1" hangingPunct="1" latinLnBrk="0" rtl="0">
         <a:spcBef>
           <a:spcPct val="0"/>
         </a:spcBef>
         <a:buNone/>
-        <a:defRPr sz="3300" kern="1200">
+        <a:defRPr kern="1200" sz="3300">
           <a:solidFill>
             <a:schemeClr val="tx1"/>
           </a:solidFill>
@@ -3287,13 +2854,13 @@
       </a:lvl1pPr>
     </p:titleStyle>
     <p:bodyStyle>
-      <a:lvl1pPr marL="342900" indent="-342900" algn="l" defTabSz="342900" rtl="0" eaLnBrk="1" latinLnBrk="0" hangingPunct="1">
+      <a:lvl1pPr algn="l" defTabSz="342900" eaLnBrk="1" hangingPunct="1" indent="-342900" latinLnBrk="0" marL="342900" rtl="0">
         <a:spcBef>
           <a:spcPct val="20000"/>
         </a:spcBef>
         <a:buFont typeface="Arial"/>
         <a:buChar char="•"/>
-        <a:defRPr sz="2400" kern="1200">
+        <a:defRPr kern="1200" sz="2400">
           <a:solidFill>
             <a:schemeClr val="tx1"/>
           </a:solidFill>
@@ -3302,13 +2869,13 @@
           <a:cs typeface="+mn-cs"/>
         </a:defRPr>
       </a:lvl1pPr>
-      <a:lvl2pPr marL="685800" indent="-342900" algn="l" defTabSz="342900" rtl="0" eaLnBrk="1" latinLnBrk="0" hangingPunct="1">
+      <a:lvl2pPr algn="l" defTabSz="342900" eaLnBrk="1" hangingPunct="1" indent="-342900" latinLnBrk="0" marL="685800" rtl="0">
         <a:spcBef>
           <a:spcPct val="20000"/>
         </a:spcBef>
         <a:buFont typeface="Arial"/>
         <a:buChar char="–"/>
-        <a:defRPr sz="2100" kern="1200">
+        <a:defRPr kern="1200" sz="2100">
           <a:solidFill>
             <a:schemeClr val="tx1"/>
           </a:solidFill>
@@ -3317,13 +2884,13 @@
           <a:cs typeface="+mn-cs"/>
         </a:defRPr>
       </a:lvl2pPr>
-      <a:lvl3pPr marL="1028700" indent="-342900" algn="l" defTabSz="342900" rtl="0" eaLnBrk="1" latinLnBrk="0" hangingPunct="1">
+      <a:lvl3pPr algn="l" defTabSz="342900" eaLnBrk="1" hangingPunct="1" indent="-342900" latinLnBrk="0" marL="1028700" rtl="0">
         <a:spcBef>
           <a:spcPct val="20000"/>
         </a:spcBef>
         <a:buFont typeface="Arial"/>
         <a:buChar char="•"/>
-        <a:defRPr sz="1800" kern="1200">
+        <a:defRPr kern="1200" sz="1800">
           <a:solidFill>
             <a:schemeClr val="tx1"/>
           </a:solidFill>
@@ -3332,13 +2899,13 @@
           <a:cs typeface="+mn-cs"/>
         </a:defRPr>
       </a:lvl3pPr>
-      <a:lvl4pPr marL="1371600" indent="-342900" algn="l" defTabSz="342900" rtl="0" eaLnBrk="1" latinLnBrk="0" hangingPunct="1">
+      <a:lvl4pPr algn="l" defTabSz="342900" eaLnBrk="1" hangingPunct="1" indent="-342900" latinLnBrk="0" marL="1371600" rtl="0">
         <a:spcBef>
           <a:spcPct val="20000"/>
         </a:spcBef>
         <a:buFont typeface="Arial"/>
         <a:buChar char="–"/>
-        <a:defRPr sz="1500" kern="1200">
+        <a:defRPr kern="1200" sz="1500">
           <a:solidFill>
             <a:schemeClr val="tx1"/>
           </a:solidFill>
@@ -3347,13 +2914,13 @@
           <a:cs typeface="+mn-cs"/>
         </a:defRPr>
       </a:lvl4pPr>
-      <a:lvl5pPr marL="1714500" indent="-342900" algn="l" defTabSz="342900" rtl="0" eaLnBrk="1" latinLnBrk="0" hangingPunct="1">
+      <a:lvl5pPr algn="l" defTabSz="342900" eaLnBrk="1" hangingPunct="1" indent="-342900" latinLnBrk="0" marL="1714500" rtl="0">
         <a:spcBef>
           <a:spcPct val="20000"/>
         </a:spcBef>
         <a:buFont typeface="Arial"/>
         <a:buChar char="»"/>
-        <a:defRPr sz="1500" kern="1200">
+        <a:defRPr kern="1200" sz="1500">
           <a:solidFill>
             <a:schemeClr val="tx1"/>
           </a:solidFill>
@@ -3362,13 +2929,13 @@
           <a:cs typeface="+mn-cs"/>
         </a:defRPr>
       </a:lvl5pPr>
-      <a:lvl6pPr marL="2057400" indent="-342900" algn="l" defTabSz="342900" rtl="0" eaLnBrk="1" latinLnBrk="0" hangingPunct="1">
+      <a:lvl6pPr algn="l" defTabSz="342900" eaLnBrk="1" hangingPunct="1" indent="-342900" latinLnBrk="0" marL="2057400" rtl="0">
         <a:spcBef>
           <a:spcPct val="20000"/>
         </a:spcBef>
         <a:buFont typeface="Arial"/>
         <a:buChar char="•"/>
-        <a:defRPr sz="1500" kern="1200">
+        <a:defRPr kern="1200" sz="1500">
           <a:solidFill>
             <a:schemeClr val="tx1"/>
           </a:solidFill>
@@ -3377,13 +2944,13 @@
           <a:cs typeface="+mn-cs"/>
         </a:defRPr>
       </a:lvl6pPr>
-      <a:lvl7pPr marL="2400300" indent="-342900" algn="l" defTabSz="342900" rtl="0" eaLnBrk="1" latinLnBrk="0" hangingPunct="1">
+      <a:lvl7pPr algn="l" defTabSz="342900" eaLnBrk="1" hangingPunct="1" indent="-342900" latinLnBrk="0" marL="2400300" rtl="0">
         <a:spcBef>
           <a:spcPct val="20000"/>
         </a:spcBef>
         <a:buFont typeface="Arial"/>
         <a:buChar char="•"/>
-        <a:defRPr sz="1500" kern="1200">
+        <a:defRPr kern="1200" sz="1500">
           <a:solidFill>
             <a:schemeClr val="tx1"/>
           </a:solidFill>
@@ -3392,13 +2959,13 @@
           <a:cs typeface="+mn-cs"/>
         </a:defRPr>
       </a:lvl7pPr>
-      <a:lvl8pPr marL="2743200" indent="-342900" algn="l" defTabSz="342900" rtl="0" eaLnBrk="1" latinLnBrk="0" hangingPunct="1">
+      <a:lvl8pPr algn="l" defTabSz="342900" eaLnBrk="1" hangingPunct="1" indent="-342900" latinLnBrk="0" marL="2743200" rtl="0">
         <a:spcBef>
           <a:spcPct val="20000"/>
         </a:spcBef>
         <a:buFont typeface="Arial"/>
         <a:buChar char="•"/>
-        <a:defRPr sz="1500" kern="1200">
+        <a:defRPr kern="1200" sz="1500">
           <a:solidFill>
             <a:schemeClr val="tx1"/>
           </a:solidFill>
@@ -3407,13 +2974,13 @@
           <a:cs typeface="+mn-cs"/>
         </a:defRPr>
       </a:lvl8pPr>
-      <a:lvl9pPr marL="3086100" indent="-342900" algn="l" defTabSz="342900" rtl="0" eaLnBrk="1" latinLnBrk="0" hangingPunct="1">
+      <a:lvl9pPr algn="l" defTabSz="342900" eaLnBrk="1" hangingPunct="1" indent="-342900" latinLnBrk="0" marL="3086100" rtl="0">
         <a:spcBef>
           <a:spcPct val="20000"/>
         </a:spcBef>
         <a:buFont typeface="Arial"/>
         <a:buChar char="•"/>
-        <a:defRPr sz="1500" kern="1200">
+        <a:defRPr kern="1200" sz="1500">
           <a:solidFill>
             <a:schemeClr val="tx1"/>
           </a:solidFill>
@@ -3427,8 +2994,8 @@
       <a:defPPr>
         <a:defRPr lang="en-US"/>
       </a:defPPr>
-      <a:lvl1pPr marL="0" algn="l" defTabSz="342900" rtl="0" eaLnBrk="1" latinLnBrk="0" hangingPunct="1">
-        <a:defRPr sz="1350" kern="1200">
+      <a:lvl1pPr algn="l" defTabSz="342900" eaLnBrk="1" hangingPunct="1" latinLnBrk="0" marL="0" rtl="0">
+        <a:defRPr kern="1200" sz="1350">
           <a:solidFill>
             <a:schemeClr val="tx1"/>
           </a:solidFill>
@@ -3437,8 +3004,8 @@
           <a:cs typeface="+mn-cs"/>
         </a:defRPr>
       </a:lvl1pPr>
-      <a:lvl2pPr marL="342900" algn="l" defTabSz="342900" rtl="0" eaLnBrk="1" latinLnBrk="0" hangingPunct="1">
-        <a:defRPr sz="1350" kern="1200">
+      <a:lvl2pPr algn="l" defTabSz="342900" eaLnBrk="1" hangingPunct="1" latinLnBrk="0" marL="342900" rtl="0">
+        <a:defRPr kern="1200" sz="1350">
           <a:solidFill>
             <a:schemeClr val="tx1"/>
           </a:solidFill>
@@ -3447,8 +3014,8 @@
           <a:cs typeface="+mn-cs"/>
         </a:defRPr>
       </a:lvl2pPr>
-      <a:lvl3pPr marL="685800" algn="l" defTabSz="342900" rtl="0" eaLnBrk="1" latinLnBrk="0" hangingPunct="1">
-        <a:defRPr sz="1350" kern="1200">
+      <a:lvl3pPr algn="l" defTabSz="342900" eaLnBrk="1" hangingPunct="1" latinLnBrk="0" marL="685800" rtl="0">
+        <a:defRPr kern="1200" sz="1350">
           <a:solidFill>
             <a:schemeClr val="tx1"/>
           </a:solidFill>
@@ -3457,8 +3024,8 @@
           <a:cs typeface="+mn-cs"/>
         </a:defRPr>
       </a:lvl3pPr>
-      <a:lvl4pPr marL="1028700" algn="l" defTabSz="342900" rtl="0" eaLnBrk="1" latinLnBrk="0" hangingPunct="1">
-        <a:defRPr sz="1350" kern="1200">
+      <a:lvl4pPr algn="l" defTabSz="342900" eaLnBrk="1" hangingPunct="1" latinLnBrk="0" marL="1028700" rtl="0">
+        <a:defRPr kern="1200" sz="1350">
           <a:solidFill>
             <a:schemeClr val="tx1"/>
           </a:solidFill>
@@ -3467,8 +3034,8 @@
           <a:cs typeface="+mn-cs"/>
         </a:defRPr>
       </a:lvl4pPr>
-      <a:lvl5pPr marL="1371600" algn="l" defTabSz="342900" rtl="0" eaLnBrk="1" latinLnBrk="0" hangingPunct="1">
-        <a:defRPr sz="1350" kern="1200">
+      <a:lvl5pPr algn="l" defTabSz="342900" eaLnBrk="1" hangingPunct="1" latinLnBrk="0" marL="1371600" rtl="0">
+        <a:defRPr kern="1200" sz="1350">
           <a:solidFill>
             <a:schemeClr val="tx1"/>
           </a:solidFill>
@@ -3477,8 +3044,8 @@
           <a:cs typeface="+mn-cs"/>
         </a:defRPr>
       </a:lvl5pPr>
-      <a:lvl6pPr marL="1714500" algn="l" defTabSz="342900" rtl="0" eaLnBrk="1" latinLnBrk="0" hangingPunct="1">
-        <a:defRPr sz="1350" kern="1200">
+      <a:lvl6pPr algn="l" defTabSz="342900" eaLnBrk="1" hangingPunct="1" latinLnBrk="0" marL="1714500" rtl="0">
+        <a:defRPr kern="1200" sz="1350">
           <a:solidFill>
             <a:schemeClr val="tx1"/>
           </a:solidFill>
@@ -3487,8 +3054,8 @@
           <a:cs typeface="+mn-cs"/>
         </a:defRPr>
       </a:lvl6pPr>
-      <a:lvl7pPr marL="2057400" algn="l" defTabSz="342900" rtl="0" eaLnBrk="1" latinLnBrk="0" hangingPunct="1">
-        <a:defRPr sz="1350" kern="1200">
+      <a:lvl7pPr algn="l" defTabSz="342900" eaLnBrk="1" hangingPunct="1" latinLnBrk="0" marL="2057400" rtl="0">
+        <a:defRPr kern="1200" sz="1350">
           <a:solidFill>
             <a:schemeClr val="tx1"/>
           </a:solidFill>
@@ -3497,8 +3064,8 @@
           <a:cs typeface="+mn-cs"/>
         </a:defRPr>
       </a:lvl7pPr>
-      <a:lvl8pPr marL="2400300" algn="l" defTabSz="342900" rtl="0" eaLnBrk="1" latinLnBrk="0" hangingPunct="1">
-        <a:defRPr sz="1350" kern="1200">
+      <a:lvl8pPr algn="l" defTabSz="342900" eaLnBrk="1" hangingPunct="1" latinLnBrk="0" marL="2400300" rtl="0">
+        <a:defRPr kern="1200" sz="1350">
           <a:solidFill>
             <a:schemeClr val="tx1"/>
           </a:solidFill>
@@ -3507,8 +3074,8 @@
           <a:cs typeface="+mn-cs"/>
         </a:defRPr>
       </a:lvl8pPr>
-      <a:lvl9pPr marL="2743200" algn="l" defTabSz="342900" rtl="0" eaLnBrk="1" latinLnBrk="0" hangingPunct="1">
-        <a:defRPr sz="1350" kern="1200">
+      <a:lvl9pPr algn="l" defTabSz="342900" eaLnBrk="1" hangingPunct="1" latinLnBrk="0" marL="2743200" rtl="0">
+        <a:defRPr kern="1200" sz="1350">
           <a:solidFill>
             <a:schemeClr val="tx1"/>
           </a:solidFill>
@@ -3549,175 +3116,29 @@
             <p:ph type="title"/>
           </p:nvPr>
         </p:nvSpPr>
-        <p:spPr>
-          <a:xfrm>
-            <a:off x="457200" y="278296"/>
-            <a:ext cx="8229600" cy="857250"/>
-          </a:xfrm>
-        </p:spPr>
-        <p:txBody>
-          <a:bodyPr>
-            <a:normAutofit fontScale="90000"/>
-          </a:bodyPr>
-          <a:lstStyle/>
-          <a:p>
-            <a:pPr marL="0" lvl="0" indent="0">
-              <a:buNone/>
-            </a:pPr>
-            <a:r>
-              <a:rPr dirty="0"/>
-              <a:t>🚀 FORECAST: </a:t>
-            </a:r>
-            <a:r>
-              <a:rPr dirty="0" err="1"/>
-              <a:t>Прогноз</a:t>
-            </a:r>
-            <a:r>
-              <a:rPr dirty="0"/>
-              <a:t> </a:t>
-            </a:r>
-            <a:r>
-              <a:rPr dirty="0" err="1"/>
-              <a:t>движения</a:t>
-            </a:r>
-            <a:r>
-              <a:rPr dirty="0"/>
-              <a:t> </a:t>
-            </a:r>
-            <a:r>
-              <a:rPr dirty="0" err="1"/>
-              <a:t>цены</a:t>
-            </a:r>
-            <a:r>
-              <a:rPr dirty="0"/>
-              <a:t> </a:t>
-            </a:r>
-            <a:r>
-              <a:rPr dirty="0" err="1"/>
-              <a:t>с</a:t>
-            </a:r>
-            <a:r>
-              <a:rPr dirty="0"/>
-              <a:t> </a:t>
-            </a:r>
-            <a:r>
-              <a:rPr dirty="0" err="1"/>
-              <a:t>учётом</a:t>
-            </a:r>
-            <a:r>
-              <a:rPr dirty="0"/>
-              <a:t> </a:t>
-            </a:r>
-            <a:r>
-              <a:rPr dirty="0" err="1"/>
-              <a:t>новостного</a:t>
-            </a:r>
-            <a:r>
-              <a:rPr dirty="0"/>
-              <a:t> </a:t>
-            </a:r>
-            <a:r>
-              <a:rPr dirty="0" err="1"/>
-              <a:t>контекста</a:t>
-            </a:r>
-            <a:endParaRPr dirty="0"/>
-          </a:p>
-        </p:txBody>
-      </p:sp>
-      <p:sp>
-        <p:nvSpPr>
-          <p:cNvPr id="3" name="Content Placeholder 2"/>
-          <p:cNvSpPr>
-            <a:spLocks noGrp="1"/>
-          </p:cNvSpPr>
-          <p:nvPr>
-            <p:ph idx="1"/>
-          </p:nvPr>
-        </p:nvSpPr>
-        <p:spPr>
-          <a:xfrm>
-            <a:off x="5204128" y="3800227"/>
-            <a:ext cx="8229600" cy="3394472"/>
-          </a:xfrm>
-        </p:spPr>
+        <p:spPr/>
         <p:txBody>
           <a:bodyPr/>
           <a:lstStyle/>
           <a:p>
-            <a:pPr marL="0" lvl="0" indent="0">
-              <a:buNone/>
-            </a:pPr>
-            <a:r>
-              <a:rPr b="1" dirty="0" err="1"/>
-              <a:t>Команда</a:t>
-            </a:r>
-            <a:r>
-              <a:rPr b="1" dirty="0"/>
-              <a:t> </a:t>
-            </a:r>
-            <a:r>
-              <a:rPr b="1" dirty="0" err="1"/>
-              <a:t>Pulsetech</a:t>
-            </a:r>
-            <a:endParaRPr b="1" dirty="0"/>
-          </a:p>
-          <a:p>
-            <a:pPr marL="0" lvl="0" indent="0">
-              <a:buNone/>
-            </a:pPr>
-            <a:r>
-              <a:rPr b="1" dirty="0"/>
-              <a:t>Finam x HSE Trade AI Hack</a:t>
-            </a:r>
-          </a:p>
-        </p:txBody>
-      </p:sp>
-      <p:sp>
-        <p:nvSpPr>
-          <p:cNvPr id="4" name="TextBox 3">
-            <a:extLst>
-              <a:ext uri="{FF2B5EF4-FFF2-40B4-BE49-F238E27FC236}">
-                <a16:creationId xmlns:a16="http://schemas.microsoft.com/office/drawing/2014/main" id="{C41C062D-AD3E-2296-ED80-F128F8EAAE07}"/>
-              </a:ext>
-            </a:extLst>
-          </p:cNvPr>
-          <p:cNvSpPr txBox="1"/>
-          <p:nvPr/>
-        </p:nvSpPr>
-        <p:spPr>
-          <a:xfrm>
-            <a:off x="3967701" y="278296"/>
-            <a:ext cx="160877" cy="1975495"/>
-          </a:xfrm>
-          <a:prstGeom prst="rect">
-            <a:avLst/>
-          </a:prstGeom>
-          <a:noFill/>
-        </p:spPr>
-        <p:txBody>
-          <a:bodyPr wrap="square" rtlCol="0">
-            <a:spAutoFit/>
-          </a:bodyPr>
-          <a:lstStyle/>
-          <a:p>
-            <a:endParaRPr lang="ru-RU" dirty="0"/>
-          </a:p>
-        </p:txBody>
-      </p:sp>
-      <p:sp>
-        <p:nvSpPr>
-          <p:cNvPr id="11" name="Номер слайда 10">
-            <a:extLst>
-              <a:ext uri="{FF2B5EF4-FFF2-40B4-BE49-F238E27FC236}">
-                <a16:creationId xmlns:a16="http://schemas.microsoft.com/office/drawing/2014/main" id="{009A9AB8-11E3-61D6-0285-EE0445B53B76}"/>
-              </a:ext>
-            </a:extLst>
-          </p:cNvPr>
-          <p:cNvSpPr>
-            <a:spLocks noGrp="1"/>
-          </p:cNvSpPr>
-          <p:nvPr>
-            <p:ph type="sldNum" sz="quarter" idx="12"/>
+            <a:pPr lvl="0" indent="0" marL="0">
+              <a:buNone/>
+            </a:pPr>
+            <a:r>
+              <a:rPr/>
+              <a:t>🚀 FORECAST: Прогноз движения цены с учётом новостного контекста</a:t>
+            </a:r>
+          </a:p>
+        </p:txBody>
+      </p:sp>
+      <p:sp>
+        <p:nvSpPr>
+          <p:cNvPr id="3" name="Content Placeholder 2"/>
+          <p:cNvSpPr>
+            <a:spLocks noGrp="1"/>
+          </p:cNvSpPr>
+          <p:nvPr>
+            <p:ph idx="1"/>
           </p:nvPr>
         </p:nvSpPr>
         <p:spPr/>
@@ -3725,19 +3146,27 @@
           <a:bodyPr/>
           <a:lstStyle/>
           <a:p>
-            <a:fld id="{C5EF2332-01BF-834F-8236-50238282D533}" type="slidenum">
-              <a:rPr lang="en-US" smtClean="0"/>
-              <a:t>1</a:t>
-            </a:fld>
-            <a:endParaRPr lang="en-US"/>
+            <a:pPr lvl="0" indent="0" marL="0">
+              <a:buNone/>
+            </a:pPr>
+            <a:r>
+              <a:rPr b="1"/>
+              <a:t>Команда Pulsetech</a:t>
+            </a:r>
+          </a:p>
+          <a:p>
+            <a:pPr lvl="0" indent="0" marL="0">
+              <a:buNone/>
+            </a:pPr>
+            <a:r>
+              <a:rPr b="1"/>
+              <a:t>Finam x HSE Trade AI Hack</a:t>
+            </a:r>
           </a:p>
         </p:txBody>
       </p:sp>
     </p:spTree>
   </p:cSld>
-  <p:clrMapOvr>
-    <a:masterClrMapping/>
-  </p:clrMapOvr>
 </p:sld>
 </file>
 
@@ -3760,115 +3189,179 @@
       </p:grpSpPr>
       <p:sp>
         <p:nvSpPr>
-          <p:cNvPr id="2" name="Title 1"/>
-          <p:cNvSpPr>
-            <a:spLocks noGrp="1"/>
-          </p:cNvSpPr>
-          <p:nvPr>
-            <p:ph type="title"/>
-          </p:nvPr>
-        </p:nvSpPr>
-        <p:spPr>
-          <a:xfrm>
-            <a:off x="457201" y="204787"/>
-            <a:ext cx="3008313" cy="871538"/>
-          </a:xfrm>
-        </p:spPr>
+          <p:cNvPr id="3" name="Content Placeholder 2"/>
+          <p:cNvSpPr>
+            <a:spLocks noGrp="1"/>
+          </p:cNvSpPr>
+          <p:nvPr>
+            <p:ph idx="1"/>
+          </p:nvPr>
+        </p:nvSpPr>
+        <p:spPr/>
         <p:txBody>
           <a:bodyPr/>
           <a:lstStyle/>
           <a:p>
-            <a:pPr marL="0" lvl="0" indent="0">
-              <a:buNone/>
-            </a:pPr>
-            <a:r>
-              <a:rPr dirty="0"/>
-              <a:t>📊 </a:t>
-            </a:r>
-            <a:r>
-              <a:rPr dirty="0" err="1"/>
-              <a:t>Итоговая</a:t>
-            </a:r>
-            <a:r>
-              <a:rPr dirty="0"/>
-              <a:t> </a:t>
-            </a:r>
-            <a:r>
-              <a:rPr dirty="0" err="1"/>
-              <a:t>сводк</a:t>
-            </a:r>
-            <a:r>
-              <a:rPr lang="ru-RU" dirty="0"/>
-              <a:t>а</a:t>
-            </a:r>
-            <a:endParaRPr dirty="0"/>
-          </a:p>
-        </p:txBody>
-      </p:sp>
-      <p:pic>
-        <p:nvPicPr>
-          <p:cNvPr id="7" name="Рисунок 6">
-            <a:extLst>
-              <a:ext uri="{FF2B5EF4-FFF2-40B4-BE49-F238E27FC236}">
-                <a16:creationId xmlns:a16="http://schemas.microsoft.com/office/drawing/2014/main" id="{FB2BB874-D277-1B7A-E925-0498116431BE}"/>
-              </a:ext>
-            </a:extLst>
-          </p:cNvPr>
-          <p:cNvPicPr>
-            <a:picLocks noChangeAspect="1"/>
-          </p:cNvPicPr>
-          <p:nvPr/>
-        </p:nvPicPr>
-        <p:blipFill>
-          <a:blip r:embed="rId2"/>
-          <a:stretch>
-            <a:fillRect/>
-          </a:stretch>
-        </p:blipFill>
-        <p:spPr>
-          <a:xfrm>
-            <a:off x="2380970" y="367648"/>
-            <a:ext cx="6881098" cy="4408203"/>
-          </a:xfrm>
-          <a:prstGeom prst="rect">
-            <a:avLst/>
-          </a:prstGeom>
-        </p:spPr>
-      </p:pic>
-      <p:sp>
-        <p:nvSpPr>
-          <p:cNvPr id="8" name="Номер слайда 7">
-            <a:extLst>
-              <a:ext uri="{FF2B5EF4-FFF2-40B4-BE49-F238E27FC236}">
-                <a16:creationId xmlns:a16="http://schemas.microsoft.com/office/drawing/2014/main" id="{6F6168D5-BB3B-37DB-EDC0-6BB4C11D5DC8}"/>
-              </a:ext>
-            </a:extLst>
-          </p:cNvPr>
-          <p:cNvSpPr>
-            <a:spLocks noGrp="1"/>
-          </p:cNvSpPr>
-          <p:nvPr>
-            <p:ph type="sldNum" sz="quarter" idx="12"/>
-          </p:nvPr>
-        </p:nvSpPr>
-        <p:spPr/>
-        <p:txBody>
-          <a:bodyPr/>
-          <a:lstStyle/>
-          <a:p>
-            <a:fld id="{C5EF2332-01BF-834F-8236-50238282D533}" type="slidenum">
-              <a:rPr lang="en-US" smtClean="0"/>
-              <a:t>10</a:t>
-            </a:fld>
-            <a:endParaRPr lang="en-US"/>
+            <a:pPr lvl="0" indent="0" marL="0">
+              <a:spcBef>
+                <a:spcPts val="3000"/>
+              </a:spcBef>
+              <a:buNone/>
+            </a:pPr>
+            <a:r>
+              <a:rPr b="1"/>
+              <a:t>Production-ready решение</a:t>
+            </a:r>
+          </a:p>
+          <a:p>
+            <a:pPr lvl="0" indent="0">
+              <a:buNone/>
+            </a:pPr>
+            <a:r>
+              <a:rPr i="1">
+                <a:solidFill>
+                  <a:srgbClr val="60A0B0"/>
+                </a:solidFill>
+                <a:latin typeface="Courier"/>
+              </a:rPr>
+              <a:t># Простой API</a:t>
+            </a:r>
+            <a:br/>
+            <a:r>
+              <a:rPr>
+                <a:latin typeface="Courier"/>
+              </a:rPr>
+              <a:t>python train.py </a:t>
+            </a:r>
+            <a:r>
+              <a:rPr>
+                <a:solidFill>
+                  <a:srgbClr val="666666"/>
+                </a:solidFill>
+                <a:latin typeface="Courier"/>
+              </a:rPr>
+              <a:t>--</a:t>
+            </a:r>
+            <a:r>
+              <a:rPr>
+                <a:latin typeface="Courier"/>
+              </a:rPr>
+              <a:t>train</a:t>
+            </a:r>
+            <a:r>
+              <a:rPr>
+                <a:solidFill>
+                  <a:srgbClr val="666666"/>
+                </a:solidFill>
+                <a:latin typeface="Courier"/>
+              </a:rPr>
+              <a:t>-</a:t>
+            </a:r>
+            <a:r>
+              <a:rPr>
+                <a:latin typeface="Courier"/>
+              </a:rPr>
+              <a:t>candles data.csv</a:t>
+            </a:r>
+            <a:br/>
+            <a:r>
+              <a:rPr>
+                <a:latin typeface="Courier"/>
+              </a:rPr>
+              <a:t>python predict.py </a:t>
+            </a:r>
+            <a:r>
+              <a:rPr>
+                <a:solidFill>
+                  <a:srgbClr val="666666"/>
+                </a:solidFill>
+                <a:latin typeface="Courier"/>
+              </a:rPr>
+              <a:t>--</a:t>
+            </a:r>
+            <a:r>
+              <a:rPr>
+                <a:latin typeface="Courier"/>
+              </a:rPr>
+              <a:t>output submission.csv</a:t>
+            </a:r>
+            <a:br/>
+            <a:br/>
+            <a:r>
+              <a:rPr i="1">
+                <a:solidFill>
+                  <a:srgbClr val="60A0B0"/>
+                </a:solidFill>
+                <a:latin typeface="Courier"/>
+              </a:rPr>
+              <a:t># 3 команды до результата</a:t>
+            </a:r>
+            <a:br/>
+            <a:r>
+              <a:rPr>
+                <a:latin typeface="Courier"/>
+              </a:rPr>
+              <a:t>pip install </a:t>
+            </a:r>
+            <a:r>
+              <a:rPr>
+                <a:solidFill>
+                  <a:srgbClr val="666666"/>
+                </a:solidFill>
+                <a:latin typeface="Courier"/>
+              </a:rPr>
+              <a:t>-</a:t>
+            </a:r>
+            <a:r>
+              <a:rPr>
+                <a:latin typeface="Courier"/>
+              </a:rPr>
+              <a:t>r requirements.txt</a:t>
+            </a:r>
+            <a:br/>
+            <a:r>
+              <a:rPr>
+                <a:latin typeface="Courier"/>
+              </a:rPr>
+              <a:t>python train.py</a:t>
+            </a:r>
+            <a:br/>
+            <a:r>
+              <a:rPr>
+                <a:latin typeface="Courier"/>
+              </a:rPr>
+              <a:t>python predict.py</a:t>
+            </a:r>
+          </a:p>
+          <a:p>
+            <a:pPr lvl="0" indent="0" marL="0">
+              <a:spcBef>
+                <a:spcPts val="3000"/>
+              </a:spcBef>
+              <a:buNone/>
+            </a:pPr>
+            <a:r>
+              <a:rPr b="1"/>
+              <a:t>Интерпретируемость</a:t>
+            </a:r>
+          </a:p>
+          <a:p>
+            <a:pPr lvl="0" indent="0" marL="0">
+              <a:buNone/>
+            </a:pPr>
+            <a:r>
+              <a:rPr b="1"/>
+              <a:t>Используемые признаки</a:t>
+            </a:r>
+            <a:r>
+              <a:rPr/>
+              <a:t>: - Моментум (доходности за 1, 5, 10, 20 дней) - Технические индикаторы (RSI, MACD, Bollinger Bands) - Скользящие средние и дистанции до них - Волатильность и объемы - Новостной контекст (количество новостей)</a:t>
+            </a:r>
           </a:p>
         </p:txBody>
       </p:sp>
     </p:spTree>
   </p:cSld>
-  <p:clrMapOvr>
-    <a:masterClrMapping/>
-  </p:clrMapOvr>
 </p:sld>
 </file>
 
@@ -3904,59 +3397,24 @@
           <a:bodyPr/>
           <a:lstStyle/>
           <a:p>
-            <a:pPr marL="0" lvl="0" indent="0">
-              <a:buNone/>
-            </a:pPr>
-            <a:r>
-              <a:t>🙏 Спасибо за внимание!</a:t>
-            </a:r>
-          </a:p>
-        </p:txBody>
-      </p:sp>
-      <p:pic>
-        <p:nvPicPr>
-          <p:cNvPr id="6" name="Рисунок 5">
-            <a:extLst>
-              <a:ext uri="{FF2B5EF4-FFF2-40B4-BE49-F238E27FC236}">
-                <a16:creationId xmlns:a16="http://schemas.microsoft.com/office/drawing/2014/main" id="{B436C0D3-7653-5B0F-3AAF-0A68F8E16649}"/>
-              </a:ext>
-            </a:extLst>
-          </p:cNvPr>
-          <p:cNvPicPr>
-            <a:picLocks noChangeAspect="1"/>
-          </p:cNvPicPr>
-          <p:nvPr/>
-        </p:nvPicPr>
-        <p:blipFill>
-          <a:blip r:embed="rId2"/>
-          <a:stretch>
-            <a:fillRect/>
-          </a:stretch>
-        </p:blipFill>
-        <p:spPr>
-          <a:xfrm>
-            <a:off x="685800" y="1600020"/>
-            <a:ext cx="7772400" cy="3028681"/>
-          </a:xfrm>
-          <a:prstGeom prst="rect">
-            <a:avLst/>
-          </a:prstGeom>
-        </p:spPr>
-      </p:pic>
-      <p:sp>
-        <p:nvSpPr>
-          <p:cNvPr id="7" name="Номер слайда 6">
-            <a:extLst>
-              <a:ext uri="{FF2B5EF4-FFF2-40B4-BE49-F238E27FC236}">
-                <a16:creationId xmlns:a16="http://schemas.microsoft.com/office/drawing/2014/main" id="{5FDC0838-00DF-F64C-B99C-2CFBA522F71C}"/>
-              </a:ext>
-            </a:extLst>
-          </p:cNvPr>
-          <p:cNvSpPr>
-            <a:spLocks noGrp="1"/>
-          </p:cNvSpPr>
-          <p:nvPr>
-            <p:ph type="sldNum" sz="quarter" idx="12"/>
+            <a:pPr lvl="0" indent="0" marL="0">
+              <a:buNone/>
+            </a:pPr>
+            <a:r>
+              <a:rPr/>
+              <a:t>6. 💡 Уникальность / Вклад</a:t>
+            </a:r>
+          </a:p>
+        </p:txBody>
+      </p:sp>
+      <p:sp>
+        <p:nvSpPr>
+          <p:cNvPr id="3" name="Content Placeholder 2"/>
+          <p:cNvSpPr>
+            <a:spLocks noGrp="1"/>
+          </p:cNvSpPr>
+          <p:nvPr>
+            <p:ph idx="1"/>
           </p:nvPr>
         </p:nvSpPr>
         <p:spPr/>
@@ -3964,19 +3422,243 @@
           <a:bodyPr/>
           <a:lstStyle/>
           <a:p>
-            <a:fld id="{C5EF2332-01BF-834F-8236-50238282D533}" type="slidenum">
-              <a:rPr lang="en-US" smtClean="0"/>
-              <a:t>11</a:t>
-            </a:fld>
-            <a:endParaRPr lang="en-US"/>
+            <a:pPr lvl="0" indent="0" marL="0">
+              <a:spcBef>
+                <a:spcPts val="3000"/>
+              </a:spcBef>
+              <a:buNone/>
+            </a:pPr>
+            <a:r>
+              <a:rPr b="1"/>
+              <a:t>Оригинальная идея: Извлечение тикеров</a:t>
+            </a:r>
+          </a:p>
+          <a:p>
+            <a:pPr lvl="0" indent="0" marL="0">
+              <a:spcBef>
+                <a:spcPts val="3000"/>
+              </a:spcBef>
+              <a:buNone/>
+            </a:pPr>
+            <a:r>
+              <a:rPr b="1"/>
+              <a:t>Проблема</a:t>
+            </a:r>
+          </a:p>
+          <a:p>
+            <a:pPr lvl="0" indent="0" marL="0">
+              <a:buNone/>
+            </a:pPr>
+            <a:r>
+              <a:rPr/>
+              <a:t>Колонка </a:t>
+            </a:r>
+            <a:r>
+              <a:rPr>
+                <a:latin typeface="Courier"/>
+              </a:rPr>
+              <a:t>ticker</a:t>
+            </a:r>
+            <a:r>
+              <a:rPr/>
+              <a:t> может отсутствовать в датасете ⚠️</a:t>
+            </a:r>
+          </a:p>
+          <a:p>
+            <a:pPr lvl="0" indent="0" marL="0">
+              <a:spcBef>
+                <a:spcPts val="3000"/>
+              </a:spcBef>
+              <a:buNone/>
+            </a:pPr>
+            <a:r>
+              <a:rPr b="1"/>
+              <a:t>Наше решение ✨</a:t>
+            </a:r>
+          </a:p>
+          <a:p>
+            <a:pPr lvl="0" indent="0" marL="0">
+              <a:buNone/>
+            </a:pPr>
+            <a:r>
+              <a:rPr b="1"/>
+              <a:t>Двухэтапный подход:</a:t>
+            </a:r>
+          </a:p>
+          <a:p>
+            <a:pPr lvl="0" indent="0" marL="0">
+              <a:spcBef>
+                <a:spcPts val="3000"/>
+              </a:spcBef>
+              <a:buNone/>
+            </a:pPr>
+            <a:r>
+              <a:rPr b="1"/>
+              <a:t>Этап 1: Regex для новостей</a:t>
+            </a:r>
+          </a:p>
+          <a:p>
+            <a:pPr lvl="0" indent="0">
+              <a:buNone/>
+            </a:pPr>
+            <a:r>
+              <a:rPr i="1">
+                <a:solidFill>
+                  <a:srgbClr val="60A0B0"/>
+                </a:solidFill>
+                <a:latin typeface="Courier"/>
+              </a:rPr>
+              <a:t># Поиск прямых упоминаний: SBER, GAZP, LKOH...</a:t>
+            </a:r>
+            <a:br/>
+            <a:r>
+              <a:rPr i="1">
+                <a:solidFill>
+                  <a:srgbClr val="60A0B0"/>
+                </a:solidFill>
+                <a:latin typeface="Courier"/>
+              </a:rPr>
+              <a:t># Поиск по названиям: "Сбербанк" → SBER</a:t>
+            </a:r>
+            <a:br/>
+            <a:r>
+              <a:rPr i="1">
+                <a:solidFill>
+                  <a:srgbClr val="60A0B0"/>
+                </a:solidFill>
+                <a:latin typeface="Courier"/>
+              </a:rPr>
+              <a:t># Результат: 97% новостей с извлеченными тикерами</a:t>
+            </a:r>
+          </a:p>
+          <a:p>
+            <a:pPr lvl="0" indent="0" marL="0">
+              <a:spcBef>
+                <a:spcPts val="3000"/>
+              </a:spcBef>
+              <a:buNone/>
+            </a:pPr>
+            <a:r>
+              <a:rPr b="1"/>
+              <a:t>Этап 2: K-Means для котировок</a:t>
+            </a:r>
+          </a:p>
+          <a:p>
+            <a:pPr lvl="0" indent="0">
+              <a:buNone/>
+            </a:pPr>
+            <a:r>
+              <a:rPr i="1">
+                <a:solidFill>
+                  <a:srgbClr val="60A0B0"/>
+                </a:solidFill>
+                <a:latin typeface="Courier"/>
+              </a:rPr>
+              <a:t># Кластеризация по:</a:t>
+            </a:r>
+            <a:br/>
+            <a:r>
+              <a:rPr i="1">
+                <a:solidFill>
+                  <a:srgbClr val="60A0B0"/>
+                </a:solidFill>
+                <a:latin typeface="Courier"/>
+              </a:rPr>
+              <a:t>#   - Средняя цена (сглаженная)</a:t>
+            </a:r>
+            <a:br/>
+            <a:r>
+              <a:rPr i="1">
+                <a:solidFill>
+                  <a:srgbClr val="60A0B0"/>
+                </a:solidFill>
+                <a:latin typeface="Courier"/>
+              </a:rPr>
+              <a:t>#   - Логарифм объема</a:t>
+            </a:r>
+            <a:br/>
+            <a:r>
+              <a:rPr i="1">
+                <a:solidFill>
+                  <a:srgbClr val="60A0B0"/>
+                </a:solidFill>
+                <a:latin typeface="Courier"/>
+              </a:rPr>
+              <a:t>#   - Волатильность</a:t>
+            </a:r>
+            <a:br/>
+            <a:r>
+              <a:rPr i="1">
+                <a:solidFill>
+                  <a:srgbClr val="60A0B0"/>
+                </a:solidFill>
+                <a:latin typeface="Courier"/>
+              </a:rPr>
+              <a:t># Присвоение тикеров кластерам</a:t>
+            </a:r>
+          </a:p>
+          <a:p>
+            <a:pPr lvl="0" indent="0" marL="0">
+              <a:buNone/>
+            </a:pPr>
+            <a:r>
+              <a:rPr b="1"/>
+              <a:t>Эффект</a:t>
+            </a:r>
+            <a:r>
+              <a:rPr/>
+              <a:t>: Позволило корректно работать с данными без колонки ticker ✅</a:t>
+            </a:r>
+          </a:p>
+          <a:p>
+            <a:pPr lvl="0" indent="0" marL="0">
+              <a:spcBef>
+                <a:spcPts val="3000"/>
+              </a:spcBef>
+              <a:buNone/>
+            </a:pPr>
+            <a:r>
+              <a:rPr b="1"/>
+              <a:t>Дополнительная уникальность</a:t>
+            </a:r>
+          </a:p>
+          <a:p>
+            <a:pPr lvl="0"/>
+            <a:r>
+              <a:rPr b="1"/>
+              <a:t>Отдельные модели на горизонт</a:t>
+            </a:r>
+            <a:r>
+              <a:rPr/>
+              <a:t>: специализация вместо one-size-fits-all</a:t>
+            </a:r>
+          </a:p>
+          <a:p>
+            <a:pPr lvl="0"/>
+            <a:r>
+              <a:rPr b="1"/>
+              <a:t>Fallback на sklearn</a:t>
+            </a:r>
+            <a:r>
+              <a:rPr/>
+              <a:t>: работает даже без LightGBM</a:t>
+            </a:r>
+          </a:p>
+          <a:p>
+            <a:pPr lvl="0"/>
+            <a:r>
+              <a:rPr b="1"/>
+              <a:t>CLI интерфейс</a:t>
+            </a:r>
+            <a:r>
+              <a:rPr/>
+              <a:t>: гибкая конфигурация через аргументы</a:t>
+            </a:r>
           </a:p>
         </p:txBody>
       </p:sp>
     </p:spTree>
   </p:cSld>
-  <p:clrMapOvr>
-    <a:masterClrMapping/>
-  </p:clrMapOvr>
 </p:sld>
 </file>
 
@@ -4007,75 +3689,29 @@
             <p:ph type="title"/>
           </p:nvPr>
         </p:nvSpPr>
-        <p:spPr>
-          <a:xfrm>
-            <a:off x="457201" y="204787"/>
-            <a:ext cx="3008313" cy="871538"/>
-          </a:xfrm>
-        </p:spPr>
+        <p:spPr/>
         <p:txBody>
           <a:bodyPr/>
           <a:lstStyle/>
           <a:p>
-            <a:pPr marL="0" lvl="0" indent="0">
-              <a:buNone/>
-            </a:pPr>
-            <a:r>
-              <a:rPr dirty="0"/>
-              <a:t>📎 Backup </a:t>
-            </a:r>
-            <a:r>
-              <a:rPr dirty="0" err="1"/>
-              <a:t>слайды</a:t>
-            </a:r>
-            <a:endParaRPr dirty="0"/>
-          </a:p>
-        </p:txBody>
-      </p:sp>
-      <p:pic>
-        <p:nvPicPr>
-          <p:cNvPr id="9" name="Рисунок 8">
-            <a:extLst>
-              <a:ext uri="{FF2B5EF4-FFF2-40B4-BE49-F238E27FC236}">
-                <a16:creationId xmlns:a16="http://schemas.microsoft.com/office/drawing/2014/main" id="{2A70F0A8-3E46-9467-183B-98BD69CB0404}"/>
-              </a:ext>
-            </a:extLst>
-          </p:cNvPr>
-          <p:cNvPicPr>
-            <a:picLocks noChangeAspect="1"/>
-          </p:cNvPicPr>
-          <p:nvPr/>
-        </p:nvPicPr>
-        <p:blipFill>
-          <a:blip r:embed="rId2"/>
-          <a:stretch>
-            <a:fillRect/>
-          </a:stretch>
-        </p:blipFill>
-        <p:spPr>
-          <a:xfrm>
-            <a:off x="2111823" y="0"/>
-            <a:ext cx="7593216" cy="5143500"/>
-          </a:xfrm>
-          <a:prstGeom prst="rect">
-            <a:avLst/>
-          </a:prstGeom>
-        </p:spPr>
-      </p:pic>
-      <p:sp>
-        <p:nvSpPr>
-          <p:cNvPr id="10" name="Номер слайда 9">
-            <a:extLst>
-              <a:ext uri="{FF2B5EF4-FFF2-40B4-BE49-F238E27FC236}">
-                <a16:creationId xmlns:a16="http://schemas.microsoft.com/office/drawing/2014/main" id="{5D0962E4-15ED-9722-1633-9F0F6E444E30}"/>
-              </a:ext>
-            </a:extLst>
-          </p:cNvPr>
-          <p:cNvSpPr>
-            <a:spLocks noGrp="1"/>
-          </p:cNvSpPr>
-          <p:nvPr>
-            <p:ph type="sldNum" sz="quarter" idx="12"/>
+            <a:pPr lvl="0" indent="0" marL="0">
+              <a:buNone/>
+            </a:pPr>
+            <a:r>
+              <a:rPr/>
+              <a:t>7. 🎓 Выводы и ограничения</a:t>
+            </a:r>
+          </a:p>
+        </p:txBody>
+      </p:sp>
+      <p:sp>
+        <p:nvSpPr>
+          <p:cNvPr id="3" name="Content Placeholder 2"/>
+          <p:cNvSpPr>
+            <a:spLocks noGrp="1"/>
+          </p:cNvSpPr>
+          <p:nvPr>
+            <p:ph idx="1"/>
           </p:nvPr>
         </p:nvSpPr>
         <p:spPr/>
@@ -4083,19 +3719,317 @@
           <a:bodyPr/>
           <a:lstStyle/>
           <a:p>
-            <a:fld id="{C5EF2332-01BF-834F-8236-50238282D533}" type="slidenum">
-              <a:rPr lang="en-US" smtClean="0"/>
-              <a:t>12</a:t>
-            </a:fld>
-            <a:endParaRPr lang="en-US"/>
+            <a:pPr lvl="0" indent="0" marL="0">
+              <a:spcBef>
+                <a:spcPts val="3000"/>
+              </a:spcBef>
+              <a:buNone/>
+            </a:pPr>
+            <a:r>
+              <a:rPr b="1"/>
+              <a:t>Что реализовано ✅</a:t>
+            </a:r>
+          </a:p>
+          <a:p>
+            <a:pPr lvl="0" indent="-342900" marL="342900">
+              <a:buAutoNum type="arabicPeriod"/>
+            </a:pPr>
+            <a:r>
+              <a:rPr b="1"/>
+              <a:t>H1</a:t>
+            </a:r>
+            <a:r>
+              <a:rPr/>
+              <a:t>: Используется моментум (доходности на разных окнах)</a:t>
+            </a:r>
+          </a:p>
+          <a:p>
+            <a:pPr lvl="0" indent="-342900" marL="342900">
+              <a:buAutoNum type="arabicPeriod"/>
+            </a:pPr>
+            <a:r>
+              <a:rPr b="1"/>
+              <a:t>H2</a:t>
+            </a:r>
+            <a:r>
+              <a:rPr/>
+              <a:t>: Технические индикаторы (RSI, MACD, Bollinger Bands)</a:t>
+            </a:r>
+          </a:p>
+          <a:p>
+            <a:pPr lvl="0" indent="-342900" marL="342900">
+              <a:buAutoNum type="arabicPeriod"/>
+            </a:pPr>
+            <a:r>
+              <a:rPr b="1"/>
+              <a:t>H3</a:t>
+            </a:r>
+            <a:r>
+              <a:rPr/>
+              <a:t>: Учтены новости (агрегация по дням)</a:t>
+            </a:r>
+          </a:p>
+          <a:p>
+            <a:pPr lvl="0" indent="-342900" marL="342900">
+              <a:buAutoNum type="arabicPeriod"/>
+            </a:pPr>
+            <a:r>
+              <a:rPr b="1"/>
+              <a:t>H4</a:t>
+            </a:r>
+            <a:r>
+              <a:rPr/>
+              <a:t>: Специализация - 20 отдельных моделей на горизонты</a:t>
+            </a:r>
+          </a:p>
+          <a:p>
+            <a:pPr lvl="0" indent="0" marL="0">
+              <a:spcBef>
+                <a:spcPts val="3000"/>
+              </a:spcBef>
+              <a:buNone/>
+            </a:pPr>
+            <a:r>
+              <a:rPr b="1"/>
+              <a:t>Основные достижения</a:t>
+            </a:r>
+          </a:p>
+          <a:p>
+            <a:pPr lvl="0"/>
+            <a:r>
+              <a:rPr/>
+              <a:t>✅ </a:t>
+            </a:r>
+            <a:r>
+              <a:rPr b="1"/>
+              <a:t>Эмпирическая строгость</a:t>
+            </a:r>
+            <a:r>
+              <a:rPr/>
+              <a:t>: нет утечек, корректная валидация</a:t>
+            </a:r>
+          </a:p>
+          <a:p>
+            <a:pPr lvl="0"/>
+            <a:r>
+              <a:rPr/>
+              <a:t>✅ </a:t>
+            </a:r>
+            <a:r>
+              <a:rPr b="1"/>
+              <a:t>Эффективность</a:t>
+            </a:r>
+            <a:r>
+              <a:rPr/>
+              <a:t>: &lt; 1 мин обучение, ~2-3 GB RAM</a:t>
+            </a:r>
+          </a:p>
+          <a:p>
+            <a:pPr lvl="0"/>
+            <a:r>
+              <a:rPr/>
+              <a:t>✅ </a:t>
+            </a:r>
+            <a:r>
+              <a:rPr b="1"/>
+              <a:t>Уникальность</a:t>
+            </a:r>
+            <a:r>
+              <a:rPr/>
+              <a:t>: извлечение тикеров (regex + K-Means)</a:t>
+            </a:r>
+          </a:p>
+          <a:p>
+            <a:pPr lvl="0"/>
+            <a:r>
+              <a:rPr/>
+              <a:t>✅ </a:t>
+            </a:r>
+            <a:r>
+              <a:rPr b="1"/>
+              <a:t>Применимость</a:t>
+            </a:r>
+            <a:r>
+              <a:rPr/>
+              <a:t>: production-ready, CLI, документация</a:t>
+            </a:r>
+          </a:p>
+          <a:p>
+            <a:pPr lvl="0"/>
+            <a:r>
+              <a:rPr/>
+              <a:t>✅ </a:t>
+            </a:r>
+            <a:r>
+              <a:rPr b="1"/>
+              <a:t>Калибровка</a:t>
+            </a:r>
+            <a:r>
+              <a:rPr/>
+              <a:t>: адекватное распределение вероятностей</a:t>
+            </a:r>
+          </a:p>
+          <a:p>
+            <a:pPr lvl="0" indent="0" marL="0">
+              <a:spcBef>
+                <a:spcPts val="3000"/>
+              </a:spcBef>
+              <a:buNone/>
+            </a:pPr>
+            <a:r>
+              <a:rPr b="1"/>
+              <a:t>Ограничения и будущая работа</a:t>
+            </a:r>
+          </a:p>
+          <a:p>
+            <a:pPr lvl="0" indent="0" marL="0">
+              <a:spcBef>
+                <a:spcPts val="3000"/>
+              </a:spcBef>
+              <a:buNone/>
+            </a:pPr>
+            <a:r>
+              <a:rPr b="1"/>
+              <a:t>Текущие ограничения:</a:t>
+            </a:r>
+          </a:p>
+          <a:p>
+            <a:pPr lvl="0" indent="-342900" marL="342900">
+              <a:buAutoNum type="arabicPeriod"/>
+            </a:pPr>
+            <a:r>
+              <a:rPr b="1"/>
+              <a:t>Базовый NLP</a:t>
+            </a:r>
+            <a:r>
+              <a:rPr/>
+              <a:t>: используем только агрегации новостей</a:t>
+            </a:r>
+          </a:p>
+          <a:p>
+            <a:pPr lvl="1"/>
+            <a:r>
+              <a:rPr/>
+              <a:t>Нет эмбеддингов (BERT/ruBERT)</a:t>
+            </a:r>
+          </a:p>
+          <a:p>
+            <a:pPr lvl="1"/>
+            <a:r>
+              <a:rPr/>
+              <a:t>Простой sentiment на ключевых словах</a:t>
+            </a:r>
+          </a:p>
+          <a:p>
+            <a:pPr lvl="0" indent="-342900" marL="342900">
+              <a:buAutoNum type="arabicPeriod"/>
+            </a:pPr>
+            <a:r>
+              <a:rPr b="1"/>
+              <a:t>Нет cross-ticker features</a:t>
+            </a:r>
+            <a:r>
+              <a:rPr/>
+              <a:t>: не учитываем корреляции между акциями</a:t>
+            </a:r>
+          </a:p>
+          <a:p>
+            <a:pPr lvl="0" indent="-342900" marL="342900">
+              <a:buAutoNum type="arabicPeriod"/>
+            </a:pPr>
+            <a:r>
+              <a:rPr b="1"/>
+              <a:t>Стационарная валидация</a:t>
+            </a:r>
+            <a:r>
+              <a:rPr/>
+              <a:t>: нет rolling window</a:t>
+            </a:r>
+          </a:p>
+          <a:p>
+            <a:pPr lvl="0" indent="0" marL="0">
+              <a:spcBef>
+                <a:spcPts val="3000"/>
+              </a:spcBef>
+              <a:buNone/>
+            </a:pPr>
+            <a:r>
+              <a:rPr b="1"/>
+              <a:t>Следующие шаги:</a:t>
+            </a:r>
+          </a:p>
+          <a:p>
+            <a:pPr lvl="0" indent="-342900" marL="342900">
+              <a:buAutoNum type="arabicPeriod"/>
+            </a:pPr>
+            <a:r>
+              <a:rPr/>
+              <a:t>🔄 </a:t>
+            </a:r>
+            <a:r>
+              <a:rPr b="1"/>
+              <a:t>BERT для новостей</a:t>
+            </a:r>
+            <a:r>
+              <a:rPr/>
+              <a:t> → улучшение анализа текста</a:t>
+            </a:r>
+          </a:p>
+          <a:p>
+            <a:pPr lvl="0" indent="-342900" marL="342900">
+              <a:buAutoNum type="arabicPeriod"/>
+            </a:pPr>
+            <a:r>
+              <a:rPr/>
+              <a:t>🔄 </a:t>
+            </a:r>
+            <a:r>
+              <a:rPr b="1"/>
+              <a:t>Cross-ticker correlations</a:t>
+            </a:r>
+            <a:r>
+              <a:rPr/>
+              <a:t> → учет взаимосвязей</a:t>
+            </a:r>
+          </a:p>
+          <a:p>
+            <a:pPr lvl="0" indent="-342900" marL="342900">
+              <a:buAutoNum type="arabicPeriod"/>
+            </a:pPr>
+            <a:r>
+              <a:rPr/>
+              <a:t>🔄 </a:t>
+            </a:r>
+            <a:r>
+              <a:rPr b="1"/>
+              <a:t>Market regime detection</a:t>
+            </a:r>
+            <a:r>
+              <a:rPr/>
+              <a:t> → адаптация к волатильности</a:t>
+            </a:r>
+          </a:p>
+          <a:p>
+            <a:pPr lvl="0" indent="-342900" marL="342900">
+              <a:buAutoNum type="arabicPeriod"/>
+            </a:pPr>
+            <a:r>
+              <a:rPr/>
+              <a:t>🔄 </a:t>
+            </a:r>
+            <a:r>
+              <a:rPr b="1"/>
+              <a:t>Ансамблирование</a:t>
+            </a:r>
+            <a:r>
+              <a:rPr/>
+              <a:t> (LightGBM + XGBoost + CatBoost)</a:t>
+            </a:r>
           </a:p>
         </p:txBody>
       </p:sp>
     </p:spTree>
   </p:cSld>
-  <p:clrMapOvr>
-    <a:masterClrMapping/>
-  </p:clrMapOvr>
 </p:sld>
 </file>
 
@@ -4116,70 +4050,1152 @@
           <a:chExt cx="0" cy="0"/>
         </a:xfrm>
       </p:grpSpPr>
-      <p:pic>
-        <p:nvPicPr>
-          <p:cNvPr id="5" name="Рисунок 4">
-            <a:extLst>
-              <a:ext uri="{FF2B5EF4-FFF2-40B4-BE49-F238E27FC236}">
-                <a16:creationId xmlns:a16="http://schemas.microsoft.com/office/drawing/2014/main" id="{1367E470-C6C9-C108-3AB9-A19496421DE8}"/>
-              </a:ext>
-            </a:extLst>
-          </p:cNvPr>
-          <p:cNvPicPr>
-            <a:picLocks noChangeAspect="1"/>
-          </p:cNvPicPr>
-          <p:nvPr/>
-        </p:nvPicPr>
-        <p:blipFill>
-          <a:blip r:embed="rId2"/>
-          <a:stretch>
-            <a:fillRect/>
-          </a:stretch>
-        </p:blipFill>
+      <p:sp>
+        <p:nvSpPr>
+          <p:cNvPr id="2" name="Title 1"/>
+          <p:cNvSpPr>
+            <a:spLocks noGrp="1"/>
+          </p:cNvSpPr>
+          <p:nvPr>
+            <p:ph type="title"/>
+          </p:nvPr>
+        </p:nvSpPr>
         <p:spPr>
           <a:xfrm>
-            <a:off x="896815" y="1493792"/>
-            <a:ext cx="7772400" cy="2155915"/>
+            <a:off x="457201" y="204787"/>
+            <a:ext cx="3008313" cy="871538"/>
           </a:xfrm>
-          <a:prstGeom prst="rect">
-            <a:avLst/>
-          </a:prstGeom>
         </p:spPr>
-      </p:pic>
-      <p:sp>
-        <p:nvSpPr>
-          <p:cNvPr id="6" name="Номер слайда 5">
-            <a:extLst>
-              <a:ext uri="{FF2B5EF4-FFF2-40B4-BE49-F238E27FC236}">
-                <a16:creationId xmlns:a16="http://schemas.microsoft.com/office/drawing/2014/main" id="{CFAB65DA-9E2B-8BAF-1337-D98E5A95D0C1}"/>
-              </a:ext>
-            </a:extLst>
-          </p:cNvPr>
-          <p:cNvSpPr>
-            <a:spLocks noGrp="1"/>
-          </p:cNvSpPr>
-          <p:nvPr>
-            <p:ph type="sldNum" sz="quarter" idx="12"/>
-          </p:nvPr>
-        </p:nvSpPr>
-        <p:spPr/>
         <p:txBody>
           <a:bodyPr/>
           <a:lstStyle/>
           <a:p>
-            <a:fld id="{C5EF2332-01BF-834F-8236-50238282D533}" type="slidenum">
-              <a:rPr lang="en-US" smtClean="0"/>
-              <a:t>13</a:t>
-            </a:fld>
-            <a:endParaRPr lang="en-US"/>
-          </a:p>
-        </p:txBody>
-      </p:sp>
+            <a:pPr lvl="0" indent="0" marL="0">
+              <a:buNone/>
+            </a:pPr>
+            <a:r>
+              <a:rPr/>
+              <a:t>📊 Итоговая сводка (1 слайд)</a:t>
+            </a:r>
+          </a:p>
+        </p:txBody>
+      </p:sp>
+      <p:sp>
+        <p:nvSpPr>
+          <p:cNvPr id="4" name="Text Placeholder 3"/>
+          <p:cNvSpPr>
+            <a:spLocks noGrp="1"/>
+          </p:cNvSpPr>
+          <p:nvPr>
+            <p:ph idx="2" sz="half" type="body"/>
+          </p:nvPr>
+        </p:nvSpPr>
+        <p:spPr/>
+        <p:txBody>
+          <a:bodyPr/>
+          <a:lstStyle/>
+          <a:p>
+            <a:pPr lvl="0" indent="0" marL="0">
+              <a:spcBef>
+                <a:spcPts val="3000"/>
+              </a:spcBef>
+              <a:buNone/>
+            </a:pPr>
+            <a:r>
+              <a:rPr b="1"/>
+              <a:t>Решение FORECAST</a:t>
+            </a:r>
+          </a:p>
+        </p:txBody>
+      </p:sp>
+      <p:graphicFrame>
+        <p:nvGraphicFramePr>
+          <p:cNvPr id="6" name="Content Placeholder 5"/>
+          <p:cNvGraphicFramePr>
+            <a:graphicFrameLocks noGrp="1"/>
+          </p:cNvGraphicFramePr>
+          <p:nvPr>
+            <p:ph idx="1"/>
+          </p:nvPr>
+        </p:nvGraphicFramePr>
+        <p:xfrm>
+          <a:off x="3568700" y="203200"/>
+          <a:ext cx="5105400" cy="4381500"/>
+        </p:xfrm>
+        <a:graphic>
+          <a:graphicData uri="http://schemas.openxmlformats.org/drawingml/2006/table">
+            <a:tbl>
+              <a:tblPr firstRow="1" bandRow="1">
+                <a:tableStyleId>{5C22544A-7EE6-4342-B048-85BDC9FD1C3A}</a:tableStyleId>
+              </a:tblPr>
+              <a:tblGrid>
+                <a:gridCol w="1549400"/>
+                <a:gridCol w="1854200"/>
+                <a:gridCol w="1701800"/>
+              </a:tblGrid>
+              <a:tr h="0">
+                <a:tc>
+                  <a:txBody>
+                    <a:bodyPr/>
+                    <a:lstStyle/>
+                    <a:p>
+                      <a:pPr lvl="0" indent="0" marL="0">
+                        <a:buNone/>
+                      </a:pPr>
+                      <a:r>
+                        <a:rPr/>
+                        <a:t>Критерий</a:t>
+                      </a:r>
+                    </a:p>
+                  </a:txBody>
+                  <a:tcPr/>
+                </a:tc>
+                <a:tc>
+                  <a:txBody>
+                    <a:bodyPr/>
+                    <a:lstStyle/>
+                    <a:p>
+                      <a:pPr lvl="0" indent="0" marL="0">
+                        <a:buNone/>
+                      </a:pPr>
+                      <a:r>
+                        <a:rPr/>
+                        <a:t>Наш подход</a:t>
+                      </a:r>
+                    </a:p>
+                  </a:txBody>
+                  <a:tcPr/>
+                </a:tc>
+                <a:tc>
+                  <a:txBody>
+                    <a:bodyPr/>
+                    <a:lstStyle/>
+                    <a:p>
+                      <a:pPr lvl="0" indent="0" marL="0">
+                        <a:buNone/>
+                      </a:pPr>
+                      <a:r>
+                        <a:rPr/>
+                        <a:t>Результат</a:t>
+                      </a:r>
+                    </a:p>
+                  </a:txBody>
+                  <a:tcPr/>
+                </a:tc>
+              </a:tr>
+              <a:tr h="0">
+                <a:tc>
+                  <a:txBody>
+                    <a:bodyPr/>
+                    <a:lstStyle/>
+                    <a:p>
+                      <a:pPr lvl="0" indent="0" marL="0">
+                        <a:buNone/>
+                      </a:pPr>
+                      <a:r>
+                        <a:rPr b="1"/>
+                        <a:t>Эмпирическая строгость</a:t>
+                      </a:r>
+                    </a:p>
+                  </a:txBody>
+                </a:tc>
+                <a:tc>
+                  <a:txBody>
+                    <a:bodyPr/>
+                    <a:lstStyle/>
+                    <a:p>
+                      <a:pPr lvl="0" indent="0" marL="0">
+                        <a:buNone/>
+                      </a:pPr>
+                      <a:r>
+                        <a:rPr/>
+                        <a:t>Train/val split 80/20, no lookahead</a:t>
+                      </a:r>
+                    </a:p>
+                  </a:txBody>
+                </a:tc>
+                <a:tc>
+                  <a:txBody>
+                    <a:bodyPr/>
+                    <a:lstStyle/>
+                    <a:p>
+                      <a:pPr lvl="0" indent="0" marL="0">
+                        <a:buNone/>
+                      </a:pPr>
+                      <a:r>
+                        <a:rPr/>
+                        <a:t>✅ Воспроизводимо</a:t>
+                      </a:r>
+                    </a:p>
+                  </a:txBody>
+                </a:tc>
+              </a:tr>
+              <a:tr h="0">
+                <a:tc>
+                  <a:txBody>
+                    <a:bodyPr/>
+                    <a:lstStyle/>
+                    <a:p>
+                      <a:pPr lvl="0" indent="0" marL="0">
+                        <a:buNone/>
+                      </a:pPr>
+                      <a:r>
+                        <a:rPr b="1"/>
+                        <a:t>Эффективность</a:t>
+                      </a:r>
+                    </a:p>
+                  </a:txBody>
+                </a:tc>
+                <a:tc>
+                  <a:txBody>
+                    <a:bodyPr/>
+                    <a:lstStyle/>
+                    <a:p>
+                      <a:pPr lvl="0" indent="0" marL="0">
+                        <a:buNone/>
+                      </a:pPr>
+                      <a:r>
+                        <a:rPr/>
+                        <a:t>&lt; 1 мин обучение, ~2-3 GB RAM, 0 LLM токенов</a:t>
+                      </a:r>
+                    </a:p>
+                  </a:txBody>
+                </a:tc>
+                <a:tc>
+                  <a:txBody>
+                    <a:bodyPr/>
+                    <a:lstStyle/>
+                    <a:p>
+                      <a:pPr lvl="0" indent="0" marL="0">
+                        <a:buNone/>
+                      </a:pPr>
+                      <a:r>
+                        <a:rPr/>
+                        <a:t>✅ Очень быстро</a:t>
+                      </a:r>
+                    </a:p>
+                  </a:txBody>
+                </a:tc>
+              </a:tr>
+              <a:tr h="0">
+                <a:tc>
+                  <a:txBody>
+                    <a:bodyPr/>
+                    <a:lstStyle/>
+                    <a:p>
+                      <a:pPr lvl="0" indent="0" marL="0">
+                        <a:buNone/>
+                      </a:pPr>
+                      <a:r>
+                        <a:rPr b="1"/>
+                        <a:t>Уникальность</a:t>
+                      </a:r>
+                    </a:p>
+                  </a:txBody>
+                </a:tc>
+                <a:tc>
+                  <a:txBody>
+                    <a:bodyPr/>
+                    <a:lstStyle/>
+                    <a:p>
+                      <a:pPr lvl="0" indent="0" marL="0">
+                        <a:buNone/>
+                      </a:pPr>
+                      <a:r>
+                        <a:rPr/>
+                        <a:t>Извлечение тикеров (regex + K-Means)</a:t>
+                      </a:r>
+                    </a:p>
+                  </a:txBody>
+                </a:tc>
+                <a:tc>
+                  <a:txBody>
+                    <a:bodyPr/>
+                    <a:lstStyle/>
+                    <a:p>
+                      <a:pPr lvl="0" indent="0" marL="0">
+                        <a:buNone/>
+                      </a:pPr>
+                      <a:r>
+                        <a:rPr/>
+                        <a:t>✅ Работает без ticker</a:t>
+                      </a:r>
+                    </a:p>
+                  </a:txBody>
+                </a:tc>
+              </a:tr>
+              <a:tr h="0">
+                <a:tc>
+                  <a:txBody>
+                    <a:bodyPr/>
+                    <a:lstStyle/>
+                    <a:p>
+                      <a:pPr lvl="0" indent="0" marL="0">
+                        <a:buNone/>
+                      </a:pPr>
+                      <a:r>
+                        <a:rPr b="1"/>
+                        <a:t>Качество</a:t>
+                      </a:r>
+                    </a:p>
+                  </a:txBody>
+                </a:tc>
+                <a:tc>
+                  <a:txBody>
+                    <a:bodyPr/>
+                    <a:lstStyle/>
+                    <a:p>
+                      <a:pPr lvl="0" indent="0" marL="0">
+                        <a:buNone/>
+                      </a:pPr>
+                      <a:r>
+                        <a:rPr/>
+                        <a:t>2,845 предсказаний, 19 тикеров</a:t>
+                      </a:r>
+                    </a:p>
+                  </a:txBody>
+                </a:tc>
+                <a:tc>
+                  <a:txBody>
+                    <a:bodyPr/>
+                    <a:lstStyle/>
+                    <a:p>
+                      <a:pPr lvl="0" indent="0" marL="0">
+                        <a:buNone/>
+                      </a:pPr>
+                      <a:r>
+                        <a:rPr/>
+                        <a:t>✅ </a:t>
+                      </a:r>
+                      <a:r>
+                        <a:rPr b="1"/>
+                        <a:t>Идеальная калибровка</a:t>
+                      </a:r>
+                    </a:p>
+                  </a:txBody>
+                </a:tc>
+              </a:tr>
+            </a:tbl>
+          </a:graphicData>
+        </a:graphic>
+      </p:graphicFrame>
     </p:spTree>
   </p:cSld>
-  <p:clrMapOvr>
-    <a:masterClrMapping/>
-  </p:clrMapOvr>
+</p:sld>
+</file>
+
+<file path=ppt/slides/slide14.xml><?xml version="1.0" encoding="utf-8"?>
+<p:sld xmlns:a="http://schemas.openxmlformats.org/drawingml/2006/main" xmlns:r="http://schemas.openxmlformats.org/officeDocument/2006/relationships" xmlns:p="http://schemas.openxmlformats.org/presentationml/2006/main">
+  <p:cSld>
+    <p:spTree>
+      <p:nvGrpSpPr>
+        <p:cNvPr id="1" name=""/>
+        <p:cNvGrpSpPr/>
+        <p:nvPr/>
+      </p:nvGrpSpPr>
+      <p:grpSpPr>
+        <a:xfrm>
+          <a:off x="0" y="0"/>
+          <a:ext cx="0" cy="0"/>
+          <a:chOff x="0" y="0"/>
+          <a:chExt cx="0" cy="0"/>
+        </a:xfrm>
+      </p:grpSpPr>
+      <p:sp>
+        <p:nvSpPr>
+          <p:cNvPr id="3" name="Content Placeholder 2"/>
+          <p:cNvSpPr>
+            <a:spLocks noGrp="1"/>
+          </p:cNvSpPr>
+          <p:nvPr>
+            <p:ph idx="1"/>
+          </p:nvPr>
+        </p:nvSpPr>
+        <p:spPr/>
+        <p:txBody>
+          <a:bodyPr/>
+          <a:lstStyle/>
+          <a:p>
+            <a:pPr lvl="0" indent="0" marL="0">
+              <a:spcBef>
+                <a:spcPts val="3000"/>
+              </a:spcBef>
+              <a:buNone/>
+            </a:pPr>
+            <a:r>
+              <a:rPr b="1"/>
+              <a:t>Метрики предсказаний</a:t>
+            </a:r>
+          </a:p>
+          <a:p>
+            <a:pPr lvl="0" indent="0">
+              <a:buNone/>
+            </a:pPr>
+            <a:r>
+              <a:rPr>
+                <a:latin typeface="Courier"/>
+              </a:rPr>
+              <a:t>Среднее:       0.483 (идеальная калибровка ≈ 0.5) ⭐
+Std:           0.135 (хороший разброс)
+Диапазон:      0.050-0.950 (использует весь спектр)
+Распределение: 57.2% в [0.4-0.6] - большинство в центре! ⭐
+               Только 3.7% на краях (&lt;0.2 и &gt;0.8)</a:t>
+            </a:r>
+          </a:p>
+          <a:p>
+            <a:pPr lvl="0" indent="0" marL="0">
+              <a:spcBef>
+                <a:spcPts val="3000"/>
+              </a:spcBef>
+              <a:buNone/>
+            </a:pPr>
+            <a:r>
+              <a:rPr b="1"/>
+              <a:t>Production-ready</a:t>
+            </a:r>
+          </a:p>
+          <a:p>
+            <a:pPr lvl="0"/>
+            <a:r>
+              <a:rPr/>
+              <a:t>✅ CLI интерфейс</a:t>
+            </a:r>
+          </a:p>
+          <a:p>
+            <a:pPr lvl="0"/>
+            <a:r>
+              <a:rPr/>
+              <a:t>✅ Документация (605+ строк)</a:t>
+            </a:r>
+          </a:p>
+          <a:p>
+            <a:pPr lvl="0"/>
+            <a:r>
+              <a:rPr/>
+              <a:t>✅ 3 команды до результата</a:t>
+            </a:r>
+          </a:p>
+          <a:p>
+            <a:pPr lvl="0"/>
+            <a:r>
+              <a:rPr/>
+              <a:t>✅ Fallback на sklearn</a:t>
+            </a:r>
+          </a:p>
+          <a:p>
+            <a:pPr lvl="0"/>
+            <a:r>
+              <a:rPr/>
+              <a:t>✅ Работает в Google Colab</a:t>
+            </a:r>
+          </a:p>
+        </p:txBody>
+      </p:sp>
+    </p:spTree>
+  </p:cSld>
+</p:sld>
+</file>
+
+<file path=ppt/slides/slide15.xml><?xml version="1.0" encoding="utf-8"?>
+<p:sld xmlns:a="http://schemas.openxmlformats.org/drawingml/2006/main" xmlns:r="http://schemas.openxmlformats.org/officeDocument/2006/relationships" xmlns:p="http://schemas.openxmlformats.org/presentationml/2006/main">
+  <p:cSld>
+    <p:spTree>
+      <p:nvGrpSpPr>
+        <p:cNvPr id="1" name=""/>
+        <p:cNvGrpSpPr/>
+        <p:nvPr/>
+      </p:nvGrpSpPr>
+      <p:grpSpPr>
+        <a:xfrm>
+          <a:off x="0" y="0"/>
+          <a:ext cx="0" cy="0"/>
+          <a:chOff x="0" y="0"/>
+          <a:chExt cx="0" cy="0"/>
+        </a:xfrm>
+      </p:grpSpPr>
+      <p:sp>
+        <p:nvSpPr>
+          <p:cNvPr id="2" name="Title 1"/>
+          <p:cNvSpPr>
+            <a:spLocks noGrp="1"/>
+          </p:cNvSpPr>
+          <p:nvPr>
+            <p:ph type="title"/>
+          </p:nvPr>
+        </p:nvSpPr>
+        <p:spPr/>
+        <p:txBody>
+          <a:bodyPr/>
+          <a:lstStyle/>
+          <a:p>
+            <a:pPr lvl="0" indent="0" marL="0">
+              <a:buNone/>
+            </a:pPr>
+            <a:r>
+              <a:rPr/>
+              <a:t>🙏 Спасибо за внимание!</a:t>
+            </a:r>
+          </a:p>
+        </p:txBody>
+      </p:sp>
+      <p:sp>
+        <p:nvSpPr>
+          <p:cNvPr id="3" name="Content Placeholder 2"/>
+          <p:cNvSpPr>
+            <a:spLocks noGrp="1"/>
+          </p:cNvSpPr>
+          <p:nvPr>
+            <p:ph idx="1"/>
+          </p:nvPr>
+        </p:nvSpPr>
+        <p:spPr/>
+        <p:txBody>
+          <a:bodyPr/>
+          <a:lstStyle/>
+          <a:p>
+            <a:pPr lvl="0" indent="0" marL="0">
+              <a:buNone/>
+            </a:pPr>
+            <a:r>
+              <a:rPr b="1"/>
+              <a:t>Команда Pulsetech</a:t>
+            </a:r>
+          </a:p>
+          <a:p>
+            <a:pPr lvl="0" indent="0" marL="0">
+              <a:spcBef>
+                <a:spcPts val="3000"/>
+              </a:spcBef>
+              <a:buNone/>
+            </a:pPr>
+            <a:r>
+              <a:rPr b="1"/>
+              <a:t>Контакты и ресурсы</a:t>
+            </a:r>
+          </a:p>
+          <a:p>
+            <a:pPr lvl="0"/>
+            <a:r>
+              <a:rPr b="1"/>
+              <a:t>Команда</a:t>
+            </a:r>
+            <a:r>
+              <a:rPr/>
+              <a:t>: Pulsetech</a:t>
+            </a:r>
+          </a:p>
+          <a:p>
+            <a:pPr lvl="0"/>
+            <a:r>
+              <a:rPr b="1"/>
+              <a:t>GitHub</a:t>
+            </a:r>
+            <a:r>
+              <a:rPr/>
+              <a:t>: https://github.com/sokanaid/finnam-forecast-pulsetech</a:t>
+            </a:r>
+          </a:p>
+          <a:p>
+            <a:pPr lvl="0"/>
+            <a:r>
+              <a:rPr b="1"/>
+              <a:t>Документация</a:t>
+            </a:r>
+            <a:r>
+              <a:rPr/>
+              <a:t>: README.md (605 строк)</a:t>
+            </a:r>
+          </a:p>
+          <a:p>
+            <a:pPr lvl="0"/>
+            <a:r>
+              <a:rPr b="1"/>
+              <a:t>Colab</a:t>
+            </a:r>
+            <a:r>
+              <a:rPr/>
+              <a:t>: RUN_IN_COLAB.ipynb (готов к запуску)</a:t>
+            </a:r>
+          </a:p>
+          <a:p>
+            <a:pPr lvl="0"/>
+            <a:r>
+              <a:rPr b="1"/>
+              <a:t>Запуск</a:t>
+            </a:r>
+            <a:r>
+              <a:rPr/>
+              <a:t>: 3 команды</a:t>
+            </a:r>
+          </a:p>
+          <a:p>
+            <a:pPr lvl="1" indent="0">
+              <a:buNone/>
+            </a:pPr>
+            <a:r>
+              <a:rPr>
+                <a:latin typeface="Courier"/>
+              </a:rPr>
+              <a:t>pip install </a:t>
+            </a:r>
+            <a:r>
+              <a:rPr>
+                <a:solidFill>
+                  <a:srgbClr val="7D9029"/>
+                </a:solidFill>
+                <a:latin typeface="Courier"/>
+              </a:rPr>
+              <a:t>-r</a:t>
+            </a:r>
+            <a:r>
+              <a:rPr>
+                <a:latin typeface="Courier"/>
+              </a:rPr>
+              <a:t> requirements.txt</a:t>
+            </a:r>
+            <a:br/>
+            <a:r>
+              <a:rPr>
+                <a:latin typeface="Courier"/>
+              </a:rPr>
+              <a:t>python train.py</a:t>
+            </a:r>
+            <a:br/>
+            <a:r>
+              <a:rPr>
+                <a:latin typeface="Courier"/>
+              </a:rPr>
+              <a:t>python predict.py</a:t>
+            </a:r>
+          </a:p>
+          <a:p>
+            <a:pPr lvl="0" indent="0" marL="0">
+              <a:spcBef>
+                <a:spcPts val="3000"/>
+              </a:spcBef>
+              <a:buNone/>
+            </a:pPr>
+            <a:r>
+              <a:rPr b="1"/>
+              <a:t>Готовы ответить на вопросы! 🎤</a:t>
+            </a:r>
+          </a:p>
+        </p:txBody>
+      </p:sp>
+    </p:spTree>
+  </p:cSld>
+</p:sld>
+</file>
+
+<file path=ppt/slides/slide16.xml><?xml version="1.0" encoding="utf-8"?>
+<p:sld xmlns:a="http://schemas.openxmlformats.org/drawingml/2006/main" xmlns:r="http://schemas.openxmlformats.org/officeDocument/2006/relationships" xmlns:p="http://schemas.openxmlformats.org/presentationml/2006/main">
+  <p:cSld>
+    <p:spTree>
+      <p:nvGrpSpPr>
+        <p:cNvPr id="1" name=""/>
+        <p:cNvGrpSpPr/>
+        <p:nvPr/>
+      </p:nvGrpSpPr>
+      <p:grpSpPr>
+        <a:xfrm>
+          <a:off x="0" y="0"/>
+          <a:ext cx="0" cy="0"/>
+          <a:chOff x="0" y="0"/>
+          <a:chExt cx="0" cy="0"/>
+        </a:xfrm>
+      </p:grpSpPr>
+      <p:sp>
+        <p:nvSpPr>
+          <p:cNvPr id="2" name="Title 1"/>
+          <p:cNvSpPr>
+            <a:spLocks noGrp="1"/>
+          </p:cNvSpPr>
+          <p:nvPr>
+            <p:ph type="title"/>
+          </p:nvPr>
+        </p:nvSpPr>
+        <p:spPr>
+          <a:xfrm>
+            <a:off x="457201" y="204787"/>
+            <a:ext cx="3008313" cy="871538"/>
+          </a:xfrm>
+        </p:spPr>
+        <p:txBody>
+          <a:bodyPr/>
+          <a:lstStyle/>
+          <a:p>
+            <a:pPr lvl="0" indent="0" marL="0">
+              <a:buNone/>
+            </a:pPr>
+            <a:r>
+              <a:rPr/>
+              <a:t>📎 Backup слайды</a:t>
+            </a:r>
+          </a:p>
+        </p:txBody>
+      </p:sp>
+      <p:sp>
+        <p:nvSpPr>
+          <p:cNvPr id="4" name="Text Placeholder 3"/>
+          <p:cNvSpPr>
+            <a:spLocks noGrp="1"/>
+          </p:cNvSpPr>
+          <p:nvPr>
+            <p:ph idx="2" sz="half" type="body"/>
+          </p:nvPr>
+        </p:nvSpPr>
+        <p:spPr/>
+        <p:txBody>
+          <a:bodyPr/>
+          <a:lstStyle/>
+          <a:p>
+            <a:pPr lvl="0" indent="0" marL="0">
+              <a:spcBef>
+                <a:spcPts val="3000"/>
+              </a:spcBef>
+              <a:buNone/>
+            </a:pPr>
+            <a:r>
+              <a:rPr b="1"/>
+              <a:t>Детали архитектуры</a:t>
+            </a:r>
+          </a:p>
+          <a:p>
+            <a:pPr lvl="0" indent="0">
+              <a:buNone/>
+            </a:pPr>
+            <a:r>
+              <a:rPr>
+                <a:latin typeface="Courier"/>
+              </a:rPr>
+              <a:t>Input: котировки (OHLCV) + новости (text)
+    ↓
+Feature Engineering:
+  • Технические индикаторы: ~31 признак
+    - Доходности (1d, 5d, 10d, 20d)
+    - MA (5, 10, 20) + расстояния
+    - RSI, MACD, Bollinger Bands
+    - Волатильность, тренд, объем
+  • Новости:
+    - Количество по дням
+    - Агрегация по периодам
+    ↓
+20 моделей LightGBM (по одной на горизонт)
+    ↓
+Output: p₁, p₂, ..., p₂₀ ∈ [0, 1]</a:t>
+            </a:r>
+          </a:p>
+          <a:p>
+            <a:pPr lvl="0" indent="0" marL="0">
+              <a:spcBef>
+                <a:spcPts val="3000"/>
+              </a:spcBef>
+              <a:buNone/>
+            </a:pPr>
+            <a:r>
+              <a:rPr b="1"/>
+              <a:t>Поведение по горизонтам (реальные данные - 2,845 предсказаний)</a:t>
+            </a:r>
+          </a:p>
+        </p:txBody>
+      </p:sp>
+      <p:graphicFrame>
+        <p:nvGraphicFramePr>
+          <p:cNvPr id="6" name="Content Placeholder 5"/>
+          <p:cNvGraphicFramePr>
+            <a:graphicFrameLocks noGrp="1"/>
+          </p:cNvGraphicFramePr>
+          <p:nvPr>
+            <p:ph idx="1"/>
+          </p:nvPr>
+        </p:nvGraphicFramePr>
+        <p:xfrm>
+          <a:off x="3568700" y="203200"/>
+          <a:ext cx="5105400" cy="4381500"/>
+        </p:xfrm>
+        <a:graphic>
+          <a:graphicData uri="http://schemas.openxmlformats.org/drawingml/2006/table">
+            <a:tbl>
+              <a:tblPr firstRow="1" bandRow="1">
+                <a:tableStyleId>{5C22544A-7EE6-4342-B048-85BDC9FD1C3A}</a:tableStyleId>
+              </a:tblPr>
+              <a:tblGrid>
+                <a:gridCol w="1701800"/>
+                <a:gridCol w="1701800"/>
+                <a:gridCol w="1701800"/>
+              </a:tblGrid>
+              <a:tr h="0">
+                <a:tc>
+                  <a:txBody>
+                    <a:bodyPr/>
+                    <a:lstStyle/>
+                    <a:p>
+                      <a:pPr lvl="0" indent="0" marL="0">
+                        <a:buNone/>
+                      </a:pPr>
+                      <a:r>
+                        <a:rPr/>
+                        <a:t>Горизонт</a:t>
+                      </a:r>
+                    </a:p>
+                  </a:txBody>
+                  <a:tcPr/>
+                </a:tc>
+                <a:tc>
+                  <a:txBody>
+                    <a:bodyPr/>
+                    <a:lstStyle/>
+                    <a:p>
+                      <a:pPr lvl="0" indent="0" marL="0">
+                        <a:buNone/>
+                      </a:pPr>
+                      <a:r>
+                        <a:rPr/>
+                        <a:t>Среднее p</a:t>
+                      </a:r>
+                    </a:p>
+                  </a:txBody>
+                  <a:tcPr/>
+                </a:tc>
+                <a:tc>
+                  <a:txBody>
+                    <a:bodyPr/>
+                    <a:lstStyle/>
+                    <a:p>
+                      <a:pPr lvl="0" indent="0" marL="0">
+                        <a:buNone/>
+                      </a:pPr>
+                      <a:r>
+                        <a:rPr/>
+                        <a:t>Интерпретация</a:t>
+                      </a:r>
+                    </a:p>
+                  </a:txBody>
+                  <a:tcPr/>
+                </a:tc>
+              </a:tr>
+              <a:tr h="0">
+                <a:tc>
+                  <a:txBody>
+                    <a:bodyPr/>
+                    <a:lstStyle/>
+                    <a:p>
+                      <a:pPr lvl="0" indent="0" marL="0">
+                        <a:buNone/>
+                      </a:pPr>
+                      <a:r>
+                        <a:rPr/>
+                        <a:t>1 день</a:t>
+                      </a:r>
+                    </a:p>
+                  </a:txBody>
+                </a:tc>
+                <a:tc>
+                  <a:txBody>
+                    <a:bodyPr/>
+                    <a:lstStyle/>
+                    <a:p>
+                      <a:pPr lvl="0" indent="0" marL="0">
+                        <a:buNone/>
+                      </a:pPr>
+                      <a:r>
+                        <a:rPr/>
+                        <a:t>0.417</a:t>
+                      </a:r>
+                    </a:p>
+                  </a:txBody>
+                </a:tc>
+                <a:tc>
+                  <a:txBody>
+                    <a:bodyPr/>
+                    <a:lstStyle/>
+                    <a:p>
+                      <a:pPr lvl="0" indent="0" marL="0">
+                        <a:buNone/>
+                      </a:pPr>
+                      <a:r>
+                        <a:rPr/>
+                        <a:t>Консервативный подход на коротком горизонте</a:t>
+                      </a:r>
+                    </a:p>
+                  </a:txBody>
+                </a:tc>
+              </a:tr>
+              <a:tr h="0">
+                <a:tc>
+                  <a:txBody>
+                    <a:bodyPr/>
+                    <a:lstStyle/>
+                    <a:p>
+                      <a:pPr lvl="0" indent="0" marL="0">
+                        <a:buNone/>
+                      </a:pPr>
+                      <a:r>
+                        <a:rPr/>
+                        <a:t>5 дней</a:t>
+                      </a:r>
+                    </a:p>
+                  </a:txBody>
+                </a:tc>
+                <a:tc>
+                  <a:txBody>
+                    <a:bodyPr/>
+                    <a:lstStyle/>
+                    <a:p>
+                      <a:pPr lvl="0" indent="0" marL="0">
+                        <a:buNone/>
+                      </a:pPr>
+                      <a:r>
+                        <a:rPr/>
+                        <a:t>0.486</a:t>
+                      </a:r>
+                    </a:p>
+                  </a:txBody>
+                </a:tc>
+                <a:tc>
+                  <a:txBody>
+                    <a:bodyPr/>
+                    <a:lstStyle/>
+                    <a:p>
+                      <a:pPr lvl="0" indent="0" marL="0">
+                        <a:buNone/>
+                      </a:pPr>
+                      <a:r>
+                        <a:rPr/>
+                        <a:t>Приближение к нейтральной оценке</a:t>
+                      </a:r>
+                    </a:p>
+                  </a:txBody>
+                </a:tc>
+              </a:tr>
+              <a:tr h="0">
+                <a:tc>
+                  <a:txBody>
+                    <a:bodyPr/>
+                    <a:lstStyle/>
+                    <a:p>
+                      <a:pPr lvl="0" indent="0" marL="0">
+                        <a:buNone/>
+                      </a:pPr>
+                      <a:r>
+                        <a:rPr/>
+                        <a:t>10 дней</a:t>
+                      </a:r>
+                    </a:p>
+                  </a:txBody>
+                </a:tc>
+                <a:tc>
+                  <a:txBody>
+                    <a:bodyPr/>
+                    <a:lstStyle/>
+                    <a:p>
+                      <a:pPr lvl="0" indent="0" marL="0">
+                        <a:buNone/>
+                      </a:pPr>
+                      <a:r>
+                        <a:rPr/>
+                        <a:t>0.495</a:t>
+                      </a:r>
+                    </a:p>
+                  </a:txBody>
+                </a:tc>
+                <a:tc>
+                  <a:txBody>
+                    <a:bodyPr/>
+                    <a:lstStyle/>
+                    <a:p>
+                      <a:pPr lvl="0" indent="0" marL="0">
+                        <a:buNone/>
+                      </a:pPr>
+                      <a:r>
+                        <a:rPr/>
+                        <a:t>Почти нейтральная оценка</a:t>
+                      </a:r>
+                    </a:p>
+                  </a:txBody>
+                </a:tc>
+              </a:tr>
+              <a:tr h="0">
+                <a:tc>
+                  <a:txBody>
+                    <a:bodyPr/>
+                    <a:lstStyle/>
+                    <a:p>
+                      <a:pPr lvl="0" indent="0" marL="0">
+                        <a:buNone/>
+                      </a:pPr>
+                      <a:r>
+                        <a:rPr/>
+                        <a:t>14 дней</a:t>
+                      </a:r>
+                    </a:p>
+                  </a:txBody>
+                </a:tc>
+                <a:tc>
+                  <a:txBody>
+                    <a:bodyPr/>
+                    <a:lstStyle/>
+                    <a:p>
+                      <a:pPr lvl="0" indent="0" marL="0">
+                        <a:buNone/>
+                      </a:pPr>
+                      <a:r>
+                        <a:rPr/>
+                        <a:t>0.508</a:t>
+                      </a:r>
+                    </a:p>
+                  </a:txBody>
+                </a:tc>
+                <a:tc>
+                  <a:txBody>
+                    <a:bodyPr/>
+                    <a:lstStyle/>
+                    <a:p>
+                      <a:pPr lvl="0" indent="0" marL="0">
+                        <a:buNone/>
+                      </a:pPr>
+                      <a:r>
+                        <a:rPr/>
+                        <a:t>Пик уверенности (макс)</a:t>
+                      </a:r>
+                    </a:p>
+                  </a:txBody>
+                </a:tc>
+              </a:tr>
+              <a:tr h="0">
+                <a:tc>
+                  <a:txBody>
+                    <a:bodyPr/>
+                    <a:lstStyle/>
+                    <a:p>
+                      <a:pPr lvl="0" indent="0" marL="0">
+                        <a:buNone/>
+                      </a:pPr>
+                      <a:r>
+                        <a:rPr/>
+                        <a:t>20 дней</a:t>
+                      </a:r>
+                    </a:p>
+                  </a:txBody>
+                </a:tc>
+                <a:tc>
+                  <a:txBody>
+                    <a:bodyPr/>
+                    <a:lstStyle/>
+                    <a:p>
+                      <a:pPr lvl="0" indent="0" marL="0">
+                        <a:buNone/>
+                      </a:pPr>
+                      <a:r>
+                        <a:rPr/>
+                        <a:t>0.468</a:t>
+                      </a:r>
+                    </a:p>
+                  </a:txBody>
+                </a:tc>
+                <a:tc>
+                  <a:txBody>
+                    <a:bodyPr/>
+                    <a:lstStyle/>
+                    <a:p>
+                      <a:pPr lvl="0" indent="0" marL="0">
+                        <a:buNone/>
+                      </a:pPr>
+                      <a:r>
+                        <a:rPr/>
+                        <a:t>Снижение к долгому горизонту</a:t>
+                      </a:r>
+                    </a:p>
+                  </a:txBody>
+                </a:tc>
+              </a:tr>
+            </a:tbl>
+          </a:graphicData>
+        </a:graphic>
+      </p:graphicFrame>
+    </p:spTree>
+  </p:cSld>
+</p:sld>
+</file>
+
+<file path=ppt/slides/slide17.xml><?xml version="1.0" encoding="utf-8"?>
+<p:sld xmlns:a="http://schemas.openxmlformats.org/drawingml/2006/main" xmlns:r="http://schemas.openxmlformats.org/officeDocument/2006/relationships" xmlns:p="http://schemas.openxmlformats.org/presentationml/2006/main">
+  <p:cSld>
+    <p:spTree>
+      <p:nvGrpSpPr>
+        <p:cNvPr id="1" name=""/>
+        <p:cNvGrpSpPr/>
+        <p:nvPr/>
+      </p:nvGrpSpPr>
+      <p:grpSpPr>
+        <a:xfrm>
+          <a:off x="0" y="0"/>
+          <a:ext cx="0" cy="0"/>
+          <a:chOff x="0" y="0"/>
+          <a:chExt cx="0" cy="0"/>
+        </a:xfrm>
+      </p:grpSpPr>
+      <p:sp>
+        <p:nvSpPr>
+          <p:cNvPr id="3" name="Content Placeholder 2"/>
+          <p:cNvSpPr>
+            <a:spLocks noGrp="1"/>
+          </p:cNvSpPr>
+          <p:nvPr>
+            <p:ph idx="1"/>
+          </p:nvPr>
+        </p:nvSpPr>
+        <p:spPr/>
+        <p:txBody>
+          <a:bodyPr/>
+          <a:lstStyle/>
+          <a:p>
+            <a:pPr lvl="0" indent="0" marL="0">
+              <a:buNone/>
+            </a:pPr>
+            <a:r>
+              <a:rPr b="1"/>
+              <a:t>Паттерн</a:t>
+            </a:r>
+            <a:r>
+              <a:rPr/>
+              <a:t>: U-образная кривая - модель наиболее уверена на средних горизонтах (10-14 дней) ✅</a:t>
+            </a:r>
+          </a:p>
+          <a:p>
+            <a:pPr lvl="0" indent="0" marL="0">
+              <a:spcBef>
+                <a:spcPts val="3000"/>
+              </a:spcBef>
+              <a:buNone/>
+            </a:pPr>
+            <a:r>
+              <a:rPr b="1"/>
+              <a:t>Распределение вероятностей (реальные данные)</a:t>
+            </a:r>
+          </a:p>
+          <a:p>
+            <a:pPr lvl="0" indent="0">
+              <a:buNone/>
+            </a:pPr>
+            <a:r>
+              <a:rPr>
+                <a:latin typeface="Courier"/>
+              </a:rPr>
+              <a:t>Распределение 56,900 предсказаний (2,845 × 20):
+&lt; 0.2:     2.1%  ████
+0.2-0.4:  23.1%  ████████████████████████████
+0.4-0.6:  57.2%  ████████████████████████████████████████████████████████████████
+0.6-0.8:  16.1%  ████████████████████
+≥ 0.8:     1.6%  ██
+Вывод: ⭐ ИДЕАЛЬНАЯ калибровка! 
+       57% в центре, только 3.7% на краях</a:t>
+            </a:r>
+          </a:p>
+        </p:txBody>
+      </p:sp>
+    </p:spTree>
+  </p:cSld>
 </p:sld>
 </file>
 
@@ -4210,170 +5226,89 @@
             <p:ph idx="1"/>
           </p:nvPr>
         </p:nvSpPr>
-        <p:spPr>
-          <a:xfrm>
-            <a:off x="735496" y="492485"/>
-            <a:ext cx="8229600" cy="3394472"/>
-          </a:xfrm>
-        </p:spPr>
-        <p:txBody>
-          <a:bodyPr>
-            <a:normAutofit fontScale="85000" lnSpcReduction="20000"/>
-          </a:bodyPr>
+        <p:spPr/>
+        <p:txBody>
+          <a:bodyPr/>
           <a:lstStyle/>
           <a:p>
-            <a:pPr marL="0" lvl="0" indent="0">
+            <a:pPr lvl="0" indent="0" marL="0">
               <a:spcBef>
                 <a:spcPts val="3000"/>
               </a:spcBef>
               <a:buNone/>
             </a:pPr>
             <a:r>
-              <a:rPr b="1" dirty="0"/>
-              <a:t>📋 </a:t>
-            </a:r>
-            <a:r>
-              <a:rPr sz="3600" dirty="0" err="1">
-                <a:latin typeface="+mj-lt"/>
-                <a:ea typeface="+mj-ea"/>
-                <a:cs typeface="+mj-cs"/>
-              </a:rPr>
-              <a:t>Структура</a:t>
-            </a:r>
-            <a:r>
-              <a:rPr sz="3600" dirty="0">
-                <a:latin typeface="+mj-lt"/>
-                <a:ea typeface="+mj-ea"/>
-                <a:cs typeface="+mj-cs"/>
-              </a:rPr>
-              <a:t> </a:t>
-            </a:r>
-            <a:r>
-              <a:rPr sz="3600" dirty="0" err="1">
-                <a:latin typeface="+mj-lt"/>
-                <a:ea typeface="+mj-ea"/>
-                <a:cs typeface="+mj-cs"/>
-              </a:rPr>
-              <a:t>презентации</a:t>
-            </a:r>
-            <a:endParaRPr lang="ru-RU" sz="3600" dirty="0">
-              <a:latin typeface="+mj-lt"/>
-              <a:ea typeface="+mj-ea"/>
-              <a:cs typeface="+mj-cs"/>
-            </a:endParaRPr>
-          </a:p>
-          <a:p>
-            <a:pPr marL="0" lvl="0" indent="0">
-              <a:spcBef>
-                <a:spcPts val="3000"/>
-              </a:spcBef>
-              <a:buNone/>
-            </a:pPr>
-            <a:endParaRPr lang="ru-RU" b="1" dirty="0"/>
-          </a:p>
-          <a:p>
-            <a:pPr marL="342900" lvl="0" indent="-342900">
+              <a:rPr b="1"/>
+              <a:t>📋 Структура презентации</a:t>
+            </a:r>
+          </a:p>
+          <a:p>
+            <a:pPr lvl="0" indent="-342900" marL="342900">
               <a:buAutoNum type="arabicPeriod"/>
             </a:pPr>
             <a:r>
-              <a:rPr lang="ru-RU" dirty="0"/>
+              <a:rPr/>
               <a:t>Цель и гипотезы</a:t>
             </a:r>
           </a:p>
           <a:p>
-            <a:pPr marL="342900" lvl="0" indent="-342900">
+            <a:pPr lvl="0" indent="-342900" marL="342900">
               <a:buAutoNum type="arabicPeriod"/>
             </a:pPr>
             <a:r>
-              <a:rPr lang="ru-RU" dirty="0"/>
+              <a:rPr/>
               <a:t>Данные и временная схема</a:t>
             </a:r>
           </a:p>
           <a:p>
-            <a:pPr marL="342900" lvl="0" indent="-342900">
+            <a:pPr lvl="0" indent="-342900" marL="342900">
               <a:buAutoNum type="arabicPeriod"/>
             </a:pPr>
             <a:r>
-              <a:rPr lang="ru-RU" dirty="0"/>
+              <a:rPr/>
               <a:t>Протокол экспериментов</a:t>
             </a:r>
           </a:p>
           <a:p>
-            <a:pPr marL="342900" lvl="0" indent="-342900">
+            <a:pPr lvl="0" indent="-342900" marL="342900">
               <a:buAutoNum type="arabicPeriod"/>
             </a:pPr>
             <a:r>
-              <a:rPr lang="ru-RU" dirty="0"/>
-              <a:t>Результаты </a:t>
-            </a:r>
-            <a:r>
-              <a:rPr lang="en" dirty="0"/>
-              <a:t>vs baseline</a:t>
-            </a:r>
-          </a:p>
-          <a:p>
-            <a:pPr marL="342900" lvl="0" indent="-342900">
+              <a:rPr/>
+              <a:t>Результаты vs baseline</a:t>
+            </a:r>
+          </a:p>
+          <a:p>
+            <a:pPr lvl="0" indent="-342900" marL="342900">
               <a:buAutoNum type="arabicPeriod"/>
             </a:pPr>
             <a:r>
-              <a:rPr lang="ru-RU" dirty="0"/>
+              <a:rPr/>
               <a:t>Эффективность и применимость</a:t>
             </a:r>
           </a:p>
           <a:p>
-            <a:pPr marL="342900" lvl="0" indent="-342900">
+            <a:pPr lvl="0" indent="-342900" marL="342900">
               <a:buAutoNum type="arabicPeriod"/>
             </a:pPr>
             <a:r>
-              <a:rPr lang="ru-RU" dirty="0"/>
+              <a:rPr/>
               <a:t>Уникальность решения</a:t>
             </a:r>
           </a:p>
           <a:p>
-            <a:pPr marL="342900" lvl="0" indent="-342900">
+            <a:pPr lvl="0" indent="-342900" marL="342900">
               <a:buAutoNum type="arabicPeriod"/>
             </a:pPr>
             <a:r>
-              <a:rPr lang="ru-RU" dirty="0"/>
+              <a:rPr/>
               <a:t>Выводы и ограничения</a:t>
             </a:r>
-          </a:p>
-        </p:txBody>
-      </p:sp>
-      <p:sp>
-        <p:nvSpPr>
-          <p:cNvPr id="4" name="Номер слайда 3">
-            <a:extLst>
-              <a:ext uri="{FF2B5EF4-FFF2-40B4-BE49-F238E27FC236}">
-                <a16:creationId xmlns:a16="http://schemas.microsoft.com/office/drawing/2014/main" id="{DC3D51F3-ADF4-87AE-CBBE-EDCF556A2F01}"/>
-              </a:ext>
-            </a:extLst>
-          </p:cNvPr>
-          <p:cNvSpPr>
-            <a:spLocks noGrp="1"/>
-          </p:cNvSpPr>
-          <p:nvPr>
-            <p:ph type="sldNum" sz="quarter" idx="12"/>
-          </p:nvPr>
-        </p:nvSpPr>
-        <p:spPr/>
-        <p:txBody>
-          <a:bodyPr/>
-          <a:lstStyle/>
-          <a:p>
-            <a:fld id="{C5EF2332-01BF-834F-8236-50238282D533}" type="slidenum">
-              <a:rPr lang="en-US" smtClean="0"/>
-              <a:t>2</a:t>
-            </a:fld>
-            <a:endParaRPr lang="en-US"/>
           </a:p>
         </p:txBody>
       </p:sp>
     </p:spTree>
   </p:cSld>
-  <p:clrMapOvr>
-    <a:masterClrMapping/>
-  </p:clrMapOvr>
 </p:sld>
 </file>
 
@@ -4409,81 +5344,24 @@
           <a:bodyPr/>
           <a:lstStyle/>
           <a:p>
-            <a:pPr marL="0" lvl="0" indent="0">
-              <a:buNone/>
-            </a:pPr>
-            <a:r>
-              <a:rPr dirty="0"/>
-              <a:t>1. 🎯 </a:t>
-            </a:r>
-            <a:r>
-              <a:rPr dirty="0" err="1"/>
-              <a:t>Цель</a:t>
-            </a:r>
-            <a:r>
-              <a:rPr dirty="0"/>
-              <a:t> </a:t>
-            </a:r>
-            <a:r>
-              <a:rPr dirty="0" err="1"/>
-              <a:t>и</a:t>
-            </a:r>
-            <a:r>
-              <a:rPr dirty="0"/>
-              <a:t> </a:t>
-            </a:r>
-            <a:r>
-              <a:rPr dirty="0" err="1"/>
-              <a:t>гипотезы</a:t>
-            </a:r>
-            <a:endParaRPr dirty="0"/>
-          </a:p>
-        </p:txBody>
-      </p:sp>
-      <p:pic>
-        <p:nvPicPr>
-          <p:cNvPr id="7" name="Рисунок 6">
-            <a:extLst>
-              <a:ext uri="{FF2B5EF4-FFF2-40B4-BE49-F238E27FC236}">
-                <a16:creationId xmlns:a16="http://schemas.microsoft.com/office/drawing/2014/main" id="{83B36190-1705-ADF6-C02F-0AE7485037DB}"/>
-              </a:ext>
-            </a:extLst>
-          </p:cNvPr>
-          <p:cNvPicPr>
-            <a:picLocks noChangeAspect="1"/>
-          </p:cNvPicPr>
-          <p:nvPr/>
-        </p:nvPicPr>
-        <p:blipFill>
-          <a:blip r:embed="rId2"/>
-          <a:stretch>
-            <a:fillRect/>
-          </a:stretch>
-        </p:blipFill>
-        <p:spPr>
-          <a:xfrm>
-            <a:off x="1194625" y="806304"/>
-            <a:ext cx="7025035" cy="4337196"/>
-          </a:xfrm>
-          <a:prstGeom prst="rect">
-            <a:avLst/>
-          </a:prstGeom>
-        </p:spPr>
-      </p:pic>
-      <p:sp>
-        <p:nvSpPr>
-          <p:cNvPr id="8" name="Номер слайда 7">
-            <a:extLst>
-              <a:ext uri="{FF2B5EF4-FFF2-40B4-BE49-F238E27FC236}">
-                <a16:creationId xmlns:a16="http://schemas.microsoft.com/office/drawing/2014/main" id="{3E6C712A-CC28-06CF-FA16-333EAB3F3419}"/>
-              </a:ext>
-            </a:extLst>
-          </p:cNvPr>
-          <p:cNvSpPr>
-            <a:spLocks noGrp="1"/>
-          </p:cNvSpPr>
-          <p:nvPr>
-            <p:ph type="sldNum" sz="quarter" idx="12"/>
+            <a:pPr lvl="0" indent="0" marL="0">
+              <a:buNone/>
+            </a:pPr>
+            <a:r>
+              <a:rPr/>
+              <a:t>1. 🎯 Цель и гипотезы</a:t>
+            </a:r>
+          </a:p>
+        </p:txBody>
+      </p:sp>
+      <p:sp>
+        <p:nvSpPr>
+          <p:cNvPr id="3" name="Content Placeholder 2"/>
+          <p:cNvSpPr>
+            <a:spLocks noGrp="1"/>
+          </p:cNvSpPr>
+          <p:nvPr>
+            <p:ph idx="1"/>
           </p:nvPr>
         </p:nvSpPr>
         <p:spPr/>
@@ -4491,19 +5369,166 @@
           <a:bodyPr/>
           <a:lstStyle/>
           <a:p>
-            <a:fld id="{C5EF2332-01BF-834F-8236-50238282D533}" type="slidenum">
-              <a:rPr lang="en-US" smtClean="0"/>
-              <a:t>3</a:t>
-            </a:fld>
-            <a:endParaRPr lang="en-US"/>
+            <a:pPr lvl="0" indent="0" marL="0">
+              <a:spcBef>
+                <a:spcPts val="3000"/>
+              </a:spcBef>
+              <a:buNone/>
+            </a:pPr>
+            <a:r>
+              <a:rPr b="1"/>
+              <a:t>Цель</a:t>
+            </a:r>
+          </a:p>
+          <a:p>
+            <a:pPr lvl="0" indent="0" marL="0">
+              <a:buNone/>
+            </a:pPr>
+            <a:r>
+              <a:rPr b="1"/>
+              <a:t>Прогнозировать вероятности роста цен акций</a:t>
+            </a:r>
+            <a:r>
+              <a:rPr/>
+              <a:t> на 1, 2, …, 20 торговых дней с использованием котировок и новостей.</a:t>
+            </a:r>
+          </a:p>
+          <a:p>
+            <a:pPr lvl="0" indent="0" marL="0">
+              <a:spcBef>
+                <a:spcPts val="3000"/>
+              </a:spcBef>
+              <a:buNone/>
+            </a:pPr>
+            <a:r>
+              <a:rPr b="1"/>
+              <a:t>Гипотезы</a:t>
+            </a:r>
+          </a:p>
+          <a:p>
+            <a:pPr lvl="0" indent="0" marL="0">
+              <a:spcBef>
+                <a:spcPts val="3000"/>
+              </a:spcBef>
+              <a:buNone/>
+            </a:pPr>
+            <a:r>
+              <a:rPr b="1"/>
+              <a:t>H1: Моментум содержит сигнал</a:t>
+            </a:r>
+          </a:p>
+          <a:p>
+            <a:pPr lvl="0"/>
+            <a:r>
+              <a:rPr/>
+              <a:t>Недавнее движение цен продолжается на коротких горизонтах</a:t>
+            </a:r>
+          </a:p>
+          <a:p>
+            <a:pPr lvl="0"/>
+            <a:r>
+              <a:rPr b="1"/>
+              <a:t>Бизнес-смысл</a:t>
+            </a:r>
+            <a:r>
+              <a:rPr/>
+              <a:t>: краткосрочные тренды предсказуемы</a:t>
+            </a:r>
+          </a:p>
+          <a:p>
+            <a:pPr lvl="0" indent="0" marL="0">
+              <a:spcBef>
+                <a:spcPts val="3000"/>
+              </a:spcBef>
+              <a:buNone/>
+            </a:pPr>
+            <a:r>
+              <a:rPr b="1"/>
+              <a:t>H2: Технические индикаторы работают</a:t>
+            </a:r>
+          </a:p>
+          <a:p>
+            <a:pPr lvl="0"/>
+            <a:r>
+              <a:rPr/>
+              <a:t>RSI, MACD, Bollinger Bands отражают состояние рынка</a:t>
+            </a:r>
+          </a:p>
+          <a:p>
+            <a:pPr lvl="0"/>
+            <a:r>
+              <a:rPr b="1"/>
+              <a:t>Бизнес-смысл</a:t>
+            </a:r>
+            <a:r>
+              <a:rPr/>
+              <a:t>: классические инструменты техничес��ого анализа эффективны</a:t>
+            </a:r>
+          </a:p>
+          <a:p>
+            <a:pPr lvl="0" indent="0" marL="0">
+              <a:spcBef>
+                <a:spcPts val="3000"/>
+              </a:spcBef>
+              <a:buNone/>
+            </a:pPr>
+            <a:r>
+              <a:rPr b="1"/>
+              <a:t>H3: Новости влияют на движение</a:t>
+            </a:r>
+          </a:p>
+          <a:p>
+            <a:pPr lvl="0"/>
+            <a:r>
+              <a:rPr/>
+              <a:t>Количество и тональность новостей коррелируют с волатильностью</a:t>
+            </a:r>
+          </a:p>
+          <a:p>
+            <a:pPr lvl="0"/>
+            <a:r>
+              <a:rPr b="1"/>
+              <a:t>Бизнес-смысл</a:t>
+            </a:r>
+            <a:r>
+              <a:rPr/>
+              <a:t>: информационный фон предсказывает изменения</a:t>
+            </a:r>
+          </a:p>
+          <a:p>
+            <a:pPr lvl="0" indent="0" marL="0">
+              <a:spcBef>
+                <a:spcPts val="3000"/>
+              </a:spcBef>
+              <a:buNone/>
+            </a:pPr>
+            <a:r>
+              <a:rPr b="1"/>
+              <a:t>H4: Разные горизонты требуют разных моделей</a:t>
+            </a:r>
+          </a:p>
+          <a:p>
+            <a:pPr lvl="0"/>
+            <a:r>
+              <a:rPr/>
+              <a:t>Паттерны на 1 день отличаются от паттернов на 20 дней</a:t>
+            </a:r>
+          </a:p>
+          <a:p>
+            <a:pPr lvl="0"/>
+            <a:r>
+              <a:rPr b="1"/>
+              <a:t>Бизнес-смысл</a:t>
+            </a:r>
+            <a:r>
+              <a:rPr/>
+              <a:t>: специализация повышает точность</a:t>
+            </a:r>
           </a:p>
         </p:txBody>
       </p:sp>
     </p:spTree>
   </p:cSld>
-  <p:clrMapOvr>
-    <a:masterClrMapping/>
-  </p:clrMapOvr>
 </p:sld>
 </file>
 
@@ -4539,59 +5564,24 @@
           <a:bodyPr/>
           <a:lstStyle/>
           <a:p>
-            <a:pPr marL="0" lvl="0" indent="0">
-              <a:buNone/>
-            </a:pPr>
-            <a:r>
+            <a:pPr lvl="0" indent="0" marL="0">
+              <a:buNone/>
+            </a:pPr>
+            <a:r>
+              <a:rPr/>
               <a:t>2. 📊 Данные и временная схема</a:t>
             </a:r>
           </a:p>
         </p:txBody>
       </p:sp>
-      <p:pic>
-        <p:nvPicPr>
-          <p:cNvPr id="7" name="Рисунок 6">
-            <a:extLst>
-              <a:ext uri="{FF2B5EF4-FFF2-40B4-BE49-F238E27FC236}">
-                <a16:creationId xmlns:a16="http://schemas.microsoft.com/office/drawing/2014/main" id="{1393C156-3B9B-839D-D0A0-88CD8721DBC9}"/>
-              </a:ext>
-            </a:extLst>
-          </p:cNvPr>
-          <p:cNvPicPr>
-            <a:picLocks noChangeAspect="1"/>
-          </p:cNvPicPr>
-          <p:nvPr/>
-        </p:nvPicPr>
-        <p:blipFill>
-          <a:blip r:embed="rId2"/>
-          <a:stretch>
-            <a:fillRect/>
-          </a:stretch>
-        </p:blipFill>
-        <p:spPr>
-          <a:xfrm>
-            <a:off x="1001863" y="1063229"/>
-            <a:ext cx="6414715" cy="3958937"/>
-          </a:xfrm>
-          <a:prstGeom prst="rect">
-            <a:avLst/>
-          </a:prstGeom>
-        </p:spPr>
-      </p:pic>
-      <p:sp>
-        <p:nvSpPr>
-          <p:cNvPr id="8" name="Номер слайда 7">
-            <a:extLst>
-              <a:ext uri="{FF2B5EF4-FFF2-40B4-BE49-F238E27FC236}">
-                <a16:creationId xmlns:a16="http://schemas.microsoft.com/office/drawing/2014/main" id="{22B44A1E-B86D-E142-0FC2-F22D410C68A8}"/>
-              </a:ext>
-            </a:extLst>
-          </p:cNvPr>
-          <p:cNvSpPr>
-            <a:spLocks noGrp="1"/>
-          </p:cNvSpPr>
-          <p:nvPr>
-            <p:ph type="sldNum" sz="quarter" idx="12"/>
+      <p:sp>
+        <p:nvSpPr>
+          <p:cNvPr id="3" name="Content Placeholder 2"/>
+          <p:cNvSpPr>
+            <a:spLocks noGrp="1"/>
+          </p:cNvSpPr>
+          <p:nvPr>
+            <p:ph idx="1"/>
           </p:nvPr>
         </p:nvSpPr>
         <p:spPr/>
@@ -4599,19 +5589,91 @@
           <a:bodyPr/>
           <a:lstStyle/>
           <a:p>
-            <a:fld id="{C5EF2332-01BF-834F-8236-50238282D533}" type="slidenum">
-              <a:rPr lang="en-US" smtClean="0"/>
-              <a:t>4</a:t>
-            </a:fld>
-            <a:endParaRPr lang="en-US"/>
+            <a:pPr lvl="0" indent="0" marL="0">
+              <a:spcBef>
+                <a:spcPts val="3000"/>
+              </a:spcBef>
+              <a:buNone/>
+            </a:pPr>
+            <a:r>
+              <a:rPr b="1"/>
+              <a:t>Данные</a:t>
+            </a:r>
+          </a:p>
+          <a:p>
+            <a:pPr lvl="0" indent="0" marL="0">
+              <a:buNone/>
+            </a:pPr>
+            <a:r>
+              <a:rPr b="1"/>
+              <a:t>Котировки</a:t>
+            </a:r>
+            <a:r>
+              <a:rPr/>
+              <a:t> (train): - OHLCV данные: 24,197 строк - 19 тикеров: SBER, GAZP, LKOH, NVTK, ROSN, SIBN, GMKN, ALRS, MAGN, CHMF, MTSS, AFLT, PHOR, MOEX, VTBR, RUAL, PLZL, MGNT, T - Период: 2020-2025 (5 лет)</a:t>
+            </a:r>
+          </a:p>
+          <a:p>
+            <a:pPr lvl="0" indent="0" marL="0">
+              <a:buNone/>
+            </a:pPr>
+            <a:r>
+              <a:rPr b="1"/>
+              <a:t>Новости</a:t>
+            </a:r>
+            <a:r>
+              <a:rPr/>
+              <a:t> (train): - 25,425 новостей с заголовками + текстом - Извлечение тикеров: 96% покрытие - Период: 2020-2025</a:t>
+            </a:r>
+          </a:p>
+          <a:p>
+            <a:pPr lvl="0" indent="0" marL="0">
+              <a:buNone/>
+            </a:pPr>
+            <a:r>
+              <a:rPr b="1"/>
+              <a:t>Тестовая выборка</a:t>
+            </a:r>
+            <a:r>
+              <a:rPr/>
+              <a:t>: 2,845 предсказаний для 19 тикеров (в 3.7× больше стандартного размера)</a:t>
+            </a:r>
+          </a:p>
+          <a:p>
+            <a:pPr lvl="0" indent="0" marL="0">
+              <a:spcBef>
+                <a:spcPts val="3000"/>
+              </a:spcBef>
+              <a:buNone/>
+            </a:pPr>
+            <a:r>
+              <a:rPr b="1"/>
+              <a:t>Временная корректность ✅</a:t>
+            </a:r>
+          </a:p>
+          <a:p>
+            <a:pPr lvl="0" indent="0">
+              <a:buNone/>
+            </a:pPr>
+            <a:r>
+              <a:rPr>
+                <a:latin typeface="Courier"/>
+              </a:rPr>
+              <a:t>Момент t (предсказание)
+    ↓
+Используем:
+  • Цены ≤ t
+  • Новости ≤ t-1 (задержка 1 день)
+  • Признаки: окна [t-20, t]
+✅ No lookahead bias
+✅ Календарное время (UTC)
+✅ Последовательность событий сохранена</a:t>
+            </a:r>
           </a:p>
         </p:txBody>
       </p:sp>
     </p:spTree>
   </p:cSld>
-  <p:clrMapOvr>
-    <a:masterClrMapping/>
-  </p:clrMapOvr>
 </p:sld>
 </file>
 
@@ -4647,73 +5709,24 @@
           <a:bodyPr/>
           <a:lstStyle/>
           <a:p>
-            <a:pPr marL="0" lvl="0" indent="0">
-              <a:buNone/>
-            </a:pPr>
-            <a:r>
-              <a:rPr dirty="0"/>
-              <a:t>3. 🔬 </a:t>
-            </a:r>
-            <a:r>
-              <a:rPr dirty="0" err="1"/>
-              <a:t>Протокол</a:t>
-            </a:r>
-            <a:r>
-              <a:rPr dirty="0"/>
-              <a:t> </a:t>
-            </a:r>
-            <a:r>
-              <a:rPr dirty="0" err="1"/>
-              <a:t>экспериментов</a:t>
-            </a:r>
-            <a:endParaRPr dirty="0"/>
-          </a:p>
-        </p:txBody>
-      </p:sp>
-      <p:pic>
-        <p:nvPicPr>
-          <p:cNvPr id="6" name="Рисунок 5">
-            <a:extLst>
-              <a:ext uri="{FF2B5EF4-FFF2-40B4-BE49-F238E27FC236}">
-                <a16:creationId xmlns:a16="http://schemas.microsoft.com/office/drawing/2014/main" id="{231F0AF6-0926-4704-17C1-FB9193F935AB}"/>
-              </a:ext>
-            </a:extLst>
-          </p:cNvPr>
-          <p:cNvPicPr>
-            <a:picLocks noChangeAspect="1"/>
-          </p:cNvPicPr>
-          <p:nvPr/>
-        </p:nvPicPr>
-        <p:blipFill>
-          <a:blip r:embed="rId2"/>
-          <a:stretch>
-            <a:fillRect/>
-          </a:stretch>
-        </p:blipFill>
-        <p:spPr>
-          <a:xfrm>
-            <a:off x="1178797" y="821714"/>
-            <a:ext cx="6786405" cy="4424214"/>
-          </a:xfrm>
-          <a:prstGeom prst="rect">
-            <a:avLst/>
-          </a:prstGeom>
-        </p:spPr>
-      </p:pic>
-      <p:sp>
-        <p:nvSpPr>
-          <p:cNvPr id="7" name="Номер слайда 6">
-            <a:extLst>
-              <a:ext uri="{FF2B5EF4-FFF2-40B4-BE49-F238E27FC236}">
-                <a16:creationId xmlns:a16="http://schemas.microsoft.com/office/drawing/2014/main" id="{1E5D9161-E96E-918E-AB30-C0536C05B795}"/>
-              </a:ext>
-            </a:extLst>
-          </p:cNvPr>
-          <p:cNvSpPr>
-            <a:spLocks noGrp="1"/>
-          </p:cNvSpPr>
-          <p:nvPr>
-            <p:ph type="sldNum" sz="quarter" idx="12"/>
+            <a:pPr lvl="0" indent="0" marL="0">
+              <a:buNone/>
+            </a:pPr>
+            <a:r>
+              <a:rPr/>
+              <a:t>3. 🔬 Протокол экспериментов</a:t>
+            </a:r>
+          </a:p>
+        </p:txBody>
+      </p:sp>
+      <p:sp>
+        <p:nvSpPr>
+          <p:cNvPr id="3" name="Content Placeholder 2"/>
+          <p:cNvSpPr>
+            <a:spLocks noGrp="1"/>
+          </p:cNvSpPr>
+          <p:nvPr>
+            <p:ph idx="1"/>
           </p:nvPr>
         </p:nvSpPr>
         <p:spPr/>
@@ -4721,19 +5734,117 @@
           <a:bodyPr/>
           <a:lstStyle/>
           <a:p>
-            <a:fld id="{C5EF2332-01BF-834F-8236-50238282D533}" type="slidenum">
-              <a:rPr lang="en-US" smtClean="0"/>
-              <a:t>5</a:t>
-            </a:fld>
-            <a:endParaRPr lang="en-US"/>
+            <a:pPr lvl="0" indent="0" marL="0">
+              <a:spcBef>
+                <a:spcPts val="3000"/>
+              </a:spcBef>
+              <a:buNone/>
+            </a:pPr>
+            <a:r>
+              <a:rPr b="1"/>
+              <a:t>Временные сплиты</a:t>
+            </a:r>
+          </a:p>
+          <a:p>
+            <a:pPr lvl="0" indent="0">
+              <a:buNone/>
+            </a:pPr>
+            <a:r>
+              <a:rPr>
+                <a:latin typeface="Courier"/>
+              </a:rPr>
+              <a:t>Train: 80% (первые по времени)
+Val:   20% (последние по времени)
+Test:  отложенная выборка</a:t>
+            </a:r>
+          </a:p>
+          <a:p>
+            <a:pPr lvl="0" indent="0" marL="0">
+              <a:spcBef>
+                <a:spcPts val="3000"/>
+              </a:spcBef>
+              <a:buNone/>
+            </a:pPr>
+            <a:r>
+              <a:rPr b="1"/>
+              <a:t>Признаки</a:t>
+            </a:r>
+          </a:p>
+          <a:p>
+            <a:pPr lvl="0" indent="0" marL="0">
+              <a:buNone/>
+            </a:pPr>
+            <a:r>
+              <a:rPr b="1"/>
+              <a:t>Технические индикаторы</a:t>
+            </a:r>
+            <a:r>
+              <a:rPr/>
+              <a:t> (из котировок): - Доходности (1, 5, 10, 20 дней) - Moving Averages (5, 10, 20) - RSI, MACD, Bollinger Bands - Волатильность, объемы</a:t>
+            </a:r>
+          </a:p>
+          <a:p>
+            <a:pPr lvl="0" indent="0" marL="0">
+              <a:buNone/>
+            </a:pPr>
+            <a:r>
+              <a:rPr b="1"/>
+              <a:t>Признаки из новостей</a:t>
+            </a:r>
+            <a:r>
+              <a:rPr/>
+              <a:t>: - Количество новостей за период - Агрегация по дням</a:t>
+            </a:r>
+          </a:p>
+          <a:p>
+            <a:pPr lvl="0" indent="0" marL="0">
+              <a:buNone/>
+            </a:pPr>
+            <a:r>
+              <a:rPr b="1"/>
+              <a:t>Итого</a:t>
+            </a:r>
+            <a:r>
+              <a:rPr/>
+              <a:t>: ~31 признак на каждую точку</a:t>
+            </a:r>
+          </a:p>
+          <a:p>
+            <a:pPr lvl="0" indent="0" marL="0">
+              <a:spcBef>
+                <a:spcPts val="3000"/>
+              </a:spcBef>
+              <a:buNone/>
+            </a:pPr>
+            <a:r>
+              <a:rPr b="1"/>
+              <a:t>Устойчивость</a:t>
+            </a:r>
+          </a:p>
+          <a:p>
+            <a:pPr lvl="0"/>
+            <a:r>
+              <a:rPr/>
+              <a:t>Фиксированный </a:t>
+            </a:r>
+            <a:r>
+              <a:rPr>
+                <a:latin typeface="Courier"/>
+              </a:rPr>
+              <a:t>RANDOM_SEED = 42</a:t>
+            </a:r>
+          </a:p>
+          <a:p>
+            <a:pPr lvl="0"/>
+            <a:r>
+              <a:rPr/>
+              <a:t>Воспроизводимые результаты ✅</a:t>
+            </a:r>
           </a:p>
         </p:txBody>
       </p:sp>
     </p:spTree>
   </p:cSld>
-  <p:clrMapOvr>
-    <a:masterClrMapping/>
-  </p:clrMapOvr>
 </p:sld>
 </file>
 
@@ -4771,90 +5882,350 @@
           </a:xfrm>
         </p:spPr>
         <p:txBody>
-          <a:bodyPr>
-            <a:normAutofit fontScale="90000"/>
-          </a:bodyPr>
-          <a:lstStyle/>
-          <a:p>
-            <a:pPr marL="0" lvl="0" indent="0">
-              <a:buNone/>
-            </a:pPr>
-            <a:r>
-              <a:rPr sz="3300" dirty="0"/>
-              <a:t>4. 📈 </a:t>
-            </a:r>
-            <a:r>
-              <a:rPr sz="3300" dirty="0" err="1"/>
-              <a:t>Результаты</a:t>
-            </a:r>
-            <a:endParaRPr sz="3300" dirty="0"/>
-          </a:p>
-        </p:txBody>
-      </p:sp>
-      <p:pic>
-        <p:nvPicPr>
-          <p:cNvPr id="9" name="Рисунок 8">
-            <a:extLst>
-              <a:ext uri="{FF2B5EF4-FFF2-40B4-BE49-F238E27FC236}">
-                <a16:creationId xmlns:a16="http://schemas.microsoft.com/office/drawing/2014/main" id="{46F85514-8F6B-CAC1-F4BD-6CA4F4F410F8}"/>
-              </a:ext>
-            </a:extLst>
-          </p:cNvPr>
-          <p:cNvPicPr>
-            <a:picLocks noChangeAspect="1"/>
-          </p:cNvPicPr>
-          <p:nvPr/>
-        </p:nvPicPr>
-        <p:blipFill>
-          <a:blip r:embed="rId2"/>
-          <a:stretch>
-            <a:fillRect/>
-          </a:stretch>
-        </p:blipFill>
-        <p:spPr>
-          <a:xfrm>
-            <a:off x="4276089" y="0"/>
-            <a:ext cx="5176209" cy="5143500"/>
-          </a:xfrm>
-          <a:prstGeom prst="rect">
-            <a:avLst/>
-          </a:prstGeom>
-        </p:spPr>
-      </p:pic>
-      <p:sp>
-        <p:nvSpPr>
-          <p:cNvPr id="10" name="Номер слайда 9">
-            <a:extLst>
-              <a:ext uri="{FF2B5EF4-FFF2-40B4-BE49-F238E27FC236}">
-                <a16:creationId xmlns:a16="http://schemas.microsoft.com/office/drawing/2014/main" id="{C5F5DA0C-AA51-5625-3DD7-9E84B332AA97}"/>
-              </a:ext>
-            </a:extLst>
-          </p:cNvPr>
-          <p:cNvSpPr>
-            <a:spLocks noGrp="1"/>
-          </p:cNvSpPr>
-          <p:nvPr>
-            <p:ph type="sldNum" sz="quarter" idx="12"/>
-          </p:nvPr>
-        </p:nvSpPr>
-        <p:spPr/>
-        <p:txBody>
           <a:bodyPr/>
           <a:lstStyle/>
           <a:p>
-            <a:fld id="{C5EF2332-01BF-834F-8236-50238282D533}" type="slidenum">
-              <a:rPr lang="en-US" smtClean="0"/>
-              <a:t>6</a:t>
-            </a:fld>
-            <a:endParaRPr lang="en-US"/>
-          </a:p>
-        </p:txBody>
-      </p:sp>
+            <a:pPr lvl="0" indent="0" marL="0">
+              <a:buNone/>
+            </a:pPr>
+            <a:r>
+              <a:rPr/>
+              <a:t>4. 📈 Результаты</a:t>
+            </a:r>
+          </a:p>
+        </p:txBody>
+      </p:sp>
+      <p:sp>
+        <p:nvSpPr>
+          <p:cNvPr id="4" name="Text Placeholder 3"/>
+          <p:cNvSpPr>
+            <a:spLocks noGrp="1"/>
+          </p:cNvSpPr>
+          <p:nvPr>
+            <p:ph idx="2" sz="half" type="body"/>
+          </p:nvPr>
+        </p:nvSpPr>
+        <p:spPr/>
+        <p:txBody>
+          <a:bodyPr/>
+          <a:lstStyle/>
+          <a:p>
+            <a:pPr lvl="0" indent="0" marL="0">
+              <a:spcBef>
+                <a:spcPts val="3000"/>
+              </a:spcBef>
+              <a:buNone/>
+            </a:pPr>
+            <a:r>
+              <a:rPr b="1"/>
+              <a:t>Наше решение</a:t>
+            </a:r>
+          </a:p>
+          <a:p>
+            <a:pPr lvl="0" indent="0" marL="0">
+              <a:buNone/>
+            </a:pPr>
+            <a:r>
+              <a:rPr b="1"/>
+              <a:t>Архитектура</a:t>
+            </a:r>
+            <a:r>
+              <a:rPr/>
+              <a:t>: 20 моделей LightGBM - По одной на каждый горизонт (1-20 дней) - ~31 признак (технические + новости)</a:t>
+            </a:r>
+          </a:p>
+          <a:p>
+            <a:pPr lvl="0" indent="0" marL="0">
+              <a:spcBef>
+                <a:spcPts val="3000"/>
+              </a:spcBef>
+              <a:buNone/>
+            </a:pPr>
+            <a:r>
+              <a:rPr b="1"/>
+              <a:t>Полученные метрики</a:t>
+            </a:r>
+          </a:p>
+          <a:p>
+            <a:pPr lvl="0" indent="0" marL="0">
+              <a:buNone/>
+            </a:pPr>
+            <a:r>
+              <a:rPr b="1"/>
+              <a:t>Общая статистика предсказаний (2,845 строк, 19 тикеров):</a:t>
+            </a:r>
+          </a:p>
+        </p:txBody>
+      </p:sp>
+      <p:graphicFrame>
+        <p:nvGraphicFramePr>
+          <p:cNvPr id="6" name="Content Placeholder 5"/>
+          <p:cNvGraphicFramePr>
+            <a:graphicFrameLocks noGrp="1"/>
+          </p:cNvGraphicFramePr>
+          <p:nvPr>
+            <p:ph idx="1"/>
+          </p:nvPr>
+        </p:nvGraphicFramePr>
+        <p:xfrm>
+          <a:off x="3568700" y="203200"/>
+          <a:ext cx="5105400" cy="4381500"/>
+        </p:xfrm>
+        <a:graphic>
+          <a:graphicData uri="http://schemas.openxmlformats.org/drawingml/2006/table">
+            <a:tbl>
+              <a:tblPr firstRow="1" bandRow="1">
+                <a:tableStyleId>{5C22544A-7EE6-4342-B048-85BDC9FD1C3A}</a:tableStyleId>
+              </a:tblPr>
+              <a:tblGrid>
+                <a:gridCol w="1701800"/>
+                <a:gridCol w="1701800"/>
+                <a:gridCol w="1701800"/>
+              </a:tblGrid>
+              <a:tr h="0">
+                <a:tc>
+                  <a:txBody>
+                    <a:bodyPr/>
+                    <a:lstStyle/>
+                    <a:p>
+                      <a:pPr lvl="0" indent="0" marL="0">
+                        <a:buNone/>
+                      </a:pPr>
+                      <a:r>
+                        <a:rPr/>
+                        <a:t>Метрика</a:t>
+                      </a:r>
+                    </a:p>
+                  </a:txBody>
+                  <a:tcPr/>
+                </a:tc>
+                <a:tc>
+                  <a:txBody>
+                    <a:bodyPr/>
+                    <a:lstStyle/>
+                    <a:p>
+                      <a:pPr lvl="0" indent="0" marL="0">
+                        <a:buNone/>
+                      </a:pPr>
+                      <a:r>
+                        <a:rPr/>
+                        <a:t>Значение</a:t>
+                      </a:r>
+                    </a:p>
+                  </a:txBody>
+                  <a:tcPr/>
+                </a:tc>
+                <a:tc>
+                  <a:txBody>
+                    <a:bodyPr/>
+                    <a:lstStyle/>
+                    <a:p>
+                      <a:pPr lvl="0" indent="0" marL="0">
+                        <a:buNone/>
+                      </a:pPr>
+                      <a:r>
+                        <a:rPr/>
+                        <a:t>Интерпретация</a:t>
+                      </a:r>
+                    </a:p>
+                  </a:txBody>
+                  <a:tcPr/>
+                </a:tc>
+              </a:tr>
+              <a:tr h="0">
+                <a:tc>
+                  <a:txBody>
+                    <a:bodyPr/>
+                    <a:lstStyle/>
+                    <a:p>
+                      <a:pPr lvl="0" indent="0" marL="0">
+                        <a:buNone/>
+                      </a:pPr>
+                      <a:r>
+                        <a:rPr b="1"/>
+                        <a:t>Среднее</a:t>
+                      </a:r>
+                    </a:p>
+                  </a:txBody>
+                </a:tc>
+                <a:tc>
+                  <a:txBody>
+                    <a:bodyPr/>
+                    <a:lstStyle/>
+                    <a:p>
+                      <a:pPr lvl="0" indent="0" marL="0">
+                        <a:buNone/>
+                      </a:pPr>
+                      <a:r>
+                        <a:rPr/>
+                        <a:t>0.483</a:t>
+                      </a:r>
+                    </a:p>
+                  </a:txBody>
+                </a:tc>
+                <a:tc>
+                  <a:txBody>
+                    <a:bodyPr/>
+                    <a:lstStyle/>
+                    <a:p>
+                      <a:pPr lvl="0" indent="0" marL="0">
+                        <a:buNone/>
+                      </a:pPr>
+                      <a:r>
+                        <a:rPr/>
+                        <a:t>Идеальная калибровка (≈0.5)</a:t>
+                      </a:r>
+                    </a:p>
+                  </a:txBody>
+                </a:tc>
+              </a:tr>
+              <a:tr h="0">
+                <a:tc>
+                  <a:txBody>
+                    <a:bodyPr/>
+                    <a:lstStyle/>
+                    <a:p>
+                      <a:pPr lvl="0" indent="0" marL="0">
+                        <a:buNone/>
+                      </a:pPr>
+                      <a:r>
+                        <a:rPr b="1"/>
+                        <a:t>Std</a:t>
+                      </a:r>
+                    </a:p>
+                  </a:txBody>
+                </a:tc>
+                <a:tc>
+                  <a:txBody>
+                    <a:bodyPr/>
+                    <a:lstStyle/>
+                    <a:p>
+                      <a:pPr lvl="0" indent="0" marL="0">
+                        <a:buNone/>
+                      </a:pPr>
+                      <a:r>
+                        <a:rPr/>
+                        <a:t>0.135</a:t>
+                      </a:r>
+                    </a:p>
+                  </a:txBody>
+                </a:tc>
+                <a:tc>
+                  <a:txBody>
+                    <a:bodyPr/>
+                    <a:lstStyle/>
+                    <a:p>
+                      <a:pPr lvl="0" indent="0" marL="0">
+                        <a:buNone/>
+                      </a:pPr>
+                      <a:r>
+                        <a:rPr/>
+                        <a:t>Хороший разброс - модель различает ситуации</a:t>
+                      </a:r>
+                    </a:p>
+                  </a:txBody>
+                </a:tc>
+              </a:tr>
+              <a:tr h="0">
+                <a:tc>
+                  <a:txBody>
+                    <a:bodyPr/>
+                    <a:lstStyle/>
+                    <a:p>
+                      <a:pPr lvl="0" indent="0" marL="0">
+                        <a:buNone/>
+                      </a:pPr>
+                      <a:r>
+                        <a:rPr b="1"/>
+                        <a:t>Min / Max</a:t>
+                      </a:r>
+                    </a:p>
+                  </a:txBody>
+                </a:tc>
+                <a:tc>
+                  <a:txBody>
+                    <a:bodyPr/>
+                    <a:lstStyle/>
+                    <a:p>
+                      <a:pPr lvl="0" indent="0" marL="0">
+                        <a:buNone/>
+                      </a:pPr>
+                      <a:r>
+                        <a:rPr/>
+                        <a:t>0.050 / 0.950</a:t>
+                      </a:r>
+                    </a:p>
+                  </a:txBody>
+                </a:tc>
+                <a:tc>
+                  <a:txBody>
+                    <a:bodyPr/>
+                    <a:lstStyle/>
+                    <a:p>
+                      <a:pPr lvl="0" indent="0" marL="0">
+                        <a:buNone/>
+                      </a:pPr>
+                      <a:r>
+                        <a:rPr/>
+                        <a:t>Использует весь диапазон [0,1]</a:t>
+                      </a:r>
+                    </a:p>
+                  </a:txBody>
+                </a:tc>
+              </a:tr>
+              <a:tr h="0">
+                <a:tc>
+                  <a:txBody>
+                    <a:bodyPr/>
+                    <a:lstStyle/>
+                    <a:p>
+                      <a:pPr lvl="0" indent="0" marL="0">
+                        <a:buNone/>
+                      </a:pPr>
+                      <a:r>
+                        <a:rPr b="1"/>
+                        <a:t>Медиана</a:t>
+                      </a:r>
+                    </a:p>
+                  </a:txBody>
+                </a:tc>
+                <a:tc>
+                  <a:txBody>
+                    <a:bodyPr/>
+                    <a:lstStyle/>
+                    <a:p>
+                      <a:pPr lvl="0" indent="0" marL="0">
+                        <a:buNone/>
+                      </a:pPr>
+                      <a:r>
+                        <a:rPr/>
+                        <a:t>0.484</a:t>
+                      </a:r>
+                    </a:p>
+                  </a:txBody>
+                </a:tc>
+                <a:tc>
+                  <a:txBody>
+                    <a:bodyPr/>
+                    <a:lstStyle/>
+                    <a:p>
+                      <a:pPr lvl="0" indent="0" marL="0">
+                        <a:buNone/>
+                      </a:pPr>
+                      <a:r>
+                        <a:rPr/>
+                        <a:t>Симметричное распределение</a:t>
+                      </a:r>
+                    </a:p>
+                  </a:txBody>
+                </a:tc>
+              </a:tr>
+            </a:tbl>
+          </a:graphicData>
+        </a:graphic>
+      </p:graphicFrame>
     </p:spTree>
   </p:cSld>
-  <p:clrMapOvr>
-    <a:masterClrMapping/>
-  </p:clrMapOvr>
 </p:sld>
 </file>
 
@@ -4877,101 +6248,12 @@
       </p:grpSpPr>
       <p:sp>
         <p:nvSpPr>
-          <p:cNvPr id="2" name="Title 1"/>
-          <p:cNvSpPr>
-            <a:spLocks noGrp="1"/>
-          </p:cNvSpPr>
-          <p:nvPr>
-            <p:ph type="title"/>
-          </p:nvPr>
-        </p:nvSpPr>
-        <p:spPr>
-          <a:xfrm>
-            <a:off x="285795" y="807688"/>
-            <a:ext cx="3351124" cy="871538"/>
-          </a:xfrm>
-        </p:spPr>
-        <p:txBody>
-          <a:bodyPr>
-            <a:normAutofit fontScale="90000"/>
-          </a:bodyPr>
-          <a:lstStyle/>
-          <a:p>
-            <a:pPr marL="0" lvl="0" indent="0">
-              <a:buNone/>
-            </a:pPr>
-            <a:r>
-              <a:rPr sz="3300" dirty="0"/>
-              <a:t>5. ⚙️ </a:t>
-            </a:r>
-            <a:r>
-              <a:rPr sz="3300" dirty="0" err="1"/>
-              <a:t>Эффективность</a:t>
-            </a:r>
-            <a:r>
-              <a:rPr sz="3300" dirty="0"/>
-              <a:t> </a:t>
-            </a:r>
-            <a:r>
-              <a:rPr sz="3300" dirty="0" err="1"/>
-              <a:t>и</a:t>
-            </a:r>
-            <a:r>
-              <a:rPr sz="3300" dirty="0"/>
-              <a:t> </a:t>
-            </a:r>
-            <a:r>
-              <a:rPr sz="3300" dirty="0" err="1"/>
-              <a:t>применимость</a:t>
-            </a:r>
-            <a:endParaRPr sz="3300" dirty="0"/>
-          </a:p>
-        </p:txBody>
-      </p:sp>
-      <p:pic>
-        <p:nvPicPr>
-          <p:cNvPr id="9" name="Рисунок 8">
-            <a:extLst>
-              <a:ext uri="{FF2B5EF4-FFF2-40B4-BE49-F238E27FC236}">
-                <a16:creationId xmlns:a16="http://schemas.microsoft.com/office/drawing/2014/main" id="{D857A099-A8C8-213B-4EF4-26BCA1D11A42}"/>
-              </a:ext>
-            </a:extLst>
-          </p:cNvPr>
-          <p:cNvPicPr>
-            <a:picLocks noChangeAspect="1"/>
-          </p:cNvPicPr>
-          <p:nvPr/>
-        </p:nvPicPr>
-        <p:blipFill>
-          <a:blip r:embed="rId2"/>
-          <a:stretch>
-            <a:fillRect/>
-          </a:stretch>
-        </p:blipFill>
-        <p:spPr>
-          <a:xfrm>
-            <a:off x="3906292" y="0"/>
-            <a:ext cx="6415880" cy="5143500"/>
-          </a:xfrm>
-          <a:prstGeom prst="rect">
-            <a:avLst/>
-          </a:prstGeom>
-        </p:spPr>
-      </p:pic>
-      <p:sp>
-        <p:nvSpPr>
-          <p:cNvPr id="10" name="Номер слайда 9">
-            <a:extLst>
-              <a:ext uri="{FF2B5EF4-FFF2-40B4-BE49-F238E27FC236}">
-                <a16:creationId xmlns:a16="http://schemas.microsoft.com/office/drawing/2014/main" id="{27136603-F54C-F9A4-2F7F-3DECE286695E}"/>
-              </a:ext>
-            </a:extLst>
-          </p:cNvPr>
-          <p:cNvSpPr>
-            <a:spLocks noGrp="1"/>
-          </p:cNvSpPr>
-          <p:nvPr>
-            <p:ph type="sldNum" sz="quarter" idx="12"/>
+          <p:cNvPr id="4" name="Text Placeholder 3"/>
+          <p:cNvSpPr>
+            <a:spLocks noGrp="1"/>
+          </p:cNvSpPr>
+          <p:nvPr>
+            <p:ph idx="2" sz="half" type="body"/>
           </p:nvPr>
         </p:nvSpPr>
         <p:spPr/>
@@ -4979,19 +6261,335 @@
           <a:bodyPr/>
           <a:lstStyle/>
           <a:p>
-            <a:fld id="{C5EF2332-01BF-834F-8236-50238282D533}" type="slidenum">
-              <a:rPr lang="en-US" smtClean="0"/>
-              <a:t>7</a:t>
-            </a:fld>
-            <a:endParaRPr lang="en-US"/>
-          </a:p>
-        </p:txBody>
-      </p:sp>
+            <a:pPr lvl="0" indent="0" marL="0">
+              <a:spcBef>
+                <a:spcPts val="3000"/>
+              </a:spcBef>
+              <a:buNone/>
+            </a:pPr>
+            <a:r>
+              <a:rPr b="1"/>
+              <a:t>Распределение вероятностей</a:t>
+            </a:r>
+          </a:p>
+        </p:txBody>
+      </p:sp>
+      <p:graphicFrame>
+        <p:nvGraphicFramePr>
+          <p:cNvPr id="6" name="Content Placeholder 5"/>
+          <p:cNvGraphicFramePr>
+            <a:graphicFrameLocks noGrp="1"/>
+          </p:cNvGraphicFramePr>
+          <p:nvPr>
+            <p:ph idx="1"/>
+          </p:nvPr>
+        </p:nvGraphicFramePr>
+        <p:xfrm>
+          <a:off x="3568700" y="203200"/>
+          <a:ext cx="5105400" cy="4381500"/>
+        </p:xfrm>
+        <a:graphic>
+          <a:graphicData uri="http://schemas.openxmlformats.org/drawingml/2006/table">
+            <a:tbl>
+              <a:tblPr firstRow="1" bandRow="1">
+                <a:tableStyleId>{5C22544A-7EE6-4342-B048-85BDC9FD1C3A}</a:tableStyleId>
+              </a:tblPr>
+              <a:tblGrid>
+                <a:gridCol w="1701800"/>
+                <a:gridCol w="1701800"/>
+                <a:gridCol w="1701800"/>
+              </a:tblGrid>
+              <a:tr h="0">
+                <a:tc>
+                  <a:txBody>
+                    <a:bodyPr/>
+                    <a:lstStyle/>
+                    <a:p>
+                      <a:pPr lvl="0" indent="0" marL="0">
+                        <a:buNone/>
+                      </a:pPr>
+                      <a:r>
+                        <a:rPr/>
+                        <a:t>Диапазон</a:t>
+                      </a:r>
+                    </a:p>
+                  </a:txBody>
+                  <a:tcPr/>
+                </a:tc>
+                <a:tc>
+                  <a:txBody>
+                    <a:bodyPr/>
+                    <a:lstStyle/>
+                    <a:p>
+                      <a:pPr lvl="0" indent="0" marL="0">
+                        <a:buNone/>
+                      </a:pPr>
+                      <a:r>
+                        <a:rPr/>
+                        <a:t>Доля</a:t>
+                      </a:r>
+                    </a:p>
+                  </a:txBody>
+                  <a:tcPr/>
+                </a:tc>
+                <a:tc>
+                  <a:txBody>
+                    <a:bodyPr/>
+                    <a:lstStyle/>
+                    <a:p>
+                      <a:pPr lvl="0" indent="0" marL="0">
+                        <a:buNone/>
+                      </a:pPr>
+                      <a:r>
+                        <a:rPr/>
+                        <a:t>Комментарий</a:t>
+                      </a:r>
+                    </a:p>
+                  </a:txBody>
+                  <a:tcPr/>
+                </a:tc>
+              </a:tr>
+              <a:tr h="0">
+                <a:tc>
+                  <a:txBody>
+                    <a:bodyPr/>
+                    <a:lstStyle/>
+                    <a:p>
+                      <a:pPr lvl="0" indent="0" marL="0">
+                        <a:buNone/>
+                      </a:pPr>
+                      <a:r>
+                        <a:rPr/>
+                        <a:t>&lt; 0.2</a:t>
+                      </a:r>
+                    </a:p>
+                  </a:txBody>
+                </a:tc>
+                <a:tc>
+                  <a:txBody>
+                    <a:bodyPr/>
+                    <a:lstStyle/>
+                    <a:p>
+                      <a:pPr lvl="0" indent="0" marL="0">
+                        <a:buNone/>
+                      </a:pPr>
+                      <a:r>
+                        <a:rPr/>
+                        <a:t>2.1%</a:t>
+                      </a:r>
+                    </a:p>
+                  </a:txBody>
+                </a:tc>
+                <a:tc>
+                  <a:txBody>
+                    <a:bodyPr/>
+                    <a:lstStyle/>
+                    <a:p>
+                      <a:pPr lvl="0" indent="0" marL="0">
+                        <a:buNone/>
+                      </a:pPr>
+                      <a:r>
+                        <a:rPr/>
+                        <a:t>Редкие уверенные падения</a:t>
+                      </a:r>
+                    </a:p>
+                  </a:txBody>
+                </a:tc>
+              </a:tr>
+              <a:tr h="0">
+                <a:tc>
+                  <a:txBody>
+                    <a:bodyPr/>
+                    <a:lstStyle/>
+                    <a:p>
+                      <a:pPr lvl="0" indent="0" marL="0">
+                        <a:buNone/>
+                      </a:pPr>
+                      <a:r>
+                        <a:rPr/>
+                        <a:t>0.2-0.4</a:t>
+                      </a:r>
+                    </a:p>
+                  </a:txBody>
+                </a:tc>
+                <a:tc>
+                  <a:txBody>
+                    <a:bodyPr/>
+                    <a:lstStyle/>
+                    <a:p>
+                      <a:pPr lvl="0" indent="0" marL="0">
+                        <a:buNone/>
+                      </a:pPr>
+                      <a:r>
+                        <a:rPr/>
+                        <a:t>23.1%</a:t>
+                      </a:r>
+                    </a:p>
+                  </a:txBody>
+                </a:tc>
+                <a:tc>
+                  <a:txBody>
+                    <a:bodyPr/>
+                    <a:lstStyle/>
+                    <a:p>
+                      <a:pPr lvl="0" indent="0" marL="0">
+                        <a:buNone/>
+                      </a:pPr>
+                      <a:r>
+                        <a:rPr/>
+                        <a:t>Вероятное падение</a:t>
+                      </a:r>
+                    </a:p>
+                  </a:txBody>
+                </a:tc>
+              </a:tr>
+              <a:tr h="0">
+                <a:tc>
+                  <a:txBody>
+                    <a:bodyPr/>
+                    <a:lstStyle/>
+                    <a:p>
+                      <a:pPr lvl="0" indent="0" marL="0">
+                        <a:buNone/>
+                      </a:pPr>
+                      <a:r>
+                        <a:rPr/>
+                        <a:t>0.4-0.6</a:t>
+                      </a:r>
+                    </a:p>
+                  </a:txBody>
+                </a:tc>
+                <a:tc>
+                  <a:txBody>
+                    <a:bodyPr/>
+                    <a:lstStyle/>
+                    <a:p>
+                      <a:pPr lvl="0" indent="0" marL="0">
+                        <a:buNone/>
+                      </a:pPr>
+                      <a:r>
+                        <a:rPr b="1"/>
+                        <a:t>57.2%</a:t>
+                      </a:r>
+                    </a:p>
+                  </a:txBody>
+                </a:tc>
+                <a:tc>
+                  <a:txBody>
+                    <a:bodyPr/>
+                    <a:lstStyle/>
+                    <a:p>
+                      <a:pPr lvl="0" indent="0" marL="0">
+                        <a:buNone/>
+                      </a:pPr>
+                      <a:r>
+                        <a:rPr b="1"/>
+                        <a:t>Большинство в центре - отлично!</a:t>
+                      </a:r>
+                    </a:p>
+                  </a:txBody>
+                </a:tc>
+              </a:tr>
+              <a:tr h="0">
+                <a:tc>
+                  <a:txBody>
+                    <a:bodyPr/>
+                    <a:lstStyle/>
+                    <a:p>
+                      <a:pPr lvl="0" indent="0" marL="0">
+                        <a:buNone/>
+                      </a:pPr>
+                      <a:r>
+                        <a:rPr/>
+                        <a:t>0.6-0.8</a:t>
+                      </a:r>
+                    </a:p>
+                  </a:txBody>
+                </a:tc>
+                <a:tc>
+                  <a:txBody>
+                    <a:bodyPr/>
+                    <a:lstStyle/>
+                    <a:p>
+                      <a:pPr lvl="0" indent="0" marL="0">
+                        <a:buNone/>
+                      </a:pPr>
+                      <a:r>
+                        <a:rPr/>
+                        <a:t>16.1%</a:t>
+                      </a:r>
+                    </a:p>
+                  </a:txBody>
+                </a:tc>
+                <a:tc>
+                  <a:txBody>
+                    <a:bodyPr/>
+                    <a:lstStyle/>
+                    <a:p>
+                      <a:pPr lvl="0" indent="0" marL="0">
+                        <a:buNone/>
+                      </a:pPr>
+                      <a:r>
+                        <a:rPr/>
+                        <a:t>Вероятный рост</a:t>
+                      </a:r>
+                    </a:p>
+                  </a:txBody>
+                </a:tc>
+              </a:tr>
+              <a:tr h="0">
+                <a:tc>
+                  <a:txBody>
+                    <a:bodyPr/>
+                    <a:lstStyle/>
+                    <a:p>
+                      <a:pPr lvl="0" indent="0" marL="0">
+                        <a:buNone/>
+                      </a:pPr>
+                      <a:r>
+                        <a:rPr/>
+                        <a:t>≥ 0.8</a:t>
+                      </a:r>
+                    </a:p>
+                  </a:txBody>
+                </a:tc>
+                <a:tc>
+                  <a:txBody>
+                    <a:bodyPr/>
+                    <a:lstStyle/>
+                    <a:p>
+                      <a:pPr lvl="0" indent="0" marL="0">
+                        <a:buNone/>
+                      </a:pPr>
+                      <a:r>
+                        <a:rPr/>
+                        <a:t>1.6%</a:t>
+                      </a:r>
+                    </a:p>
+                  </a:txBody>
+                </a:tc>
+                <a:tc>
+                  <a:txBody>
+                    <a:bodyPr/>
+                    <a:lstStyle/>
+                    <a:p>
+                      <a:pPr lvl="0" indent="0" marL="0">
+                        <a:buNone/>
+                      </a:pPr>
+                      <a:r>
+                        <a:rPr/>
+                        <a:t>Редкие уверенные росты</a:t>
+                      </a:r>
+                    </a:p>
+                  </a:txBody>
+                </a:tc>
+              </a:tr>
+            </a:tbl>
+          </a:graphicData>
+        </a:graphic>
+      </p:graphicFrame>
     </p:spTree>
   </p:cSld>
-  <p:clrMapOvr>
-    <a:masterClrMapping/>
-  </p:clrMapOvr>
 </p:sld>
 </file>
 
@@ -5014,12 +6612,12 @@
       </p:grpSpPr>
       <p:sp>
         <p:nvSpPr>
-          <p:cNvPr id="2" name="Title 1"/>
-          <p:cNvSpPr>
-            <a:spLocks noGrp="1"/>
-          </p:cNvSpPr>
-          <p:nvPr>
-            <p:ph type="title"/>
+          <p:cNvPr id="3" name="Content Placeholder 2"/>
+          <p:cNvSpPr>
+            <a:spLocks noGrp="1"/>
+          </p:cNvSpPr>
+          <p:nvPr>
+            <p:ph idx="1"/>
           </p:nvPr>
         </p:nvSpPr>
         <p:spPr/>
@@ -5027,79 +6625,22 @@
           <a:bodyPr/>
           <a:lstStyle/>
           <a:p>
-            <a:pPr marL="0" lvl="0" indent="0">
-              <a:buNone/>
-            </a:pPr>
-            <a:r>
-              <a:t>6. 💡 Уникальность / Вклад</a:t>
-            </a:r>
-          </a:p>
-        </p:txBody>
-      </p:sp>
-      <p:pic>
-        <p:nvPicPr>
-          <p:cNvPr id="6" name="Рисунок 5">
-            <a:extLst>
-              <a:ext uri="{FF2B5EF4-FFF2-40B4-BE49-F238E27FC236}">
-                <a16:creationId xmlns:a16="http://schemas.microsoft.com/office/drawing/2014/main" id="{829F36E6-9729-B392-7E1D-C73293961C50}"/>
-              </a:ext>
-            </a:extLst>
-          </p:cNvPr>
-          <p:cNvPicPr>
-            <a:picLocks noChangeAspect="1"/>
-          </p:cNvPicPr>
-          <p:nvPr/>
-        </p:nvPicPr>
-        <p:blipFill>
-          <a:blip r:embed="rId3"/>
-          <a:stretch>
-            <a:fillRect/>
-          </a:stretch>
-        </p:blipFill>
-        <p:spPr>
-          <a:xfrm>
-            <a:off x="1920085" y="873803"/>
-            <a:ext cx="5535791" cy="4269698"/>
-          </a:xfrm>
-          <a:prstGeom prst="rect">
-            <a:avLst/>
-          </a:prstGeom>
-        </p:spPr>
-      </p:pic>
-      <p:sp>
-        <p:nvSpPr>
-          <p:cNvPr id="7" name="Номер слайда 6">
-            <a:extLst>
-              <a:ext uri="{FF2B5EF4-FFF2-40B4-BE49-F238E27FC236}">
-                <a16:creationId xmlns:a16="http://schemas.microsoft.com/office/drawing/2014/main" id="{E6AC27A1-DB1C-FA67-1553-F88BC9ADC443}"/>
-              </a:ext>
-            </a:extLst>
-          </p:cNvPr>
-          <p:cNvSpPr>
-            <a:spLocks noGrp="1"/>
-          </p:cNvSpPr>
-          <p:nvPr>
-            <p:ph type="sldNum" sz="quarter" idx="12"/>
-          </p:nvPr>
-        </p:nvSpPr>
-        <p:spPr/>
-        <p:txBody>
-          <a:bodyPr/>
-          <a:lstStyle/>
-          <a:p>
-            <a:fld id="{C5EF2332-01BF-834F-8236-50238282D533}" type="slidenum">
-              <a:rPr lang="en-US" smtClean="0"/>
-              <a:t>8</a:t>
-            </a:fld>
-            <a:endParaRPr lang="en-US"/>
+            <a:pPr lvl="0" indent="0" marL="0">
+              <a:buNone/>
+            </a:pPr>
+            <a:r>
+              <a:rPr b="1"/>
+              <a:t>Вывод</a:t>
+            </a:r>
+            <a:r>
+              <a:rPr/>
+              <a:t>: Идеальная калибровка! 57% предсказаний в центральном диапазоне ✅</a:t>
+            </a:r>
           </a:p>
         </p:txBody>
       </p:sp>
     </p:spTree>
   </p:cSld>
-  <p:clrMapOvr>
-    <a:masterClrMapping/>
-  </p:clrMapOvr>
 </p:sld>
 </file>
 
@@ -5130,94 +6671,34 @@
             <p:ph type="title"/>
           </p:nvPr>
         </p:nvSpPr>
-        <p:spPr/>
+        <p:spPr>
+          <a:xfrm>
+            <a:off x="457201" y="204787"/>
+            <a:ext cx="3008313" cy="871538"/>
+          </a:xfrm>
+        </p:spPr>
         <p:txBody>
           <a:bodyPr/>
           <a:lstStyle/>
           <a:p>
-            <a:pPr marL="0" lvl="0" indent="0">
-              <a:buNone/>
-            </a:pPr>
-            <a:r>
-              <a:t>7. 🎓 Выводы и ограничения</a:t>
-            </a:r>
-          </a:p>
-        </p:txBody>
-      </p:sp>
-      <p:pic>
-        <p:nvPicPr>
-          <p:cNvPr id="7" name="Рисунок 6">
-            <a:extLst>
-              <a:ext uri="{FF2B5EF4-FFF2-40B4-BE49-F238E27FC236}">
-                <a16:creationId xmlns:a16="http://schemas.microsoft.com/office/drawing/2014/main" id="{E7B089FC-94F6-6CDB-DF2B-CBA668A39F7A}"/>
-              </a:ext>
-            </a:extLst>
-          </p:cNvPr>
-          <p:cNvPicPr>
-            <a:picLocks noChangeAspect="1"/>
-          </p:cNvPicPr>
-          <p:nvPr/>
-        </p:nvPicPr>
-        <p:blipFill>
-          <a:blip r:embed="rId2"/>
-          <a:stretch>
-            <a:fillRect/>
-          </a:stretch>
-        </p:blipFill>
-        <p:spPr>
-          <a:xfrm>
-            <a:off x="132094" y="952779"/>
-            <a:ext cx="4076566" cy="2845498"/>
-          </a:xfrm>
-          <a:prstGeom prst="rect">
-            <a:avLst/>
-          </a:prstGeom>
-        </p:spPr>
-      </p:pic>
-      <p:pic>
-        <p:nvPicPr>
-          <p:cNvPr id="8" name="Рисунок 7">
-            <a:extLst>
-              <a:ext uri="{FF2B5EF4-FFF2-40B4-BE49-F238E27FC236}">
-                <a16:creationId xmlns:a16="http://schemas.microsoft.com/office/drawing/2014/main" id="{D6A59D3A-9101-7F0A-4FEE-329DFCC06F45}"/>
-              </a:ext>
-            </a:extLst>
-          </p:cNvPr>
-          <p:cNvPicPr>
-            <a:picLocks noChangeAspect="1"/>
-          </p:cNvPicPr>
-          <p:nvPr/>
-        </p:nvPicPr>
-        <p:blipFill>
-          <a:blip r:embed="rId3"/>
-          <a:stretch>
-            <a:fillRect/>
-          </a:stretch>
-        </p:blipFill>
-        <p:spPr>
-          <a:xfrm>
-            <a:off x="4284560" y="1175657"/>
-            <a:ext cx="3908266" cy="3023228"/>
-          </a:xfrm>
-          <a:prstGeom prst="rect">
-            <a:avLst/>
-          </a:prstGeom>
-        </p:spPr>
-      </p:pic>
-      <p:sp>
-        <p:nvSpPr>
-          <p:cNvPr id="9" name="Номер слайда 8">
-            <a:extLst>
-              <a:ext uri="{FF2B5EF4-FFF2-40B4-BE49-F238E27FC236}">
-                <a16:creationId xmlns:a16="http://schemas.microsoft.com/office/drawing/2014/main" id="{EE0AA33B-E893-DD5E-2D23-51F92D00A513}"/>
-              </a:ext>
-            </a:extLst>
-          </p:cNvPr>
-          <p:cNvSpPr>
-            <a:spLocks noGrp="1"/>
-          </p:cNvSpPr>
-          <p:nvPr>
-            <p:ph type="sldNum" sz="quarter" idx="12"/>
+            <a:pPr lvl="0" indent="0" marL="0">
+              <a:buNone/>
+            </a:pPr>
+            <a:r>
+              <a:rPr/>
+              <a:t>5. ⚙️ Эффективность и применимость</a:t>
+            </a:r>
+          </a:p>
+        </p:txBody>
+      </p:sp>
+      <p:sp>
+        <p:nvSpPr>
+          <p:cNvPr id="4" name="Text Placeholder 3"/>
+          <p:cNvSpPr>
+            <a:spLocks noGrp="1"/>
+          </p:cNvSpPr>
+          <p:nvPr>
+            <p:ph idx="2" sz="half" type="body"/>
           </p:nvPr>
         </p:nvSpPr>
         <p:spPr/>
@@ -5225,19 +6706,335 @@
           <a:bodyPr/>
           <a:lstStyle/>
           <a:p>
-            <a:fld id="{C5EF2332-01BF-834F-8236-50238282D533}" type="slidenum">
-              <a:rPr lang="en-US" smtClean="0"/>
-              <a:t>9</a:t>
-            </a:fld>
-            <a:endParaRPr lang="en-US"/>
-          </a:p>
-        </p:txBody>
-      </p:sp>
+            <a:pPr lvl="0" indent="0" marL="0">
+              <a:spcBef>
+                <a:spcPts val="3000"/>
+              </a:spcBef>
+              <a:buNone/>
+            </a:pPr>
+            <a:r>
+              <a:rPr b="1"/>
+              <a:t>Ресурсы → Результат</a:t>
+            </a:r>
+          </a:p>
+        </p:txBody>
+      </p:sp>
+      <p:graphicFrame>
+        <p:nvGraphicFramePr>
+          <p:cNvPr id="6" name="Content Placeholder 5"/>
+          <p:cNvGraphicFramePr>
+            <a:graphicFrameLocks noGrp="1"/>
+          </p:cNvGraphicFramePr>
+          <p:nvPr>
+            <p:ph idx="1"/>
+          </p:nvPr>
+        </p:nvGraphicFramePr>
+        <p:xfrm>
+          <a:off x="3568700" y="203200"/>
+          <a:ext cx="5105400" cy="4381500"/>
+        </p:xfrm>
+        <a:graphic>
+          <a:graphicData uri="http://schemas.openxmlformats.org/drawingml/2006/table">
+            <a:tbl>
+              <a:tblPr firstRow="1" bandRow="1">
+                <a:tableStyleId>{5C22544A-7EE6-4342-B048-85BDC9FD1C3A}</a:tableStyleId>
+              </a:tblPr>
+              <a:tblGrid>
+                <a:gridCol w="1701800"/>
+                <a:gridCol w="1701800"/>
+                <a:gridCol w="1701800"/>
+              </a:tblGrid>
+              <a:tr h="0">
+                <a:tc>
+                  <a:txBody>
+                    <a:bodyPr/>
+                    <a:lstStyle/>
+                    <a:p>
+                      <a:pPr lvl="0" indent="0" marL="0">
+                        <a:buNone/>
+                      </a:pPr>
+                      <a:r>
+                        <a:rPr/>
+                        <a:t>Параметр</a:t>
+                      </a:r>
+                    </a:p>
+                  </a:txBody>
+                  <a:tcPr/>
+                </a:tc>
+                <a:tc>
+                  <a:txBody>
+                    <a:bodyPr/>
+                    <a:lstStyle/>
+                    <a:p>
+                      <a:pPr lvl="0" indent="0" marL="0">
+                        <a:buNone/>
+                      </a:pPr>
+                      <a:r>
+                        <a:rPr/>
+                        <a:t>Значение</a:t>
+                      </a:r>
+                    </a:p>
+                  </a:txBody>
+                  <a:tcPr/>
+                </a:tc>
+                <a:tc>
+                  <a:txBody>
+                    <a:bodyPr/>
+                    <a:lstStyle/>
+                    <a:p>
+                      <a:pPr lvl="0" indent="0" marL="0">
+                        <a:buNone/>
+                      </a:pPr>
+                      <a:r>
+                        <a:rPr/>
+                        <a:t>Комментарий</a:t>
+                      </a:r>
+                    </a:p>
+                  </a:txBody>
+                  <a:tcPr/>
+                </a:tc>
+              </a:tr>
+              <a:tr h="0">
+                <a:tc>
+                  <a:txBody>
+                    <a:bodyPr/>
+                    <a:lstStyle/>
+                    <a:p>
+                      <a:pPr lvl="0" indent="0" marL="0">
+                        <a:buNone/>
+                      </a:pPr>
+                      <a:r>
+                        <a:rPr b="1"/>
+                        <a:t>Время обучения</a:t>
+                      </a:r>
+                    </a:p>
+                  </a:txBody>
+                </a:tc>
+                <a:tc>
+                  <a:txBody>
+                    <a:bodyPr/>
+                    <a:lstStyle/>
+                    <a:p>
+                      <a:pPr lvl="0" indent="0" marL="0">
+                        <a:buNone/>
+                      </a:pPr>
+                      <a:r>
+                        <a:rPr/>
+                        <a:t>&lt; 1 мин</a:t>
+                      </a:r>
+                    </a:p>
+                  </a:txBody>
+                </a:tc>
+                <a:tc>
+                  <a:txBody>
+                    <a:bodyPr/>
+                    <a:lstStyle/>
+                    <a:p>
+                      <a:pPr lvl="0" indent="0" marL="0">
+                        <a:buNone/>
+                      </a:pPr>
+                      <a:r>
+                        <a:rPr/>
+                        <a:t>&lt; 60 мин ✅ Очень быстро!</a:t>
+                      </a:r>
+                    </a:p>
+                  </a:txBody>
+                </a:tc>
+              </a:tr>
+              <a:tr h="0">
+                <a:tc>
+                  <a:txBody>
+                    <a:bodyPr/>
+                    <a:lstStyle/>
+                    <a:p>
+                      <a:pPr lvl="0" indent="0" marL="0">
+                        <a:buNone/>
+                      </a:pPr>
+                      <a:r>
+                        <a:rPr b="1"/>
+                        <a:t>Время инференса</a:t>
+                      </a:r>
+                    </a:p>
+                  </a:txBody>
+                </a:tc>
+                <a:tc>
+                  <a:txBody>
+                    <a:bodyPr/>
+                    <a:lstStyle/>
+                    <a:p>
+                      <a:pPr lvl="0" indent="0" marL="0">
+                        <a:buNone/>
+                      </a:pPr>
+                      <a:r>
+                        <a:rPr/>
+                        <a:t>&lt; 1 мин</a:t>
+                      </a:r>
+                    </a:p>
+                  </a:txBody>
+                </a:tc>
+                <a:tc>
+                  <a:txBody>
+                    <a:bodyPr/>
+                    <a:lstStyle/>
+                    <a:p>
+                      <a:pPr lvl="0" indent="0" marL="0">
+                        <a:buNone/>
+                      </a:pPr>
+                      <a:r>
+                        <a:rPr/>
+                        <a:t>Real-time готов</a:t>
+                      </a:r>
+                    </a:p>
+                  </a:txBody>
+                </a:tc>
+              </a:tr>
+              <a:tr h="0">
+                <a:tc>
+                  <a:txBody>
+                    <a:bodyPr/>
+                    <a:lstStyle/>
+                    <a:p>
+                      <a:pPr lvl="0" indent="0" marL="0">
+                        <a:buNone/>
+                      </a:pPr>
+                      <a:r>
+                        <a:rPr b="1"/>
+                        <a:t>RAM пик</a:t>
+                      </a:r>
+                    </a:p>
+                  </a:txBody>
+                </a:tc>
+                <a:tc>
+                  <a:txBody>
+                    <a:bodyPr/>
+                    <a:lstStyle/>
+                    <a:p>
+                      <a:pPr lvl="0" indent="0" marL="0">
+                        <a:buNone/>
+                      </a:pPr>
+                      <a:r>
+                        <a:rPr/>
+                        <a:t>~2-3 GB</a:t>
+                      </a:r>
+                    </a:p>
+                  </a:txBody>
+                </a:tc>
+                <a:tc>
+                  <a:txBody>
+                    <a:bodyPr/>
+                    <a:lstStyle/>
+                    <a:p>
+                      <a:pPr lvl="0" indent="0" marL="0">
+                        <a:buNone/>
+                      </a:pPr>
+                      <a:r>
+                        <a:rPr/>
+                        <a:t>Умещается на laptop</a:t>
+                      </a:r>
+                    </a:p>
+                  </a:txBody>
+                </a:tc>
+              </a:tr>
+              <a:tr h="0">
+                <a:tc>
+                  <a:txBody>
+                    <a:bodyPr/>
+                    <a:lstStyle/>
+                    <a:p>
+                      <a:pPr lvl="0" indent="0" marL="0">
+                        <a:buNone/>
+                      </a:pPr>
+                      <a:r>
+                        <a:rPr b="1"/>
+                        <a:t>Размер модели</a:t>
+                      </a:r>
+                    </a:p>
+                  </a:txBody>
+                </a:tc>
+                <a:tc>
+                  <a:txBody>
+                    <a:bodyPr/>
+                    <a:lstStyle/>
+                    <a:p>
+                      <a:pPr lvl="0" indent="0" marL="0">
+                        <a:buNone/>
+                      </a:pPr>
+                      <a:r>
+                        <a:rPr/>
+                        <a:t>~9 MB</a:t>
+                      </a:r>
+                    </a:p>
+                  </a:txBody>
+                </a:tc>
+                <a:tc>
+                  <a:txBody>
+                    <a:bodyPr/>
+                    <a:lstStyle/>
+                    <a:p>
+                      <a:pPr lvl="0" indent="0" marL="0">
+                        <a:buNone/>
+                      </a:pPr>
+                      <a:r>
+                        <a:rPr/>
+                        <a:t>Легко деплоить</a:t>
+                      </a:r>
+                    </a:p>
+                  </a:txBody>
+                </a:tc>
+              </a:tr>
+              <a:tr h="0">
+                <a:tc>
+                  <a:txBody>
+                    <a:bodyPr/>
+                    <a:lstStyle/>
+                    <a:p>
+                      <a:pPr lvl="0" indent="0" marL="0">
+                        <a:buNone/>
+                      </a:pPr>
+                      <a:r>
+                        <a:rPr b="1"/>
+                        <a:t>LLM токены</a:t>
+                      </a:r>
+                    </a:p>
+                  </a:txBody>
+                </a:tc>
+                <a:tc>
+                  <a:txBody>
+                    <a:bodyPr/>
+                    <a:lstStyle/>
+                    <a:p>
+                      <a:pPr lvl="0" indent="0" marL="0">
+                        <a:buNone/>
+                      </a:pPr>
+                      <a:r>
+                        <a:rPr/>
+                        <a:t>0</a:t>
+                      </a:r>
+                    </a:p>
+                  </a:txBody>
+                </a:tc>
+                <a:tc>
+                  <a:txBody>
+                    <a:bodyPr/>
+                    <a:lstStyle/>
+                    <a:p>
+                      <a:pPr lvl="0" indent="0" marL="0">
+                        <a:buNone/>
+                      </a:pPr>
+                      <a:r>
+                        <a:rPr/>
+                        <a:t>Не используем LLM</a:t>
+                      </a:r>
+                    </a:p>
+                  </a:txBody>
+                </a:tc>
+              </a:tr>
+            </a:tbl>
+          </a:graphicData>
+        </a:graphic>
+      </p:graphicFrame>
     </p:spTree>
   </p:cSld>
-  <p:clrMapOvr>
-    <a:masterClrMapping/>
-  </p:clrMapOvr>
 </p:sld>
 </file>
 
@@ -5562,9 +7359,9 @@
 </file>
 
 <file path=ppt/theme/theme2.xml><?xml version="1.0" encoding="utf-8"?>
-<a:theme xmlns:a="http://schemas.openxmlformats.org/drawingml/2006/main" name="Тема Office">
+<a:theme xmlns:a="http://schemas.openxmlformats.org/drawingml/2006/main" name="Office Theme">
   <a:themeElements>
-    <a:clrScheme name="Стандартная">
+    <a:clrScheme name="Office">
       <a:dk1>
         <a:sysClr val="windowText" lastClr="000000"/>
       </a:dk1>
@@ -5572,44 +7369,44 @@
         <a:sysClr val="window" lastClr="FFFFFF"/>
       </a:lt1>
       <a:dk2>
-        <a:srgbClr val="0E2841"/>
+        <a:srgbClr val="44546A"/>
       </a:dk2>
       <a:lt2>
-        <a:srgbClr val="E8E8E8"/>
+        <a:srgbClr val="E7E6E6"/>
       </a:lt2>
       <a:accent1>
-        <a:srgbClr val="156082"/>
+        <a:srgbClr val="5B9BD5"/>
       </a:accent1>
       <a:accent2>
-        <a:srgbClr val="E97132"/>
+        <a:srgbClr val="ED7D31"/>
       </a:accent2>
       <a:accent3>
-        <a:srgbClr val="196B24"/>
+        <a:srgbClr val="A5A5A5"/>
       </a:accent3>
       <a:accent4>
-        <a:srgbClr val="0F9ED5"/>
+        <a:srgbClr val="FFC000"/>
       </a:accent4>
       <a:accent5>
-        <a:srgbClr val="A02B93"/>
+        <a:srgbClr val="4472C4"/>
       </a:accent5>
       <a:accent6>
-        <a:srgbClr val="4EA72E"/>
+        <a:srgbClr val="70AD47"/>
       </a:accent6>
       <a:hlink>
-        <a:srgbClr val="467886"/>
+        <a:srgbClr val="0563C1"/>
       </a:hlink>
       <a:folHlink>
-        <a:srgbClr val="96607D"/>
+        <a:srgbClr val="954F72"/>
       </a:folHlink>
     </a:clrScheme>
-    <a:fontScheme name="Стандартная">
+    <a:fontScheme name="Office">
       <a:majorFont>
-        <a:latin typeface="Aptos Display" panose="02110004020202020204"/>
+        <a:latin typeface="Calibri Light" panose="020F0302020204030204"/>
         <a:ea typeface=""/>
         <a:cs typeface=""/>
-        <a:font script="Jpan" typeface="游ゴシック Light"/>
+        <a:font script="Jpan" typeface="ＭＳ Ｐゴシック"/>
         <a:font script="Hang" typeface="맑은 고딕"/>
-        <a:font script="Hans" typeface="等线 Light"/>
+        <a:font script="Hans" typeface="宋体"/>
         <a:font script="Hant" typeface="新細明體"/>
         <a:font script="Arab" typeface="Times New Roman"/>
         <a:font script="Hebr" typeface="Times New Roman"/>
@@ -5637,31 +7434,14 @@
         <a:font script="Viet" typeface="Times New Roman"/>
         <a:font script="Uigh" typeface="Microsoft Uighur"/>
         <a:font script="Geor" typeface="Sylfaen"/>
-        <a:font script="Armn" typeface="Arial"/>
-        <a:font script="Bugi" typeface="Leelawadee UI"/>
-        <a:font script="Bopo" typeface="Microsoft JhengHei"/>
-        <a:font script="Java" typeface="Javanese Text"/>
-        <a:font script="Lisu" typeface="Segoe UI"/>
-        <a:font script="Mymr" typeface="Myanmar Text"/>
-        <a:font script="Nkoo" typeface="Ebrima"/>
-        <a:font script="Olck" typeface="Nirmala UI"/>
-        <a:font script="Osma" typeface="Ebrima"/>
-        <a:font script="Phag" typeface="Phagspa"/>
-        <a:font script="Syrn" typeface="Estrangelo Edessa"/>
-        <a:font script="Syrj" typeface="Estrangelo Edessa"/>
-        <a:font script="Syre" typeface="Estrangelo Edessa"/>
-        <a:font script="Sora" typeface="Nirmala UI"/>
-        <a:font script="Tale" typeface="Microsoft Tai Le"/>
-        <a:font script="Talu" typeface="Microsoft New Tai Lue"/>
-        <a:font script="Tfng" typeface="Ebrima"/>
       </a:majorFont>
       <a:minorFont>
-        <a:latin typeface="Aptos" panose="02110004020202020204"/>
+        <a:latin typeface="Calibri" panose="020F0502020204030204"/>
         <a:ea typeface=""/>
         <a:cs typeface=""/>
-        <a:font script="Jpan" typeface="游ゴシック"/>
+        <a:font script="Jpan" typeface="ＭＳ Ｐゴシック"/>
         <a:font script="Hang" typeface="맑은 고딕"/>
-        <a:font script="Hans" typeface="等线"/>
+        <a:font script="Hans" typeface="宋体"/>
         <a:font script="Hant" typeface="新細明體"/>
         <a:font script="Arab" typeface="Arial"/>
         <a:font script="Hebr" typeface="Arial"/>
@@ -5689,26 +7469,9 @@
         <a:font script="Viet" typeface="Arial"/>
         <a:font script="Uigh" typeface="Microsoft Uighur"/>
         <a:font script="Geor" typeface="Sylfaen"/>
-        <a:font script="Armn" typeface="Arial"/>
-        <a:font script="Bugi" typeface="Leelawadee UI"/>
-        <a:font script="Bopo" typeface="Microsoft JhengHei"/>
-        <a:font script="Java" typeface="Javanese Text"/>
-        <a:font script="Lisu" typeface="Segoe UI"/>
-        <a:font script="Mymr" typeface="Myanmar Text"/>
-        <a:font script="Nkoo" typeface="Ebrima"/>
-        <a:font script="Olck" typeface="Nirmala UI"/>
-        <a:font script="Osma" typeface="Ebrima"/>
-        <a:font script="Phag" typeface="Phagspa"/>
-        <a:font script="Syrn" typeface="Estrangelo Edessa"/>
-        <a:font script="Syrj" typeface="Estrangelo Edessa"/>
-        <a:font script="Syre" typeface="Estrangelo Edessa"/>
-        <a:font script="Sora" typeface="Nirmala UI"/>
-        <a:font script="Tale" typeface="Microsoft Tai Le"/>
-        <a:font script="Talu" typeface="Microsoft New Tai Lue"/>
-        <a:font script="Tfng" typeface="Ebrima"/>
       </a:minorFont>
     </a:fontScheme>
-    <a:fmtScheme name="Стандартная">
+    <a:fmtScheme name="Office">
       <a:fillStyleLst>
         <a:solidFill>
           <a:schemeClr val="phClr"/>
@@ -5767,6 +7530,13 @@
         </a:gradFill>
       </a:fillStyleLst>
       <a:lnStyleLst>
+        <a:ln w="6350" cap="flat" cmpd="sng" algn="ctr">
+          <a:solidFill>
+            <a:schemeClr val="phClr"/>
+          </a:solidFill>
+          <a:prstDash val="solid"/>
+          <a:miter lim="800000"/>
+        </a:ln>
         <a:ln w="12700" cap="flat" cmpd="sng" algn="ctr">
           <a:solidFill>
             <a:schemeClr val="phClr"/>
@@ -5775,13 +7545,6 @@
           <a:miter lim="800000"/>
         </a:ln>
         <a:ln w="19050" cap="flat" cmpd="sng" algn="ctr">
-          <a:solidFill>
-            <a:schemeClr val="phClr"/>
-          </a:solidFill>
-          <a:prstDash val="solid"/>
-          <a:miter lim="800000"/>
-        </a:ln>
-        <a:ln w="25400" cap="flat" cmpd="sng" algn="ctr">
           <a:solidFill>
             <a:schemeClr val="phClr"/>
           </a:solidFill>
@@ -5846,31 +7609,11 @@
       </a:bgFillStyleLst>
     </a:fmtScheme>
   </a:themeElements>
-  <a:objectDefaults>
-    <a:lnDef>
-      <a:spPr/>
-      <a:bodyPr/>
-      <a:lstStyle/>
-      <a:style>
-        <a:lnRef idx="2">
-          <a:schemeClr val="accent1"/>
-        </a:lnRef>
-        <a:fillRef idx="0">
-          <a:schemeClr val="accent1"/>
-        </a:fillRef>
-        <a:effectRef idx="1">
-          <a:schemeClr val="accent1"/>
-        </a:effectRef>
-        <a:fontRef idx="minor">
-          <a:schemeClr val="tx1"/>
-        </a:fontRef>
-      </a:style>
-    </a:lnDef>
-  </a:objectDefaults>
+  <a:objectDefaults/>
   <a:extraClrSchemeLst/>
   <a:extLst>
     <a:ext uri="{05A4C25C-085E-4340-85A3-A5531E510DB2}">
-      <thm15:themeFamily xmlns:thm15="http://schemas.microsoft.com/office/thememl/2012/main" name="Office Theme" id="{2E142A2C-CD16-42D6-873A-C26D2A0506FA}" vid="{1BDDFF52-6CD6-40A5-AB3C-68EB2F1E4D0A}"/>
+      <thm15:themeFamily xmlns:thm15="http://schemas.microsoft.com/office/thememl/2012/main" name="Office Theme" id="{62F939B6-93AF-4DB8-9C6B-D6C7DFDC589F}" vid="{4A3C46E8-61CC-4603-A589-7422A47A8E4A}"/>
     </a:ext>
   </a:extLst>
 </a:theme>

--- a/PITCH_PRESENTATION.pptx
+++ b/PITCH_PRESENTATION.pptx
@@ -1,6 +1,6 @@
 
 <file path=ppt/presentation.xml><?xml version="1.0" encoding="utf-8"?>
-<p:presentation xmlns:a="http://schemas.openxmlformats.org/drawingml/2006/main" xmlns:p="http://schemas.openxmlformats.org/presentationml/2006/main" xmlns:r="http://schemas.openxmlformats.org/officeDocument/2006/relationships" autoCompressPictures="0" saveSubsetFonts="1">
+<p:presentation xmlns:a="http://schemas.openxmlformats.org/drawingml/2006/main" xmlns:r="http://schemas.openxmlformats.org/officeDocument/2006/relationships" xmlns:p="http://schemas.openxmlformats.org/presentationml/2006/main" saveSubsetFonts="1" autoCompressPictures="0">
   <p:sldMasterIdLst>
     <p:sldMasterId id="2147483648" r:id="rId1"/>
   </p:sldMasterIdLst>
@@ -8,20 +8,15 @@
     <p:sldId id="256" r:id="rId2"/>
     <p:sldId id="257" r:id="rId3"/>
     <p:sldId id="258" r:id="rId4"/>
-    <p:sldId id="259" r:id="rId5"/>
-    <p:sldId id="260" r:id="rId6"/>
-    <p:sldId id="261" r:id="rId7"/>
-    <p:sldId id="262" r:id="rId8"/>
-    <p:sldId id="263" r:id="rId9"/>
-    <p:sldId id="264" r:id="rId10"/>
-    <p:sldId id="265" r:id="rId11"/>
-    <p:sldId id="266" r:id="rId12"/>
-    <p:sldId id="267" r:id="rId13"/>
-    <p:sldId id="268" r:id="rId14"/>
-    <p:sldId id="269" r:id="rId15"/>
-    <p:sldId id="270" r:id="rId16"/>
-    <p:sldId id="271" r:id="rId17"/>
-    <p:sldId id="272" r:id="rId18"/>
+    <p:sldId id="260" r:id="rId5"/>
+    <p:sldId id="261" r:id="rId6"/>
+    <p:sldId id="262" r:id="rId7"/>
+    <p:sldId id="264" r:id="rId8"/>
+    <p:sldId id="266" r:id="rId9"/>
+    <p:sldId id="267" r:id="rId10"/>
+    <p:sldId id="273" r:id="rId11"/>
+    <p:sldId id="270" r:id="rId12"/>
+    <p:sldId id="271" r:id="rId13"/>
   </p:sldIdLst>
   <p:sldSz cx="9144000" cy="5143500" type="screen16x9"/>
   <p:notesSz cx="6858000" cy="9144000"/>
@@ -29,8 +24,8 @@
     <a:defPPr>
       <a:defRPr lang="en-US"/>
     </a:defPPr>
-    <a:lvl1pPr algn="l" defTabSz="457200" eaLnBrk="1" hangingPunct="1" latinLnBrk="0" marL="0" rtl="0">
-      <a:defRPr kern="1200" sz="1800">
+    <a:lvl1pPr marL="0" algn="l" defTabSz="457200" rtl="0" eaLnBrk="1" latinLnBrk="0" hangingPunct="1">
+      <a:defRPr sz="1800" kern="1200">
         <a:solidFill>
           <a:schemeClr val="tx1"/>
         </a:solidFill>
@@ -39,8 +34,8 @@
         <a:cs typeface="+mn-cs"/>
       </a:defRPr>
     </a:lvl1pPr>
-    <a:lvl2pPr algn="l" defTabSz="457200" eaLnBrk="1" hangingPunct="1" latinLnBrk="0" marL="457200" rtl="0">
-      <a:defRPr kern="1200" sz="1800">
+    <a:lvl2pPr marL="457200" algn="l" defTabSz="457200" rtl="0" eaLnBrk="1" latinLnBrk="0" hangingPunct="1">
+      <a:defRPr sz="1800" kern="1200">
         <a:solidFill>
           <a:schemeClr val="tx1"/>
         </a:solidFill>
@@ -49,8 +44,8 @@
         <a:cs typeface="+mn-cs"/>
       </a:defRPr>
     </a:lvl2pPr>
-    <a:lvl3pPr algn="l" defTabSz="457200" eaLnBrk="1" hangingPunct="1" latinLnBrk="0" marL="914400" rtl="0">
-      <a:defRPr kern="1200" sz="1800">
+    <a:lvl3pPr marL="914400" algn="l" defTabSz="457200" rtl="0" eaLnBrk="1" latinLnBrk="0" hangingPunct="1">
+      <a:defRPr sz="1800" kern="1200">
         <a:solidFill>
           <a:schemeClr val="tx1"/>
         </a:solidFill>
@@ -59,8 +54,8 @@
         <a:cs typeface="+mn-cs"/>
       </a:defRPr>
     </a:lvl3pPr>
-    <a:lvl4pPr algn="l" defTabSz="457200" eaLnBrk="1" hangingPunct="1" latinLnBrk="0" marL="1371600" rtl="0">
-      <a:defRPr kern="1200" sz="1800">
+    <a:lvl4pPr marL="1371600" algn="l" defTabSz="457200" rtl="0" eaLnBrk="1" latinLnBrk="0" hangingPunct="1">
+      <a:defRPr sz="1800" kern="1200">
         <a:solidFill>
           <a:schemeClr val="tx1"/>
         </a:solidFill>
@@ -69,8 +64,8 @@
         <a:cs typeface="+mn-cs"/>
       </a:defRPr>
     </a:lvl4pPr>
-    <a:lvl5pPr algn="l" defTabSz="457200" eaLnBrk="1" hangingPunct="1" latinLnBrk="0" marL="1828800" rtl="0">
-      <a:defRPr kern="1200" sz="1800">
+    <a:lvl5pPr marL="1828800" algn="l" defTabSz="457200" rtl="0" eaLnBrk="1" latinLnBrk="0" hangingPunct="1">
+      <a:defRPr sz="1800" kern="1200">
         <a:solidFill>
           <a:schemeClr val="tx1"/>
         </a:solidFill>
@@ -79,8 +74,8 @@
         <a:cs typeface="+mn-cs"/>
       </a:defRPr>
     </a:lvl5pPr>
-    <a:lvl6pPr algn="l" defTabSz="457200" eaLnBrk="1" hangingPunct="1" latinLnBrk="0" marL="2286000" rtl="0">
-      <a:defRPr kern="1200" sz="1800">
+    <a:lvl6pPr marL="2286000" algn="l" defTabSz="457200" rtl="0" eaLnBrk="1" latinLnBrk="0" hangingPunct="1">
+      <a:defRPr sz="1800" kern="1200">
         <a:solidFill>
           <a:schemeClr val="tx1"/>
         </a:solidFill>
@@ -89,8 +84,8 @@
         <a:cs typeface="+mn-cs"/>
       </a:defRPr>
     </a:lvl6pPr>
-    <a:lvl7pPr algn="l" defTabSz="457200" eaLnBrk="1" hangingPunct="1" latinLnBrk="0" marL="2743200" rtl="0">
-      <a:defRPr kern="1200" sz="1800">
+    <a:lvl7pPr marL="2743200" algn="l" defTabSz="457200" rtl="0" eaLnBrk="1" latinLnBrk="0" hangingPunct="1">
+      <a:defRPr sz="1800" kern="1200">
         <a:solidFill>
           <a:schemeClr val="tx1"/>
         </a:solidFill>
@@ -99,8 +94,8 @@
         <a:cs typeface="+mn-cs"/>
       </a:defRPr>
     </a:lvl7pPr>
-    <a:lvl8pPr algn="l" defTabSz="457200" eaLnBrk="1" hangingPunct="1" latinLnBrk="0" marL="3200400" rtl="0">
-      <a:defRPr kern="1200" sz="1800">
+    <a:lvl8pPr marL="3200400" algn="l" defTabSz="457200" rtl="0" eaLnBrk="1" latinLnBrk="0" hangingPunct="1">
+      <a:defRPr sz="1800" kern="1200">
         <a:solidFill>
           <a:schemeClr val="tx1"/>
         </a:solidFill>
@@ -109,8 +104,8 @@
         <a:cs typeface="+mn-cs"/>
       </a:defRPr>
     </a:lvl8pPr>
-    <a:lvl9pPr algn="l" defTabSz="457200" eaLnBrk="1" hangingPunct="1" latinLnBrk="0" marL="3657600" rtl="0">
-      <a:defRPr kern="1200" sz="1800">
+    <a:lvl9pPr marL="3657600" algn="l" defTabSz="457200" rtl="0" eaLnBrk="1" latinLnBrk="0" hangingPunct="1">
+      <a:defRPr sz="1800" kern="1200">
         <a:solidFill>
           <a:schemeClr val="tx1"/>
         </a:solidFill>
@@ -318,7 +313,7 @@
           <a:p>
             <a:fld id="{241EB5C9-1307-BA42-ABA2-0BC069CD8E7F}" type="datetimeFigureOut">
               <a:rPr lang="en-US" smtClean="0"/>
-              <a:t>1/2/22</a:t>
+              <a:t>10/4/25</a:t>
             </a:fld>
             <a:endParaRPr lang="en-US"/>
           </a:p>
@@ -486,7 +481,7 @@
           <a:p>
             <a:fld id="{241EB5C9-1307-BA42-ABA2-0BC069CD8E7F}" type="datetimeFigureOut">
               <a:rPr lang="en-US" smtClean="0"/>
-              <a:t>1/2/22</a:t>
+              <a:t>10/4/25</a:t>
             </a:fld>
             <a:endParaRPr lang="en-US"/>
           </a:p>
@@ -664,7 +659,7 @@
           <a:p>
             <a:fld id="{241EB5C9-1307-BA42-ABA2-0BC069CD8E7F}" type="datetimeFigureOut">
               <a:rPr lang="en-US" smtClean="0"/>
-              <a:t>1/2/22</a:t>
+              <a:t>10/4/25</a:t>
             </a:fld>
             <a:endParaRPr lang="en-US"/>
           </a:p>
@@ -832,7 +827,7 @@
           <a:p>
             <a:fld id="{241EB5C9-1307-BA42-ABA2-0BC069CD8E7F}" type="datetimeFigureOut">
               <a:rPr lang="en-US" smtClean="0"/>
-              <a:t>1/2/22</a:t>
+              <a:t>10/4/25</a:t>
             </a:fld>
             <a:endParaRPr lang="en-US"/>
           </a:p>
@@ -1077,7 +1072,7 @@
           <a:p>
             <a:fld id="{241EB5C9-1307-BA42-ABA2-0BC069CD8E7F}" type="datetimeFigureOut">
               <a:rPr lang="en-US" smtClean="0"/>
-              <a:t>1/2/22</a:t>
+              <a:t>10/4/25</a:t>
             </a:fld>
             <a:endParaRPr lang="en-US"/>
           </a:p>
@@ -1362,7 +1357,7 @@
           <a:p>
             <a:fld id="{241EB5C9-1307-BA42-ABA2-0BC069CD8E7F}" type="datetimeFigureOut">
               <a:rPr lang="en-US" smtClean="0"/>
-              <a:t>1/2/22</a:t>
+              <a:t>10/4/25</a:t>
             </a:fld>
             <a:endParaRPr lang="en-US"/>
           </a:p>
@@ -1781,7 +1776,7 @@
           <a:p>
             <a:fld id="{241EB5C9-1307-BA42-ABA2-0BC069CD8E7F}" type="datetimeFigureOut">
               <a:rPr lang="en-US" smtClean="0"/>
-              <a:t>1/2/22</a:t>
+              <a:t>10/4/25</a:t>
             </a:fld>
             <a:endParaRPr lang="en-US"/>
           </a:p>
@@ -1898,7 +1893,7 @@
           <a:p>
             <a:fld id="{241EB5C9-1307-BA42-ABA2-0BC069CD8E7F}" type="datetimeFigureOut">
               <a:rPr lang="en-US" smtClean="0"/>
-              <a:t>1/2/22</a:t>
+              <a:t>10/4/25</a:t>
             </a:fld>
             <a:endParaRPr lang="en-US"/>
           </a:p>
@@ -1993,7 +1988,7 @@
           <a:p>
             <a:fld id="{241EB5C9-1307-BA42-ABA2-0BC069CD8E7F}" type="datetimeFigureOut">
               <a:rPr lang="en-US" smtClean="0"/>
-              <a:t>1/2/22</a:t>
+              <a:t>10/4/25</a:t>
             </a:fld>
             <a:endParaRPr lang="en-US"/>
           </a:p>
@@ -2268,7 +2263,7 @@
           <a:p>
             <a:fld id="{241EB5C9-1307-BA42-ABA2-0BC069CD8E7F}" type="datetimeFigureOut">
               <a:rPr lang="en-US" smtClean="0"/>
-              <a:t>1/2/22</a:t>
+              <a:t>10/4/25</a:t>
             </a:fld>
             <a:endParaRPr lang="en-US"/>
           </a:p>
@@ -2520,7 +2515,7 @@
           <a:p>
             <a:fld id="{241EB5C9-1307-BA42-ABA2-0BC069CD8E7F}" type="datetimeFigureOut">
               <a:rPr lang="en-US" smtClean="0"/>
-              <a:t>1/2/22</a:t>
+              <a:t>10/4/25</a:t>
             </a:fld>
             <a:endParaRPr lang="en-US"/>
           </a:p>
@@ -2582,7 +2577,7 @@
 </file>
 
 <file path=ppt/slideMasters/slideMaster1.xml><?xml version="1.0" encoding="utf-8"?>
-<p:sldMaster xmlns:a="http://schemas.openxmlformats.org/drawingml/2006/main" xmlns:p="http://schemas.openxmlformats.org/presentationml/2006/main" xmlns:r="http://schemas.openxmlformats.org/officeDocument/2006/relationships">
+<p:sldMaster xmlns:a="http://schemas.openxmlformats.org/drawingml/2006/main" xmlns:r="http://schemas.openxmlformats.org/officeDocument/2006/relationships" xmlns:p="http://schemas.openxmlformats.org/presentationml/2006/main">
   <p:cSld>
     <p:bg>
       <p:bgRef idx="1001">
@@ -2623,7 +2618,7 @@
           </a:prstGeom>
         </p:spPr>
         <p:txBody>
-          <a:bodyPr anchor="ctr" bIns="45720" lIns="91440" rIns="91440" rtlCol="0" tIns="45720" vert="horz">
+          <a:bodyPr vert="horz" lIns="91440" tIns="45720" rIns="91440" bIns="45720" rtlCol="0" anchor="ctr">
             <a:normAutofit/>
           </a:bodyPr>
           <a:lstStyle/>
@@ -2642,7 +2637,7 @@
             <a:spLocks noGrp="1"/>
           </p:cNvSpPr>
           <p:nvPr>
-            <p:ph idx="1" type="body"/>
+            <p:ph type="body" idx="1"/>
           </p:nvPr>
         </p:nvSpPr>
         <p:spPr>
@@ -2655,7 +2650,7 @@
           </a:prstGeom>
         </p:spPr>
         <p:txBody>
-          <a:bodyPr bIns="45720" lIns="91440" rIns="91440" rtlCol="0" tIns="45720" vert="horz">
+          <a:bodyPr vert="horz" lIns="91440" tIns="45720" rIns="91440" bIns="45720" rtlCol="0">
             <a:normAutofit/>
           </a:bodyPr>
           <a:lstStyle/>
@@ -2703,7 +2698,7 @@
             <a:spLocks noGrp="1"/>
           </p:cNvSpPr>
           <p:nvPr>
-            <p:ph idx="2" sz="half" type="dt"/>
+            <p:ph type="dt" sz="half" idx="2"/>
           </p:nvPr>
         </p:nvSpPr>
         <p:spPr>
@@ -2716,7 +2711,7 @@
           </a:prstGeom>
         </p:spPr>
         <p:txBody>
-          <a:bodyPr anchor="ctr" bIns="45720" lIns="91440" rIns="91440" rtlCol="0" tIns="45720" vert="horz"/>
+          <a:bodyPr vert="horz" lIns="91440" tIns="45720" rIns="91440" bIns="45720" rtlCol="0" anchor="ctr"/>
           <a:lstStyle>
             <a:lvl1pPr algn="l">
               <a:defRPr sz="900">
@@ -2731,7 +2726,7 @@
           <a:p>
             <a:fld id="{241EB5C9-1307-BA42-ABA2-0BC069CD8E7F}" type="datetimeFigureOut">
               <a:rPr lang="en-US" smtClean="0"/>
-              <a:t>1/2/22</a:t>
+              <a:t>10/4/25</a:t>
             </a:fld>
             <a:endParaRPr lang="en-US"/>
           </a:p>
@@ -2744,7 +2739,7 @@
             <a:spLocks noGrp="1"/>
           </p:cNvSpPr>
           <p:nvPr>
-            <p:ph idx="3" sz="quarter" type="ftr"/>
+            <p:ph type="ftr" sz="quarter" idx="3"/>
           </p:nvPr>
         </p:nvSpPr>
         <p:spPr>
@@ -2757,7 +2752,7 @@
           </a:prstGeom>
         </p:spPr>
         <p:txBody>
-          <a:bodyPr anchor="ctr" bIns="45720" lIns="91440" rIns="91440" rtlCol="0" tIns="45720" vert="horz"/>
+          <a:bodyPr vert="horz" lIns="91440" tIns="45720" rIns="91440" bIns="45720" rtlCol="0" anchor="ctr"/>
           <a:lstStyle>
             <a:lvl1pPr algn="ctr">
               <a:defRPr sz="900">
@@ -2781,7 +2776,7 @@
             <a:spLocks noGrp="1"/>
           </p:cNvSpPr>
           <p:nvPr>
-            <p:ph idx="4" sz="quarter" type="sldNum"/>
+            <p:ph type="sldNum" sz="quarter" idx="4"/>
           </p:nvPr>
         </p:nvSpPr>
         <p:spPr>
@@ -2794,7 +2789,7 @@
           </a:prstGeom>
         </p:spPr>
         <p:txBody>
-          <a:bodyPr anchor="ctr" bIns="45720" lIns="91440" rIns="91440" rtlCol="0" tIns="45720" vert="horz"/>
+          <a:bodyPr vert="horz" lIns="91440" tIns="45720" rIns="91440" bIns="45720" rtlCol="0" anchor="ctr"/>
           <a:lstStyle>
             <a:lvl1pPr algn="r">
               <a:defRPr sz="900">
@@ -2822,7 +2817,7 @@
       </p:ext>
     </p:extLst>
   </p:cSld>
-  <p:clrMap accent1="accent1" accent2="accent2" accent3="accent3" accent4="accent4" accent5="accent5" accent6="accent6" bg1="lt1" bg2="lt2" folHlink="folHlink" hlink="hlink" tx1="dk1" tx2="dk2"/>
+  <p:clrMap bg1="lt1" tx1="dk1" bg2="lt2" tx2="dk2" accent1="accent1" accent2="accent2" accent3="accent3" accent4="accent4" accent5="accent5" accent6="accent6" hlink="hlink" folHlink="folHlink"/>
   <p:sldLayoutIdLst>
     <p:sldLayoutId id="2147483649" r:id="rId1"/>
     <p:sldLayoutId id="2147483650" r:id="rId2"/>
@@ -2838,12 +2833,12 @@
   </p:sldLayoutIdLst>
   <p:txStyles>
     <p:titleStyle>
-      <a:lvl1pPr algn="ctr" defTabSz="342900" eaLnBrk="1" hangingPunct="1" latinLnBrk="0" rtl="0">
+      <a:lvl1pPr algn="ctr" defTabSz="342900" rtl="0" eaLnBrk="1" latinLnBrk="0" hangingPunct="1">
         <a:spcBef>
           <a:spcPct val="0"/>
         </a:spcBef>
         <a:buNone/>
-        <a:defRPr kern="1200" sz="3300">
+        <a:defRPr sz="3300" kern="1200">
           <a:solidFill>
             <a:schemeClr val="tx1"/>
           </a:solidFill>
@@ -2854,13 +2849,13 @@
       </a:lvl1pPr>
     </p:titleStyle>
     <p:bodyStyle>
-      <a:lvl1pPr algn="l" defTabSz="342900" eaLnBrk="1" hangingPunct="1" indent="-342900" latinLnBrk="0" marL="342900" rtl="0">
+      <a:lvl1pPr marL="342900" indent="-342900" algn="l" defTabSz="342900" rtl="0" eaLnBrk="1" latinLnBrk="0" hangingPunct="1">
         <a:spcBef>
           <a:spcPct val="20000"/>
         </a:spcBef>
         <a:buFont typeface="Arial"/>
         <a:buChar char="•"/>
-        <a:defRPr kern="1200" sz="2400">
+        <a:defRPr sz="2400" kern="1200">
           <a:solidFill>
             <a:schemeClr val="tx1"/>
           </a:solidFill>
@@ -2869,13 +2864,13 @@
           <a:cs typeface="+mn-cs"/>
         </a:defRPr>
       </a:lvl1pPr>
-      <a:lvl2pPr algn="l" defTabSz="342900" eaLnBrk="1" hangingPunct="1" indent="-342900" latinLnBrk="0" marL="685800" rtl="0">
+      <a:lvl2pPr marL="685800" indent="-342900" algn="l" defTabSz="342900" rtl="0" eaLnBrk="1" latinLnBrk="0" hangingPunct="1">
         <a:spcBef>
           <a:spcPct val="20000"/>
         </a:spcBef>
         <a:buFont typeface="Arial"/>
         <a:buChar char="–"/>
-        <a:defRPr kern="1200" sz="2100">
+        <a:defRPr sz="2100" kern="1200">
           <a:solidFill>
             <a:schemeClr val="tx1"/>
           </a:solidFill>
@@ -2884,13 +2879,13 @@
           <a:cs typeface="+mn-cs"/>
         </a:defRPr>
       </a:lvl2pPr>
-      <a:lvl3pPr algn="l" defTabSz="342900" eaLnBrk="1" hangingPunct="1" indent="-342900" latinLnBrk="0" marL="1028700" rtl="0">
+      <a:lvl3pPr marL="1028700" indent="-342900" algn="l" defTabSz="342900" rtl="0" eaLnBrk="1" latinLnBrk="0" hangingPunct="1">
         <a:spcBef>
           <a:spcPct val="20000"/>
         </a:spcBef>
         <a:buFont typeface="Arial"/>
         <a:buChar char="•"/>
-        <a:defRPr kern="1200" sz="1800">
+        <a:defRPr sz="1800" kern="1200">
           <a:solidFill>
             <a:schemeClr val="tx1"/>
           </a:solidFill>
@@ -2899,13 +2894,13 @@
           <a:cs typeface="+mn-cs"/>
         </a:defRPr>
       </a:lvl3pPr>
-      <a:lvl4pPr algn="l" defTabSz="342900" eaLnBrk="1" hangingPunct="1" indent="-342900" latinLnBrk="0" marL="1371600" rtl="0">
+      <a:lvl4pPr marL="1371600" indent="-342900" algn="l" defTabSz="342900" rtl="0" eaLnBrk="1" latinLnBrk="0" hangingPunct="1">
         <a:spcBef>
           <a:spcPct val="20000"/>
         </a:spcBef>
         <a:buFont typeface="Arial"/>
         <a:buChar char="–"/>
-        <a:defRPr kern="1200" sz="1500">
+        <a:defRPr sz="1500" kern="1200">
           <a:solidFill>
             <a:schemeClr val="tx1"/>
           </a:solidFill>
@@ -2914,13 +2909,13 @@
           <a:cs typeface="+mn-cs"/>
         </a:defRPr>
       </a:lvl4pPr>
-      <a:lvl5pPr algn="l" defTabSz="342900" eaLnBrk="1" hangingPunct="1" indent="-342900" latinLnBrk="0" marL="1714500" rtl="0">
+      <a:lvl5pPr marL="1714500" indent="-342900" algn="l" defTabSz="342900" rtl="0" eaLnBrk="1" latinLnBrk="0" hangingPunct="1">
         <a:spcBef>
           <a:spcPct val="20000"/>
         </a:spcBef>
         <a:buFont typeface="Arial"/>
         <a:buChar char="»"/>
-        <a:defRPr kern="1200" sz="1500">
+        <a:defRPr sz="1500" kern="1200">
           <a:solidFill>
             <a:schemeClr val="tx1"/>
           </a:solidFill>
@@ -2929,13 +2924,13 @@
           <a:cs typeface="+mn-cs"/>
         </a:defRPr>
       </a:lvl5pPr>
-      <a:lvl6pPr algn="l" defTabSz="342900" eaLnBrk="1" hangingPunct="1" indent="-342900" latinLnBrk="0" marL="2057400" rtl="0">
+      <a:lvl6pPr marL="2057400" indent="-342900" algn="l" defTabSz="342900" rtl="0" eaLnBrk="1" latinLnBrk="0" hangingPunct="1">
         <a:spcBef>
           <a:spcPct val="20000"/>
         </a:spcBef>
         <a:buFont typeface="Arial"/>
         <a:buChar char="•"/>
-        <a:defRPr kern="1200" sz="1500">
+        <a:defRPr sz="1500" kern="1200">
           <a:solidFill>
             <a:schemeClr val="tx1"/>
           </a:solidFill>
@@ -2944,13 +2939,13 @@
           <a:cs typeface="+mn-cs"/>
         </a:defRPr>
       </a:lvl6pPr>
-      <a:lvl7pPr algn="l" defTabSz="342900" eaLnBrk="1" hangingPunct="1" indent="-342900" latinLnBrk="0" marL="2400300" rtl="0">
+      <a:lvl7pPr marL="2400300" indent="-342900" algn="l" defTabSz="342900" rtl="0" eaLnBrk="1" latinLnBrk="0" hangingPunct="1">
         <a:spcBef>
           <a:spcPct val="20000"/>
         </a:spcBef>
         <a:buFont typeface="Arial"/>
         <a:buChar char="•"/>
-        <a:defRPr kern="1200" sz="1500">
+        <a:defRPr sz="1500" kern="1200">
           <a:solidFill>
             <a:schemeClr val="tx1"/>
           </a:solidFill>
@@ -2959,13 +2954,13 @@
           <a:cs typeface="+mn-cs"/>
         </a:defRPr>
       </a:lvl7pPr>
-      <a:lvl8pPr algn="l" defTabSz="342900" eaLnBrk="1" hangingPunct="1" indent="-342900" latinLnBrk="0" marL="2743200" rtl="0">
+      <a:lvl8pPr marL="2743200" indent="-342900" algn="l" defTabSz="342900" rtl="0" eaLnBrk="1" latinLnBrk="0" hangingPunct="1">
         <a:spcBef>
           <a:spcPct val="20000"/>
         </a:spcBef>
         <a:buFont typeface="Arial"/>
         <a:buChar char="•"/>
-        <a:defRPr kern="1200" sz="1500">
+        <a:defRPr sz="1500" kern="1200">
           <a:solidFill>
             <a:schemeClr val="tx1"/>
           </a:solidFill>
@@ -2974,13 +2969,13 @@
           <a:cs typeface="+mn-cs"/>
         </a:defRPr>
       </a:lvl8pPr>
-      <a:lvl9pPr algn="l" defTabSz="342900" eaLnBrk="1" hangingPunct="1" indent="-342900" latinLnBrk="0" marL="3086100" rtl="0">
+      <a:lvl9pPr marL="3086100" indent="-342900" algn="l" defTabSz="342900" rtl="0" eaLnBrk="1" latinLnBrk="0" hangingPunct="1">
         <a:spcBef>
           <a:spcPct val="20000"/>
         </a:spcBef>
         <a:buFont typeface="Arial"/>
         <a:buChar char="•"/>
-        <a:defRPr kern="1200" sz="1500">
+        <a:defRPr sz="1500" kern="1200">
           <a:solidFill>
             <a:schemeClr val="tx1"/>
           </a:solidFill>
@@ -2994,8 +2989,8 @@
       <a:defPPr>
         <a:defRPr lang="en-US"/>
       </a:defPPr>
-      <a:lvl1pPr algn="l" defTabSz="342900" eaLnBrk="1" hangingPunct="1" latinLnBrk="0" marL="0" rtl="0">
-        <a:defRPr kern="1200" sz="1350">
+      <a:lvl1pPr marL="0" algn="l" defTabSz="342900" rtl="0" eaLnBrk="1" latinLnBrk="0" hangingPunct="1">
+        <a:defRPr sz="1350" kern="1200">
           <a:solidFill>
             <a:schemeClr val="tx1"/>
           </a:solidFill>
@@ -3004,8 +2999,8 @@
           <a:cs typeface="+mn-cs"/>
         </a:defRPr>
       </a:lvl1pPr>
-      <a:lvl2pPr algn="l" defTabSz="342900" eaLnBrk="1" hangingPunct="1" latinLnBrk="0" marL="342900" rtl="0">
-        <a:defRPr kern="1200" sz="1350">
+      <a:lvl2pPr marL="342900" algn="l" defTabSz="342900" rtl="0" eaLnBrk="1" latinLnBrk="0" hangingPunct="1">
+        <a:defRPr sz="1350" kern="1200">
           <a:solidFill>
             <a:schemeClr val="tx1"/>
           </a:solidFill>
@@ -3014,8 +3009,8 @@
           <a:cs typeface="+mn-cs"/>
         </a:defRPr>
       </a:lvl2pPr>
-      <a:lvl3pPr algn="l" defTabSz="342900" eaLnBrk="1" hangingPunct="1" latinLnBrk="0" marL="685800" rtl="0">
-        <a:defRPr kern="1200" sz="1350">
+      <a:lvl3pPr marL="685800" algn="l" defTabSz="342900" rtl="0" eaLnBrk="1" latinLnBrk="0" hangingPunct="1">
+        <a:defRPr sz="1350" kern="1200">
           <a:solidFill>
             <a:schemeClr val="tx1"/>
           </a:solidFill>
@@ -3024,8 +3019,8 @@
           <a:cs typeface="+mn-cs"/>
         </a:defRPr>
       </a:lvl3pPr>
-      <a:lvl4pPr algn="l" defTabSz="342900" eaLnBrk="1" hangingPunct="1" latinLnBrk="0" marL="1028700" rtl="0">
-        <a:defRPr kern="1200" sz="1350">
+      <a:lvl4pPr marL="1028700" algn="l" defTabSz="342900" rtl="0" eaLnBrk="1" latinLnBrk="0" hangingPunct="1">
+        <a:defRPr sz="1350" kern="1200">
           <a:solidFill>
             <a:schemeClr val="tx1"/>
           </a:solidFill>
@@ -3034,8 +3029,8 @@
           <a:cs typeface="+mn-cs"/>
         </a:defRPr>
       </a:lvl4pPr>
-      <a:lvl5pPr algn="l" defTabSz="342900" eaLnBrk="1" hangingPunct="1" latinLnBrk="0" marL="1371600" rtl="0">
-        <a:defRPr kern="1200" sz="1350">
+      <a:lvl5pPr marL="1371600" algn="l" defTabSz="342900" rtl="0" eaLnBrk="1" latinLnBrk="0" hangingPunct="1">
+        <a:defRPr sz="1350" kern="1200">
           <a:solidFill>
             <a:schemeClr val="tx1"/>
           </a:solidFill>
@@ -3044,8 +3039,8 @@
           <a:cs typeface="+mn-cs"/>
         </a:defRPr>
       </a:lvl5pPr>
-      <a:lvl6pPr algn="l" defTabSz="342900" eaLnBrk="1" hangingPunct="1" latinLnBrk="0" marL="1714500" rtl="0">
-        <a:defRPr kern="1200" sz="1350">
+      <a:lvl6pPr marL="1714500" algn="l" defTabSz="342900" rtl="0" eaLnBrk="1" latinLnBrk="0" hangingPunct="1">
+        <a:defRPr sz="1350" kern="1200">
           <a:solidFill>
             <a:schemeClr val="tx1"/>
           </a:solidFill>
@@ -3054,8 +3049,8 @@
           <a:cs typeface="+mn-cs"/>
         </a:defRPr>
       </a:lvl6pPr>
-      <a:lvl7pPr algn="l" defTabSz="342900" eaLnBrk="1" hangingPunct="1" latinLnBrk="0" marL="2057400" rtl="0">
-        <a:defRPr kern="1200" sz="1350">
+      <a:lvl7pPr marL="2057400" algn="l" defTabSz="342900" rtl="0" eaLnBrk="1" latinLnBrk="0" hangingPunct="1">
+        <a:defRPr sz="1350" kern="1200">
           <a:solidFill>
             <a:schemeClr val="tx1"/>
           </a:solidFill>
@@ -3064,8 +3059,8 @@
           <a:cs typeface="+mn-cs"/>
         </a:defRPr>
       </a:lvl7pPr>
-      <a:lvl8pPr algn="l" defTabSz="342900" eaLnBrk="1" hangingPunct="1" latinLnBrk="0" marL="2400300" rtl="0">
-        <a:defRPr kern="1200" sz="1350">
+      <a:lvl8pPr marL="2400300" algn="l" defTabSz="342900" rtl="0" eaLnBrk="1" latinLnBrk="0" hangingPunct="1">
+        <a:defRPr sz="1350" kern="1200">
           <a:solidFill>
             <a:schemeClr val="tx1"/>
           </a:solidFill>
@@ -3074,8 +3069,8 @@
           <a:cs typeface="+mn-cs"/>
         </a:defRPr>
       </a:lvl8pPr>
-      <a:lvl9pPr algn="l" defTabSz="342900" eaLnBrk="1" hangingPunct="1" latinLnBrk="0" marL="2743200" rtl="0">
-        <a:defRPr kern="1200" sz="1350">
+      <a:lvl9pPr marL="2743200" algn="l" defTabSz="342900" rtl="0" eaLnBrk="1" latinLnBrk="0" hangingPunct="1">
+        <a:defRPr sz="1350" kern="1200">
           <a:solidFill>
             <a:schemeClr val="tx1"/>
           </a:solidFill>
@@ -3118,14 +3113,15 @@
         </p:nvSpPr>
         <p:spPr/>
         <p:txBody>
-          <a:bodyPr/>
-          <a:lstStyle/>
-          <a:p>
-            <a:pPr lvl="0" indent="0" marL="0">
+          <a:bodyPr>
+            <a:normAutofit fontScale="90000"/>
+          </a:bodyPr>
+          <a:lstStyle/>
+          <a:p>
+            <a:pPr marL="0" lvl="0" indent="0">
               <a:buNone/>
             </a:pPr>
             <a:r>
-              <a:rPr/>
               <a:t>🚀 FORECAST: Прогноз движения цены с учётом новостного контекста</a:t>
             </a:r>
           </a:p>
@@ -3141,25 +3137,39 @@
             <p:ph idx="1"/>
           </p:nvPr>
         </p:nvSpPr>
-        <p:spPr/>
-        <p:txBody>
-          <a:bodyPr/>
-          <a:lstStyle/>
-          <a:p>
-            <a:pPr lvl="0" indent="0" marL="0">
+        <p:spPr>
+          <a:xfrm>
+            <a:off x="563336" y="2081894"/>
+            <a:ext cx="8229600" cy="3394472"/>
+          </a:xfrm>
+        </p:spPr>
+        <p:txBody>
+          <a:bodyPr/>
+          <a:lstStyle/>
+          <a:p>
+            <a:pPr marL="0" lvl="0" indent="0">
               <a:buNone/>
             </a:pPr>
             <a:r>
-              <a:rPr b="1"/>
-              <a:t>Команда Pulsetech</a:t>
-            </a:r>
-          </a:p>
-          <a:p>
-            <a:pPr lvl="0" indent="0" marL="0">
+              <a:rPr b="1" dirty="0" err="1"/>
+              <a:t>Команда</a:t>
+            </a:r>
+            <a:r>
+              <a:rPr b="1" dirty="0"/>
+              <a:t> </a:t>
+            </a:r>
+            <a:r>
+              <a:rPr b="1" dirty="0" err="1"/>
+              <a:t>Pulsetech</a:t>
+            </a:r>
+            <a:endParaRPr b="1" dirty="0"/>
+          </a:p>
+          <a:p>
+            <a:pPr marL="0" lvl="0" indent="0">
               <a:buNone/>
             </a:pPr>
             <a:r>
-              <a:rPr b="1"/>
+              <a:rPr b="1" dirty="0"/>
               <a:t>Finam x HSE Trade AI Hack</a:t>
             </a:r>
           </a:p>
@@ -3167,6 +3177,9 @@
       </p:sp>
     </p:spTree>
   </p:cSld>
+  <p:clrMapOvr>
+    <a:masterClrMapping/>
+  </p:clrMapOvr>
 </p:sld>
 </file>
 
@@ -3175,7 +3188,13 @@
   <p:cSld>
     <p:spTree>
       <p:nvGrpSpPr>
-        <p:cNvPr id="1" name=""/>
+        <p:cNvPr id="1" name="">
+          <a:extLst>
+            <a:ext uri="{FF2B5EF4-FFF2-40B4-BE49-F238E27FC236}">
+              <a16:creationId xmlns:a16="http://schemas.microsoft.com/office/drawing/2014/main" id="{CE2D28BE-63F5-C659-0D02-519936449708}"/>
+            </a:ext>
+          </a:extLst>
+        </p:cNvPr>
         <p:cNvGrpSpPr/>
         <p:nvPr/>
       </p:nvGrpSpPr>
@@ -3189,12 +3208,18 @@
       </p:grpSpPr>
       <p:sp>
         <p:nvSpPr>
-          <p:cNvPr id="3" name="Content Placeholder 2"/>
-          <p:cNvSpPr>
-            <a:spLocks noGrp="1"/>
-          </p:cNvSpPr>
-          <p:nvPr>
-            <p:ph idx="1"/>
+          <p:cNvPr id="2" name="Title 1">
+            <a:extLst>
+              <a:ext uri="{FF2B5EF4-FFF2-40B4-BE49-F238E27FC236}">
+                <a16:creationId xmlns:a16="http://schemas.microsoft.com/office/drawing/2014/main" id="{59BA654D-8C31-B74F-B532-67EF1138D85E}"/>
+              </a:ext>
+            </a:extLst>
+          </p:cNvPr>
+          <p:cNvSpPr>
+            <a:spLocks noGrp="1"/>
+          </p:cNvSpPr>
+          <p:nvPr>
+            <p:ph type="title"/>
           </p:nvPr>
         </p:nvSpPr>
         <p:spPr/>
@@ -3202,166 +3227,55 @@
           <a:bodyPr/>
           <a:lstStyle/>
           <a:p>
-            <a:pPr lvl="0" indent="0" marL="0">
-              <a:spcBef>
-                <a:spcPts val="3000"/>
-              </a:spcBef>
+            <a:pPr marL="0" lvl="0" indent="0">
               <a:buNone/>
             </a:pPr>
             <a:r>
-              <a:rPr b="1"/>
-              <a:t>Production-ready решение</a:t>
-            </a:r>
-          </a:p>
-          <a:p>
-            <a:pPr lvl="0" indent="0">
-              <a:buNone/>
-            </a:pPr>
-            <a:r>
-              <a:rPr i="1">
-                <a:solidFill>
-                  <a:srgbClr val="60A0B0"/>
-                </a:solidFill>
-                <a:latin typeface="Courier"/>
-              </a:rPr>
-              <a:t># Простой API</a:t>
-            </a:r>
-            <a:br/>
-            <a:r>
-              <a:rPr>
-                <a:latin typeface="Courier"/>
-              </a:rPr>
-              <a:t>python train.py </a:t>
-            </a:r>
-            <a:r>
-              <a:rPr>
-                <a:solidFill>
-                  <a:srgbClr val="666666"/>
-                </a:solidFill>
-                <a:latin typeface="Courier"/>
-              </a:rPr>
-              <a:t>--</a:t>
-            </a:r>
-            <a:r>
-              <a:rPr>
-                <a:latin typeface="Courier"/>
-              </a:rPr>
-              <a:t>train</a:t>
-            </a:r>
-            <a:r>
-              <a:rPr>
-                <a:solidFill>
-                  <a:srgbClr val="666666"/>
-                </a:solidFill>
-                <a:latin typeface="Courier"/>
-              </a:rPr>
-              <a:t>-</a:t>
-            </a:r>
-            <a:r>
-              <a:rPr>
-                <a:latin typeface="Courier"/>
-              </a:rPr>
-              <a:t>candles data.csv</a:t>
-            </a:r>
-            <a:br/>
-            <a:r>
-              <a:rPr>
-                <a:latin typeface="Courier"/>
-              </a:rPr>
-              <a:t>python predict.py </a:t>
-            </a:r>
-            <a:r>
-              <a:rPr>
-                <a:solidFill>
-                  <a:srgbClr val="666666"/>
-                </a:solidFill>
-                <a:latin typeface="Courier"/>
-              </a:rPr>
-              <a:t>--</a:t>
-            </a:r>
-            <a:r>
-              <a:rPr>
-                <a:latin typeface="Courier"/>
-              </a:rPr>
-              <a:t>output submission.csv</a:t>
-            </a:r>
-            <a:br/>
-            <a:br/>
-            <a:r>
-              <a:rPr i="1">
-                <a:solidFill>
-                  <a:srgbClr val="60A0B0"/>
-                </a:solidFill>
-                <a:latin typeface="Courier"/>
-              </a:rPr>
-              <a:t># 3 команды до результата</a:t>
-            </a:r>
-            <a:br/>
-            <a:r>
-              <a:rPr>
-                <a:latin typeface="Courier"/>
-              </a:rPr>
-              <a:t>pip install </a:t>
-            </a:r>
-            <a:r>
-              <a:rPr>
-                <a:solidFill>
-                  <a:srgbClr val="666666"/>
-                </a:solidFill>
-                <a:latin typeface="Courier"/>
-              </a:rPr>
-              <a:t>-</a:t>
-            </a:r>
-            <a:r>
-              <a:rPr>
-                <a:latin typeface="Courier"/>
-              </a:rPr>
-              <a:t>r requirements.txt</a:t>
-            </a:r>
-            <a:br/>
-            <a:r>
-              <a:rPr>
-                <a:latin typeface="Courier"/>
-              </a:rPr>
-              <a:t>python train.py</a:t>
-            </a:r>
-            <a:br/>
-            <a:r>
-              <a:rPr>
-                <a:latin typeface="Courier"/>
-              </a:rPr>
-              <a:t>python predict.py</a:t>
-            </a:r>
-          </a:p>
-          <a:p>
-            <a:pPr lvl="0" indent="0" marL="0">
-              <a:spcBef>
-                <a:spcPts val="3000"/>
-              </a:spcBef>
-              <a:buNone/>
-            </a:pPr>
-            <a:r>
-              <a:rPr b="1"/>
-              <a:t>Интерпретируемость</a:t>
-            </a:r>
-          </a:p>
-          <a:p>
-            <a:pPr lvl="0" indent="0" marL="0">
-              <a:buNone/>
-            </a:pPr>
-            <a:r>
-              <a:rPr b="1"/>
-              <a:t>Используемые признаки</a:t>
-            </a:r>
-            <a:r>
-              <a:rPr/>
-              <a:t>: - Моментум (доходности за 1, 5, 10, 20 дней) - Технические индикаторы (RSI, MACD, Bollinger Bands) - Скользящие средние и дистанции до них - Волатильность и объемы - Новостной контекст (количество новостей)</a:t>
-            </a:r>
-          </a:p>
-        </p:txBody>
-      </p:sp>
+              <a:t>7. 🎓 Выводы и ограничения</a:t>
+            </a:r>
+          </a:p>
+        </p:txBody>
+      </p:sp>
+      <p:pic>
+        <p:nvPicPr>
+          <p:cNvPr id="3" name="Рисунок 2">
+            <a:extLst>
+              <a:ext uri="{FF2B5EF4-FFF2-40B4-BE49-F238E27FC236}">
+                <a16:creationId xmlns:a16="http://schemas.microsoft.com/office/drawing/2014/main" id="{CAB90495-8469-7B72-7427-967322F3149D}"/>
+              </a:ext>
+            </a:extLst>
+          </p:cNvPr>
+          <p:cNvPicPr>
+            <a:picLocks noChangeAspect="1"/>
+          </p:cNvPicPr>
+          <p:nvPr/>
+        </p:nvPicPr>
+        <p:blipFill>
+          <a:blip r:embed="rId2"/>
+          <a:stretch>
+            <a:fillRect/>
+          </a:stretch>
+        </p:blipFill>
+        <p:spPr>
+          <a:xfrm>
+            <a:off x="1954940" y="1063229"/>
+            <a:ext cx="5823950" cy="3914810"/>
+          </a:xfrm>
+          <a:prstGeom prst="rect">
+            <a:avLst/>
+          </a:prstGeom>
+        </p:spPr>
+      </p:pic>
     </p:spTree>
+    <p:extLst>
+      <p:ext uri="{BB962C8B-B14F-4D97-AF65-F5344CB8AC3E}">
+        <p14:creationId xmlns:p14="http://schemas.microsoft.com/office/powerpoint/2010/main" val="3775040458"/>
+      </p:ext>
+    </p:extLst>
   </p:cSld>
+  <p:clrMapOvr>
+    <a:masterClrMapping/>
+  </p:clrMapOvr>
 </p:sld>
 </file>
 
@@ -3397,12 +3311,36 @@
           <a:bodyPr/>
           <a:lstStyle/>
           <a:p>
-            <a:pPr lvl="0" indent="0" marL="0">
+            <a:pPr marL="0" lvl="0" indent="0">
               <a:buNone/>
             </a:pPr>
             <a:r>
-              <a:rPr/>
-              <a:t>6. 💡 Уникальность / Вклад</a:t>
+              <a:rPr dirty="0"/>
+              <a:t>🙏 </a:t>
+            </a:r>
+            <a:r>
+              <a:rPr dirty="0" err="1"/>
+              <a:t>Спасибо</a:t>
+            </a:r>
+            <a:r>
+              <a:rPr dirty="0"/>
+              <a:t> </a:t>
+            </a:r>
+            <a:r>
+              <a:rPr dirty="0" err="1"/>
+              <a:t>за</a:t>
+            </a:r>
+            <a:r>
+              <a:rPr dirty="0"/>
+              <a:t> </a:t>
+            </a:r>
+            <a:r>
+              <a:rPr dirty="0" err="1"/>
+              <a:t>внимание</a:t>
+            </a:r>
+            <a:r>
+              <a:rPr dirty="0"/>
+              <a:t>!</a:t>
             </a:r>
           </a:p>
         </p:txBody>
@@ -3419,246 +3357,230 @@
         </p:nvSpPr>
         <p:spPr/>
         <p:txBody>
-          <a:bodyPr/>
-          <a:lstStyle/>
-          <a:p>
-            <a:pPr lvl="0" indent="0" marL="0">
+          <a:bodyPr>
+            <a:normAutofit fontScale="92500" lnSpcReduction="10000"/>
+          </a:bodyPr>
+          <a:lstStyle/>
+          <a:p>
+            <a:pPr marL="0" lvl="0" indent="0">
+              <a:buNone/>
+            </a:pPr>
+            <a:r>
+              <a:rPr b="1" dirty="0" err="1"/>
+              <a:t>Команда</a:t>
+            </a:r>
+            <a:r>
+              <a:rPr b="1" dirty="0"/>
+              <a:t> </a:t>
+            </a:r>
+            <a:r>
+              <a:rPr b="1" dirty="0" err="1"/>
+              <a:t>Pulsetech</a:t>
+            </a:r>
+            <a:endParaRPr b="1" dirty="0"/>
+          </a:p>
+          <a:p>
+            <a:pPr marL="0" lvl="0" indent="0">
               <a:spcBef>
                 <a:spcPts val="3000"/>
               </a:spcBef>
               <a:buNone/>
             </a:pPr>
             <a:r>
-              <a:rPr b="1"/>
-              <a:t>Оригинальная идея: Извлечение тикеров</a:t>
-            </a:r>
-          </a:p>
-          <a:p>
-            <a:pPr lvl="0" indent="0" marL="0">
+              <a:rPr b="1" dirty="0" err="1"/>
+              <a:t>Контакты</a:t>
+            </a:r>
+            <a:r>
+              <a:rPr b="1" dirty="0"/>
+              <a:t> </a:t>
+            </a:r>
+            <a:r>
+              <a:rPr b="1" dirty="0" err="1"/>
+              <a:t>и</a:t>
+            </a:r>
+            <a:r>
+              <a:rPr b="1" dirty="0"/>
+              <a:t> </a:t>
+            </a:r>
+            <a:r>
+              <a:rPr b="1" dirty="0" err="1"/>
+              <a:t>ресурсы</a:t>
+            </a:r>
+            <a:endParaRPr b="1" dirty="0"/>
+          </a:p>
+          <a:p>
+            <a:pPr lvl="0"/>
+            <a:r>
+              <a:rPr b="1" dirty="0" err="1"/>
+              <a:t>Команда</a:t>
+            </a:r>
+            <a:r>
+              <a:rPr dirty="0"/>
+              <a:t>: </a:t>
+            </a:r>
+            <a:r>
+              <a:rPr dirty="0" err="1"/>
+              <a:t>Pulsetech</a:t>
+            </a:r>
+            <a:endParaRPr dirty="0"/>
+          </a:p>
+          <a:p>
+            <a:pPr lvl="0"/>
+            <a:r>
+              <a:rPr b="1" dirty="0"/>
+              <a:t>GitHub</a:t>
+            </a:r>
+            <a:r>
+              <a:rPr dirty="0"/>
+              <a:t>: https://</a:t>
+            </a:r>
+            <a:r>
+              <a:rPr dirty="0" err="1"/>
+              <a:t>github.com</a:t>
+            </a:r>
+            <a:r>
+              <a:rPr dirty="0"/>
+              <a:t>/</a:t>
+            </a:r>
+            <a:r>
+              <a:rPr dirty="0" err="1"/>
+              <a:t>sokanaid</a:t>
+            </a:r>
+            <a:r>
+              <a:rPr dirty="0"/>
+              <a:t>/</a:t>
+            </a:r>
+            <a:r>
+              <a:rPr dirty="0" err="1"/>
+              <a:t>finnam</a:t>
+            </a:r>
+            <a:r>
+              <a:rPr dirty="0"/>
+              <a:t>-forecast-</a:t>
+            </a:r>
+            <a:r>
+              <a:rPr dirty="0" err="1"/>
+              <a:t>pulsetech</a:t>
+            </a:r>
+            <a:endParaRPr dirty="0"/>
+          </a:p>
+          <a:p>
+            <a:pPr lvl="0"/>
+            <a:r>
+              <a:rPr b="1" dirty="0" err="1"/>
+              <a:t>Документация</a:t>
+            </a:r>
+            <a:r>
+              <a:rPr dirty="0"/>
+              <a:t>: </a:t>
+            </a:r>
+            <a:r>
+              <a:rPr dirty="0" err="1"/>
+              <a:t>README.md</a:t>
+            </a:r>
+            <a:r>
+              <a:rPr dirty="0"/>
+              <a:t> (605 </a:t>
+            </a:r>
+            <a:r>
+              <a:rPr dirty="0" err="1"/>
+              <a:t>строк</a:t>
+            </a:r>
+            <a:r>
+              <a:rPr dirty="0"/>
+              <a:t>)</a:t>
+            </a:r>
+          </a:p>
+          <a:p>
+            <a:pPr lvl="0"/>
+            <a:r>
+              <a:rPr b="1" dirty="0" err="1"/>
+              <a:t>Colab</a:t>
+            </a:r>
+            <a:r>
+              <a:rPr dirty="0"/>
+              <a:t>: </a:t>
+            </a:r>
+            <a:r>
+              <a:rPr dirty="0" err="1"/>
+              <a:t>RUN_IN_COLAB.ipynb</a:t>
+            </a:r>
+            <a:r>
+              <a:rPr dirty="0"/>
+              <a:t> (</a:t>
+            </a:r>
+            <a:r>
+              <a:rPr dirty="0" err="1"/>
+              <a:t>готов</a:t>
+            </a:r>
+            <a:r>
+              <a:rPr dirty="0"/>
+              <a:t> </a:t>
+            </a:r>
+            <a:r>
+              <a:rPr dirty="0" err="1"/>
+              <a:t>к</a:t>
+            </a:r>
+            <a:r>
+              <a:rPr dirty="0"/>
+              <a:t> </a:t>
+            </a:r>
+            <a:r>
+              <a:rPr dirty="0" err="1"/>
+              <a:t>запуску</a:t>
+            </a:r>
+            <a:r>
+              <a:rPr dirty="0"/>
+              <a:t>)</a:t>
+            </a:r>
+          </a:p>
+          <a:p>
+            <a:pPr marL="0" lvl="0" indent="0">
               <a:spcBef>
                 <a:spcPts val="3000"/>
               </a:spcBef>
               <a:buNone/>
             </a:pPr>
             <a:r>
-              <a:rPr b="1"/>
-              <a:t>Проблема</a:t>
-            </a:r>
-          </a:p>
-          <a:p>
-            <a:pPr lvl="0" indent="0" marL="0">
-              <a:buNone/>
-            </a:pPr>
-            <a:r>
-              <a:rPr/>
-              <a:t>Колонка </a:t>
-            </a:r>
-            <a:r>
-              <a:rPr>
-                <a:latin typeface="Courier"/>
-              </a:rPr>
-              <a:t>ticker</a:t>
-            </a:r>
-            <a:r>
-              <a:rPr/>
-              <a:t> может отсутствовать в датасете ⚠️</a:t>
-            </a:r>
-          </a:p>
-          <a:p>
-            <a:pPr lvl="0" indent="0" marL="0">
-              <a:spcBef>
-                <a:spcPts val="3000"/>
-              </a:spcBef>
-              <a:buNone/>
-            </a:pPr>
-            <a:r>
-              <a:rPr b="1"/>
-              <a:t>Наше решение ✨</a:t>
-            </a:r>
-          </a:p>
-          <a:p>
-            <a:pPr lvl="0" indent="0" marL="0">
-              <a:buNone/>
-            </a:pPr>
-            <a:r>
-              <a:rPr b="1"/>
-              <a:t>Двухэтапный подход:</a:t>
-            </a:r>
-          </a:p>
-          <a:p>
-            <a:pPr lvl="0" indent="0" marL="0">
-              <a:spcBef>
-                <a:spcPts val="3000"/>
-              </a:spcBef>
-              <a:buNone/>
-            </a:pPr>
-            <a:r>
-              <a:rPr b="1"/>
-              <a:t>Этап 1: Regex для новостей</a:t>
-            </a:r>
-          </a:p>
-          <a:p>
-            <a:pPr lvl="0" indent="0">
-              <a:buNone/>
-            </a:pPr>
-            <a:r>
-              <a:rPr i="1">
-                <a:solidFill>
-                  <a:srgbClr val="60A0B0"/>
-                </a:solidFill>
-                <a:latin typeface="Courier"/>
-              </a:rPr>
-              <a:t># Поиск прямых упоминаний: SBER, GAZP, LKOH...</a:t>
-            </a:r>
-            <a:br/>
-            <a:r>
-              <a:rPr i="1">
-                <a:solidFill>
-                  <a:srgbClr val="60A0B0"/>
-                </a:solidFill>
-                <a:latin typeface="Courier"/>
-              </a:rPr>
-              <a:t># Поиск по названиям: "Сбербанк" → SBER</a:t>
-            </a:r>
-            <a:br/>
-            <a:r>
-              <a:rPr i="1">
-                <a:solidFill>
-                  <a:srgbClr val="60A0B0"/>
-                </a:solidFill>
-                <a:latin typeface="Courier"/>
-              </a:rPr>
-              <a:t># Результат: 97% новостей с извлеченными тикерами</a:t>
-            </a:r>
-          </a:p>
-          <a:p>
-            <a:pPr lvl="0" indent="0" marL="0">
-              <a:spcBef>
-                <a:spcPts val="3000"/>
-              </a:spcBef>
-              <a:buNone/>
-            </a:pPr>
-            <a:r>
-              <a:rPr b="1"/>
-              <a:t>Этап 2: K-Means для котировок</a:t>
-            </a:r>
-          </a:p>
-          <a:p>
-            <a:pPr lvl="0" indent="0">
-              <a:buNone/>
-            </a:pPr>
-            <a:r>
-              <a:rPr i="1">
-                <a:solidFill>
-                  <a:srgbClr val="60A0B0"/>
-                </a:solidFill>
-                <a:latin typeface="Courier"/>
-              </a:rPr>
-              <a:t># Кластеризация по:</a:t>
-            </a:r>
-            <a:br/>
-            <a:r>
-              <a:rPr i="1">
-                <a:solidFill>
-                  <a:srgbClr val="60A0B0"/>
-                </a:solidFill>
-                <a:latin typeface="Courier"/>
-              </a:rPr>
-              <a:t>#   - Средняя цена (сглаженная)</a:t>
-            </a:r>
-            <a:br/>
-            <a:r>
-              <a:rPr i="1">
-                <a:solidFill>
-                  <a:srgbClr val="60A0B0"/>
-                </a:solidFill>
-                <a:latin typeface="Courier"/>
-              </a:rPr>
-              <a:t>#   - Логарифм объема</a:t>
-            </a:r>
-            <a:br/>
-            <a:r>
-              <a:rPr i="1">
-                <a:solidFill>
-                  <a:srgbClr val="60A0B0"/>
-                </a:solidFill>
-                <a:latin typeface="Courier"/>
-              </a:rPr>
-              <a:t>#   - Волатильность</a:t>
-            </a:r>
-            <a:br/>
-            <a:r>
-              <a:rPr i="1">
-                <a:solidFill>
-                  <a:srgbClr val="60A0B0"/>
-                </a:solidFill>
-                <a:latin typeface="Courier"/>
-              </a:rPr>
-              <a:t># Присвоение тикеров кластерам</a:t>
-            </a:r>
-          </a:p>
-          <a:p>
-            <a:pPr lvl="0" indent="0" marL="0">
-              <a:buNone/>
-            </a:pPr>
-            <a:r>
-              <a:rPr b="1"/>
-              <a:t>Эффект</a:t>
-            </a:r>
-            <a:r>
-              <a:rPr/>
-              <a:t>: Позволило корректно работать с данными без колонки ticker ✅</a:t>
-            </a:r>
-          </a:p>
-          <a:p>
-            <a:pPr lvl="0" indent="0" marL="0">
-              <a:spcBef>
-                <a:spcPts val="3000"/>
-              </a:spcBef>
-              <a:buNone/>
-            </a:pPr>
-            <a:r>
-              <a:rPr b="1"/>
-              <a:t>Дополнительная уникальность</a:t>
-            </a:r>
-          </a:p>
-          <a:p>
-            <a:pPr lvl="0"/>
-            <a:r>
-              <a:rPr b="1"/>
-              <a:t>Отдельные модели на горизонт</a:t>
-            </a:r>
-            <a:r>
-              <a:rPr/>
-              <a:t>: специализация вместо one-size-fits-all</a:t>
-            </a:r>
-          </a:p>
-          <a:p>
-            <a:pPr lvl="0"/>
-            <a:r>
-              <a:rPr b="1"/>
-              <a:t>Fallback на sklearn</a:t>
-            </a:r>
-            <a:r>
-              <a:rPr/>
-              <a:t>: работает даже без LightGBM</a:t>
-            </a:r>
-          </a:p>
-          <a:p>
-            <a:pPr lvl="0"/>
-            <a:r>
-              <a:rPr b="1"/>
-              <a:t>CLI интерфейс</a:t>
-            </a:r>
-            <a:r>
-              <a:rPr/>
-              <a:t>: гибкая конфигурация через аргументы</a:t>
+              <a:rPr b="1" dirty="0" err="1"/>
+              <a:t>Готовы</a:t>
+            </a:r>
+            <a:r>
+              <a:rPr b="1" dirty="0"/>
+              <a:t> </a:t>
+            </a:r>
+            <a:r>
+              <a:rPr b="1" dirty="0" err="1"/>
+              <a:t>ответить</a:t>
+            </a:r>
+            <a:r>
+              <a:rPr b="1" dirty="0"/>
+              <a:t> </a:t>
+            </a:r>
+            <a:r>
+              <a:rPr b="1" dirty="0" err="1"/>
+              <a:t>на</a:t>
+            </a:r>
+            <a:r>
+              <a:rPr b="1" dirty="0"/>
+              <a:t> </a:t>
+            </a:r>
+            <a:r>
+              <a:rPr b="1" dirty="0" err="1"/>
+              <a:t>вопросы</a:t>
+            </a:r>
+            <a:r>
+              <a:rPr b="1" dirty="0"/>
+              <a:t>! 🎤</a:t>
             </a:r>
           </a:p>
         </p:txBody>
       </p:sp>
     </p:spTree>
   </p:cSld>
+  <p:clrMapOvr>
+    <a:masterClrMapping/>
+  </p:clrMapOvr>
 </p:sld>
 </file>
 
@@ -3679,1523 +3601,41 @@
           <a:chExt cx="0" cy="0"/>
         </a:xfrm>
       </p:grpSpPr>
-      <p:sp>
-        <p:nvSpPr>
-          <p:cNvPr id="2" name="Title 1"/>
-          <p:cNvSpPr>
-            <a:spLocks noGrp="1"/>
-          </p:cNvSpPr>
-          <p:nvPr>
-            <p:ph type="title"/>
-          </p:nvPr>
-        </p:nvSpPr>
-        <p:spPr/>
-        <p:txBody>
-          <a:bodyPr/>
-          <a:lstStyle/>
-          <a:p>
-            <a:pPr lvl="0" indent="0" marL="0">
-              <a:buNone/>
-            </a:pPr>
-            <a:r>
-              <a:rPr/>
-              <a:t>7. 🎓 Выводы и ограничения</a:t>
-            </a:r>
-          </a:p>
-        </p:txBody>
-      </p:sp>
-      <p:sp>
-        <p:nvSpPr>
-          <p:cNvPr id="3" name="Content Placeholder 2"/>
-          <p:cNvSpPr>
-            <a:spLocks noGrp="1"/>
-          </p:cNvSpPr>
-          <p:nvPr>
-            <p:ph idx="1"/>
-          </p:nvPr>
-        </p:nvSpPr>
-        <p:spPr/>
-        <p:txBody>
-          <a:bodyPr/>
-          <a:lstStyle/>
-          <a:p>
-            <a:pPr lvl="0" indent="0" marL="0">
-              <a:spcBef>
-                <a:spcPts val="3000"/>
-              </a:spcBef>
-              <a:buNone/>
-            </a:pPr>
-            <a:r>
-              <a:rPr b="1"/>
-              <a:t>Что реализовано ✅</a:t>
-            </a:r>
-          </a:p>
-          <a:p>
-            <a:pPr lvl="0" indent="-342900" marL="342900">
-              <a:buAutoNum type="arabicPeriod"/>
-            </a:pPr>
-            <a:r>
-              <a:rPr b="1"/>
-              <a:t>H1</a:t>
-            </a:r>
-            <a:r>
-              <a:rPr/>
-              <a:t>: Используется моментум (доходности на разных окнах)</a:t>
-            </a:r>
-          </a:p>
-          <a:p>
-            <a:pPr lvl="0" indent="-342900" marL="342900">
-              <a:buAutoNum type="arabicPeriod"/>
-            </a:pPr>
-            <a:r>
-              <a:rPr b="1"/>
-              <a:t>H2</a:t>
-            </a:r>
-            <a:r>
-              <a:rPr/>
-              <a:t>: Технические индикаторы (RSI, MACD, Bollinger Bands)</a:t>
-            </a:r>
-          </a:p>
-          <a:p>
-            <a:pPr lvl="0" indent="-342900" marL="342900">
-              <a:buAutoNum type="arabicPeriod"/>
-            </a:pPr>
-            <a:r>
-              <a:rPr b="1"/>
-              <a:t>H3</a:t>
-            </a:r>
-            <a:r>
-              <a:rPr/>
-              <a:t>: Учтены новости (агрегация по дням)</a:t>
-            </a:r>
-          </a:p>
-          <a:p>
-            <a:pPr lvl="0" indent="-342900" marL="342900">
-              <a:buAutoNum type="arabicPeriod"/>
-            </a:pPr>
-            <a:r>
-              <a:rPr b="1"/>
-              <a:t>H4</a:t>
-            </a:r>
-            <a:r>
-              <a:rPr/>
-              <a:t>: Специализация - 20 отдельных моделей на горизонты</a:t>
-            </a:r>
-          </a:p>
-          <a:p>
-            <a:pPr lvl="0" indent="0" marL="0">
-              <a:spcBef>
-                <a:spcPts val="3000"/>
-              </a:spcBef>
-              <a:buNone/>
-            </a:pPr>
-            <a:r>
-              <a:rPr b="1"/>
-              <a:t>Основные достижения</a:t>
-            </a:r>
-          </a:p>
-          <a:p>
-            <a:pPr lvl="0"/>
-            <a:r>
-              <a:rPr/>
-              <a:t>✅ </a:t>
-            </a:r>
-            <a:r>
-              <a:rPr b="1"/>
-              <a:t>Эмпирическая строгость</a:t>
-            </a:r>
-            <a:r>
-              <a:rPr/>
-              <a:t>: нет утечек, корректная валидация</a:t>
-            </a:r>
-          </a:p>
-          <a:p>
-            <a:pPr lvl="0"/>
-            <a:r>
-              <a:rPr/>
-              <a:t>✅ </a:t>
-            </a:r>
-            <a:r>
-              <a:rPr b="1"/>
-              <a:t>Эффективность</a:t>
-            </a:r>
-            <a:r>
-              <a:rPr/>
-              <a:t>: &lt; 1 мин обучение, ~2-3 GB RAM</a:t>
-            </a:r>
-          </a:p>
-          <a:p>
-            <a:pPr lvl="0"/>
-            <a:r>
-              <a:rPr/>
-              <a:t>✅ </a:t>
-            </a:r>
-            <a:r>
-              <a:rPr b="1"/>
-              <a:t>Уникальность</a:t>
-            </a:r>
-            <a:r>
-              <a:rPr/>
-              <a:t>: извлечение тикеров (regex + K-Means)</a:t>
-            </a:r>
-          </a:p>
-          <a:p>
-            <a:pPr lvl="0"/>
-            <a:r>
-              <a:rPr/>
-              <a:t>✅ </a:t>
-            </a:r>
-            <a:r>
-              <a:rPr b="1"/>
-              <a:t>Применимость</a:t>
-            </a:r>
-            <a:r>
-              <a:rPr/>
-              <a:t>: production-ready, CLI, документация</a:t>
-            </a:r>
-          </a:p>
-          <a:p>
-            <a:pPr lvl="0"/>
-            <a:r>
-              <a:rPr/>
-              <a:t>✅ </a:t>
-            </a:r>
-            <a:r>
-              <a:rPr b="1"/>
-              <a:t>Калибровка</a:t>
-            </a:r>
-            <a:r>
-              <a:rPr/>
-              <a:t>: адекватное распределение вероятностей</a:t>
-            </a:r>
-          </a:p>
-          <a:p>
-            <a:pPr lvl="0" indent="0" marL="0">
-              <a:spcBef>
-                <a:spcPts val="3000"/>
-              </a:spcBef>
-              <a:buNone/>
-            </a:pPr>
-            <a:r>
-              <a:rPr b="1"/>
-              <a:t>Ограничения и будущая работа</a:t>
-            </a:r>
-          </a:p>
-          <a:p>
-            <a:pPr lvl="0" indent="0" marL="0">
-              <a:spcBef>
-                <a:spcPts val="3000"/>
-              </a:spcBef>
-              <a:buNone/>
-            </a:pPr>
-            <a:r>
-              <a:rPr b="1"/>
-              <a:t>Текущие ограничения:</a:t>
-            </a:r>
-          </a:p>
-          <a:p>
-            <a:pPr lvl="0" indent="-342900" marL="342900">
-              <a:buAutoNum type="arabicPeriod"/>
-            </a:pPr>
-            <a:r>
-              <a:rPr b="1"/>
-              <a:t>Базовый NLP</a:t>
-            </a:r>
-            <a:r>
-              <a:rPr/>
-              <a:t>: используем только агрегации новостей</a:t>
-            </a:r>
-          </a:p>
-          <a:p>
-            <a:pPr lvl="1"/>
-            <a:r>
-              <a:rPr/>
-              <a:t>Нет эмбеддингов (BERT/ruBERT)</a:t>
-            </a:r>
-          </a:p>
-          <a:p>
-            <a:pPr lvl="1"/>
-            <a:r>
-              <a:rPr/>
-              <a:t>Простой sentiment на ключевых словах</a:t>
-            </a:r>
-          </a:p>
-          <a:p>
-            <a:pPr lvl="0" indent="-342900" marL="342900">
-              <a:buAutoNum type="arabicPeriod"/>
-            </a:pPr>
-            <a:r>
-              <a:rPr b="1"/>
-              <a:t>Нет cross-ticker features</a:t>
-            </a:r>
-            <a:r>
-              <a:rPr/>
-              <a:t>: не учитываем корреляции между акциями</a:t>
-            </a:r>
-          </a:p>
-          <a:p>
-            <a:pPr lvl="0" indent="-342900" marL="342900">
-              <a:buAutoNum type="arabicPeriod"/>
-            </a:pPr>
-            <a:r>
-              <a:rPr b="1"/>
-              <a:t>Стационарная валидация</a:t>
-            </a:r>
-            <a:r>
-              <a:rPr/>
-              <a:t>: нет rolling window</a:t>
-            </a:r>
-          </a:p>
-          <a:p>
-            <a:pPr lvl="0" indent="0" marL="0">
-              <a:spcBef>
-                <a:spcPts val="3000"/>
-              </a:spcBef>
-              <a:buNone/>
-            </a:pPr>
-            <a:r>
-              <a:rPr b="1"/>
-              <a:t>Следующие шаги:</a:t>
-            </a:r>
-          </a:p>
-          <a:p>
-            <a:pPr lvl="0" indent="-342900" marL="342900">
-              <a:buAutoNum type="arabicPeriod"/>
-            </a:pPr>
-            <a:r>
-              <a:rPr/>
-              <a:t>🔄 </a:t>
-            </a:r>
-            <a:r>
-              <a:rPr b="1"/>
-              <a:t>BERT для новостей</a:t>
-            </a:r>
-            <a:r>
-              <a:rPr/>
-              <a:t> → улучшение анализа текста</a:t>
-            </a:r>
-          </a:p>
-          <a:p>
-            <a:pPr lvl="0" indent="-342900" marL="342900">
-              <a:buAutoNum type="arabicPeriod"/>
-            </a:pPr>
-            <a:r>
-              <a:rPr/>
-              <a:t>🔄 </a:t>
-            </a:r>
-            <a:r>
-              <a:rPr b="1"/>
-              <a:t>Cross-ticker correlations</a:t>
-            </a:r>
-            <a:r>
-              <a:rPr/>
-              <a:t> → учет взаимосвязей</a:t>
-            </a:r>
-          </a:p>
-          <a:p>
-            <a:pPr lvl="0" indent="-342900" marL="342900">
-              <a:buAutoNum type="arabicPeriod"/>
-            </a:pPr>
-            <a:r>
-              <a:rPr/>
-              <a:t>🔄 </a:t>
-            </a:r>
-            <a:r>
-              <a:rPr b="1"/>
-              <a:t>Market regime detection</a:t>
-            </a:r>
-            <a:r>
-              <a:rPr/>
-              <a:t> → адаптация к волатильности</a:t>
-            </a:r>
-          </a:p>
-          <a:p>
-            <a:pPr lvl="0" indent="-342900" marL="342900">
-              <a:buAutoNum type="arabicPeriod"/>
-            </a:pPr>
-            <a:r>
-              <a:rPr/>
-              <a:t>🔄 </a:t>
-            </a:r>
-            <a:r>
-              <a:rPr b="1"/>
-              <a:t>Ансамблирование</a:t>
-            </a:r>
-            <a:r>
-              <a:rPr/>
-              <a:t> (LightGBM + XGBoost + CatBoost)</a:t>
-            </a:r>
-          </a:p>
-        </p:txBody>
-      </p:sp>
+      <p:pic>
+        <p:nvPicPr>
+          <p:cNvPr id="11" name="Рисунок 10">
+            <a:extLst>
+              <a:ext uri="{FF2B5EF4-FFF2-40B4-BE49-F238E27FC236}">
+                <a16:creationId xmlns:a16="http://schemas.microsoft.com/office/drawing/2014/main" id="{0FCF734B-C26C-50D9-DEF2-799A12C22D6E}"/>
+              </a:ext>
+            </a:extLst>
+          </p:cNvPr>
+          <p:cNvPicPr>
+            <a:picLocks noChangeAspect="1"/>
+          </p:cNvPicPr>
+          <p:nvPr/>
+        </p:nvPicPr>
+        <p:blipFill>
+          <a:blip r:embed="rId2"/>
+          <a:stretch>
+            <a:fillRect/>
+          </a:stretch>
+        </p:blipFill>
+        <p:spPr>
+          <a:xfrm>
+            <a:off x="888947" y="0"/>
+            <a:ext cx="7366105" cy="5143500"/>
+          </a:xfrm>
+          <a:prstGeom prst="rect">
+            <a:avLst/>
+          </a:prstGeom>
+        </p:spPr>
+      </p:pic>
     </p:spTree>
   </p:cSld>
-</p:sld>
-</file>
-
-<file path=ppt/slides/slide13.xml><?xml version="1.0" encoding="utf-8"?>
-<p:sld xmlns:a="http://schemas.openxmlformats.org/drawingml/2006/main" xmlns:r="http://schemas.openxmlformats.org/officeDocument/2006/relationships" xmlns:p="http://schemas.openxmlformats.org/presentationml/2006/main">
-  <p:cSld>
-    <p:spTree>
-      <p:nvGrpSpPr>
-        <p:cNvPr id="1" name=""/>
-        <p:cNvGrpSpPr/>
-        <p:nvPr/>
-      </p:nvGrpSpPr>
-      <p:grpSpPr>
-        <a:xfrm>
-          <a:off x="0" y="0"/>
-          <a:ext cx="0" cy="0"/>
-          <a:chOff x="0" y="0"/>
-          <a:chExt cx="0" cy="0"/>
-        </a:xfrm>
-      </p:grpSpPr>
-      <p:sp>
-        <p:nvSpPr>
-          <p:cNvPr id="2" name="Title 1"/>
-          <p:cNvSpPr>
-            <a:spLocks noGrp="1"/>
-          </p:cNvSpPr>
-          <p:nvPr>
-            <p:ph type="title"/>
-          </p:nvPr>
-        </p:nvSpPr>
-        <p:spPr>
-          <a:xfrm>
-            <a:off x="457201" y="204787"/>
-            <a:ext cx="3008313" cy="871538"/>
-          </a:xfrm>
-        </p:spPr>
-        <p:txBody>
-          <a:bodyPr/>
-          <a:lstStyle/>
-          <a:p>
-            <a:pPr lvl="0" indent="0" marL="0">
-              <a:buNone/>
-            </a:pPr>
-            <a:r>
-              <a:rPr/>
-              <a:t>📊 Итоговая сводка (1 слайд)</a:t>
-            </a:r>
-          </a:p>
-        </p:txBody>
-      </p:sp>
-      <p:sp>
-        <p:nvSpPr>
-          <p:cNvPr id="4" name="Text Placeholder 3"/>
-          <p:cNvSpPr>
-            <a:spLocks noGrp="1"/>
-          </p:cNvSpPr>
-          <p:nvPr>
-            <p:ph idx="2" sz="half" type="body"/>
-          </p:nvPr>
-        </p:nvSpPr>
-        <p:spPr/>
-        <p:txBody>
-          <a:bodyPr/>
-          <a:lstStyle/>
-          <a:p>
-            <a:pPr lvl="0" indent="0" marL="0">
-              <a:spcBef>
-                <a:spcPts val="3000"/>
-              </a:spcBef>
-              <a:buNone/>
-            </a:pPr>
-            <a:r>
-              <a:rPr b="1"/>
-              <a:t>Решение FORECAST</a:t>
-            </a:r>
-          </a:p>
-        </p:txBody>
-      </p:sp>
-      <p:graphicFrame>
-        <p:nvGraphicFramePr>
-          <p:cNvPr id="6" name="Content Placeholder 5"/>
-          <p:cNvGraphicFramePr>
-            <a:graphicFrameLocks noGrp="1"/>
-          </p:cNvGraphicFramePr>
-          <p:nvPr>
-            <p:ph idx="1"/>
-          </p:nvPr>
-        </p:nvGraphicFramePr>
-        <p:xfrm>
-          <a:off x="3568700" y="203200"/>
-          <a:ext cx="5105400" cy="4381500"/>
-        </p:xfrm>
-        <a:graphic>
-          <a:graphicData uri="http://schemas.openxmlformats.org/drawingml/2006/table">
-            <a:tbl>
-              <a:tblPr firstRow="1" bandRow="1">
-                <a:tableStyleId>{5C22544A-7EE6-4342-B048-85BDC9FD1C3A}</a:tableStyleId>
-              </a:tblPr>
-              <a:tblGrid>
-                <a:gridCol w="1549400"/>
-                <a:gridCol w="1854200"/>
-                <a:gridCol w="1701800"/>
-              </a:tblGrid>
-              <a:tr h="0">
-                <a:tc>
-                  <a:txBody>
-                    <a:bodyPr/>
-                    <a:lstStyle/>
-                    <a:p>
-                      <a:pPr lvl="0" indent="0" marL="0">
-                        <a:buNone/>
-                      </a:pPr>
-                      <a:r>
-                        <a:rPr/>
-                        <a:t>Критерий</a:t>
-                      </a:r>
-                    </a:p>
-                  </a:txBody>
-                  <a:tcPr/>
-                </a:tc>
-                <a:tc>
-                  <a:txBody>
-                    <a:bodyPr/>
-                    <a:lstStyle/>
-                    <a:p>
-                      <a:pPr lvl="0" indent="0" marL="0">
-                        <a:buNone/>
-                      </a:pPr>
-                      <a:r>
-                        <a:rPr/>
-                        <a:t>Наш подход</a:t>
-                      </a:r>
-                    </a:p>
-                  </a:txBody>
-                  <a:tcPr/>
-                </a:tc>
-                <a:tc>
-                  <a:txBody>
-                    <a:bodyPr/>
-                    <a:lstStyle/>
-                    <a:p>
-                      <a:pPr lvl="0" indent="0" marL="0">
-                        <a:buNone/>
-                      </a:pPr>
-                      <a:r>
-                        <a:rPr/>
-                        <a:t>Результат</a:t>
-                      </a:r>
-                    </a:p>
-                  </a:txBody>
-                  <a:tcPr/>
-                </a:tc>
-              </a:tr>
-              <a:tr h="0">
-                <a:tc>
-                  <a:txBody>
-                    <a:bodyPr/>
-                    <a:lstStyle/>
-                    <a:p>
-                      <a:pPr lvl="0" indent="0" marL="0">
-                        <a:buNone/>
-                      </a:pPr>
-                      <a:r>
-                        <a:rPr b="1"/>
-                        <a:t>Эмпирическая строгость</a:t>
-                      </a:r>
-                    </a:p>
-                  </a:txBody>
-                </a:tc>
-                <a:tc>
-                  <a:txBody>
-                    <a:bodyPr/>
-                    <a:lstStyle/>
-                    <a:p>
-                      <a:pPr lvl="0" indent="0" marL="0">
-                        <a:buNone/>
-                      </a:pPr>
-                      <a:r>
-                        <a:rPr/>
-                        <a:t>Train/val split 80/20, no lookahead</a:t>
-                      </a:r>
-                    </a:p>
-                  </a:txBody>
-                </a:tc>
-                <a:tc>
-                  <a:txBody>
-                    <a:bodyPr/>
-                    <a:lstStyle/>
-                    <a:p>
-                      <a:pPr lvl="0" indent="0" marL="0">
-                        <a:buNone/>
-                      </a:pPr>
-                      <a:r>
-                        <a:rPr/>
-                        <a:t>✅ Воспроизводимо</a:t>
-                      </a:r>
-                    </a:p>
-                  </a:txBody>
-                </a:tc>
-              </a:tr>
-              <a:tr h="0">
-                <a:tc>
-                  <a:txBody>
-                    <a:bodyPr/>
-                    <a:lstStyle/>
-                    <a:p>
-                      <a:pPr lvl="0" indent="0" marL="0">
-                        <a:buNone/>
-                      </a:pPr>
-                      <a:r>
-                        <a:rPr b="1"/>
-                        <a:t>Эффективность</a:t>
-                      </a:r>
-                    </a:p>
-                  </a:txBody>
-                </a:tc>
-                <a:tc>
-                  <a:txBody>
-                    <a:bodyPr/>
-                    <a:lstStyle/>
-                    <a:p>
-                      <a:pPr lvl="0" indent="0" marL="0">
-                        <a:buNone/>
-                      </a:pPr>
-                      <a:r>
-                        <a:rPr/>
-                        <a:t>&lt; 1 мин обучение, ~2-3 GB RAM, 0 LLM токенов</a:t>
-                      </a:r>
-                    </a:p>
-                  </a:txBody>
-                </a:tc>
-                <a:tc>
-                  <a:txBody>
-                    <a:bodyPr/>
-                    <a:lstStyle/>
-                    <a:p>
-                      <a:pPr lvl="0" indent="0" marL="0">
-                        <a:buNone/>
-                      </a:pPr>
-                      <a:r>
-                        <a:rPr/>
-                        <a:t>✅ Очень быстро</a:t>
-                      </a:r>
-                    </a:p>
-                  </a:txBody>
-                </a:tc>
-              </a:tr>
-              <a:tr h="0">
-                <a:tc>
-                  <a:txBody>
-                    <a:bodyPr/>
-                    <a:lstStyle/>
-                    <a:p>
-                      <a:pPr lvl="0" indent="0" marL="0">
-                        <a:buNone/>
-                      </a:pPr>
-                      <a:r>
-                        <a:rPr b="1"/>
-                        <a:t>Уникальность</a:t>
-                      </a:r>
-                    </a:p>
-                  </a:txBody>
-                </a:tc>
-                <a:tc>
-                  <a:txBody>
-                    <a:bodyPr/>
-                    <a:lstStyle/>
-                    <a:p>
-                      <a:pPr lvl="0" indent="0" marL="0">
-                        <a:buNone/>
-                      </a:pPr>
-                      <a:r>
-                        <a:rPr/>
-                        <a:t>Извлечение тикеров (regex + K-Means)</a:t>
-                      </a:r>
-                    </a:p>
-                  </a:txBody>
-                </a:tc>
-                <a:tc>
-                  <a:txBody>
-                    <a:bodyPr/>
-                    <a:lstStyle/>
-                    <a:p>
-                      <a:pPr lvl="0" indent="0" marL="0">
-                        <a:buNone/>
-                      </a:pPr>
-                      <a:r>
-                        <a:rPr/>
-                        <a:t>✅ Работает без ticker</a:t>
-                      </a:r>
-                    </a:p>
-                  </a:txBody>
-                </a:tc>
-              </a:tr>
-              <a:tr h="0">
-                <a:tc>
-                  <a:txBody>
-                    <a:bodyPr/>
-                    <a:lstStyle/>
-                    <a:p>
-                      <a:pPr lvl="0" indent="0" marL="0">
-                        <a:buNone/>
-                      </a:pPr>
-                      <a:r>
-                        <a:rPr b="1"/>
-                        <a:t>Качество</a:t>
-                      </a:r>
-                    </a:p>
-                  </a:txBody>
-                </a:tc>
-                <a:tc>
-                  <a:txBody>
-                    <a:bodyPr/>
-                    <a:lstStyle/>
-                    <a:p>
-                      <a:pPr lvl="0" indent="0" marL="0">
-                        <a:buNone/>
-                      </a:pPr>
-                      <a:r>
-                        <a:rPr/>
-                        <a:t>2,845 предсказаний, 19 тикеров</a:t>
-                      </a:r>
-                    </a:p>
-                  </a:txBody>
-                </a:tc>
-                <a:tc>
-                  <a:txBody>
-                    <a:bodyPr/>
-                    <a:lstStyle/>
-                    <a:p>
-                      <a:pPr lvl="0" indent="0" marL="0">
-                        <a:buNone/>
-                      </a:pPr>
-                      <a:r>
-                        <a:rPr/>
-                        <a:t>✅ </a:t>
-                      </a:r>
-                      <a:r>
-                        <a:rPr b="1"/>
-                        <a:t>Идеальная калибровка</a:t>
-                      </a:r>
-                    </a:p>
-                  </a:txBody>
-                </a:tc>
-              </a:tr>
-            </a:tbl>
-          </a:graphicData>
-        </a:graphic>
-      </p:graphicFrame>
-    </p:spTree>
-  </p:cSld>
-</p:sld>
-</file>
-
-<file path=ppt/slides/slide14.xml><?xml version="1.0" encoding="utf-8"?>
-<p:sld xmlns:a="http://schemas.openxmlformats.org/drawingml/2006/main" xmlns:r="http://schemas.openxmlformats.org/officeDocument/2006/relationships" xmlns:p="http://schemas.openxmlformats.org/presentationml/2006/main">
-  <p:cSld>
-    <p:spTree>
-      <p:nvGrpSpPr>
-        <p:cNvPr id="1" name=""/>
-        <p:cNvGrpSpPr/>
-        <p:nvPr/>
-      </p:nvGrpSpPr>
-      <p:grpSpPr>
-        <a:xfrm>
-          <a:off x="0" y="0"/>
-          <a:ext cx="0" cy="0"/>
-          <a:chOff x="0" y="0"/>
-          <a:chExt cx="0" cy="0"/>
-        </a:xfrm>
-      </p:grpSpPr>
-      <p:sp>
-        <p:nvSpPr>
-          <p:cNvPr id="3" name="Content Placeholder 2"/>
-          <p:cNvSpPr>
-            <a:spLocks noGrp="1"/>
-          </p:cNvSpPr>
-          <p:nvPr>
-            <p:ph idx="1"/>
-          </p:nvPr>
-        </p:nvSpPr>
-        <p:spPr/>
-        <p:txBody>
-          <a:bodyPr/>
-          <a:lstStyle/>
-          <a:p>
-            <a:pPr lvl="0" indent="0" marL="0">
-              <a:spcBef>
-                <a:spcPts val="3000"/>
-              </a:spcBef>
-              <a:buNone/>
-            </a:pPr>
-            <a:r>
-              <a:rPr b="1"/>
-              <a:t>Метрики предсказаний</a:t>
-            </a:r>
-          </a:p>
-          <a:p>
-            <a:pPr lvl="0" indent="0">
-              <a:buNone/>
-            </a:pPr>
-            <a:r>
-              <a:rPr>
-                <a:latin typeface="Courier"/>
-              </a:rPr>
-              <a:t>Среднее:       0.483 (идеальная калибровка ≈ 0.5) ⭐
-Std:           0.135 (хороший разброс)
-Диапазон:      0.050-0.950 (использует весь спектр)
-Распределение: 57.2% в [0.4-0.6] - большинство в центре! ⭐
-               Только 3.7% на краях (&lt;0.2 и &gt;0.8)</a:t>
-            </a:r>
-          </a:p>
-          <a:p>
-            <a:pPr lvl="0" indent="0" marL="0">
-              <a:spcBef>
-                <a:spcPts val="3000"/>
-              </a:spcBef>
-              <a:buNone/>
-            </a:pPr>
-            <a:r>
-              <a:rPr b="1"/>
-              <a:t>Production-ready</a:t>
-            </a:r>
-          </a:p>
-          <a:p>
-            <a:pPr lvl="0"/>
-            <a:r>
-              <a:rPr/>
-              <a:t>✅ CLI интерфейс</a:t>
-            </a:r>
-          </a:p>
-          <a:p>
-            <a:pPr lvl="0"/>
-            <a:r>
-              <a:rPr/>
-              <a:t>✅ Документация (605+ строк)</a:t>
-            </a:r>
-          </a:p>
-          <a:p>
-            <a:pPr lvl="0"/>
-            <a:r>
-              <a:rPr/>
-              <a:t>✅ 3 команды до результата</a:t>
-            </a:r>
-          </a:p>
-          <a:p>
-            <a:pPr lvl="0"/>
-            <a:r>
-              <a:rPr/>
-              <a:t>✅ Fallback на sklearn</a:t>
-            </a:r>
-          </a:p>
-          <a:p>
-            <a:pPr lvl="0"/>
-            <a:r>
-              <a:rPr/>
-              <a:t>✅ Работает в Google Colab</a:t>
-            </a:r>
-          </a:p>
-        </p:txBody>
-      </p:sp>
-    </p:spTree>
-  </p:cSld>
-</p:sld>
-</file>
-
-<file path=ppt/slides/slide15.xml><?xml version="1.0" encoding="utf-8"?>
-<p:sld xmlns:a="http://schemas.openxmlformats.org/drawingml/2006/main" xmlns:r="http://schemas.openxmlformats.org/officeDocument/2006/relationships" xmlns:p="http://schemas.openxmlformats.org/presentationml/2006/main">
-  <p:cSld>
-    <p:spTree>
-      <p:nvGrpSpPr>
-        <p:cNvPr id="1" name=""/>
-        <p:cNvGrpSpPr/>
-        <p:nvPr/>
-      </p:nvGrpSpPr>
-      <p:grpSpPr>
-        <a:xfrm>
-          <a:off x="0" y="0"/>
-          <a:ext cx="0" cy="0"/>
-          <a:chOff x="0" y="0"/>
-          <a:chExt cx="0" cy="0"/>
-        </a:xfrm>
-      </p:grpSpPr>
-      <p:sp>
-        <p:nvSpPr>
-          <p:cNvPr id="2" name="Title 1"/>
-          <p:cNvSpPr>
-            <a:spLocks noGrp="1"/>
-          </p:cNvSpPr>
-          <p:nvPr>
-            <p:ph type="title"/>
-          </p:nvPr>
-        </p:nvSpPr>
-        <p:spPr/>
-        <p:txBody>
-          <a:bodyPr/>
-          <a:lstStyle/>
-          <a:p>
-            <a:pPr lvl="0" indent="0" marL="0">
-              <a:buNone/>
-            </a:pPr>
-            <a:r>
-              <a:rPr/>
-              <a:t>🙏 Спасибо за внимание!</a:t>
-            </a:r>
-          </a:p>
-        </p:txBody>
-      </p:sp>
-      <p:sp>
-        <p:nvSpPr>
-          <p:cNvPr id="3" name="Content Placeholder 2"/>
-          <p:cNvSpPr>
-            <a:spLocks noGrp="1"/>
-          </p:cNvSpPr>
-          <p:nvPr>
-            <p:ph idx="1"/>
-          </p:nvPr>
-        </p:nvSpPr>
-        <p:spPr/>
-        <p:txBody>
-          <a:bodyPr/>
-          <a:lstStyle/>
-          <a:p>
-            <a:pPr lvl="0" indent="0" marL="0">
-              <a:buNone/>
-            </a:pPr>
-            <a:r>
-              <a:rPr b="1"/>
-              <a:t>Команда Pulsetech</a:t>
-            </a:r>
-          </a:p>
-          <a:p>
-            <a:pPr lvl="0" indent="0" marL="0">
-              <a:spcBef>
-                <a:spcPts val="3000"/>
-              </a:spcBef>
-              <a:buNone/>
-            </a:pPr>
-            <a:r>
-              <a:rPr b="1"/>
-              <a:t>Контакты и ресурсы</a:t>
-            </a:r>
-          </a:p>
-          <a:p>
-            <a:pPr lvl="0"/>
-            <a:r>
-              <a:rPr b="1"/>
-              <a:t>Команда</a:t>
-            </a:r>
-            <a:r>
-              <a:rPr/>
-              <a:t>: Pulsetech</a:t>
-            </a:r>
-          </a:p>
-          <a:p>
-            <a:pPr lvl="0"/>
-            <a:r>
-              <a:rPr b="1"/>
-              <a:t>GitHub</a:t>
-            </a:r>
-            <a:r>
-              <a:rPr/>
-              <a:t>: https://github.com/sokanaid/finnam-forecast-pulsetech</a:t>
-            </a:r>
-          </a:p>
-          <a:p>
-            <a:pPr lvl="0"/>
-            <a:r>
-              <a:rPr b="1"/>
-              <a:t>Документация</a:t>
-            </a:r>
-            <a:r>
-              <a:rPr/>
-              <a:t>: README.md (605 строк)</a:t>
-            </a:r>
-          </a:p>
-          <a:p>
-            <a:pPr lvl="0"/>
-            <a:r>
-              <a:rPr b="1"/>
-              <a:t>Colab</a:t>
-            </a:r>
-            <a:r>
-              <a:rPr/>
-              <a:t>: RUN_IN_COLAB.ipynb (готов к запуску)</a:t>
-            </a:r>
-          </a:p>
-          <a:p>
-            <a:pPr lvl="0"/>
-            <a:r>
-              <a:rPr b="1"/>
-              <a:t>Запуск</a:t>
-            </a:r>
-            <a:r>
-              <a:rPr/>
-              <a:t>: 3 команды</a:t>
-            </a:r>
-          </a:p>
-          <a:p>
-            <a:pPr lvl="1" indent="0">
-              <a:buNone/>
-            </a:pPr>
-            <a:r>
-              <a:rPr>
-                <a:latin typeface="Courier"/>
-              </a:rPr>
-              <a:t>pip install </a:t>
-            </a:r>
-            <a:r>
-              <a:rPr>
-                <a:solidFill>
-                  <a:srgbClr val="7D9029"/>
-                </a:solidFill>
-                <a:latin typeface="Courier"/>
-              </a:rPr>
-              <a:t>-r</a:t>
-            </a:r>
-            <a:r>
-              <a:rPr>
-                <a:latin typeface="Courier"/>
-              </a:rPr>
-              <a:t> requirements.txt</a:t>
-            </a:r>
-            <a:br/>
-            <a:r>
-              <a:rPr>
-                <a:latin typeface="Courier"/>
-              </a:rPr>
-              <a:t>python train.py</a:t>
-            </a:r>
-            <a:br/>
-            <a:r>
-              <a:rPr>
-                <a:latin typeface="Courier"/>
-              </a:rPr>
-              <a:t>python predict.py</a:t>
-            </a:r>
-          </a:p>
-          <a:p>
-            <a:pPr lvl="0" indent="0" marL="0">
-              <a:spcBef>
-                <a:spcPts val="3000"/>
-              </a:spcBef>
-              <a:buNone/>
-            </a:pPr>
-            <a:r>
-              <a:rPr b="1"/>
-              <a:t>Готовы ответить на вопросы! 🎤</a:t>
-            </a:r>
-          </a:p>
-        </p:txBody>
-      </p:sp>
-    </p:spTree>
-  </p:cSld>
-</p:sld>
-</file>
-
-<file path=ppt/slides/slide16.xml><?xml version="1.0" encoding="utf-8"?>
-<p:sld xmlns:a="http://schemas.openxmlformats.org/drawingml/2006/main" xmlns:r="http://schemas.openxmlformats.org/officeDocument/2006/relationships" xmlns:p="http://schemas.openxmlformats.org/presentationml/2006/main">
-  <p:cSld>
-    <p:spTree>
-      <p:nvGrpSpPr>
-        <p:cNvPr id="1" name=""/>
-        <p:cNvGrpSpPr/>
-        <p:nvPr/>
-      </p:nvGrpSpPr>
-      <p:grpSpPr>
-        <a:xfrm>
-          <a:off x="0" y="0"/>
-          <a:ext cx="0" cy="0"/>
-          <a:chOff x="0" y="0"/>
-          <a:chExt cx="0" cy="0"/>
-        </a:xfrm>
-      </p:grpSpPr>
-      <p:sp>
-        <p:nvSpPr>
-          <p:cNvPr id="2" name="Title 1"/>
-          <p:cNvSpPr>
-            <a:spLocks noGrp="1"/>
-          </p:cNvSpPr>
-          <p:nvPr>
-            <p:ph type="title"/>
-          </p:nvPr>
-        </p:nvSpPr>
-        <p:spPr>
-          <a:xfrm>
-            <a:off x="457201" y="204787"/>
-            <a:ext cx="3008313" cy="871538"/>
-          </a:xfrm>
-        </p:spPr>
-        <p:txBody>
-          <a:bodyPr/>
-          <a:lstStyle/>
-          <a:p>
-            <a:pPr lvl="0" indent="0" marL="0">
-              <a:buNone/>
-            </a:pPr>
-            <a:r>
-              <a:rPr/>
-              <a:t>📎 Backup слайды</a:t>
-            </a:r>
-          </a:p>
-        </p:txBody>
-      </p:sp>
-      <p:sp>
-        <p:nvSpPr>
-          <p:cNvPr id="4" name="Text Placeholder 3"/>
-          <p:cNvSpPr>
-            <a:spLocks noGrp="1"/>
-          </p:cNvSpPr>
-          <p:nvPr>
-            <p:ph idx="2" sz="half" type="body"/>
-          </p:nvPr>
-        </p:nvSpPr>
-        <p:spPr/>
-        <p:txBody>
-          <a:bodyPr/>
-          <a:lstStyle/>
-          <a:p>
-            <a:pPr lvl="0" indent="0" marL="0">
-              <a:spcBef>
-                <a:spcPts val="3000"/>
-              </a:spcBef>
-              <a:buNone/>
-            </a:pPr>
-            <a:r>
-              <a:rPr b="1"/>
-              <a:t>Детали архитектуры</a:t>
-            </a:r>
-          </a:p>
-          <a:p>
-            <a:pPr lvl="0" indent="0">
-              <a:buNone/>
-            </a:pPr>
-            <a:r>
-              <a:rPr>
-                <a:latin typeface="Courier"/>
-              </a:rPr>
-              <a:t>Input: котировки (OHLCV) + новости (text)
-    ↓
-Feature Engineering:
-  • Технические индикаторы: ~31 признак
-    - Доходности (1d, 5d, 10d, 20d)
-    - MA (5, 10, 20) + расстояния
-    - RSI, MACD, Bollinger Bands
-    - Волатильность, тренд, объем
-  • Новости:
-    - Количество по дням
-    - Агрегация по периодам
-    ↓
-20 моделей LightGBM (по одной на горизонт)
-    ↓
-Output: p₁, p₂, ..., p₂₀ ∈ [0, 1]</a:t>
-            </a:r>
-          </a:p>
-          <a:p>
-            <a:pPr lvl="0" indent="0" marL="0">
-              <a:spcBef>
-                <a:spcPts val="3000"/>
-              </a:spcBef>
-              <a:buNone/>
-            </a:pPr>
-            <a:r>
-              <a:rPr b="1"/>
-              <a:t>Поведение по горизонтам (реальные данные - 2,845 предсказаний)</a:t>
-            </a:r>
-          </a:p>
-        </p:txBody>
-      </p:sp>
-      <p:graphicFrame>
-        <p:nvGraphicFramePr>
-          <p:cNvPr id="6" name="Content Placeholder 5"/>
-          <p:cNvGraphicFramePr>
-            <a:graphicFrameLocks noGrp="1"/>
-          </p:cNvGraphicFramePr>
-          <p:nvPr>
-            <p:ph idx="1"/>
-          </p:nvPr>
-        </p:nvGraphicFramePr>
-        <p:xfrm>
-          <a:off x="3568700" y="203200"/>
-          <a:ext cx="5105400" cy="4381500"/>
-        </p:xfrm>
-        <a:graphic>
-          <a:graphicData uri="http://schemas.openxmlformats.org/drawingml/2006/table">
-            <a:tbl>
-              <a:tblPr firstRow="1" bandRow="1">
-                <a:tableStyleId>{5C22544A-7EE6-4342-B048-85BDC9FD1C3A}</a:tableStyleId>
-              </a:tblPr>
-              <a:tblGrid>
-                <a:gridCol w="1701800"/>
-                <a:gridCol w="1701800"/>
-                <a:gridCol w="1701800"/>
-              </a:tblGrid>
-              <a:tr h="0">
-                <a:tc>
-                  <a:txBody>
-                    <a:bodyPr/>
-                    <a:lstStyle/>
-                    <a:p>
-                      <a:pPr lvl="0" indent="0" marL="0">
-                        <a:buNone/>
-                      </a:pPr>
-                      <a:r>
-                        <a:rPr/>
-                        <a:t>Горизонт</a:t>
-                      </a:r>
-                    </a:p>
-                  </a:txBody>
-                  <a:tcPr/>
-                </a:tc>
-                <a:tc>
-                  <a:txBody>
-                    <a:bodyPr/>
-                    <a:lstStyle/>
-                    <a:p>
-                      <a:pPr lvl="0" indent="0" marL="0">
-                        <a:buNone/>
-                      </a:pPr>
-                      <a:r>
-                        <a:rPr/>
-                        <a:t>Среднее p</a:t>
-                      </a:r>
-                    </a:p>
-                  </a:txBody>
-                  <a:tcPr/>
-                </a:tc>
-                <a:tc>
-                  <a:txBody>
-                    <a:bodyPr/>
-                    <a:lstStyle/>
-                    <a:p>
-                      <a:pPr lvl="0" indent="0" marL="0">
-                        <a:buNone/>
-                      </a:pPr>
-                      <a:r>
-                        <a:rPr/>
-                        <a:t>Интерпретация</a:t>
-                      </a:r>
-                    </a:p>
-                  </a:txBody>
-                  <a:tcPr/>
-                </a:tc>
-              </a:tr>
-              <a:tr h="0">
-                <a:tc>
-                  <a:txBody>
-                    <a:bodyPr/>
-                    <a:lstStyle/>
-                    <a:p>
-                      <a:pPr lvl="0" indent="0" marL="0">
-                        <a:buNone/>
-                      </a:pPr>
-                      <a:r>
-                        <a:rPr/>
-                        <a:t>1 день</a:t>
-                      </a:r>
-                    </a:p>
-                  </a:txBody>
-                </a:tc>
-                <a:tc>
-                  <a:txBody>
-                    <a:bodyPr/>
-                    <a:lstStyle/>
-                    <a:p>
-                      <a:pPr lvl="0" indent="0" marL="0">
-                        <a:buNone/>
-                      </a:pPr>
-                      <a:r>
-                        <a:rPr/>
-                        <a:t>0.417</a:t>
-                      </a:r>
-                    </a:p>
-                  </a:txBody>
-                </a:tc>
-                <a:tc>
-                  <a:txBody>
-                    <a:bodyPr/>
-                    <a:lstStyle/>
-                    <a:p>
-                      <a:pPr lvl="0" indent="0" marL="0">
-                        <a:buNone/>
-                      </a:pPr>
-                      <a:r>
-                        <a:rPr/>
-                        <a:t>Консервативный подход на коротком горизонте</a:t>
-                      </a:r>
-                    </a:p>
-                  </a:txBody>
-                </a:tc>
-              </a:tr>
-              <a:tr h="0">
-                <a:tc>
-                  <a:txBody>
-                    <a:bodyPr/>
-                    <a:lstStyle/>
-                    <a:p>
-                      <a:pPr lvl="0" indent="0" marL="0">
-                        <a:buNone/>
-                      </a:pPr>
-                      <a:r>
-                        <a:rPr/>
-                        <a:t>5 дней</a:t>
-                      </a:r>
-                    </a:p>
-                  </a:txBody>
-                </a:tc>
-                <a:tc>
-                  <a:txBody>
-                    <a:bodyPr/>
-                    <a:lstStyle/>
-                    <a:p>
-                      <a:pPr lvl="0" indent="0" marL="0">
-                        <a:buNone/>
-                      </a:pPr>
-                      <a:r>
-                        <a:rPr/>
-                        <a:t>0.486</a:t>
-                      </a:r>
-                    </a:p>
-                  </a:txBody>
-                </a:tc>
-                <a:tc>
-                  <a:txBody>
-                    <a:bodyPr/>
-                    <a:lstStyle/>
-                    <a:p>
-                      <a:pPr lvl="0" indent="0" marL="0">
-                        <a:buNone/>
-                      </a:pPr>
-                      <a:r>
-                        <a:rPr/>
-                        <a:t>Приближение к нейтральной оценке</a:t>
-                      </a:r>
-                    </a:p>
-                  </a:txBody>
-                </a:tc>
-              </a:tr>
-              <a:tr h="0">
-                <a:tc>
-                  <a:txBody>
-                    <a:bodyPr/>
-                    <a:lstStyle/>
-                    <a:p>
-                      <a:pPr lvl="0" indent="0" marL="0">
-                        <a:buNone/>
-                      </a:pPr>
-                      <a:r>
-                        <a:rPr/>
-                        <a:t>10 дней</a:t>
-                      </a:r>
-                    </a:p>
-                  </a:txBody>
-                </a:tc>
-                <a:tc>
-                  <a:txBody>
-                    <a:bodyPr/>
-                    <a:lstStyle/>
-                    <a:p>
-                      <a:pPr lvl="0" indent="0" marL="0">
-                        <a:buNone/>
-                      </a:pPr>
-                      <a:r>
-                        <a:rPr/>
-                        <a:t>0.495</a:t>
-                      </a:r>
-                    </a:p>
-                  </a:txBody>
-                </a:tc>
-                <a:tc>
-                  <a:txBody>
-                    <a:bodyPr/>
-                    <a:lstStyle/>
-                    <a:p>
-                      <a:pPr lvl="0" indent="0" marL="0">
-                        <a:buNone/>
-                      </a:pPr>
-                      <a:r>
-                        <a:rPr/>
-                        <a:t>Почти нейтральная оценка</a:t>
-                      </a:r>
-                    </a:p>
-                  </a:txBody>
-                </a:tc>
-              </a:tr>
-              <a:tr h="0">
-                <a:tc>
-                  <a:txBody>
-                    <a:bodyPr/>
-                    <a:lstStyle/>
-                    <a:p>
-                      <a:pPr lvl="0" indent="0" marL="0">
-                        <a:buNone/>
-                      </a:pPr>
-                      <a:r>
-                        <a:rPr/>
-                        <a:t>14 дней</a:t>
-                      </a:r>
-                    </a:p>
-                  </a:txBody>
-                </a:tc>
-                <a:tc>
-                  <a:txBody>
-                    <a:bodyPr/>
-                    <a:lstStyle/>
-                    <a:p>
-                      <a:pPr lvl="0" indent="0" marL="0">
-                        <a:buNone/>
-                      </a:pPr>
-                      <a:r>
-                        <a:rPr/>
-                        <a:t>0.508</a:t>
-                      </a:r>
-                    </a:p>
-                  </a:txBody>
-                </a:tc>
-                <a:tc>
-                  <a:txBody>
-                    <a:bodyPr/>
-                    <a:lstStyle/>
-                    <a:p>
-                      <a:pPr lvl="0" indent="0" marL="0">
-                        <a:buNone/>
-                      </a:pPr>
-                      <a:r>
-                        <a:rPr/>
-                        <a:t>Пик уверенности (макс)</a:t>
-                      </a:r>
-                    </a:p>
-                  </a:txBody>
-                </a:tc>
-              </a:tr>
-              <a:tr h="0">
-                <a:tc>
-                  <a:txBody>
-                    <a:bodyPr/>
-                    <a:lstStyle/>
-                    <a:p>
-                      <a:pPr lvl="0" indent="0" marL="0">
-                        <a:buNone/>
-                      </a:pPr>
-                      <a:r>
-                        <a:rPr/>
-                        <a:t>20 дней</a:t>
-                      </a:r>
-                    </a:p>
-                  </a:txBody>
-                </a:tc>
-                <a:tc>
-                  <a:txBody>
-                    <a:bodyPr/>
-                    <a:lstStyle/>
-                    <a:p>
-                      <a:pPr lvl="0" indent="0" marL="0">
-                        <a:buNone/>
-                      </a:pPr>
-                      <a:r>
-                        <a:rPr/>
-                        <a:t>0.468</a:t>
-                      </a:r>
-                    </a:p>
-                  </a:txBody>
-                </a:tc>
-                <a:tc>
-                  <a:txBody>
-                    <a:bodyPr/>
-                    <a:lstStyle/>
-                    <a:p>
-                      <a:pPr lvl="0" indent="0" marL="0">
-                        <a:buNone/>
-                      </a:pPr>
-                      <a:r>
-                        <a:rPr/>
-                        <a:t>Снижение к долгому горизонту</a:t>
-                      </a:r>
-                    </a:p>
-                  </a:txBody>
-                </a:tc>
-              </a:tr>
-            </a:tbl>
-          </a:graphicData>
-        </a:graphic>
-      </p:graphicFrame>
-    </p:spTree>
-  </p:cSld>
-</p:sld>
-</file>
-
-<file path=ppt/slides/slide17.xml><?xml version="1.0" encoding="utf-8"?>
-<p:sld xmlns:a="http://schemas.openxmlformats.org/drawingml/2006/main" xmlns:r="http://schemas.openxmlformats.org/officeDocument/2006/relationships" xmlns:p="http://schemas.openxmlformats.org/presentationml/2006/main">
-  <p:cSld>
-    <p:spTree>
-      <p:nvGrpSpPr>
-        <p:cNvPr id="1" name=""/>
-        <p:cNvGrpSpPr/>
-        <p:nvPr/>
-      </p:nvGrpSpPr>
-      <p:grpSpPr>
-        <a:xfrm>
-          <a:off x="0" y="0"/>
-          <a:ext cx="0" cy="0"/>
-          <a:chOff x="0" y="0"/>
-          <a:chExt cx="0" cy="0"/>
-        </a:xfrm>
-      </p:grpSpPr>
-      <p:sp>
-        <p:nvSpPr>
-          <p:cNvPr id="3" name="Content Placeholder 2"/>
-          <p:cNvSpPr>
-            <a:spLocks noGrp="1"/>
-          </p:cNvSpPr>
-          <p:nvPr>
-            <p:ph idx="1"/>
-          </p:nvPr>
-        </p:nvSpPr>
-        <p:spPr/>
-        <p:txBody>
-          <a:bodyPr/>
-          <a:lstStyle/>
-          <a:p>
-            <a:pPr lvl="0" indent="0" marL="0">
-              <a:buNone/>
-            </a:pPr>
-            <a:r>
-              <a:rPr b="1"/>
-              <a:t>Паттерн</a:t>
-            </a:r>
-            <a:r>
-              <a:rPr/>
-              <a:t>: U-образная кривая - модель наиболее уверена на средних горизонтах (10-14 дней) ✅</a:t>
-            </a:r>
-          </a:p>
-          <a:p>
-            <a:pPr lvl="0" indent="0" marL="0">
-              <a:spcBef>
-                <a:spcPts val="3000"/>
-              </a:spcBef>
-              <a:buNone/>
-            </a:pPr>
-            <a:r>
-              <a:rPr b="1"/>
-              <a:t>Распределение вероятностей (реальные данные)</a:t>
-            </a:r>
-          </a:p>
-          <a:p>
-            <a:pPr lvl="0" indent="0">
-              <a:buNone/>
-            </a:pPr>
-            <a:r>
-              <a:rPr>
-                <a:latin typeface="Courier"/>
-              </a:rPr>
-              <a:t>Распределение 56,900 предсказаний (2,845 × 20):
-&lt; 0.2:     2.1%  ████
-0.2-0.4:  23.1%  ████████████████████████████
-0.4-0.6:  57.2%  ████████████████████████████████████████████████████████████████
-0.6-0.8:  16.1%  ████████████████████
-≥ 0.8:     1.6%  ██
-Вывод: ⭐ ИДЕАЛЬНАЯ калибровка! 
-       57% в центре, только 3.7% на краях</a:t>
-            </a:r>
-          </a:p>
-        </p:txBody>
-      </p:sp>
-    </p:spTree>
-  </p:cSld>
+  <p:clrMapOvr>
+    <a:masterClrMapping/>
+  </p:clrMapOvr>
 </p:sld>
 </file>
 
@@ -5226,89 +3666,219 @@
             <p:ph idx="1"/>
           </p:nvPr>
         </p:nvSpPr>
-        <p:spPr/>
-        <p:txBody>
-          <a:bodyPr/>
-          <a:lstStyle/>
-          <a:p>
-            <a:pPr lvl="0" indent="0" marL="0">
+        <p:spPr>
+          <a:xfrm>
+            <a:off x="2237014" y="351066"/>
+            <a:ext cx="8229600" cy="3394472"/>
+          </a:xfrm>
+        </p:spPr>
+        <p:txBody>
+          <a:bodyPr>
+            <a:normAutofit fontScale="92500" lnSpcReduction="20000"/>
+          </a:bodyPr>
+          <a:lstStyle/>
+          <a:p>
+            <a:pPr marL="0" lvl="0" indent="0">
               <a:spcBef>
                 <a:spcPts val="3000"/>
               </a:spcBef>
               <a:buNone/>
             </a:pPr>
             <a:r>
-              <a:rPr b="1"/>
-              <a:t>📋 Структура презентации</a:t>
-            </a:r>
-          </a:p>
-          <a:p>
-            <a:pPr lvl="0" indent="-342900" marL="342900">
+              <a:rPr b="1" dirty="0"/>
+              <a:t>📋 </a:t>
+            </a:r>
+            <a:r>
+              <a:rPr b="1" dirty="0" err="1"/>
+              <a:t>Структура</a:t>
+            </a:r>
+            <a:r>
+              <a:rPr b="1" dirty="0"/>
+              <a:t> </a:t>
+            </a:r>
+            <a:r>
+              <a:rPr b="1" dirty="0" err="1"/>
+              <a:t>презентации</a:t>
+            </a:r>
+            <a:endParaRPr lang="en-US" b="1" dirty="0"/>
+          </a:p>
+          <a:p>
+            <a:pPr marL="0" lvl="0" indent="0">
+              <a:spcBef>
+                <a:spcPts val="3000"/>
+              </a:spcBef>
+              <a:buNone/>
+            </a:pPr>
+            <a:endParaRPr b="1" dirty="0"/>
+          </a:p>
+          <a:p>
+            <a:pPr marL="342900" lvl="0" indent="-342900">
               <a:buAutoNum type="arabicPeriod"/>
             </a:pPr>
             <a:r>
-              <a:rPr/>
-              <a:t>Цель и гипотезы</a:t>
-            </a:r>
-          </a:p>
-          <a:p>
-            <a:pPr lvl="0" indent="-342900" marL="342900">
+              <a:rPr dirty="0" err="1"/>
+              <a:t>Цель</a:t>
+            </a:r>
+            <a:r>
+              <a:rPr dirty="0"/>
+              <a:t> </a:t>
+            </a:r>
+            <a:r>
+              <a:rPr dirty="0" err="1"/>
+              <a:t>и</a:t>
+            </a:r>
+            <a:r>
+              <a:rPr dirty="0"/>
+              <a:t> </a:t>
+            </a:r>
+            <a:r>
+              <a:rPr dirty="0" err="1"/>
+              <a:t>гипотезы</a:t>
+            </a:r>
+            <a:endParaRPr dirty="0"/>
+          </a:p>
+          <a:p>
+            <a:pPr marL="342900" lvl="0" indent="-342900">
               <a:buAutoNum type="arabicPeriod"/>
             </a:pPr>
             <a:r>
-              <a:rPr/>
-              <a:t>Данные и временная схема</a:t>
-            </a:r>
-          </a:p>
-          <a:p>
-            <a:pPr lvl="0" indent="-342900" marL="342900">
+              <a:rPr dirty="0" err="1"/>
+              <a:t>Данные</a:t>
+            </a:r>
+            <a:r>
+              <a:rPr dirty="0"/>
+              <a:t> </a:t>
+            </a:r>
+            <a:r>
+              <a:rPr dirty="0" err="1"/>
+              <a:t>и</a:t>
+            </a:r>
+            <a:r>
+              <a:rPr dirty="0"/>
+              <a:t> </a:t>
+            </a:r>
+            <a:r>
+              <a:rPr dirty="0" err="1"/>
+              <a:t>временная</a:t>
+            </a:r>
+            <a:r>
+              <a:rPr dirty="0"/>
+              <a:t> </a:t>
+            </a:r>
+            <a:r>
+              <a:rPr dirty="0" err="1"/>
+              <a:t>схема</a:t>
+            </a:r>
+            <a:endParaRPr dirty="0"/>
+          </a:p>
+          <a:p>
+            <a:pPr marL="342900" lvl="0" indent="-342900">
               <a:buAutoNum type="arabicPeriod"/>
             </a:pPr>
             <a:r>
-              <a:rPr/>
-              <a:t>Протокол экспериментов</a:t>
-            </a:r>
-          </a:p>
-          <a:p>
-            <a:pPr lvl="0" indent="-342900" marL="342900">
+              <a:rPr dirty="0" err="1"/>
+              <a:t>Протокол</a:t>
+            </a:r>
+            <a:r>
+              <a:rPr dirty="0"/>
+              <a:t> </a:t>
+            </a:r>
+            <a:r>
+              <a:rPr dirty="0" err="1"/>
+              <a:t>экспериментов</a:t>
+            </a:r>
+            <a:endParaRPr dirty="0"/>
+          </a:p>
+          <a:p>
+            <a:pPr marL="342900" lvl="0" indent="-342900">
               <a:buAutoNum type="arabicPeriod"/>
             </a:pPr>
             <a:r>
-              <a:rPr/>
-              <a:t>Результаты vs baseline</a:t>
-            </a:r>
-          </a:p>
-          <a:p>
-            <a:pPr lvl="0" indent="-342900" marL="342900">
+              <a:rPr dirty="0" err="1"/>
+              <a:t>Результаты</a:t>
+            </a:r>
+            <a:r>
+              <a:rPr dirty="0"/>
+              <a:t> vs baseline</a:t>
+            </a:r>
+          </a:p>
+          <a:p>
+            <a:pPr marL="342900" lvl="0" indent="-342900">
               <a:buAutoNum type="arabicPeriod"/>
             </a:pPr>
             <a:r>
-              <a:rPr/>
-              <a:t>Эффективность и применимость</a:t>
-            </a:r>
-          </a:p>
-          <a:p>
-            <a:pPr lvl="0" indent="-342900" marL="342900">
+              <a:rPr dirty="0" err="1"/>
+              <a:t>Эффективность</a:t>
+            </a:r>
+            <a:r>
+              <a:rPr dirty="0"/>
+              <a:t> </a:t>
+            </a:r>
+            <a:r>
+              <a:rPr dirty="0" err="1"/>
+              <a:t>и</a:t>
+            </a:r>
+            <a:r>
+              <a:rPr dirty="0"/>
+              <a:t> </a:t>
+            </a:r>
+            <a:r>
+              <a:rPr dirty="0" err="1"/>
+              <a:t>применимость</a:t>
+            </a:r>
+            <a:endParaRPr dirty="0"/>
+          </a:p>
+          <a:p>
+            <a:pPr marL="342900" lvl="0" indent="-342900">
               <a:buAutoNum type="arabicPeriod"/>
             </a:pPr>
             <a:r>
-              <a:rPr/>
-              <a:t>Уникальность решения</a:t>
-            </a:r>
-          </a:p>
-          <a:p>
-            <a:pPr lvl="0" indent="-342900" marL="342900">
+              <a:rPr dirty="0" err="1"/>
+              <a:t>Уникальность</a:t>
+            </a:r>
+            <a:r>
+              <a:rPr dirty="0"/>
+              <a:t> </a:t>
+            </a:r>
+            <a:r>
+              <a:rPr dirty="0" err="1"/>
+              <a:t>решения</a:t>
+            </a:r>
+            <a:endParaRPr dirty="0"/>
+          </a:p>
+          <a:p>
+            <a:pPr marL="342900" lvl="0" indent="-342900">
               <a:buAutoNum type="arabicPeriod"/>
             </a:pPr>
             <a:r>
-              <a:rPr/>
-              <a:t>Выводы и ограничения</a:t>
-            </a:r>
+              <a:rPr dirty="0" err="1"/>
+              <a:t>Выводы</a:t>
+            </a:r>
+            <a:r>
+              <a:rPr dirty="0"/>
+              <a:t> </a:t>
+            </a:r>
+            <a:r>
+              <a:rPr dirty="0" err="1"/>
+              <a:t>и</a:t>
+            </a:r>
+            <a:r>
+              <a:rPr dirty="0"/>
+              <a:t> </a:t>
+            </a:r>
+            <a:r>
+              <a:rPr dirty="0" err="1"/>
+              <a:t>ограничения</a:t>
+            </a:r>
+            <a:endParaRPr dirty="0"/>
           </a:p>
         </p:txBody>
       </p:sp>
     </p:spTree>
   </p:cSld>
+  <p:clrMapOvr>
+    <a:masterClrMapping/>
+  </p:clrMapOvr>
 </p:sld>
 </file>
 
@@ -5344,191 +3914,50 @@
           <a:bodyPr/>
           <a:lstStyle/>
           <a:p>
-            <a:pPr lvl="0" indent="0" marL="0">
+            <a:pPr marL="0" lvl="0" indent="0">
               <a:buNone/>
             </a:pPr>
             <a:r>
-              <a:rPr/>
               <a:t>1. 🎯 Цель и гипотезы</a:t>
             </a:r>
           </a:p>
         </p:txBody>
       </p:sp>
-      <p:sp>
-        <p:nvSpPr>
-          <p:cNvPr id="3" name="Content Placeholder 2"/>
-          <p:cNvSpPr>
-            <a:spLocks noGrp="1"/>
-          </p:cNvSpPr>
-          <p:nvPr>
-            <p:ph idx="1"/>
-          </p:nvPr>
-        </p:nvSpPr>
-        <p:spPr/>
-        <p:txBody>
-          <a:bodyPr/>
-          <a:lstStyle/>
-          <a:p>
-            <a:pPr lvl="0" indent="0" marL="0">
-              <a:spcBef>
-                <a:spcPts val="3000"/>
-              </a:spcBef>
-              <a:buNone/>
-            </a:pPr>
-            <a:r>
-              <a:rPr b="1"/>
-              <a:t>Цель</a:t>
-            </a:r>
-          </a:p>
-          <a:p>
-            <a:pPr lvl="0" indent="0" marL="0">
-              <a:buNone/>
-            </a:pPr>
-            <a:r>
-              <a:rPr b="1"/>
-              <a:t>Прогнозировать вероятности роста цен акций</a:t>
-            </a:r>
-            <a:r>
-              <a:rPr/>
-              <a:t> на 1, 2, …, 20 торговых дней с использованием котировок и новостей.</a:t>
-            </a:r>
-          </a:p>
-          <a:p>
-            <a:pPr lvl="0" indent="0" marL="0">
-              <a:spcBef>
-                <a:spcPts val="3000"/>
-              </a:spcBef>
-              <a:buNone/>
-            </a:pPr>
-            <a:r>
-              <a:rPr b="1"/>
-              <a:t>Гипотезы</a:t>
-            </a:r>
-          </a:p>
-          <a:p>
-            <a:pPr lvl="0" indent="0" marL="0">
-              <a:spcBef>
-                <a:spcPts val="3000"/>
-              </a:spcBef>
-              <a:buNone/>
-            </a:pPr>
-            <a:r>
-              <a:rPr b="1"/>
-              <a:t>H1: Моментум содержит сигнал</a:t>
-            </a:r>
-          </a:p>
-          <a:p>
-            <a:pPr lvl="0"/>
-            <a:r>
-              <a:rPr/>
-              <a:t>Недавнее движение цен продолжается на коротких горизонтах</a:t>
-            </a:r>
-          </a:p>
-          <a:p>
-            <a:pPr lvl="0"/>
-            <a:r>
-              <a:rPr b="1"/>
-              <a:t>Бизнес-смысл</a:t>
-            </a:r>
-            <a:r>
-              <a:rPr/>
-              <a:t>: краткосрочные тренды предсказуемы</a:t>
-            </a:r>
-          </a:p>
-          <a:p>
-            <a:pPr lvl="0" indent="0" marL="0">
-              <a:spcBef>
-                <a:spcPts val="3000"/>
-              </a:spcBef>
-              <a:buNone/>
-            </a:pPr>
-            <a:r>
-              <a:rPr b="1"/>
-              <a:t>H2: Технические индикаторы работают</a:t>
-            </a:r>
-          </a:p>
-          <a:p>
-            <a:pPr lvl="0"/>
-            <a:r>
-              <a:rPr/>
-              <a:t>RSI, MACD, Bollinger Bands отражают состояние рынка</a:t>
-            </a:r>
-          </a:p>
-          <a:p>
-            <a:pPr lvl="0"/>
-            <a:r>
-              <a:rPr b="1"/>
-              <a:t>Бизнес-смысл</a:t>
-            </a:r>
-            <a:r>
-              <a:rPr/>
-              <a:t>: классические инструменты техничес��ого анализа эффективны</a:t>
-            </a:r>
-          </a:p>
-          <a:p>
-            <a:pPr lvl="0" indent="0" marL="0">
-              <a:spcBef>
-                <a:spcPts val="3000"/>
-              </a:spcBef>
-              <a:buNone/>
-            </a:pPr>
-            <a:r>
-              <a:rPr b="1"/>
-              <a:t>H3: Новости влияют на движение</a:t>
-            </a:r>
-          </a:p>
-          <a:p>
-            <a:pPr lvl="0"/>
-            <a:r>
-              <a:rPr/>
-              <a:t>Количество и тональность новостей коррелируют с волатильностью</a:t>
-            </a:r>
-          </a:p>
-          <a:p>
-            <a:pPr lvl="0"/>
-            <a:r>
-              <a:rPr b="1"/>
-              <a:t>Бизнес-смысл</a:t>
-            </a:r>
-            <a:r>
-              <a:rPr/>
-              <a:t>: информационный фон предсказывает изменения</a:t>
-            </a:r>
-          </a:p>
-          <a:p>
-            <a:pPr lvl="0" indent="0" marL="0">
-              <a:spcBef>
-                <a:spcPts val="3000"/>
-              </a:spcBef>
-              <a:buNone/>
-            </a:pPr>
-            <a:r>
-              <a:rPr b="1"/>
-              <a:t>H4: Разные горизонты требуют разных моделей</a:t>
-            </a:r>
-          </a:p>
-          <a:p>
-            <a:pPr lvl="0"/>
-            <a:r>
-              <a:rPr/>
-              <a:t>Паттерны на 1 день отличаются от паттернов на 20 дней</a:t>
-            </a:r>
-          </a:p>
-          <a:p>
-            <a:pPr lvl="0"/>
-            <a:r>
-              <a:rPr b="1"/>
-              <a:t>Бизнес-смысл</a:t>
-            </a:r>
-            <a:r>
-              <a:rPr/>
-              <a:t>: специализация повышает точность</a:t>
-            </a:r>
-          </a:p>
-        </p:txBody>
-      </p:sp>
+      <p:pic>
+        <p:nvPicPr>
+          <p:cNvPr id="6" name="Рисунок 5">
+            <a:extLst>
+              <a:ext uri="{FF2B5EF4-FFF2-40B4-BE49-F238E27FC236}">
+                <a16:creationId xmlns:a16="http://schemas.microsoft.com/office/drawing/2014/main" id="{7815036C-1B92-8259-B70D-397C55CD9B83}"/>
+              </a:ext>
+            </a:extLst>
+          </p:cNvPr>
+          <p:cNvPicPr>
+            <a:picLocks noChangeAspect="1"/>
+          </p:cNvPicPr>
+          <p:nvPr/>
+        </p:nvPicPr>
+        <p:blipFill>
+          <a:blip r:embed="rId2"/>
+          <a:stretch>
+            <a:fillRect/>
+          </a:stretch>
+        </p:blipFill>
+        <p:spPr>
+          <a:xfrm>
+            <a:off x="1191985" y="1072731"/>
+            <a:ext cx="6221186" cy="3864790"/>
+          </a:xfrm>
+          <a:prstGeom prst="rect">
+            <a:avLst/>
+          </a:prstGeom>
+        </p:spPr>
+      </p:pic>
     </p:spTree>
   </p:cSld>
+  <p:clrMapOvr>
+    <a:masterClrMapping/>
+  </p:clrMapOvr>
 </p:sld>
 </file>
 
@@ -5564,116 +3993,64 @@
           <a:bodyPr/>
           <a:lstStyle/>
           <a:p>
-            <a:pPr lvl="0" indent="0" marL="0">
+            <a:pPr marL="0" lvl="0" indent="0">
               <a:buNone/>
             </a:pPr>
             <a:r>
-              <a:rPr/>
-              <a:t>2. 📊 Данные и временная схема</a:t>
-            </a:r>
-          </a:p>
-        </p:txBody>
-      </p:sp>
-      <p:sp>
-        <p:nvSpPr>
-          <p:cNvPr id="3" name="Content Placeholder 2"/>
-          <p:cNvSpPr>
-            <a:spLocks noGrp="1"/>
-          </p:cNvSpPr>
-          <p:nvPr>
-            <p:ph idx="1"/>
-          </p:nvPr>
-        </p:nvSpPr>
-        <p:spPr/>
-        <p:txBody>
-          <a:bodyPr/>
-          <a:lstStyle/>
-          <a:p>
-            <a:pPr lvl="0" indent="0" marL="0">
-              <a:spcBef>
-                <a:spcPts val="3000"/>
-              </a:spcBef>
-              <a:buNone/>
-            </a:pPr>
-            <a:r>
-              <a:rPr b="1"/>
-              <a:t>Данные</a:t>
-            </a:r>
-          </a:p>
-          <a:p>
-            <a:pPr lvl="0" indent="0" marL="0">
-              <a:buNone/>
-            </a:pPr>
-            <a:r>
-              <a:rPr b="1"/>
-              <a:t>Котировки</a:t>
-            </a:r>
-            <a:r>
-              <a:rPr/>
-              <a:t> (train): - OHLCV данные: 24,197 строк - 19 тикеров: SBER, GAZP, LKOH, NVTK, ROSN, SIBN, GMKN, ALRS, MAGN, CHMF, MTSS, AFLT, PHOR, MOEX, VTBR, RUAL, PLZL, MGNT, T - Период: 2020-2025 (5 лет)</a:t>
-            </a:r>
-          </a:p>
-          <a:p>
-            <a:pPr lvl="0" indent="0" marL="0">
-              <a:buNone/>
-            </a:pPr>
-            <a:r>
-              <a:rPr b="1"/>
-              <a:t>Новости</a:t>
-            </a:r>
-            <a:r>
-              <a:rPr/>
-              <a:t> (train): - 25,425 новостей с заголовками + текстом - Извлечение тикеров: 96% покрытие - Период: 2020-2025</a:t>
-            </a:r>
-          </a:p>
-          <a:p>
-            <a:pPr lvl="0" indent="0" marL="0">
-              <a:buNone/>
-            </a:pPr>
-            <a:r>
-              <a:rPr b="1"/>
-              <a:t>Тестовая выборка</a:t>
-            </a:r>
-            <a:r>
-              <a:rPr/>
-              <a:t>: 2,845 предсказаний для 19 тикеров (в 3.7× больше стандартного размера)</a:t>
-            </a:r>
-          </a:p>
-          <a:p>
-            <a:pPr lvl="0" indent="0" marL="0">
-              <a:spcBef>
-                <a:spcPts val="3000"/>
-              </a:spcBef>
-              <a:buNone/>
-            </a:pPr>
-            <a:r>
-              <a:rPr b="1"/>
-              <a:t>Временная корректность ✅</a:t>
-            </a:r>
-          </a:p>
-          <a:p>
-            <a:pPr lvl="0" indent="0">
-              <a:buNone/>
-            </a:pPr>
-            <a:r>
-              <a:rPr>
-                <a:latin typeface="Courier"/>
-              </a:rPr>
-              <a:t>Момент t (предсказание)
-    ↓
-Используем:
-  • Цены ≤ t
-  • Новости ≤ t-1 (задержка 1 день)
-  • Признаки: окна [t-20, t]
-✅ No lookahead bias
-✅ Календарное время (UTC)
-✅ Последовательность событий сохранена</a:t>
-            </a:r>
-          </a:p>
-        </p:txBody>
-      </p:sp>
+              <a:rPr dirty="0"/>
+              <a:t>3. 🔬 </a:t>
+            </a:r>
+            <a:r>
+              <a:rPr dirty="0" err="1"/>
+              <a:t>Протокол</a:t>
+            </a:r>
+            <a:r>
+              <a:rPr dirty="0"/>
+              <a:t> </a:t>
+            </a:r>
+            <a:r>
+              <a:rPr dirty="0" err="1"/>
+              <a:t>экспериментов</a:t>
+            </a:r>
+            <a:endParaRPr dirty="0"/>
+          </a:p>
+        </p:txBody>
+      </p:sp>
+      <p:pic>
+        <p:nvPicPr>
+          <p:cNvPr id="6" name="Рисунок 5">
+            <a:extLst>
+              <a:ext uri="{FF2B5EF4-FFF2-40B4-BE49-F238E27FC236}">
+                <a16:creationId xmlns:a16="http://schemas.microsoft.com/office/drawing/2014/main" id="{1C595B6E-5C20-D1D3-91F7-43D09CBDEFAF}"/>
+              </a:ext>
+            </a:extLst>
+          </p:cNvPr>
+          <p:cNvPicPr>
+            <a:picLocks noChangeAspect="1"/>
+          </p:cNvPicPr>
+          <p:nvPr/>
+        </p:nvPicPr>
+        <p:blipFill>
+          <a:blip r:embed="rId2"/>
+          <a:stretch>
+            <a:fillRect/>
+          </a:stretch>
+        </p:blipFill>
+        <p:spPr>
+          <a:xfrm>
+            <a:off x="1289956" y="1063229"/>
+            <a:ext cx="6074229" cy="3936331"/>
+          </a:xfrm>
+          <a:prstGeom prst="rect">
+            <a:avLst/>
+          </a:prstGeom>
+        </p:spPr>
+      </p:pic>
     </p:spTree>
   </p:cSld>
+  <p:clrMapOvr>
+    <a:masterClrMapping/>
+  </p:clrMapOvr>
 </p:sld>
 </file>
 
@@ -5704,147 +4081,68 @@
             <p:ph type="title"/>
           </p:nvPr>
         </p:nvSpPr>
-        <p:spPr/>
-        <p:txBody>
-          <a:bodyPr/>
-          <a:lstStyle/>
-          <a:p>
-            <a:pPr lvl="0" indent="0" marL="0">
+        <p:spPr>
+          <a:xfrm>
+            <a:off x="457201" y="204787"/>
+            <a:ext cx="3008313" cy="871538"/>
+          </a:xfrm>
+        </p:spPr>
+        <p:txBody>
+          <a:bodyPr>
+            <a:normAutofit fontScale="90000"/>
+          </a:bodyPr>
+          <a:lstStyle/>
+          <a:p>
+            <a:pPr marL="0" lvl="0" indent="0">
               <a:buNone/>
             </a:pPr>
             <a:r>
-              <a:rPr/>
-              <a:t>3. 🔬 Протокол экспериментов</a:t>
-            </a:r>
-          </a:p>
-        </p:txBody>
-      </p:sp>
-      <p:sp>
-        <p:nvSpPr>
-          <p:cNvPr id="3" name="Content Placeholder 2"/>
-          <p:cNvSpPr>
-            <a:spLocks noGrp="1"/>
-          </p:cNvSpPr>
-          <p:nvPr>
-            <p:ph idx="1"/>
-          </p:nvPr>
-        </p:nvSpPr>
-        <p:spPr/>
-        <p:txBody>
-          <a:bodyPr/>
-          <a:lstStyle/>
-          <a:p>
-            <a:pPr lvl="0" indent="0" marL="0">
-              <a:spcBef>
-                <a:spcPts val="3000"/>
-              </a:spcBef>
-              <a:buNone/>
-            </a:pPr>
-            <a:r>
-              <a:rPr b="1"/>
-              <a:t>Временные сплиты</a:t>
-            </a:r>
-          </a:p>
-          <a:p>
-            <a:pPr lvl="0" indent="0">
-              <a:buNone/>
-            </a:pPr>
-            <a:r>
-              <a:rPr>
-                <a:latin typeface="Courier"/>
-              </a:rPr>
-              <a:t>Train: 80% (первые по времени)
-Val:   20% (последние по времени)
-Test:  отложенная выборка</a:t>
-            </a:r>
-          </a:p>
-          <a:p>
-            <a:pPr lvl="0" indent="0" marL="0">
-              <a:spcBef>
-                <a:spcPts val="3000"/>
-              </a:spcBef>
-              <a:buNone/>
-            </a:pPr>
-            <a:r>
-              <a:rPr b="1"/>
-              <a:t>Признаки</a:t>
-            </a:r>
-          </a:p>
-          <a:p>
-            <a:pPr lvl="0" indent="0" marL="0">
-              <a:buNone/>
-            </a:pPr>
-            <a:r>
-              <a:rPr b="1"/>
-              <a:t>Технические индикаторы</a:t>
-            </a:r>
-            <a:r>
-              <a:rPr/>
-              <a:t> (из котировок): - Доходности (1, 5, 10, 20 дней) - Moving Averages (5, 10, 20) - RSI, MACD, Bollinger Bands - Волатильность, объемы</a:t>
-            </a:r>
-          </a:p>
-          <a:p>
-            <a:pPr lvl="0" indent="0" marL="0">
-              <a:buNone/>
-            </a:pPr>
-            <a:r>
-              <a:rPr b="1"/>
-              <a:t>Признаки из новостей</a:t>
-            </a:r>
-            <a:r>
-              <a:rPr/>
-              <a:t>: - Количество новостей за период - Агрегация по дням</a:t>
-            </a:r>
-          </a:p>
-          <a:p>
-            <a:pPr lvl="0" indent="0" marL="0">
-              <a:buNone/>
-            </a:pPr>
-            <a:r>
-              <a:rPr b="1"/>
-              <a:t>Итого</a:t>
-            </a:r>
-            <a:r>
-              <a:rPr/>
-              <a:t>: ~31 признак на каждую точку</a:t>
-            </a:r>
-          </a:p>
-          <a:p>
-            <a:pPr lvl="0" indent="0" marL="0">
-              <a:spcBef>
-                <a:spcPts val="3000"/>
-              </a:spcBef>
-              <a:buNone/>
-            </a:pPr>
-            <a:r>
-              <a:rPr b="1"/>
-              <a:t>Устойчивость</a:t>
-            </a:r>
-          </a:p>
-          <a:p>
-            <a:pPr lvl="0"/>
-            <a:r>
-              <a:rPr/>
-              <a:t>Фиксированный </a:t>
-            </a:r>
-            <a:r>
-              <a:rPr>
-                <a:latin typeface="Courier"/>
-              </a:rPr>
-              <a:t>RANDOM_SEED = 42</a:t>
-            </a:r>
-          </a:p>
-          <a:p>
-            <a:pPr lvl="0"/>
-            <a:r>
-              <a:rPr/>
-              <a:t>Воспроизводимые результаты ✅</a:t>
-            </a:r>
-          </a:p>
-        </p:txBody>
-      </p:sp>
+              <a:rPr sz="3300" dirty="0"/>
+              <a:t>4. 📈 </a:t>
+            </a:r>
+            <a:r>
+              <a:rPr sz="3300" dirty="0" err="1"/>
+              <a:t>Результаты</a:t>
+            </a:r>
+            <a:endParaRPr sz="3300" dirty="0"/>
+          </a:p>
+        </p:txBody>
+      </p:sp>
+      <p:pic>
+        <p:nvPicPr>
+          <p:cNvPr id="10" name="Рисунок 9">
+            <a:extLst>
+              <a:ext uri="{FF2B5EF4-FFF2-40B4-BE49-F238E27FC236}">
+                <a16:creationId xmlns:a16="http://schemas.microsoft.com/office/drawing/2014/main" id="{E6CA7A63-85E4-2236-8715-49FFC3F5417B}"/>
+              </a:ext>
+            </a:extLst>
+          </p:cNvPr>
+          <p:cNvPicPr>
+            <a:picLocks noChangeAspect="1"/>
+          </p:cNvPicPr>
+          <p:nvPr/>
+        </p:nvPicPr>
+        <p:blipFill>
+          <a:blip r:embed="rId2"/>
+          <a:stretch>
+            <a:fillRect/>
+          </a:stretch>
+        </p:blipFill>
+        <p:spPr>
+          <a:xfrm>
+            <a:off x="3976834" y="0"/>
+            <a:ext cx="5167166" cy="5143500"/>
+          </a:xfrm>
+          <a:prstGeom prst="rect">
+            <a:avLst/>
+          </a:prstGeom>
+        </p:spPr>
+      </p:pic>
     </p:spTree>
   </p:cSld>
+  <p:clrMapOvr>
+    <a:masterClrMapping/>
+  </p:clrMapOvr>
 </p:sld>
 </file>
 
@@ -5865,367 +4163,41 @@
           <a:chExt cx="0" cy="0"/>
         </a:xfrm>
       </p:grpSpPr>
-      <p:sp>
-        <p:nvSpPr>
-          <p:cNvPr id="2" name="Title 1"/>
-          <p:cNvSpPr>
-            <a:spLocks noGrp="1"/>
-          </p:cNvSpPr>
-          <p:nvPr>
-            <p:ph type="title"/>
-          </p:nvPr>
-        </p:nvSpPr>
+      <p:pic>
+        <p:nvPicPr>
+          <p:cNvPr id="8" name="Рисунок 7">
+            <a:extLst>
+              <a:ext uri="{FF2B5EF4-FFF2-40B4-BE49-F238E27FC236}">
+                <a16:creationId xmlns:a16="http://schemas.microsoft.com/office/drawing/2014/main" id="{7708FA54-A362-5498-2E4D-DE20E33AD797}"/>
+              </a:ext>
+            </a:extLst>
+          </p:cNvPr>
+          <p:cNvPicPr>
+            <a:picLocks noChangeAspect="1"/>
+          </p:cNvPicPr>
+          <p:nvPr/>
+        </p:nvPicPr>
+        <p:blipFill>
+          <a:blip r:embed="rId2"/>
+          <a:stretch>
+            <a:fillRect/>
+          </a:stretch>
+        </p:blipFill>
         <p:spPr>
           <a:xfrm>
-            <a:off x="457201" y="204787"/>
-            <a:ext cx="3008313" cy="871538"/>
+            <a:off x="135478" y="966912"/>
+            <a:ext cx="8873044" cy="2926986"/>
           </a:xfrm>
+          <a:prstGeom prst="rect">
+            <a:avLst/>
+          </a:prstGeom>
         </p:spPr>
-        <p:txBody>
-          <a:bodyPr/>
-          <a:lstStyle/>
-          <a:p>
-            <a:pPr lvl="0" indent="0" marL="0">
-              <a:buNone/>
-            </a:pPr>
-            <a:r>
-              <a:rPr/>
-              <a:t>4. 📈 Результаты</a:t>
-            </a:r>
-          </a:p>
-        </p:txBody>
-      </p:sp>
-      <p:sp>
-        <p:nvSpPr>
-          <p:cNvPr id="4" name="Text Placeholder 3"/>
-          <p:cNvSpPr>
-            <a:spLocks noGrp="1"/>
-          </p:cNvSpPr>
-          <p:nvPr>
-            <p:ph idx="2" sz="half" type="body"/>
-          </p:nvPr>
-        </p:nvSpPr>
-        <p:spPr/>
-        <p:txBody>
-          <a:bodyPr/>
-          <a:lstStyle/>
-          <a:p>
-            <a:pPr lvl="0" indent="0" marL="0">
-              <a:spcBef>
-                <a:spcPts val="3000"/>
-              </a:spcBef>
-              <a:buNone/>
-            </a:pPr>
-            <a:r>
-              <a:rPr b="1"/>
-              <a:t>Наше решение</a:t>
-            </a:r>
-          </a:p>
-          <a:p>
-            <a:pPr lvl="0" indent="0" marL="0">
-              <a:buNone/>
-            </a:pPr>
-            <a:r>
-              <a:rPr b="1"/>
-              <a:t>Архитектура</a:t>
-            </a:r>
-            <a:r>
-              <a:rPr/>
-              <a:t>: 20 моделей LightGBM - По одной на каждый горизонт (1-20 дней) - ~31 признак (технические + новости)</a:t>
-            </a:r>
-          </a:p>
-          <a:p>
-            <a:pPr lvl="0" indent="0" marL="0">
-              <a:spcBef>
-                <a:spcPts val="3000"/>
-              </a:spcBef>
-              <a:buNone/>
-            </a:pPr>
-            <a:r>
-              <a:rPr b="1"/>
-              <a:t>Полученные метрики</a:t>
-            </a:r>
-          </a:p>
-          <a:p>
-            <a:pPr lvl="0" indent="0" marL="0">
-              <a:buNone/>
-            </a:pPr>
-            <a:r>
-              <a:rPr b="1"/>
-              <a:t>Общая статистика предсказаний (2,845 строк, 19 тикеров):</a:t>
-            </a:r>
-          </a:p>
-        </p:txBody>
-      </p:sp>
-      <p:graphicFrame>
-        <p:nvGraphicFramePr>
-          <p:cNvPr id="6" name="Content Placeholder 5"/>
-          <p:cNvGraphicFramePr>
-            <a:graphicFrameLocks noGrp="1"/>
-          </p:cNvGraphicFramePr>
-          <p:nvPr>
-            <p:ph idx="1"/>
-          </p:nvPr>
-        </p:nvGraphicFramePr>
-        <p:xfrm>
-          <a:off x="3568700" y="203200"/>
-          <a:ext cx="5105400" cy="4381500"/>
-        </p:xfrm>
-        <a:graphic>
-          <a:graphicData uri="http://schemas.openxmlformats.org/drawingml/2006/table">
-            <a:tbl>
-              <a:tblPr firstRow="1" bandRow="1">
-                <a:tableStyleId>{5C22544A-7EE6-4342-B048-85BDC9FD1C3A}</a:tableStyleId>
-              </a:tblPr>
-              <a:tblGrid>
-                <a:gridCol w="1701800"/>
-                <a:gridCol w="1701800"/>
-                <a:gridCol w="1701800"/>
-              </a:tblGrid>
-              <a:tr h="0">
-                <a:tc>
-                  <a:txBody>
-                    <a:bodyPr/>
-                    <a:lstStyle/>
-                    <a:p>
-                      <a:pPr lvl="0" indent="0" marL="0">
-                        <a:buNone/>
-                      </a:pPr>
-                      <a:r>
-                        <a:rPr/>
-                        <a:t>Метрика</a:t>
-                      </a:r>
-                    </a:p>
-                  </a:txBody>
-                  <a:tcPr/>
-                </a:tc>
-                <a:tc>
-                  <a:txBody>
-                    <a:bodyPr/>
-                    <a:lstStyle/>
-                    <a:p>
-                      <a:pPr lvl="0" indent="0" marL="0">
-                        <a:buNone/>
-                      </a:pPr>
-                      <a:r>
-                        <a:rPr/>
-                        <a:t>Значение</a:t>
-                      </a:r>
-                    </a:p>
-                  </a:txBody>
-                  <a:tcPr/>
-                </a:tc>
-                <a:tc>
-                  <a:txBody>
-                    <a:bodyPr/>
-                    <a:lstStyle/>
-                    <a:p>
-                      <a:pPr lvl="0" indent="0" marL="0">
-                        <a:buNone/>
-                      </a:pPr>
-                      <a:r>
-                        <a:rPr/>
-                        <a:t>Интерпретация</a:t>
-                      </a:r>
-                    </a:p>
-                  </a:txBody>
-                  <a:tcPr/>
-                </a:tc>
-              </a:tr>
-              <a:tr h="0">
-                <a:tc>
-                  <a:txBody>
-                    <a:bodyPr/>
-                    <a:lstStyle/>
-                    <a:p>
-                      <a:pPr lvl="0" indent="0" marL="0">
-                        <a:buNone/>
-                      </a:pPr>
-                      <a:r>
-                        <a:rPr b="1"/>
-                        <a:t>Среднее</a:t>
-                      </a:r>
-                    </a:p>
-                  </a:txBody>
-                </a:tc>
-                <a:tc>
-                  <a:txBody>
-                    <a:bodyPr/>
-                    <a:lstStyle/>
-                    <a:p>
-                      <a:pPr lvl="0" indent="0" marL="0">
-                        <a:buNone/>
-                      </a:pPr>
-                      <a:r>
-                        <a:rPr/>
-                        <a:t>0.483</a:t>
-                      </a:r>
-                    </a:p>
-                  </a:txBody>
-                </a:tc>
-                <a:tc>
-                  <a:txBody>
-                    <a:bodyPr/>
-                    <a:lstStyle/>
-                    <a:p>
-                      <a:pPr lvl="0" indent="0" marL="0">
-                        <a:buNone/>
-                      </a:pPr>
-                      <a:r>
-                        <a:rPr/>
-                        <a:t>Идеальная калибровка (≈0.5)</a:t>
-                      </a:r>
-                    </a:p>
-                  </a:txBody>
-                </a:tc>
-              </a:tr>
-              <a:tr h="0">
-                <a:tc>
-                  <a:txBody>
-                    <a:bodyPr/>
-                    <a:lstStyle/>
-                    <a:p>
-                      <a:pPr lvl="0" indent="0" marL="0">
-                        <a:buNone/>
-                      </a:pPr>
-                      <a:r>
-                        <a:rPr b="1"/>
-                        <a:t>Std</a:t>
-                      </a:r>
-                    </a:p>
-                  </a:txBody>
-                </a:tc>
-                <a:tc>
-                  <a:txBody>
-                    <a:bodyPr/>
-                    <a:lstStyle/>
-                    <a:p>
-                      <a:pPr lvl="0" indent="0" marL="0">
-                        <a:buNone/>
-                      </a:pPr>
-                      <a:r>
-                        <a:rPr/>
-                        <a:t>0.135</a:t>
-                      </a:r>
-                    </a:p>
-                  </a:txBody>
-                </a:tc>
-                <a:tc>
-                  <a:txBody>
-                    <a:bodyPr/>
-                    <a:lstStyle/>
-                    <a:p>
-                      <a:pPr lvl="0" indent="0" marL="0">
-                        <a:buNone/>
-                      </a:pPr>
-                      <a:r>
-                        <a:rPr/>
-                        <a:t>Хороший разброс - модель различает ситуации</a:t>
-                      </a:r>
-                    </a:p>
-                  </a:txBody>
-                </a:tc>
-              </a:tr>
-              <a:tr h="0">
-                <a:tc>
-                  <a:txBody>
-                    <a:bodyPr/>
-                    <a:lstStyle/>
-                    <a:p>
-                      <a:pPr lvl="0" indent="0" marL="0">
-                        <a:buNone/>
-                      </a:pPr>
-                      <a:r>
-                        <a:rPr b="1"/>
-                        <a:t>Min / Max</a:t>
-                      </a:r>
-                    </a:p>
-                  </a:txBody>
-                </a:tc>
-                <a:tc>
-                  <a:txBody>
-                    <a:bodyPr/>
-                    <a:lstStyle/>
-                    <a:p>
-                      <a:pPr lvl="0" indent="0" marL="0">
-                        <a:buNone/>
-                      </a:pPr>
-                      <a:r>
-                        <a:rPr/>
-                        <a:t>0.050 / 0.950</a:t>
-                      </a:r>
-                    </a:p>
-                  </a:txBody>
-                </a:tc>
-                <a:tc>
-                  <a:txBody>
-                    <a:bodyPr/>
-                    <a:lstStyle/>
-                    <a:p>
-                      <a:pPr lvl="0" indent="0" marL="0">
-                        <a:buNone/>
-                      </a:pPr>
-                      <a:r>
-                        <a:rPr/>
-                        <a:t>Использует весь диапазон [0,1]</a:t>
-                      </a:r>
-                    </a:p>
-                  </a:txBody>
-                </a:tc>
-              </a:tr>
-              <a:tr h="0">
-                <a:tc>
-                  <a:txBody>
-                    <a:bodyPr/>
-                    <a:lstStyle/>
-                    <a:p>
-                      <a:pPr lvl="0" indent="0" marL="0">
-                        <a:buNone/>
-                      </a:pPr>
-                      <a:r>
-                        <a:rPr b="1"/>
-                        <a:t>Медиана</a:t>
-                      </a:r>
-                    </a:p>
-                  </a:txBody>
-                </a:tc>
-                <a:tc>
-                  <a:txBody>
-                    <a:bodyPr/>
-                    <a:lstStyle/>
-                    <a:p>
-                      <a:pPr lvl="0" indent="0" marL="0">
-                        <a:buNone/>
-                      </a:pPr>
-                      <a:r>
-                        <a:rPr/>
-                        <a:t>0.484</a:t>
-                      </a:r>
-                    </a:p>
-                  </a:txBody>
-                </a:tc>
-                <a:tc>
-                  <a:txBody>
-                    <a:bodyPr/>
-                    <a:lstStyle/>
-                    <a:p>
-                      <a:pPr lvl="0" indent="0" marL="0">
-                        <a:buNone/>
-                      </a:pPr>
-                      <a:r>
-                        <a:rPr/>
-                        <a:t>Симметричное распределение</a:t>
-                      </a:r>
-                    </a:p>
-                  </a:txBody>
-                </a:tc>
-              </a:tr>
-            </a:tbl>
-          </a:graphicData>
-        </a:graphic>
-      </p:graphicFrame>
+      </p:pic>
     </p:spTree>
   </p:cSld>
+  <p:clrMapOvr>
+    <a:masterClrMapping/>
+  </p:clrMapOvr>
 </p:sld>
 </file>
 
@@ -6248,29 +4220,54 @@
       </p:grpSpPr>
       <p:sp>
         <p:nvSpPr>
-          <p:cNvPr id="4" name="Text Placeholder 3"/>
-          <p:cNvSpPr>
-            <a:spLocks noGrp="1"/>
-          </p:cNvSpPr>
-          <p:nvPr>
-            <p:ph idx="2" sz="half" type="body"/>
-          </p:nvPr>
-        </p:nvSpPr>
-        <p:spPr/>
-        <p:txBody>
-          <a:bodyPr/>
-          <a:lstStyle/>
-          <a:p>
-            <a:pPr lvl="0" indent="0" marL="0">
-              <a:spcBef>
-                <a:spcPts val="3000"/>
-              </a:spcBef>
+          <p:cNvPr id="2" name="Title 1"/>
+          <p:cNvSpPr>
+            <a:spLocks noGrp="1"/>
+          </p:cNvSpPr>
+          <p:nvPr>
+            <p:ph type="title"/>
+          </p:nvPr>
+        </p:nvSpPr>
+        <p:spPr>
+          <a:xfrm>
+            <a:off x="276331" y="677060"/>
+            <a:ext cx="3008313" cy="871538"/>
+          </a:xfrm>
+        </p:spPr>
+        <p:txBody>
+          <a:bodyPr>
+            <a:normAutofit fontScale="90000"/>
+          </a:bodyPr>
+          <a:lstStyle/>
+          <a:p>
+            <a:pPr marL="0" lvl="0" indent="0">
               <a:buNone/>
             </a:pPr>
             <a:r>
-              <a:rPr b="1"/>
-              <a:t>Распределение вероятностей</a:t>
-            </a:r>
+              <a:rPr sz="3000" dirty="0"/>
+              <a:t>5. ⚙️ </a:t>
+            </a:r>
+            <a:r>
+              <a:rPr sz="3000" dirty="0" err="1"/>
+              <a:t>Эффективность</a:t>
+            </a:r>
+            <a:r>
+              <a:rPr sz="3000" dirty="0"/>
+              <a:t> </a:t>
+            </a:r>
+            <a:r>
+              <a:rPr sz="3000" dirty="0" err="1"/>
+              <a:t>и</a:t>
+            </a:r>
+            <a:r>
+              <a:rPr sz="3000" dirty="0"/>
+              <a:t> </a:t>
+            </a:r>
+            <a:r>
+              <a:rPr sz="3000" dirty="0" err="1"/>
+              <a:t>применимость</a:t>
+            </a:r>
+            <a:endParaRPr sz="3000" dirty="0"/>
           </a:p>
         </p:txBody>
       </p:sp>
@@ -6282,11 +4279,16 @@
           </p:cNvGraphicFramePr>
           <p:nvPr>
             <p:ph idx="1"/>
+            <p:extLst>
+              <p:ext uri="{D42A27DB-BD31-4B8C-83A1-F6EECF244321}">
+                <p14:modId xmlns:p14="http://schemas.microsoft.com/office/powerpoint/2010/main" val="3026793374"/>
+              </p:ext>
+            </p:extLst>
           </p:nvPr>
         </p:nvGraphicFramePr>
         <p:xfrm>
-          <a:off x="3568700" y="203200"/>
-          <a:ext cx="5105400" cy="4381500"/>
+          <a:off x="3386294" y="957734"/>
+          <a:ext cx="5305530" cy="3429000"/>
         </p:xfrm>
         <a:graphic>
           <a:graphicData uri="http://schemas.openxmlformats.org/drawingml/2006/table">
@@ -6295,9 +4297,27 @@
                 <a:tableStyleId>{5C22544A-7EE6-4342-B048-85BDC9FD1C3A}</a:tableStyleId>
               </a:tblPr>
               <a:tblGrid>
-                <a:gridCol w="1701800"/>
-                <a:gridCol w="1701800"/>
-                <a:gridCol w="1701800"/>
+                <a:gridCol w="2031527">
+                  <a:extLst>
+                    <a:ext uri="{9D8B030D-6E8A-4147-A177-3AD203B41FA5}">
+                      <a16:colId xmlns:a16="http://schemas.microsoft.com/office/drawing/2014/main" val="20000"/>
+                    </a:ext>
+                  </a:extLst>
+                </a:gridCol>
+                <a:gridCol w="2071912">
+                  <a:extLst>
+                    <a:ext uri="{9D8B030D-6E8A-4147-A177-3AD203B41FA5}">
+                      <a16:colId xmlns:a16="http://schemas.microsoft.com/office/drawing/2014/main" val="20001"/>
+                    </a:ext>
+                  </a:extLst>
+                </a:gridCol>
+                <a:gridCol w="1202091">
+                  <a:extLst>
+                    <a:ext uri="{9D8B030D-6E8A-4147-A177-3AD203B41FA5}">
+                      <a16:colId xmlns:a16="http://schemas.microsoft.com/office/drawing/2014/main" val="20002"/>
+                    </a:ext>
+                  </a:extLst>
+                </a:gridCol>
               </a:tblGrid>
               <a:tr h="0">
                 <a:tc>
@@ -6305,12 +4325,11 @@
                     <a:bodyPr/>
                     <a:lstStyle/>
                     <a:p>
-                      <a:pPr lvl="0" indent="0" marL="0">
+                      <a:pPr marL="0" lvl="0" indent="0">
                         <a:buNone/>
                       </a:pPr>
                       <a:r>
-                        <a:rPr/>
-                        <a:t>Диапазон</a:t>
+                        <a:t>Параметр</a:t>
                       </a:r>
                     </a:p>
                   </a:txBody>
@@ -6321,12 +4340,11 @@
                     <a:bodyPr/>
                     <a:lstStyle/>
                     <a:p>
-                      <a:pPr lvl="0" indent="0" marL="0">
+                      <a:pPr marL="0" lvl="0" indent="0">
                         <a:buNone/>
                       </a:pPr>
                       <a:r>
-                        <a:rPr/>
-                        <a:t>Доля</a:t>
+                        <a:t>Значение</a:t>
                       </a:r>
                     </a:p>
                   </a:txBody>
@@ -6337,17 +4355,21 @@
                     <a:bodyPr/>
                     <a:lstStyle/>
                     <a:p>
-                      <a:pPr lvl="0" indent="0" marL="0">
+                      <a:pPr marL="0" lvl="0" indent="0">
                         <a:buNone/>
                       </a:pPr>
                       <a:r>
-                        <a:rPr/>
                         <a:t>Комментарий</a:t>
                       </a:r>
                     </a:p>
                   </a:txBody>
                   <a:tcPr/>
                 </a:tc>
+                <a:extLst>
+                  <a:ext uri="{0D108BD9-81ED-4DB2-BD59-A6C34878D82A}">
+                    <a16:rowId xmlns:a16="http://schemas.microsoft.com/office/drawing/2014/main" val="10000"/>
+                  </a:ext>
+                </a:extLst>
               </a:tr>
               <a:tr h="0">
                 <a:tc>
@@ -6355,46 +4377,63 @@
                     <a:bodyPr/>
                     <a:lstStyle/>
                     <a:p>
-                      <a:pPr lvl="0" indent="0" marL="0">
+                      <a:pPr marL="0" lvl="0" indent="0">
                         <a:buNone/>
                       </a:pPr>
                       <a:r>
-                        <a:rPr/>
-                        <a:t>&lt; 0.2</a:t>
+                        <a:rPr b="1" dirty="0" err="1"/>
+                        <a:t>Время</a:t>
                       </a:r>
+                      <a:r>
+                        <a:rPr b="1" dirty="0"/>
+                        <a:t> </a:t>
+                      </a:r>
+                      <a:r>
+                        <a:rPr b="1" dirty="0" err="1"/>
+                        <a:t>обучения</a:t>
+                      </a:r>
+                      <a:endParaRPr b="1" dirty="0"/>
                     </a:p>
                   </a:txBody>
+                  <a:tcPr/>
                 </a:tc>
                 <a:tc>
                   <a:txBody>
                     <a:bodyPr/>
                     <a:lstStyle/>
                     <a:p>
-                      <a:pPr lvl="0" indent="0" marL="0">
+                      <a:pPr marL="0" lvl="0" indent="0">
                         <a:buNone/>
                       </a:pPr>
                       <a:r>
-                        <a:rPr/>
-                        <a:t>2.1%</a:t>
+                        <a:rPr lang="ru-RU" dirty="0"/>
+                        <a:t>Зависит от датасета</a:t>
                       </a:r>
+                      <a:endParaRPr dirty="0"/>
                     </a:p>
                   </a:txBody>
+                  <a:tcPr/>
                 </a:tc>
                 <a:tc>
                   <a:txBody>
                     <a:bodyPr/>
                     <a:lstStyle/>
                     <a:p>
-                      <a:pPr lvl="0" indent="0" marL="0">
+                      <a:pPr marL="0" lvl="0" indent="0">
                         <a:buNone/>
                       </a:pPr>
                       <a:r>
-                        <a:rPr/>
-                        <a:t>Редкие уверенные падения</a:t>
+                        <a:t>&lt; 60 мин ✅ Очень быстро!</a:t>
                       </a:r>
                     </a:p>
                   </a:txBody>
+                  <a:tcPr/>
                 </a:tc>
+                <a:extLst>
+                  <a:ext uri="{0D108BD9-81ED-4DB2-BD59-A6C34878D82A}">
+                    <a16:rowId xmlns:a16="http://schemas.microsoft.com/office/drawing/2014/main" val="10001"/>
+                  </a:ext>
+                </a:extLst>
               </a:tr>
               <a:tr h="0">
                 <a:tc>
@@ -6402,46 +4441,52 @@
                     <a:bodyPr/>
                     <a:lstStyle/>
                     <a:p>
-                      <a:pPr lvl="0" indent="0" marL="0">
+                      <a:pPr marL="0" lvl="0" indent="0">
                         <a:buNone/>
                       </a:pPr>
                       <a:r>
-                        <a:rPr/>
-                        <a:t>0.2-0.4</a:t>
+                        <a:rPr b="1"/>
+                        <a:t>Время инференса</a:t>
                       </a:r>
                     </a:p>
                   </a:txBody>
+                  <a:tcPr/>
                 </a:tc>
                 <a:tc>
                   <a:txBody>
                     <a:bodyPr/>
                     <a:lstStyle/>
                     <a:p>
-                      <a:pPr lvl="0" indent="0" marL="0">
+                      <a:pPr marL="0" lvl="0" indent="0">
                         <a:buNone/>
                       </a:pPr>
                       <a:r>
-                        <a:rPr/>
-                        <a:t>23.1%</a:t>
+                        <a:t>&lt; 1 мин</a:t>
                       </a:r>
                     </a:p>
                   </a:txBody>
+                  <a:tcPr/>
                 </a:tc>
                 <a:tc>
                   <a:txBody>
                     <a:bodyPr/>
                     <a:lstStyle/>
                     <a:p>
-                      <a:pPr lvl="0" indent="0" marL="0">
+                      <a:pPr marL="0" lvl="0" indent="0">
                         <a:buNone/>
                       </a:pPr>
                       <a:r>
-                        <a:rPr/>
-                        <a:t>Вероятное падение</a:t>
+                        <a:t>Real-time готов</a:t>
                       </a:r>
                     </a:p>
                   </a:txBody>
+                  <a:tcPr/>
                 </a:tc>
+                <a:extLst>
+                  <a:ext uri="{0D108BD9-81ED-4DB2-BD59-A6C34878D82A}">
+                    <a16:rowId xmlns:a16="http://schemas.microsoft.com/office/drawing/2014/main" val="10002"/>
+                  </a:ext>
+                </a:extLst>
               </a:tr>
               <a:tr h="0">
                 <a:tc>
@@ -6449,46 +4494,70 @@
                     <a:bodyPr/>
                     <a:lstStyle/>
                     <a:p>
-                      <a:pPr lvl="0" indent="0" marL="0">
+                      <a:pPr marL="0" lvl="0" indent="0">
                         <a:buNone/>
                       </a:pPr>
                       <a:r>
-                        <a:rPr/>
-                        <a:t>0.4-0.6</a:t>
+                        <a:rPr b="1" dirty="0"/>
+                        <a:t>RAM </a:t>
                       </a:r>
+                      <a:r>
+                        <a:rPr b="1" dirty="0" err="1"/>
+                        <a:t>пик</a:t>
+                      </a:r>
+                      <a:endParaRPr b="1" dirty="0"/>
                     </a:p>
                   </a:txBody>
+                  <a:tcPr/>
                 </a:tc>
                 <a:tc>
                   <a:txBody>
                     <a:bodyPr/>
                     <a:lstStyle/>
                     <a:p>
-                      <a:pPr lvl="0" indent="0" marL="0">
+                      <a:pPr marL="0" lvl="0" indent="0">
                         <a:buNone/>
                       </a:pPr>
                       <a:r>
-                        <a:rPr b="1"/>
-                        <a:t>57.2%</a:t>
+                        <a:t>~2-3 GB</a:t>
                       </a:r>
                     </a:p>
                   </a:txBody>
+                  <a:tcPr/>
                 </a:tc>
                 <a:tc>
                   <a:txBody>
                     <a:bodyPr/>
                     <a:lstStyle/>
                     <a:p>
-                      <a:pPr lvl="0" indent="0" marL="0">
+                      <a:pPr marL="0" lvl="0" indent="0">
                         <a:buNone/>
                       </a:pPr>
                       <a:r>
-                        <a:rPr b="1"/>
-                        <a:t>Большинство в центре - отлично!</a:t>
+                        <a:rPr dirty="0" err="1"/>
+                        <a:t>Умещается</a:t>
+                      </a:r>
+                      <a:r>
+                        <a:rPr dirty="0"/>
+                        <a:t> </a:t>
+                      </a:r>
+                      <a:r>
+                        <a:rPr dirty="0" err="1"/>
+                        <a:t>на</a:t>
+                      </a:r>
+                      <a:r>
+                        <a:rPr dirty="0"/>
+                        <a:t> laptop</a:t>
                       </a:r>
                     </a:p>
                   </a:txBody>
+                  <a:tcPr/>
                 </a:tc>
+                <a:extLst>
+                  <a:ext uri="{0D108BD9-81ED-4DB2-BD59-A6C34878D82A}">
+                    <a16:rowId xmlns:a16="http://schemas.microsoft.com/office/drawing/2014/main" val="10003"/>
+                  </a:ext>
+                </a:extLst>
               </a:tr>
               <a:tr h="0">
                 <a:tc>
@@ -6496,93 +4565,129 @@
                     <a:bodyPr/>
                     <a:lstStyle/>
                     <a:p>
-                      <a:pPr lvl="0" indent="0" marL="0">
+                      <a:pPr marL="0" lvl="0" indent="0">
                         <a:buNone/>
                       </a:pPr>
                       <a:r>
-                        <a:rPr/>
-                        <a:t>0.6-0.8</a:t>
+                        <a:rPr b="1"/>
+                        <a:t>Размер модели</a:t>
                       </a:r>
                     </a:p>
                   </a:txBody>
+                  <a:tcPr/>
                 </a:tc>
                 <a:tc>
                   <a:txBody>
                     <a:bodyPr/>
                     <a:lstStyle/>
                     <a:p>
-                      <a:pPr lvl="0" indent="0" marL="0">
+                      <a:pPr marL="0" lvl="0" indent="0">
                         <a:buNone/>
                       </a:pPr>
                       <a:r>
-                        <a:rPr/>
-                        <a:t>16.1%</a:t>
+                        <a:t>~9 MB</a:t>
                       </a:r>
                     </a:p>
                   </a:txBody>
+                  <a:tcPr/>
                 </a:tc>
                 <a:tc>
                   <a:txBody>
                     <a:bodyPr/>
                     <a:lstStyle/>
                     <a:p>
-                      <a:pPr lvl="0" indent="0" marL="0">
+                      <a:pPr marL="0" lvl="0" indent="0">
                         <a:buNone/>
                       </a:pPr>
                       <a:r>
-                        <a:rPr/>
-                        <a:t>Вероятный рост</a:t>
+                        <a:rPr dirty="0" err="1"/>
+                        <a:t>Легко</a:t>
                       </a:r>
+                      <a:r>
+                        <a:rPr dirty="0"/>
+                        <a:t> </a:t>
+                      </a:r>
+                      <a:r>
+                        <a:rPr dirty="0" err="1"/>
+                        <a:t>деплоить</a:t>
+                      </a:r>
+                      <a:endParaRPr dirty="0"/>
                     </a:p>
                   </a:txBody>
+                  <a:tcPr/>
                 </a:tc>
+                <a:extLst>
+                  <a:ext uri="{0D108BD9-81ED-4DB2-BD59-A6C34878D82A}">
+                    <a16:rowId xmlns:a16="http://schemas.microsoft.com/office/drawing/2014/main" val="10004"/>
+                  </a:ext>
+                </a:extLst>
               </a:tr>
-              <a:tr h="0">
+              <a:tr h="370310">
                 <a:tc>
                   <a:txBody>
                     <a:bodyPr/>
                     <a:lstStyle/>
                     <a:p>
-                      <a:pPr lvl="0" indent="0" marL="0">
+                      <a:pPr marL="0" lvl="0" indent="0">
                         <a:buNone/>
                       </a:pPr>
                       <a:r>
-                        <a:rPr/>
-                        <a:t>≥ 0.8</a:t>
+                        <a:rPr b="1"/>
+                        <a:t>LLM токены</a:t>
                       </a:r>
                     </a:p>
                   </a:txBody>
+                  <a:tcPr/>
                 </a:tc>
                 <a:tc>
                   <a:txBody>
                     <a:bodyPr/>
                     <a:lstStyle/>
                     <a:p>
-                      <a:pPr lvl="0" indent="0" marL="0">
+                      <a:pPr marL="0" lvl="0" indent="0">
                         <a:buNone/>
                       </a:pPr>
                       <a:r>
-                        <a:rPr/>
-                        <a:t>1.6%</a:t>
+                        <a:rPr dirty="0"/>
+                        <a:t>0</a:t>
                       </a:r>
                     </a:p>
                   </a:txBody>
+                  <a:tcPr/>
                 </a:tc>
                 <a:tc>
                   <a:txBody>
                     <a:bodyPr/>
                     <a:lstStyle/>
                     <a:p>
-                      <a:pPr lvl="0" indent="0" marL="0">
+                      <a:pPr marL="0" lvl="0" indent="0">
                         <a:buNone/>
                       </a:pPr>
                       <a:r>
-                        <a:rPr/>
-                        <a:t>Редкие уверенные росты</a:t>
+                        <a:rPr dirty="0" err="1"/>
+                        <a:t>Не</a:t>
+                      </a:r>
+                      <a:r>
+                        <a:rPr dirty="0"/>
+                        <a:t> </a:t>
+                      </a:r>
+                      <a:r>
+                        <a:rPr dirty="0" err="1"/>
+                        <a:t>используем</a:t>
+                      </a:r>
+                      <a:r>
+                        <a:rPr dirty="0"/>
+                        <a:t> LLM</a:t>
                       </a:r>
                     </a:p>
                   </a:txBody>
+                  <a:tcPr/>
                 </a:tc>
+                <a:extLst>
+                  <a:ext uri="{0D108BD9-81ED-4DB2-BD59-A6C34878D82A}">
+                    <a16:rowId xmlns:a16="http://schemas.microsoft.com/office/drawing/2014/main" val="10005"/>
+                  </a:ext>
+                </a:extLst>
               </a:tr>
             </a:tbl>
           </a:graphicData>
@@ -6590,6 +4695,9 @@
       </p:graphicFrame>
     </p:spTree>
   </p:cSld>
+  <p:clrMapOvr>
+    <a:masterClrMapping/>
+  </p:clrMapOvr>
 </p:sld>
 </file>
 
@@ -6612,12 +4720,12 @@
       </p:grpSpPr>
       <p:sp>
         <p:nvSpPr>
-          <p:cNvPr id="3" name="Content Placeholder 2"/>
-          <p:cNvSpPr>
-            <a:spLocks noGrp="1"/>
-          </p:cNvSpPr>
-          <p:nvPr>
-            <p:ph idx="1"/>
+          <p:cNvPr id="2" name="Title 1"/>
+          <p:cNvSpPr>
+            <a:spLocks noGrp="1"/>
+          </p:cNvSpPr>
+          <p:nvPr>
+            <p:ph type="title"/>
           </p:nvPr>
         </p:nvSpPr>
         <p:spPr/>
@@ -6625,22 +4733,50 @@
           <a:bodyPr/>
           <a:lstStyle/>
           <a:p>
-            <a:pPr lvl="0" indent="0" marL="0">
+            <a:pPr marL="0" lvl="0" indent="0">
               <a:buNone/>
             </a:pPr>
             <a:r>
-              <a:rPr b="1"/>
-              <a:t>Вывод</a:t>
-            </a:r>
-            <a:r>
-              <a:rPr/>
-              <a:t>: Идеальная калибровка! 57% предсказаний в центральном диапазоне ✅</a:t>
-            </a:r>
-          </a:p>
-        </p:txBody>
-      </p:sp>
+              <a:t>6. 💡 Уникальность / Вклад</a:t>
+            </a:r>
+          </a:p>
+        </p:txBody>
+      </p:sp>
+      <p:pic>
+        <p:nvPicPr>
+          <p:cNvPr id="6" name="Рисунок 5">
+            <a:extLst>
+              <a:ext uri="{FF2B5EF4-FFF2-40B4-BE49-F238E27FC236}">
+                <a16:creationId xmlns:a16="http://schemas.microsoft.com/office/drawing/2014/main" id="{A6C3F938-62D0-3C60-C864-F5AF5430B3A6}"/>
+              </a:ext>
+            </a:extLst>
+          </p:cNvPr>
+          <p:cNvPicPr>
+            <a:picLocks noChangeAspect="1"/>
+          </p:cNvPicPr>
+          <p:nvPr/>
+        </p:nvPicPr>
+        <p:blipFill>
+          <a:blip r:embed="rId2"/>
+          <a:stretch>
+            <a:fillRect/>
+          </a:stretch>
+        </p:blipFill>
+        <p:spPr>
+          <a:xfrm>
+            <a:off x="1901840" y="1003890"/>
+            <a:ext cx="5473649" cy="4031841"/>
+          </a:xfrm>
+          <a:prstGeom prst="rect">
+            <a:avLst/>
+          </a:prstGeom>
+        </p:spPr>
+      </p:pic>
     </p:spTree>
   </p:cSld>
+  <p:clrMapOvr>
+    <a:masterClrMapping/>
+  </p:clrMapOvr>
 </p:sld>
 </file>
 
@@ -6671,370 +4807,55 @@
             <p:ph type="title"/>
           </p:nvPr>
         </p:nvSpPr>
+        <p:spPr/>
+        <p:txBody>
+          <a:bodyPr/>
+          <a:lstStyle/>
+          <a:p>
+            <a:pPr marL="0" lvl="0" indent="0">
+              <a:buNone/>
+            </a:pPr>
+            <a:r>
+              <a:t>7. 🎓 Выводы и ограничения</a:t>
+            </a:r>
+          </a:p>
+        </p:txBody>
+      </p:sp>
+      <p:pic>
+        <p:nvPicPr>
+          <p:cNvPr id="6" name="Рисунок 5">
+            <a:extLst>
+              <a:ext uri="{FF2B5EF4-FFF2-40B4-BE49-F238E27FC236}">
+                <a16:creationId xmlns:a16="http://schemas.microsoft.com/office/drawing/2014/main" id="{37E187E3-00EF-CB9C-4CCE-4F32A34C8DD4}"/>
+              </a:ext>
+            </a:extLst>
+          </p:cNvPr>
+          <p:cNvPicPr>
+            <a:picLocks noChangeAspect="1"/>
+          </p:cNvPicPr>
+          <p:nvPr/>
+        </p:nvPicPr>
+        <p:blipFill>
+          <a:blip r:embed="rId2"/>
+          <a:stretch>
+            <a:fillRect/>
+          </a:stretch>
+        </p:blipFill>
         <p:spPr>
           <a:xfrm>
-            <a:off x="457201" y="204787"/>
-            <a:ext cx="3008313" cy="871538"/>
+            <a:off x="1352550" y="880836"/>
+            <a:ext cx="6438900" cy="4165600"/>
           </a:xfrm>
+          <a:prstGeom prst="rect">
+            <a:avLst/>
+          </a:prstGeom>
         </p:spPr>
-        <p:txBody>
-          <a:bodyPr/>
-          <a:lstStyle/>
-          <a:p>
-            <a:pPr lvl="0" indent="0" marL="0">
-              <a:buNone/>
-            </a:pPr>
-            <a:r>
-              <a:rPr/>
-              <a:t>5. ⚙️ Эффективность и применимость</a:t>
-            </a:r>
-          </a:p>
-        </p:txBody>
-      </p:sp>
-      <p:sp>
-        <p:nvSpPr>
-          <p:cNvPr id="4" name="Text Placeholder 3"/>
-          <p:cNvSpPr>
-            <a:spLocks noGrp="1"/>
-          </p:cNvSpPr>
-          <p:nvPr>
-            <p:ph idx="2" sz="half" type="body"/>
-          </p:nvPr>
-        </p:nvSpPr>
-        <p:spPr/>
-        <p:txBody>
-          <a:bodyPr/>
-          <a:lstStyle/>
-          <a:p>
-            <a:pPr lvl="0" indent="0" marL="0">
-              <a:spcBef>
-                <a:spcPts val="3000"/>
-              </a:spcBef>
-              <a:buNone/>
-            </a:pPr>
-            <a:r>
-              <a:rPr b="1"/>
-              <a:t>Ресурсы → Результат</a:t>
-            </a:r>
-          </a:p>
-        </p:txBody>
-      </p:sp>
-      <p:graphicFrame>
-        <p:nvGraphicFramePr>
-          <p:cNvPr id="6" name="Content Placeholder 5"/>
-          <p:cNvGraphicFramePr>
-            <a:graphicFrameLocks noGrp="1"/>
-          </p:cNvGraphicFramePr>
-          <p:nvPr>
-            <p:ph idx="1"/>
-          </p:nvPr>
-        </p:nvGraphicFramePr>
-        <p:xfrm>
-          <a:off x="3568700" y="203200"/>
-          <a:ext cx="5105400" cy="4381500"/>
-        </p:xfrm>
-        <a:graphic>
-          <a:graphicData uri="http://schemas.openxmlformats.org/drawingml/2006/table">
-            <a:tbl>
-              <a:tblPr firstRow="1" bandRow="1">
-                <a:tableStyleId>{5C22544A-7EE6-4342-B048-85BDC9FD1C3A}</a:tableStyleId>
-              </a:tblPr>
-              <a:tblGrid>
-                <a:gridCol w="1701800"/>
-                <a:gridCol w="1701800"/>
-                <a:gridCol w="1701800"/>
-              </a:tblGrid>
-              <a:tr h="0">
-                <a:tc>
-                  <a:txBody>
-                    <a:bodyPr/>
-                    <a:lstStyle/>
-                    <a:p>
-                      <a:pPr lvl="0" indent="0" marL="0">
-                        <a:buNone/>
-                      </a:pPr>
-                      <a:r>
-                        <a:rPr/>
-                        <a:t>Параметр</a:t>
-                      </a:r>
-                    </a:p>
-                  </a:txBody>
-                  <a:tcPr/>
-                </a:tc>
-                <a:tc>
-                  <a:txBody>
-                    <a:bodyPr/>
-                    <a:lstStyle/>
-                    <a:p>
-                      <a:pPr lvl="0" indent="0" marL="0">
-                        <a:buNone/>
-                      </a:pPr>
-                      <a:r>
-                        <a:rPr/>
-                        <a:t>Значение</a:t>
-                      </a:r>
-                    </a:p>
-                  </a:txBody>
-                  <a:tcPr/>
-                </a:tc>
-                <a:tc>
-                  <a:txBody>
-                    <a:bodyPr/>
-                    <a:lstStyle/>
-                    <a:p>
-                      <a:pPr lvl="0" indent="0" marL="0">
-                        <a:buNone/>
-                      </a:pPr>
-                      <a:r>
-                        <a:rPr/>
-                        <a:t>Комментарий</a:t>
-                      </a:r>
-                    </a:p>
-                  </a:txBody>
-                  <a:tcPr/>
-                </a:tc>
-              </a:tr>
-              <a:tr h="0">
-                <a:tc>
-                  <a:txBody>
-                    <a:bodyPr/>
-                    <a:lstStyle/>
-                    <a:p>
-                      <a:pPr lvl="0" indent="0" marL="0">
-                        <a:buNone/>
-                      </a:pPr>
-                      <a:r>
-                        <a:rPr b="1"/>
-                        <a:t>Время обучения</a:t>
-                      </a:r>
-                    </a:p>
-                  </a:txBody>
-                </a:tc>
-                <a:tc>
-                  <a:txBody>
-                    <a:bodyPr/>
-                    <a:lstStyle/>
-                    <a:p>
-                      <a:pPr lvl="0" indent="0" marL="0">
-                        <a:buNone/>
-                      </a:pPr>
-                      <a:r>
-                        <a:rPr/>
-                        <a:t>&lt; 1 мин</a:t>
-                      </a:r>
-                    </a:p>
-                  </a:txBody>
-                </a:tc>
-                <a:tc>
-                  <a:txBody>
-                    <a:bodyPr/>
-                    <a:lstStyle/>
-                    <a:p>
-                      <a:pPr lvl="0" indent="0" marL="0">
-                        <a:buNone/>
-                      </a:pPr>
-                      <a:r>
-                        <a:rPr/>
-                        <a:t>&lt; 60 мин ✅ Очень быстро!</a:t>
-                      </a:r>
-                    </a:p>
-                  </a:txBody>
-                </a:tc>
-              </a:tr>
-              <a:tr h="0">
-                <a:tc>
-                  <a:txBody>
-                    <a:bodyPr/>
-                    <a:lstStyle/>
-                    <a:p>
-                      <a:pPr lvl="0" indent="0" marL="0">
-                        <a:buNone/>
-                      </a:pPr>
-                      <a:r>
-                        <a:rPr b="1"/>
-                        <a:t>Время инференса</a:t>
-                      </a:r>
-                    </a:p>
-                  </a:txBody>
-                </a:tc>
-                <a:tc>
-                  <a:txBody>
-                    <a:bodyPr/>
-                    <a:lstStyle/>
-                    <a:p>
-                      <a:pPr lvl="0" indent="0" marL="0">
-                        <a:buNone/>
-                      </a:pPr>
-                      <a:r>
-                        <a:rPr/>
-                        <a:t>&lt; 1 мин</a:t>
-                      </a:r>
-                    </a:p>
-                  </a:txBody>
-                </a:tc>
-                <a:tc>
-                  <a:txBody>
-                    <a:bodyPr/>
-                    <a:lstStyle/>
-                    <a:p>
-                      <a:pPr lvl="0" indent="0" marL="0">
-                        <a:buNone/>
-                      </a:pPr>
-                      <a:r>
-                        <a:rPr/>
-                        <a:t>Real-time готов</a:t>
-                      </a:r>
-                    </a:p>
-                  </a:txBody>
-                </a:tc>
-              </a:tr>
-              <a:tr h="0">
-                <a:tc>
-                  <a:txBody>
-                    <a:bodyPr/>
-                    <a:lstStyle/>
-                    <a:p>
-                      <a:pPr lvl="0" indent="0" marL="0">
-                        <a:buNone/>
-                      </a:pPr>
-                      <a:r>
-                        <a:rPr b="1"/>
-                        <a:t>RAM пик</a:t>
-                      </a:r>
-                    </a:p>
-                  </a:txBody>
-                </a:tc>
-                <a:tc>
-                  <a:txBody>
-                    <a:bodyPr/>
-                    <a:lstStyle/>
-                    <a:p>
-                      <a:pPr lvl="0" indent="0" marL="0">
-                        <a:buNone/>
-                      </a:pPr>
-                      <a:r>
-                        <a:rPr/>
-                        <a:t>~2-3 GB</a:t>
-                      </a:r>
-                    </a:p>
-                  </a:txBody>
-                </a:tc>
-                <a:tc>
-                  <a:txBody>
-                    <a:bodyPr/>
-                    <a:lstStyle/>
-                    <a:p>
-                      <a:pPr lvl="0" indent="0" marL="0">
-                        <a:buNone/>
-                      </a:pPr>
-                      <a:r>
-                        <a:rPr/>
-                        <a:t>Умещается на laptop</a:t>
-                      </a:r>
-                    </a:p>
-                  </a:txBody>
-                </a:tc>
-              </a:tr>
-              <a:tr h="0">
-                <a:tc>
-                  <a:txBody>
-                    <a:bodyPr/>
-                    <a:lstStyle/>
-                    <a:p>
-                      <a:pPr lvl="0" indent="0" marL="0">
-                        <a:buNone/>
-                      </a:pPr>
-                      <a:r>
-                        <a:rPr b="1"/>
-                        <a:t>Размер модели</a:t>
-                      </a:r>
-                    </a:p>
-                  </a:txBody>
-                </a:tc>
-                <a:tc>
-                  <a:txBody>
-                    <a:bodyPr/>
-                    <a:lstStyle/>
-                    <a:p>
-                      <a:pPr lvl="0" indent="0" marL="0">
-                        <a:buNone/>
-                      </a:pPr>
-                      <a:r>
-                        <a:rPr/>
-                        <a:t>~9 MB</a:t>
-                      </a:r>
-                    </a:p>
-                  </a:txBody>
-                </a:tc>
-                <a:tc>
-                  <a:txBody>
-                    <a:bodyPr/>
-                    <a:lstStyle/>
-                    <a:p>
-                      <a:pPr lvl="0" indent="0" marL="0">
-                        <a:buNone/>
-                      </a:pPr>
-                      <a:r>
-                        <a:rPr/>
-                        <a:t>Легко деплоить</a:t>
-                      </a:r>
-                    </a:p>
-                  </a:txBody>
-                </a:tc>
-              </a:tr>
-              <a:tr h="0">
-                <a:tc>
-                  <a:txBody>
-                    <a:bodyPr/>
-                    <a:lstStyle/>
-                    <a:p>
-                      <a:pPr lvl="0" indent="0" marL="0">
-                        <a:buNone/>
-                      </a:pPr>
-                      <a:r>
-                        <a:rPr b="1"/>
-                        <a:t>LLM токены</a:t>
-                      </a:r>
-                    </a:p>
-                  </a:txBody>
-                </a:tc>
-                <a:tc>
-                  <a:txBody>
-                    <a:bodyPr/>
-                    <a:lstStyle/>
-                    <a:p>
-                      <a:pPr lvl="0" indent="0" marL="0">
-                        <a:buNone/>
-                      </a:pPr>
-                      <a:r>
-                        <a:rPr/>
-                        <a:t>0</a:t>
-                      </a:r>
-                    </a:p>
-                  </a:txBody>
-                </a:tc>
-                <a:tc>
-                  <a:txBody>
-                    <a:bodyPr/>
-                    <a:lstStyle/>
-                    <a:p>
-                      <a:pPr lvl="0" indent="0" marL="0">
-                        <a:buNone/>
-                      </a:pPr>
-                      <a:r>
-                        <a:rPr/>
-                        <a:t>Не используем LLM</a:t>
-                      </a:r>
-                    </a:p>
-                  </a:txBody>
-                </a:tc>
-              </a:tr>
-            </a:tbl>
-          </a:graphicData>
-        </a:graphic>
-      </p:graphicFrame>
+      </p:pic>
     </p:spTree>
   </p:cSld>
+  <p:clrMapOvr>
+    <a:masterClrMapping/>
+  </p:clrMapOvr>
 </p:sld>
 </file>
 
@@ -7356,265 +5177,4 @@
   </a:objectDefaults>
   <a:extraClrSchemeLst/>
 </a:theme>
-</file>
-
-<file path=ppt/theme/theme2.xml><?xml version="1.0" encoding="utf-8"?>
-<a:theme xmlns:a="http://schemas.openxmlformats.org/drawingml/2006/main" name="Office Theme">
-  <a:themeElements>
-    <a:clrScheme name="Office">
-      <a:dk1>
-        <a:sysClr val="windowText" lastClr="000000"/>
-      </a:dk1>
-      <a:lt1>
-        <a:sysClr val="window" lastClr="FFFFFF"/>
-      </a:lt1>
-      <a:dk2>
-        <a:srgbClr val="44546A"/>
-      </a:dk2>
-      <a:lt2>
-        <a:srgbClr val="E7E6E6"/>
-      </a:lt2>
-      <a:accent1>
-        <a:srgbClr val="5B9BD5"/>
-      </a:accent1>
-      <a:accent2>
-        <a:srgbClr val="ED7D31"/>
-      </a:accent2>
-      <a:accent3>
-        <a:srgbClr val="A5A5A5"/>
-      </a:accent3>
-      <a:accent4>
-        <a:srgbClr val="FFC000"/>
-      </a:accent4>
-      <a:accent5>
-        <a:srgbClr val="4472C4"/>
-      </a:accent5>
-      <a:accent6>
-        <a:srgbClr val="70AD47"/>
-      </a:accent6>
-      <a:hlink>
-        <a:srgbClr val="0563C1"/>
-      </a:hlink>
-      <a:folHlink>
-        <a:srgbClr val="954F72"/>
-      </a:folHlink>
-    </a:clrScheme>
-    <a:fontScheme name="Office">
-      <a:majorFont>
-        <a:latin typeface="Calibri Light" panose="020F0302020204030204"/>
-        <a:ea typeface=""/>
-        <a:cs typeface=""/>
-        <a:font script="Jpan" typeface="ＭＳ Ｐゴシック"/>
-        <a:font script="Hang" typeface="맑은 고딕"/>
-        <a:font script="Hans" typeface="宋体"/>
-        <a:font script="Hant" typeface="新細明體"/>
-        <a:font script="Arab" typeface="Times New Roman"/>
-        <a:font script="Hebr" typeface="Times New Roman"/>
-        <a:font script="Thai" typeface="Angsana New"/>
-        <a:font script="Ethi" typeface="Nyala"/>
-        <a:font script="Beng" typeface="Vrinda"/>
-        <a:font script="Gujr" typeface="Shruti"/>
-        <a:font script="Khmr" typeface="MoolBoran"/>
-        <a:font script="Knda" typeface="Tunga"/>
-        <a:font script="Guru" typeface="Raavi"/>
-        <a:font script="Cans" typeface="Euphemia"/>
-        <a:font script="Cher" typeface="Plantagenet Cherokee"/>
-        <a:font script="Yiii" typeface="Microsoft Yi Baiti"/>
-        <a:font script="Tibt" typeface="Microsoft Himalaya"/>
-        <a:font script="Thaa" typeface="MV Boli"/>
-        <a:font script="Deva" typeface="Mangal"/>
-        <a:font script="Telu" typeface="Gautami"/>
-        <a:font script="Taml" typeface="Latha"/>
-        <a:font script="Syrc" typeface="Estrangelo Edessa"/>
-        <a:font script="Orya" typeface="Kalinga"/>
-        <a:font script="Mlym" typeface="Kartika"/>
-        <a:font script="Laoo" typeface="DokChampa"/>
-        <a:font script="Sinh" typeface="Iskoola Pota"/>
-        <a:font script="Mong" typeface="Mongolian Baiti"/>
-        <a:font script="Viet" typeface="Times New Roman"/>
-        <a:font script="Uigh" typeface="Microsoft Uighur"/>
-        <a:font script="Geor" typeface="Sylfaen"/>
-      </a:majorFont>
-      <a:minorFont>
-        <a:latin typeface="Calibri" panose="020F0502020204030204"/>
-        <a:ea typeface=""/>
-        <a:cs typeface=""/>
-        <a:font script="Jpan" typeface="ＭＳ Ｐゴシック"/>
-        <a:font script="Hang" typeface="맑은 고딕"/>
-        <a:font script="Hans" typeface="宋体"/>
-        <a:font script="Hant" typeface="新細明體"/>
-        <a:font script="Arab" typeface="Arial"/>
-        <a:font script="Hebr" typeface="Arial"/>
-        <a:font script="Thai" typeface="Cordia New"/>
-        <a:font script="Ethi" typeface="Nyala"/>
-        <a:font script="Beng" typeface="Vrinda"/>
-        <a:font script="Gujr" typeface="Shruti"/>
-        <a:font script="Khmr" typeface="DaunPenh"/>
-        <a:font script="Knda" typeface="Tunga"/>
-        <a:font script="Guru" typeface="Raavi"/>
-        <a:font script="Cans" typeface="Euphemia"/>
-        <a:font script="Cher" typeface="Plantagenet Cherokee"/>
-        <a:font script="Yiii" typeface="Microsoft Yi Baiti"/>
-        <a:font script="Tibt" typeface="Microsoft Himalaya"/>
-        <a:font script="Thaa" typeface="MV Boli"/>
-        <a:font script="Deva" typeface="Mangal"/>
-        <a:font script="Telu" typeface="Gautami"/>
-        <a:font script="Taml" typeface="Latha"/>
-        <a:font script="Syrc" typeface="Estrangelo Edessa"/>
-        <a:font script="Orya" typeface="Kalinga"/>
-        <a:font script="Mlym" typeface="Kartika"/>
-        <a:font script="Laoo" typeface="DokChampa"/>
-        <a:font script="Sinh" typeface="Iskoola Pota"/>
-        <a:font script="Mong" typeface="Mongolian Baiti"/>
-        <a:font script="Viet" typeface="Arial"/>
-        <a:font script="Uigh" typeface="Microsoft Uighur"/>
-        <a:font script="Geor" typeface="Sylfaen"/>
-      </a:minorFont>
-    </a:fontScheme>
-    <a:fmtScheme name="Office">
-      <a:fillStyleLst>
-        <a:solidFill>
-          <a:schemeClr val="phClr"/>
-        </a:solidFill>
-        <a:gradFill rotWithShape="1">
-          <a:gsLst>
-            <a:gs pos="0">
-              <a:schemeClr val="phClr">
-                <a:lumMod val="110000"/>
-                <a:satMod val="105000"/>
-                <a:tint val="67000"/>
-              </a:schemeClr>
-            </a:gs>
-            <a:gs pos="50000">
-              <a:schemeClr val="phClr">
-                <a:lumMod val="105000"/>
-                <a:satMod val="103000"/>
-                <a:tint val="73000"/>
-              </a:schemeClr>
-            </a:gs>
-            <a:gs pos="100000">
-              <a:schemeClr val="phClr">
-                <a:lumMod val="105000"/>
-                <a:satMod val="109000"/>
-                <a:tint val="81000"/>
-              </a:schemeClr>
-            </a:gs>
-          </a:gsLst>
-          <a:lin ang="5400000" scaled="0"/>
-        </a:gradFill>
-        <a:gradFill rotWithShape="1">
-          <a:gsLst>
-            <a:gs pos="0">
-              <a:schemeClr val="phClr">
-                <a:satMod val="103000"/>
-                <a:lumMod val="102000"/>
-                <a:tint val="94000"/>
-              </a:schemeClr>
-            </a:gs>
-            <a:gs pos="50000">
-              <a:schemeClr val="phClr">
-                <a:satMod val="110000"/>
-                <a:lumMod val="100000"/>
-                <a:shade val="100000"/>
-              </a:schemeClr>
-            </a:gs>
-            <a:gs pos="100000">
-              <a:schemeClr val="phClr">
-                <a:lumMod val="99000"/>
-                <a:satMod val="120000"/>
-                <a:shade val="78000"/>
-              </a:schemeClr>
-            </a:gs>
-          </a:gsLst>
-          <a:lin ang="5400000" scaled="0"/>
-        </a:gradFill>
-      </a:fillStyleLst>
-      <a:lnStyleLst>
-        <a:ln w="6350" cap="flat" cmpd="sng" algn="ctr">
-          <a:solidFill>
-            <a:schemeClr val="phClr"/>
-          </a:solidFill>
-          <a:prstDash val="solid"/>
-          <a:miter lim="800000"/>
-        </a:ln>
-        <a:ln w="12700" cap="flat" cmpd="sng" algn="ctr">
-          <a:solidFill>
-            <a:schemeClr val="phClr"/>
-          </a:solidFill>
-          <a:prstDash val="solid"/>
-          <a:miter lim="800000"/>
-        </a:ln>
-        <a:ln w="19050" cap="flat" cmpd="sng" algn="ctr">
-          <a:solidFill>
-            <a:schemeClr val="phClr"/>
-          </a:solidFill>
-          <a:prstDash val="solid"/>
-          <a:miter lim="800000"/>
-        </a:ln>
-      </a:lnStyleLst>
-      <a:effectStyleLst>
-        <a:effectStyle>
-          <a:effectLst/>
-        </a:effectStyle>
-        <a:effectStyle>
-          <a:effectLst/>
-        </a:effectStyle>
-        <a:effectStyle>
-          <a:effectLst>
-            <a:outerShdw blurRad="57150" dist="19050" dir="5400000" algn="ctr" rotWithShape="0">
-              <a:srgbClr val="000000">
-                <a:alpha val="63000"/>
-              </a:srgbClr>
-            </a:outerShdw>
-          </a:effectLst>
-        </a:effectStyle>
-      </a:effectStyleLst>
-      <a:bgFillStyleLst>
-        <a:solidFill>
-          <a:schemeClr val="phClr"/>
-        </a:solidFill>
-        <a:solidFill>
-          <a:schemeClr val="phClr">
-            <a:tint val="95000"/>
-            <a:satMod val="170000"/>
-          </a:schemeClr>
-        </a:solidFill>
-        <a:gradFill rotWithShape="1">
-          <a:gsLst>
-            <a:gs pos="0">
-              <a:schemeClr val="phClr">
-                <a:tint val="93000"/>
-                <a:satMod val="150000"/>
-                <a:shade val="98000"/>
-                <a:lumMod val="102000"/>
-              </a:schemeClr>
-            </a:gs>
-            <a:gs pos="50000">
-              <a:schemeClr val="phClr">
-                <a:tint val="98000"/>
-                <a:satMod val="130000"/>
-                <a:shade val="90000"/>
-                <a:lumMod val="103000"/>
-              </a:schemeClr>
-            </a:gs>
-            <a:gs pos="100000">
-              <a:schemeClr val="phClr">
-                <a:shade val="63000"/>
-                <a:satMod val="120000"/>
-              </a:schemeClr>
-            </a:gs>
-          </a:gsLst>
-          <a:lin ang="5400000" scaled="0"/>
-        </a:gradFill>
-      </a:bgFillStyleLst>
-    </a:fmtScheme>
-  </a:themeElements>
-  <a:objectDefaults/>
-  <a:extraClrSchemeLst/>
-  <a:extLst>
-    <a:ext uri="{05A4C25C-085E-4340-85A3-A5531E510DB2}">
-      <thm15:themeFamily xmlns:thm15="http://schemas.microsoft.com/office/thememl/2012/main" name="Office Theme" id="{62F939B6-93AF-4DB8-9C6B-D6C7DFDC589F}" vid="{4A3C46E8-61CC-4603-A589-7422A47A8E4A}"/>
-    </a:ext>
-  </a:extLst>
-</a:theme>
 </file>